--- a/分布式计算/课件/09. 最大独立集与选举算法.pptx
+++ b/分布式计算/课件/09. 最大独立集与选举算法.pptx
@@ -290,7 +290,7 @@
               <a:pPr>
                 <a:defRPr/>
               </a:pPr>
-              <a:t>2019/5/3</a:t>
+              <a:t>2019/5/7</a:t>
             </a:fld>
             <a:endParaRPr lang="zh-CN" altLang="en-US"/>
           </a:p>
@@ -508,7 +508,7 @@
               <a:pPr>
                 <a:defRPr/>
               </a:pPr>
-              <a:t>2019/5/3</a:t>
+              <a:t>2019/5/7</a:t>
             </a:fld>
             <a:endParaRPr lang="zh-CN" altLang="en-US"/>
           </a:p>
@@ -868,7 +868,7 @@
           </a:ln>
           <a:extLst>
             <a:ext uri="{909E8E84-426E-40dd-AFC4-6F175D3DCCD1}">
-              <a14:hiddenFill xmlns="" xmlns:a14="http://schemas.microsoft.com/office/drawing/2010/main">
+              <a14:hiddenFill xmlns:a14="http://schemas.microsoft.com/office/drawing/2010/main" xmlns="">
                 <a:solidFill>
                   <a:srgbClr val="FFFFFF"/>
                 </a:solidFill>
@@ -891,14 +891,14 @@
           <a:noFill/>
           <a:extLst>
             <a:ext uri="{909E8E84-426E-40dd-AFC4-6F175D3DCCD1}">
-              <a14:hiddenFill xmlns="" xmlns:a14="http://schemas.microsoft.com/office/drawing/2010/main">
+              <a14:hiddenFill xmlns:a14="http://schemas.microsoft.com/office/drawing/2010/main" xmlns="">
                 <a:solidFill>
                   <a:srgbClr val="FFFFFF"/>
                 </a:solidFill>
               </a14:hiddenFill>
             </a:ext>
             <a:ext uri="{91240B29-F687-4f45-9708-019B960494DF}">
-              <a14:hiddenLine xmlns="" xmlns:a14="http://schemas.microsoft.com/office/drawing/2010/main" w="9525">
+              <a14:hiddenLine xmlns:a14="http://schemas.microsoft.com/office/drawing/2010/main" xmlns="" w="9525">
                 <a:solidFill>
                   <a:srgbClr val="000000"/>
                 </a:solidFill>
@@ -1114,7 +1114,7 @@
           </a:ln>
           <a:extLst>
             <a:ext uri="{909E8E84-426E-40dd-AFC4-6F175D3DCCD1}">
-              <a14:hiddenFill xmlns="" xmlns:a14="http://schemas.microsoft.com/office/drawing/2010/main">
+              <a14:hiddenFill xmlns:a14="http://schemas.microsoft.com/office/drawing/2010/main" xmlns="">
                 <a:solidFill>
                   <a:srgbClr val="FFFFFF"/>
                 </a:solidFill>
@@ -1137,14 +1137,14 @@
           <a:noFill/>
           <a:extLst>
             <a:ext uri="{909E8E84-426E-40dd-AFC4-6F175D3DCCD1}">
-              <a14:hiddenFill xmlns="" xmlns:a14="http://schemas.microsoft.com/office/drawing/2010/main">
+              <a14:hiddenFill xmlns:a14="http://schemas.microsoft.com/office/drawing/2010/main" xmlns="">
                 <a:solidFill>
                   <a:srgbClr val="FFFFFF"/>
                 </a:solidFill>
               </a14:hiddenFill>
             </a:ext>
             <a:ext uri="{91240B29-F687-4f45-9708-019B960494DF}">
-              <a14:hiddenLine xmlns="" xmlns:a14="http://schemas.microsoft.com/office/drawing/2010/main" w="9525">
+              <a14:hiddenLine xmlns:a14="http://schemas.microsoft.com/office/drawing/2010/main" xmlns="" w="9525">
                 <a:solidFill>
                   <a:srgbClr val="000000"/>
                 </a:solidFill>
@@ -1360,7 +1360,7 @@
           </a:ln>
           <a:extLst>
             <a:ext uri="{909E8E84-426E-40dd-AFC4-6F175D3DCCD1}">
-              <a14:hiddenFill xmlns="" xmlns:a14="http://schemas.microsoft.com/office/drawing/2010/main">
+              <a14:hiddenFill xmlns:a14="http://schemas.microsoft.com/office/drawing/2010/main" xmlns="">
                 <a:solidFill>
                   <a:srgbClr val="FFFFFF"/>
                 </a:solidFill>
@@ -1383,14 +1383,14 @@
           <a:noFill/>
           <a:extLst>
             <a:ext uri="{909E8E84-426E-40dd-AFC4-6F175D3DCCD1}">
-              <a14:hiddenFill xmlns="" xmlns:a14="http://schemas.microsoft.com/office/drawing/2010/main">
+              <a14:hiddenFill xmlns:a14="http://schemas.microsoft.com/office/drawing/2010/main" xmlns="">
                 <a:solidFill>
                   <a:srgbClr val="FFFFFF"/>
                 </a:solidFill>
               </a14:hiddenFill>
             </a:ext>
             <a:ext uri="{91240B29-F687-4f45-9708-019B960494DF}">
-              <a14:hiddenLine xmlns="" xmlns:a14="http://schemas.microsoft.com/office/drawing/2010/main" w="9525">
+              <a14:hiddenLine xmlns:a14="http://schemas.microsoft.com/office/drawing/2010/main" xmlns="" w="9525">
                 <a:solidFill>
                   <a:srgbClr val="000000"/>
                 </a:solidFill>
@@ -1606,7 +1606,7 @@
           </a:ln>
           <a:extLst>
             <a:ext uri="{909E8E84-426E-40dd-AFC4-6F175D3DCCD1}">
-              <a14:hiddenFill xmlns="" xmlns:a14="http://schemas.microsoft.com/office/drawing/2010/main">
+              <a14:hiddenFill xmlns:a14="http://schemas.microsoft.com/office/drawing/2010/main" xmlns="">
                 <a:solidFill>
                   <a:srgbClr val="FFFFFF"/>
                 </a:solidFill>
@@ -1629,14 +1629,14 @@
           <a:noFill/>
           <a:extLst>
             <a:ext uri="{909E8E84-426E-40dd-AFC4-6F175D3DCCD1}">
-              <a14:hiddenFill xmlns="" xmlns:a14="http://schemas.microsoft.com/office/drawing/2010/main">
+              <a14:hiddenFill xmlns:a14="http://schemas.microsoft.com/office/drawing/2010/main" xmlns="">
                 <a:solidFill>
                   <a:srgbClr val="FFFFFF"/>
                 </a:solidFill>
               </a14:hiddenFill>
             </a:ext>
             <a:ext uri="{91240B29-F687-4f45-9708-019B960494DF}">
-              <a14:hiddenLine xmlns="" xmlns:a14="http://schemas.microsoft.com/office/drawing/2010/main" w="9525">
+              <a14:hiddenLine xmlns:a14="http://schemas.microsoft.com/office/drawing/2010/main" xmlns="" w="9525">
                 <a:solidFill>
                   <a:srgbClr val="000000"/>
                 </a:solidFill>
@@ -1852,7 +1852,7 @@
           </a:ln>
           <a:extLst>
             <a:ext uri="{909E8E84-426E-40dd-AFC4-6F175D3DCCD1}">
-              <a14:hiddenFill xmlns="" xmlns:a14="http://schemas.microsoft.com/office/drawing/2010/main">
+              <a14:hiddenFill xmlns:a14="http://schemas.microsoft.com/office/drawing/2010/main" xmlns="">
                 <a:solidFill>
                   <a:srgbClr val="FFFFFF"/>
                 </a:solidFill>
@@ -1875,14 +1875,14 @@
           <a:noFill/>
           <a:extLst>
             <a:ext uri="{909E8E84-426E-40dd-AFC4-6F175D3DCCD1}">
-              <a14:hiddenFill xmlns="" xmlns:a14="http://schemas.microsoft.com/office/drawing/2010/main">
+              <a14:hiddenFill xmlns:a14="http://schemas.microsoft.com/office/drawing/2010/main" xmlns="">
                 <a:solidFill>
                   <a:srgbClr val="FFFFFF"/>
                 </a:solidFill>
               </a14:hiddenFill>
             </a:ext>
             <a:ext uri="{91240B29-F687-4f45-9708-019B960494DF}">
-              <a14:hiddenLine xmlns="" xmlns:a14="http://schemas.microsoft.com/office/drawing/2010/main" w="9525">
+              <a14:hiddenLine xmlns:a14="http://schemas.microsoft.com/office/drawing/2010/main" xmlns="" w="9525">
                 <a:solidFill>
                   <a:srgbClr val="000000"/>
                 </a:solidFill>
@@ -2098,7 +2098,7 @@
           </a:ln>
           <a:extLst>
             <a:ext uri="{909E8E84-426E-40dd-AFC4-6F175D3DCCD1}">
-              <a14:hiddenFill xmlns="" xmlns:a14="http://schemas.microsoft.com/office/drawing/2010/main">
+              <a14:hiddenFill xmlns:a14="http://schemas.microsoft.com/office/drawing/2010/main" xmlns="">
                 <a:solidFill>
                   <a:srgbClr val="FFFFFF"/>
                 </a:solidFill>
@@ -2121,14 +2121,14 @@
           <a:noFill/>
           <a:extLst>
             <a:ext uri="{909E8E84-426E-40dd-AFC4-6F175D3DCCD1}">
-              <a14:hiddenFill xmlns="" xmlns:a14="http://schemas.microsoft.com/office/drawing/2010/main">
+              <a14:hiddenFill xmlns:a14="http://schemas.microsoft.com/office/drawing/2010/main" xmlns="">
                 <a:solidFill>
                   <a:srgbClr val="FFFFFF"/>
                 </a:solidFill>
               </a14:hiddenFill>
             </a:ext>
             <a:ext uri="{91240B29-F687-4f45-9708-019B960494DF}">
-              <a14:hiddenLine xmlns="" xmlns:a14="http://schemas.microsoft.com/office/drawing/2010/main" w="9525">
+              <a14:hiddenLine xmlns:a14="http://schemas.microsoft.com/office/drawing/2010/main" xmlns="" w="9525">
                 <a:solidFill>
                   <a:srgbClr val="000000"/>
                 </a:solidFill>
@@ -2344,7 +2344,7 @@
           </a:ln>
           <a:extLst>
             <a:ext uri="{909E8E84-426E-40dd-AFC4-6F175D3DCCD1}">
-              <a14:hiddenFill xmlns="" xmlns:a14="http://schemas.microsoft.com/office/drawing/2010/main">
+              <a14:hiddenFill xmlns:a14="http://schemas.microsoft.com/office/drawing/2010/main" xmlns="">
                 <a:solidFill>
                   <a:srgbClr val="FFFFFF"/>
                 </a:solidFill>
@@ -2367,14 +2367,14 @@
           <a:noFill/>
           <a:extLst>
             <a:ext uri="{909E8E84-426E-40dd-AFC4-6F175D3DCCD1}">
-              <a14:hiddenFill xmlns="" xmlns:a14="http://schemas.microsoft.com/office/drawing/2010/main">
+              <a14:hiddenFill xmlns:a14="http://schemas.microsoft.com/office/drawing/2010/main" xmlns="">
                 <a:solidFill>
                   <a:srgbClr val="FFFFFF"/>
                 </a:solidFill>
               </a14:hiddenFill>
             </a:ext>
             <a:ext uri="{91240B29-F687-4f45-9708-019B960494DF}">
-              <a14:hiddenLine xmlns="" xmlns:a14="http://schemas.microsoft.com/office/drawing/2010/main" w="9525">
+              <a14:hiddenLine xmlns:a14="http://schemas.microsoft.com/office/drawing/2010/main" xmlns="" w="9525">
                 <a:solidFill>
                   <a:srgbClr val="000000"/>
                 </a:solidFill>
@@ -2590,7 +2590,7 @@
           </a:ln>
           <a:extLst>
             <a:ext uri="{909E8E84-426E-40dd-AFC4-6F175D3DCCD1}">
-              <a14:hiddenFill xmlns:a14="http://schemas.microsoft.com/office/drawing/2010/main" xmlns="">
+              <a14:hiddenFill xmlns="" xmlns:a14="http://schemas.microsoft.com/office/drawing/2010/main">
                 <a:solidFill>
                   <a:srgbClr val="FFFFFF"/>
                 </a:solidFill>
@@ -2613,14 +2613,14 @@
           <a:noFill/>
           <a:extLst>
             <a:ext uri="{909E8E84-426E-40dd-AFC4-6F175D3DCCD1}">
-              <a14:hiddenFill xmlns:a14="http://schemas.microsoft.com/office/drawing/2010/main" xmlns="">
+              <a14:hiddenFill xmlns="" xmlns:a14="http://schemas.microsoft.com/office/drawing/2010/main">
                 <a:solidFill>
                   <a:srgbClr val="FFFFFF"/>
                 </a:solidFill>
               </a14:hiddenFill>
             </a:ext>
             <a:ext uri="{91240B29-F687-4f45-9708-019B960494DF}">
-              <a14:hiddenLine xmlns:a14="http://schemas.microsoft.com/office/drawing/2010/main" xmlns="" w="9525">
+              <a14:hiddenLine xmlns="" xmlns:a14="http://schemas.microsoft.com/office/drawing/2010/main" w="9525">
                 <a:solidFill>
                   <a:srgbClr val="000000"/>
                 </a:solidFill>
@@ -2836,7 +2836,7 @@
           </a:ln>
           <a:extLst>
             <a:ext uri="{909E8E84-426E-40dd-AFC4-6F175D3DCCD1}">
-              <a14:hiddenFill xmlns:a14="http://schemas.microsoft.com/office/drawing/2010/main" xmlns="">
+              <a14:hiddenFill xmlns="" xmlns:a14="http://schemas.microsoft.com/office/drawing/2010/main">
                 <a:solidFill>
                   <a:srgbClr val="FFFFFF"/>
                 </a:solidFill>
@@ -2859,14 +2859,14 @@
           <a:noFill/>
           <a:extLst>
             <a:ext uri="{909E8E84-426E-40dd-AFC4-6F175D3DCCD1}">
-              <a14:hiddenFill xmlns:a14="http://schemas.microsoft.com/office/drawing/2010/main" xmlns="">
+              <a14:hiddenFill xmlns="" xmlns:a14="http://schemas.microsoft.com/office/drawing/2010/main">
                 <a:solidFill>
                   <a:srgbClr val="FFFFFF"/>
                 </a:solidFill>
               </a14:hiddenFill>
             </a:ext>
             <a:ext uri="{91240B29-F687-4f45-9708-019B960494DF}">
-              <a14:hiddenLine xmlns:a14="http://schemas.microsoft.com/office/drawing/2010/main" xmlns="" w="9525">
+              <a14:hiddenLine xmlns="" xmlns:a14="http://schemas.microsoft.com/office/drawing/2010/main" w="9525">
                 <a:solidFill>
                   <a:srgbClr val="000000"/>
                 </a:solidFill>
@@ -3082,7 +3082,7 @@
           </a:ln>
           <a:extLst>
             <a:ext uri="{909E8E84-426E-40dd-AFC4-6F175D3DCCD1}">
-              <a14:hiddenFill xmlns:a14="http://schemas.microsoft.com/office/drawing/2010/main" xmlns="">
+              <a14:hiddenFill xmlns="" xmlns:a14="http://schemas.microsoft.com/office/drawing/2010/main">
                 <a:solidFill>
                   <a:srgbClr val="FFFFFF"/>
                 </a:solidFill>
@@ -3105,14 +3105,14 @@
           <a:noFill/>
           <a:extLst>
             <a:ext uri="{909E8E84-426E-40dd-AFC4-6F175D3DCCD1}">
-              <a14:hiddenFill xmlns:a14="http://schemas.microsoft.com/office/drawing/2010/main" xmlns="">
+              <a14:hiddenFill xmlns="" xmlns:a14="http://schemas.microsoft.com/office/drawing/2010/main">
                 <a:solidFill>
                   <a:srgbClr val="FFFFFF"/>
                 </a:solidFill>
               </a14:hiddenFill>
             </a:ext>
             <a:ext uri="{91240B29-F687-4f45-9708-019B960494DF}">
-              <a14:hiddenLine xmlns:a14="http://schemas.microsoft.com/office/drawing/2010/main" xmlns="" w="9525">
+              <a14:hiddenLine xmlns="" xmlns:a14="http://schemas.microsoft.com/office/drawing/2010/main" w="9525">
                 <a:solidFill>
                   <a:srgbClr val="000000"/>
                 </a:solidFill>
@@ -3328,7 +3328,7 @@
           </a:ln>
           <a:extLst>
             <a:ext uri="{909E8E84-426E-40dd-AFC4-6F175D3DCCD1}">
-              <a14:hiddenFill xmlns="" xmlns:a14="http://schemas.microsoft.com/office/drawing/2010/main">
+              <a14:hiddenFill xmlns:a14="http://schemas.microsoft.com/office/drawing/2010/main" xmlns="">
                 <a:solidFill>
                   <a:srgbClr val="FFFFFF"/>
                 </a:solidFill>
@@ -3351,14 +3351,14 @@
           <a:noFill/>
           <a:extLst>
             <a:ext uri="{909E8E84-426E-40dd-AFC4-6F175D3DCCD1}">
-              <a14:hiddenFill xmlns="" xmlns:a14="http://schemas.microsoft.com/office/drawing/2010/main">
+              <a14:hiddenFill xmlns:a14="http://schemas.microsoft.com/office/drawing/2010/main" xmlns="">
                 <a:solidFill>
                   <a:srgbClr val="FFFFFF"/>
                 </a:solidFill>
               </a14:hiddenFill>
             </a:ext>
             <a:ext uri="{91240B29-F687-4f45-9708-019B960494DF}">
-              <a14:hiddenLine xmlns="" xmlns:a14="http://schemas.microsoft.com/office/drawing/2010/main" w="9525">
+              <a14:hiddenLine xmlns:a14="http://schemas.microsoft.com/office/drawing/2010/main" xmlns="" w="9525">
                 <a:solidFill>
                   <a:srgbClr val="000000"/>
                 </a:solidFill>
@@ -3574,7 +3574,7 @@
           </a:ln>
           <a:extLst>
             <a:ext uri="{909E8E84-426E-40dd-AFC4-6F175D3DCCD1}">
-              <a14:hiddenFill xmlns:a14="http://schemas.microsoft.com/office/drawing/2010/main" xmlns="">
+              <a14:hiddenFill xmlns="" xmlns:a14="http://schemas.microsoft.com/office/drawing/2010/main">
                 <a:solidFill>
                   <a:srgbClr val="FFFFFF"/>
                 </a:solidFill>
@@ -3597,14 +3597,14 @@
           <a:noFill/>
           <a:extLst>
             <a:ext uri="{909E8E84-426E-40dd-AFC4-6F175D3DCCD1}">
-              <a14:hiddenFill xmlns:a14="http://schemas.microsoft.com/office/drawing/2010/main" xmlns="">
+              <a14:hiddenFill xmlns="" xmlns:a14="http://schemas.microsoft.com/office/drawing/2010/main">
                 <a:solidFill>
                   <a:srgbClr val="FFFFFF"/>
                 </a:solidFill>
               </a14:hiddenFill>
             </a:ext>
             <a:ext uri="{91240B29-F687-4f45-9708-019B960494DF}">
-              <a14:hiddenLine xmlns:a14="http://schemas.microsoft.com/office/drawing/2010/main" xmlns="" w="9525">
+              <a14:hiddenLine xmlns="" xmlns:a14="http://schemas.microsoft.com/office/drawing/2010/main" w="9525">
                 <a:solidFill>
                   <a:srgbClr val="000000"/>
                 </a:solidFill>
@@ -3843,7 +3843,7 @@
           </a:ln>
           <a:extLst>
             <a:ext uri="{909E8E84-426E-40dd-AFC4-6F175D3DCCD1}">
-              <a14:hiddenFill xmlns:a14="http://schemas.microsoft.com/office/drawing/2010/main" xmlns="">
+              <a14:hiddenFill xmlns="" xmlns:a14="http://schemas.microsoft.com/office/drawing/2010/main">
                 <a:solidFill>
                   <a:srgbClr val="FFFFFF"/>
                 </a:solidFill>
@@ -3866,14 +3866,14 @@
           <a:noFill/>
           <a:extLst>
             <a:ext uri="{909E8E84-426E-40dd-AFC4-6F175D3DCCD1}">
-              <a14:hiddenFill xmlns:a14="http://schemas.microsoft.com/office/drawing/2010/main" xmlns="">
+              <a14:hiddenFill xmlns="" xmlns:a14="http://schemas.microsoft.com/office/drawing/2010/main">
                 <a:solidFill>
                   <a:srgbClr val="FFFFFF"/>
                 </a:solidFill>
               </a14:hiddenFill>
             </a:ext>
             <a:ext uri="{91240B29-F687-4f45-9708-019B960494DF}">
-              <a14:hiddenLine xmlns:a14="http://schemas.microsoft.com/office/drawing/2010/main" xmlns="" w="9525">
+              <a14:hiddenLine xmlns="" xmlns:a14="http://schemas.microsoft.com/office/drawing/2010/main" w="9525">
                 <a:solidFill>
                   <a:srgbClr val="000000"/>
                 </a:solidFill>
@@ -4089,7 +4089,7 @@
           </a:ln>
           <a:extLst>
             <a:ext uri="{909E8E84-426E-40dd-AFC4-6F175D3DCCD1}">
-              <a14:hiddenFill xmlns:a14="http://schemas.microsoft.com/office/drawing/2010/main" xmlns="">
+              <a14:hiddenFill xmlns="" xmlns:a14="http://schemas.microsoft.com/office/drawing/2010/main">
                 <a:solidFill>
                   <a:srgbClr val="FFFFFF"/>
                 </a:solidFill>
@@ -4112,14 +4112,14 @@
           <a:noFill/>
           <a:extLst>
             <a:ext uri="{909E8E84-426E-40dd-AFC4-6F175D3DCCD1}">
-              <a14:hiddenFill xmlns:a14="http://schemas.microsoft.com/office/drawing/2010/main" xmlns="">
+              <a14:hiddenFill xmlns="" xmlns:a14="http://schemas.microsoft.com/office/drawing/2010/main">
                 <a:solidFill>
                   <a:srgbClr val="FFFFFF"/>
                 </a:solidFill>
               </a14:hiddenFill>
             </a:ext>
             <a:ext uri="{91240B29-F687-4f45-9708-019B960494DF}">
-              <a14:hiddenLine xmlns:a14="http://schemas.microsoft.com/office/drawing/2010/main" xmlns="" w="9525">
+              <a14:hiddenLine xmlns="" xmlns:a14="http://schemas.microsoft.com/office/drawing/2010/main" w="9525">
                 <a:solidFill>
                   <a:srgbClr val="000000"/>
                 </a:solidFill>
@@ -4335,7 +4335,7 @@
           </a:ln>
           <a:extLst>
             <a:ext uri="{909E8E84-426E-40dd-AFC4-6F175D3DCCD1}">
-              <a14:hiddenFill xmlns:a14="http://schemas.microsoft.com/office/drawing/2010/main" xmlns="">
+              <a14:hiddenFill xmlns="" xmlns:a14="http://schemas.microsoft.com/office/drawing/2010/main">
                 <a:solidFill>
                   <a:srgbClr val="FFFFFF"/>
                 </a:solidFill>
@@ -4358,14 +4358,14 @@
           <a:noFill/>
           <a:extLst>
             <a:ext uri="{909E8E84-426E-40dd-AFC4-6F175D3DCCD1}">
-              <a14:hiddenFill xmlns:a14="http://schemas.microsoft.com/office/drawing/2010/main" xmlns="">
+              <a14:hiddenFill xmlns="" xmlns:a14="http://schemas.microsoft.com/office/drawing/2010/main">
                 <a:solidFill>
                   <a:srgbClr val="FFFFFF"/>
                 </a:solidFill>
               </a14:hiddenFill>
             </a:ext>
             <a:ext uri="{91240B29-F687-4f45-9708-019B960494DF}">
-              <a14:hiddenLine xmlns:a14="http://schemas.microsoft.com/office/drawing/2010/main" xmlns="" w="9525">
+              <a14:hiddenLine xmlns="" xmlns:a14="http://schemas.microsoft.com/office/drawing/2010/main" w="9525">
                 <a:solidFill>
                   <a:srgbClr val="000000"/>
                 </a:solidFill>
@@ -4581,7 +4581,7 @@
           </a:ln>
           <a:extLst>
             <a:ext uri="{909E8E84-426E-40dd-AFC4-6F175D3DCCD1}">
-              <a14:hiddenFill xmlns:a14="http://schemas.microsoft.com/office/drawing/2010/main" xmlns="">
+              <a14:hiddenFill xmlns="" xmlns:a14="http://schemas.microsoft.com/office/drawing/2010/main">
                 <a:solidFill>
                   <a:srgbClr val="FFFFFF"/>
                 </a:solidFill>
@@ -4604,14 +4604,14 @@
           <a:noFill/>
           <a:extLst>
             <a:ext uri="{909E8E84-426E-40dd-AFC4-6F175D3DCCD1}">
-              <a14:hiddenFill xmlns:a14="http://schemas.microsoft.com/office/drawing/2010/main" xmlns="">
+              <a14:hiddenFill xmlns="" xmlns:a14="http://schemas.microsoft.com/office/drawing/2010/main">
                 <a:solidFill>
                   <a:srgbClr val="FFFFFF"/>
                 </a:solidFill>
               </a14:hiddenFill>
             </a:ext>
             <a:ext uri="{91240B29-F687-4f45-9708-019B960494DF}">
-              <a14:hiddenLine xmlns:a14="http://schemas.microsoft.com/office/drawing/2010/main" xmlns="" w="9525">
+              <a14:hiddenLine xmlns="" xmlns:a14="http://schemas.microsoft.com/office/drawing/2010/main" w="9525">
                 <a:solidFill>
                   <a:srgbClr val="000000"/>
                 </a:solidFill>
@@ -4827,7 +4827,7 @@
           </a:ln>
           <a:extLst>
             <a:ext uri="{909E8E84-426E-40dd-AFC4-6F175D3DCCD1}">
-              <a14:hiddenFill xmlns="" xmlns:a14="http://schemas.microsoft.com/office/drawing/2010/main">
+              <a14:hiddenFill xmlns:a14="http://schemas.microsoft.com/office/drawing/2010/main" xmlns="">
                 <a:solidFill>
                   <a:srgbClr val="FFFFFF"/>
                 </a:solidFill>
@@ -4850,14 +4850,14 @@
           <a:noFill/>
           <a:extLst>
             <a:ext uri="{909E8E84-426E-40dd-AFC4-6F175D3DCCD1}">
-              <a14:hiddenFill xmlns="" xmlns:a14="http://schemas.microsoft.com/office/drawing/2010/main">
+              <a14:hiddenFill xmlns:a14="http://schemas.microsoft.com/office/drawing/2010/main" xmlns="">
                 <a:solidFill>
                   <a:srgbClr val="FFFFFF"/>
                 </a:solidFill>
               </a14:hiddenFill>
             </a:ext>
             <a:ext uri="{91240B29-F687-4f45-9708-019B960494DF}">
-              <a14:hiddenLine xmlns="" xmlns:a14="http://schemas.microsoft.com/office/drawing/2010/main" w="9525">
+              <a14:hiddenLine xmlns:a14="http://schemas.microsoft.com/office/drawing/2010/main" xmlns="" w="9525">
                 <a:solidFill>
                   <a:srgbClr val="000000"/>
                 </a:solidFill>
@@ -5073,7 +5073,7 @@
           </a:ln>
           <a:extLst>
             <a:ext uri="{909E8E84-426E-40dd-AFC4-6F175D3DCCD1}">
-              <a14:hiddenFill xmlns:a14="http://schemas.microsoft.com/office/drawing/2010/main" xmlns="">
+              <a14:hiddenFill xmlns="" xmlns:a14="http://schemas.microsoft.com/office/drawing/2010/main">
                 <a:solidFill>
                   <a:srgbClr val="FFFFFF"/>
                 </a:solidFill>
@@ -5096,14 +5096,14 @@
           <a:noFill/>
           <a:extLst>
             <a:ext uri="{909E8E84-426E-40dd-AFC4-6F175D3DCCD1}">
-              <a14:hiddenFill xmlns:a14="http://schemas.microsoft.com/office/drawing/2010/main" xmlns="">
+              <a14:hiddenFill xmlns="" xmlns:a14="http://schemas.microsoft.com/office/drawing/2010/main">
                 <a:solidFill>
                   <a:srgbClr val="FFFFFF"/>
                 </a:solidFill>
               </a14:hiddenFill>
             </a:ext>
             <a:ext uri="{91240B29-F687-4f45-9708-019B960494DF}">
-              <a14:hiddenLine xmlns:a14="http://schemas.microsoft.com/office/drawing/2010/main" xmlns="" w="9525">
+              <a14:hiddenLine xmlns="" xmlns:a14="http://schemas.microsoft.com/office/drawing/2010/main" w="9525">
                 <a:solidFill>
                   <a:srgbClr val="000000"/>
                 </a:solidFill>
@@ -5122,7 +5122,35 @@
           </a:bodyPr>
           <a:lstStyle/>
           <a:p>
-            <a:endParaRPr lang="zh-CN" altLang="en-US" dirty="0"/>
+            <a:pPr marL="0" marR="0" lvl="0" indent="0" algn="l" defTabSz="914400" rtl="0" eaLnBrk="0" fontAlgn="base" latinLnBrk="0" hangingPunct="0">
+              <a:lnSpc>
+                <a:spcPct val="100000"/>
+              </a:lnSpc>
+              <a:spcBef>
+                <a:spcPct val="30000"/>
+              </a:spcBef>
+              <a:spcAft>
+                <a:spcPct val="0"/>
+              </a:spcAft>
+              <a:buClrTx/>
+              <a:buSzTx/>
+              <a:buFontTx/>
+              <a:buNone/>
+              <a:tabLst/>
+              <a:defRPr/>
+            </a:pPr>
+            <a:r>
+              <a:rPr lang="zh-CN" altLang="en-US" dirty="0"/>
+              <a:t>若是最大的节点在最后，但是倒数第二个节点接收到的</a:t>
+            </a:r>
+            <a:r>
+              <a:rPr lang="en-US" altLang="zh-CN" dirty="0"/>
+              <a:t>ID</a:t>
+            </a:r>
+            <a:r>
+              <a:rPr lang="zh-CN" altLang="en-US" dirty="0"/>
+              <a:t>刚好等于自己，那么它会认为自己最大，会宣布自己是领导者，这样的情况如何处理？</a:t>
+            </a:r>
           </a:p>
         </p:txBody>
       </p:sp>
@@ -5319,7 +5347,7 @@
           </a:ln>
           <a:extLst>
             <a:ext uri="{909E8E84-426E-40dd-AFC4-6F175D3DCCD1}">
-              <a14:hiddenFill xmlns="" xmlns:a14="http://schemas.microsoft.com/office/drawing/2010/main">
+              <a14:hiddenFill xmlns:a14="http://schemas.microsoft.com/office/drawing/2010/main" xmlns="">
                 <a:solidFill>
                   <a:srgbClr val="FFFFFF"/>
                 </a:solidFill>
@@ -5342,14 +5370,14 @@
           <a:noFill/>
           <a:extLst>
             <a:ext uri="{909E8E84-426E-40dd-AFC4-6F175D3DCCD1}">
-              <a14:hiddenFill xmlns="" xmlns:a14="http://schemas.microsoft.com/office/drawing/2010/main">
+              <a14:hiddenFill xmlns:a14="http://schemas.microsoft.com/office/drawing/2010/main" xmlns="">
                 <a:solidFill>
                   <a:srgbClr val="FFFFFF"/>
                 </a:solidFill>
               </a14:hiddenFill>
             </a:ext>
             <a:ext uri="{91240B29-F687-4f45-9708-019B960494DF}">
-              <a14:hiddenLine xmlns="" xmlns:a14="http://schemas.microsoft.com/office/drawing/2010/main" w="9525">
+              <a14:hiddenLine xmlns:a14="http://schemas.microsoft.com/office/drawing/2010/main" xmlns="" w="9525">
                 <a:solidFill>
                   <a:srgbClr val="000000"/>
                 </a:solidFill>
@@ -8288,14 +8316,14 @@
           </a:ln>
           <a:extLst>
             <a:ext uri="{909E8E84-426E-40dd-AFC4-6F175D3DCCD1}">
-              <a14:hiddenFill xmlns="" xmlns:a14="http://schemas.microsoft.com/office/drawing/2010/main">
+              <a14:hiddenFill xmlns:a14="http://schemas.microsoft.com/office/drawing/2010/main" xmlns="">
                 <a:solidFill>
                   <a:srgbClr val="FFFFFF"/>
                 </a:solidFill>
               </a14:hiddenFill>
             </a:ext>
             <a:ext uri="{91240B29-F687-4f45-9708-019B960494DF}">
-              <a14:hiddenLine xmlns="" xmlns:a14="http://schemas.microsoft.com/office/drawing/2010/main" w="9525">
+              <a14:hiddenLine xmlns:a14="http://schemas.microsoft.com/office/drawing/2010/main" xmlns="" w="9525">
                 <a:solidFill>
                   <a:srgbClr val="000000"/>
                 </a:solidFill>
@@ -8346,14 +8374,14 @@
           </a:ln>
           <a:extLst>
             <a:ext uri="{909E8E84-426E-40dd-AFC4-6F175D3DCCD1}">
-              <a14:hiddenFill xmlns="" xmlns:a14="http://schemas.microsoft.com/office/drawing/2010/main">
+              <a14:hiddenFill xmlns:a14="http://schemas.microsoft.com/office/drawing/2010/main" xmlns="">
                 <a:solidFill>
                   <a:srgbClr val="FFFFFF"/>
                 </a:solidFill>
               </a14:hiddenFill>
             </a:ext>
             <a:ext uri="{91240B29-F687-4f45-9708-019B960494DF}">
-              <a14:hiddenLine xmlns="" xmlns:a14="http://schemas.microsoft.com/office/drawing/2010/main" w="9525">
+              <a14:hiddenLine xmlns:a14="http://schemas.microsoft.com/office/drawing/2010/main" xmlns="" w="9525">
                 <a:solidFill>
                   <a:srgbClr val="000000"/>
                 </a:solidFill>
@@ -9001,14 +9029,14 @@
           </a:ln>
           <a:extLst>
             <a:ext uri="{909E8E84-426E-40dd-AFC4-6F175D3DCCD1}">
-              <a14:hiddenFill xmlns="" xmlns:a14="http://schemas.microsoft.com/office/drawing/2010/main">
+              <a14:hiddenFill xmlns:a14="http://schemas.microsoft.com/office/drawing/2010/main" xmlns="">
                 <a:solidFill>
                   <a:srgbClr val="FFFFFF"/>
                 </a:solidFill>
               </a14:hiddenFill>
             </a:ext>
             <a:ext uri="{91240B29-F687-4f45-9708-019B960494DF}">
-              <a14:hiddenLine xmlns="" xmlns:a14="http://schemas.microsoft.com/office/drawing/2010/main" w="9525">
+              <a14:hiddenLine xmlns:a14="http://schemas.microsoft.com/office/drawing/2010/main" xmlns="" w="9525">
                 <a:solidFill>
                   <a:srgbClr val="000000"/>
                 </a:solidFill>
@@ -9172,14 +9200,14 @@
           </a:ln>
           <a:extLst>
             <a:ext uri="{909E8E84-426E-40dd-AFC4-6F175D3DCCD1}">
-              <a14:hiddenFill xmlns="" xmlns:a14="http://schemas.microsoft.com/office/drawing/2010/main">
+              <a14:hiddenFill xmlns:a14="http://schemas.microsoft.com/office/drawing/2010/main" xmlns="">
                 <a:solidFill>
                   <a:srgbClr val="FFFFFF"/>
                 </a:solidFill>
               </a14:hiddenFill>
             </a:ext>
             <a:ext uri="{91240B29-F687-4f45-9708-019B960494DF}">
-              <a14:hiddenLine xmlns="" xmlns:a14="http://schemas.microsoft.com/office/drawing/2010/main" w="9525">
+              <a14:hiddenLine xmlns:a14="http://schemas.microsoft.com/office/drawing/2010/main" xmlns="" w="9525">
                 <a:solidFill>
                   <a:srgbClr val="000000"/>
                 </a:solidFill>
@@ -9365,14 +9393,14 @@
           </a:ln>
           <a:extLst>
             <a:ext uri="{909E8E84-426E-40dd-AFC4-6F175D3DCCD1}">
-              <a14:hiddenFill xmlns="" xmlns:a14="http://schemas.microsoft.com/office/drawing/2010/main">
+              <a14:hiddenFill xmlns:a14="http://schemas.microsoft.com/office/drawing/2010/main" xmlns="">
                 <a:solidFill>
                   <a:srgbClr val="FFFFFF"/>
                 </a:solidFill>
               </a14:hiddenFill>
             </a:ext>
             <a:ext uri="{91240B29-F687-4f45-9708-019B960494DF}">
-              <a14:hiddenLine xmlns="" xmlns:a14="http://schemas.microsoft.com/office/drawing/2010/main" w="9525">
+              <a14:hiddenLine xmlns:a14="http://schemas.microsoft.com/office/drawing/2010/main" xmlns="" w="9525">
                 <a:solidFill>
                   <a:srgbClr val="000000"/>
                 </a:solidFill>
@@ -9419,14 +9447,14 @@
           </a:ln>
           <a:extLst>
             <a:ext uri="{909E8E84-426E-40dd-AFC4-6F175D3DCCD1}">
-              <a14:hiddenFill xmlns="" xmlns:a14="http://schemas.microsoft.com/office/drawing/2010/main">
+              <a14:hiddenFill xmlns:a14="http://schemas.microsoft.com/office/drawing/2010/main" xmlns="">
                 <a:solidFill>
                   <a:srgbClr val="FFFFFF"/>
                 </a:solidFill>
               </a14:hiddenFill>
             </a:ext>
             <a:ext uri="{91240B29-F687-4f45-9708-019B960494DF}">
-              <a14:hiddenLine xmlns="" xmlns:a14="http://schemas.microsoft.com/office/drawing/2010/main" w="9525">
+              <a14:hiddenLine xmlns:a14="http://schemas.microsoft.com/office/drawing/2010/main" xmlns="" w="9525">
                 <a:solidFill>
                   <a:srgbClr val="000000"/>
                 </a:solidFill>
@@ -9568,14 +9596,14 @@
           </a:ln>
           <a:extLst>
             <a:ext uri="{909E8E84-426E-40dd-AFC4-6F175D3DCCD1}">
-              <a14:hiddenFill xmlns:a14="http://schemas.microsoft.com/office/drawing/2010/main" xmlns="">
+              <a14:hiddenFill xmlns="" xmlns:a14="http://schemas.microsoft.com/office/drawing/2010/main">
                 <a:solidFill>
                   <a:srgbClr val="FFFFFF"/>
                 </a:solidFill>
               </a14:hiddenFill>
             </a:ext>
             <a:ext uri="{91240B29-F687-4f45-9708-019B960494DF}">
-              <a14:hiddenLine xmlns:a14="http://schemas.microsoft.com/office/drawing/2010/main" xmlns="" w="9525">
+              <a14:hiddenLine xmlns="" xmlns:a14="http://schemas.microsoft.com/office/drawing/2010/main" w="9525">
                 <a:solidFill>
                   <a:srgbClr val="000000"/>
                 </a:solidFill>
@@ -9821,14 +9849,14 @@
           </a:ln>
           <a:extLst>
             <a:ext uri="{909E8E84-426E-40dd-AFC4-6F175D3DCCD1}">
-              <a14:hiddenFill xmlns="" xmlns:a14="http://schemas.microsoft.com/office/drawing/2010/main">
+              <a14:hiddenFill xmlns:a14="http://schemas.microsoft.com/office/drawing/2010/main" xmlns="">
                 <a:solidFill>
                   <a:srgbClr val="FFFFFF"/>
                 </a:solidFill>
               </a14:hiddenFill>
             </a:ext>
             <a:ext uri="{91240B29-F687-4f45-9708-019B960494DF}">
-              <a14:hiddenLine xmlns="" xmlns:a14="http://schemas.microsoft.com/office/drawing/2010/main" w="9525">
+              <a14:hiddenLine xmlns:a14="http://schemas.microsoft.com/office/drawing/2010/main" xmlns="" w="9525">
                 <a:solidFill>
                   <a:srgbClr val="000000"/>
                 </a:solidFill>
@@ -10032,14 +10060,14 @@
           <a:noFill/>
           <a:extLst>
             <a:ext uri="{909E8E84-426E-40dd-AFC4-6F175D3DCCD1}">
-              <a14:hiddenFill xmlns="" xmlns:a14="http://schemas.microsoft.com/office/drawing/2010/main">
+              <a14:hiddenFill xmlns:a14="http://schemas.microsoft.com/office/drawing/2010/main" xmlns="">
                 <a:solidFill>
                   <a:srgbClr val="FFFFFF"/>
                 </a:solidFill>
               </a14:hiddenFill>
             </a:ext>
             <a:ext uri="{91240B29-F687-4f45-9708-019B960494DF}">
-              <a14:hiddenLine xmlns="" xmlns:a14="http://schemas.microsoft.com/office/drawing/2010/main" w="9525">
+              <a14:hiddenLine xmlns:a14="http://schemas.microsoft.com/office/drawing/2010/main" xmlns="" w="9525">
                 <a:solidFill>
                   <a:srgbClr val="000000"/>
                 </a:solidFill>
@@ -10258,14 +10286,14 @@
           </a:ln>
           <a:extLst>
             <a:ext uri="{909E8E84-426E-40dd-AFC4-6F175D3DCCD1}">
-              <a14:hiddenFill xmlns="" xmlns:a14="http://schemas.microsoft.com/office/drawing/2010/main">
+              <a14:hiddenFill xmlns:a14="http://schemas.microsoft.com/office/drawing/2010/main" xmlns="">
                 <a:solidFill>
                   <a:srgbClr val="FFFFFF"/>
                 </a:solidFill>
               </a14:hiddenFill>
             </a:ext>
             <a:ext uri="{91240B29-F687-4f45-9708-019B960494DF}">
-              <a14:hiddenLine xmlns="" xmlns:a14="http://schemas.microsoft.com/office/drawing/2010/main" w="9525">
+              <a14:hiddenLine xmlns:a14="http://schemas.microsoft.com/office/drawing/2010/main" xmlns="" w="9525">
                 <a:solidFill>
                   <a:srgbClr val="000000"/>
                 </a:solidFill>
@@ -10564,14 +10592,14 @@
           </a:ln>
           <a:extLst>
             <a:ext uri="{909E8E84-426E-40dd-AFC4-6F175D3DCCD1}">
-              <a14:hiddenFill xmlns="" xmlns:a14="http://schemas.microsoft.com/office/drawing/2010/main">
+              <a14:hiddenFill xmlns:a14="http://schemas.microsoft.com/office/drawing/2010/main" xmlns="">
                 <a:solidFill>
                   <a:srgbClr val="FFFFFF"/>
                 </a:solidFill>
               </a14:hiddenFill>
             </a:ext>
             <a:ext uri="{91240B29-F687-4f45-9708-019B960494DF}">
-              <a14:hiddenLine xmlns="" xmlns:a14="http://schemas.microsoft.com/office/drawing/2010/main" w="9525">
+              <a14:hiddenLine xmlns:a14="http://schemas.microsoft.com/office/drawing/2010/main" xmlns="" w="9525">
                 <a:solidFill>
                   <a:srgbClr val="000000"/>
                 </a:solidFill>
@@ -10775,14 +10803,14 @@
           <a:noFill/>
           <a:extLst>
             <a:ext uri="{909E8E84-426E-40dd-AFC4-6F175D3DCCD1}">
-              <a14:hiddenFill xmlns="" xmlns:a14="http://schemas.microsoft.com/office/drawing/2010/main">
+              <a14:hiddenFill xmlns:a14="http://schemas.microsoft.com/office/drawing/2010/main" xmlns="">
                 <a:solidFill>
                   <a:srgbClr val="FFFFFF"/>
                 </a:solidFill>
               </a14:hiddenFill>
             </a:ext>
             <a:ext uri="{91240B29-F687-4f45-9708-019B960494DF}">
-              <a14:hiddenLine xmlns="" xmlns:a14="http://schemas.microsoft.com/office/drawing/2010/main" w="9525">
+              <a14:hiddenLine xmlns:a14="http://schemas.microsoft.com/office/drawing/2010/main" xmlns="" w="9525">
                 <a:solidFill>
                   <a:srgbClr val="000000"/>
                 </a:solidFill>
@@ -11001,14 +11029,14 @@
           </a:ln>
           <a:extLst>
             <a:ext uri="{909E8E84-426E-40dd-AFC4-6F175D3DCCD1}">
-              <a14:hiddenFill xmlns="" xmlns:a14="http://schemas.microsoft.com/office/drawing/2010/main">
+              <a14:hiddenFill xmlns:a14="http://schemas.microsoft.com/office/drawing/2010/main" xmlns="">
                 <a:solidFill>
                   <a:srgbClr val="FFFFFF"/>
                 </a:solidFill>
               </a14:hiddenFill>
             </a:ext>
             <a:ext uri="{91240B29-F687-4f45-9708-019B960494DF}">
-              <a14:hiddenLine xmlns="" xmlns:a14="http://schemas.microsoft.com/office/drawing/2010/main" w="9525">
+              <a14:hiddenLine xmlns:a14="http://schemas.microsoft.com/office/drawing/2010/main" xmlns="" w="9525">
                 <a:solidFill>
                   <a:srgbClr val="000000"/>
                 </a:solidFill>
@@ -11474,14 +11502,14 @@
           </a:ln>
           <a:extLst>
             <a:ext uri="{909E8E84-426E-40dd-AFC4-6F175D3DCCD1}">
-              <a14:hiddenFill xmlns="" xmlns:a14="http://schemas.microsoft.com/office/drawing/2010/main">
+              <a14:hiddenFill xmlns:a14="http://schemas.microsoft.com/office/drawing/2010/main" xmlns="">
                 <a:solidFill>
                   <a:srgbClr val="FFFFFF"/>
                 </a:solidFill>
               </a14:hiddenFill>
             </a:ext>
             <a:ext uri="{91240B29-F687-4f45-9708-019B960494DF}">
-              <a14:hiddenLine xmlns="" xmlns:a14="http://schemas.microsoft.com/office/drawing/2010/main" w="9525">
+              <a14:hiddenLine xmlns:a14="http://schemas.microsoft.com/office/drawing/2010/main" xmlns="" w="9525">
                 <a:solidFill>
                   <a:srgbClr val="000000"/>
                 </a:solidFill>
@@ -11685,14 +11713,14 @@
           <a:noFill/>
           <a:extLst>
             <a:ext uri="{909E8E84-426E-40dd-AFC4-6F175D3DCCD1}">
-              <a14:hiddenFill xmlns="" xmlns:a14="http://schemas.microsoft.com/office/drawing/2010/main">
+              <a14:hiddenFill xmlns:a14="http://schemas.microsoft.com/office/drawing/2010/main" xmlns="">
                 <a:solidFill>
                   <a:srgbClr val="FFFFFF"/>
                 </a:solidFill>
               </a14:hiddenFill>
             </a:ext>
             <a:ext uri="{91240B29-F687-4f45-9708-019B960494DF}">
-              <a14:hiddenLine xmlns="" xmlns:a14="http://schemas.microsoft.com/office/drawing/2010/main" w="9525">
+              <a14:hiddenLine xmlns:a14="http://schemas.microsoft.com/office/drawing/2010/main" xmlns="" w="9525">
                 <a:solidFill>
                   <a:srgbClr val="000000"/>
                 </a:solidFill>
@@ -11911,14 +11939,14 @@
           </a:ln>
           <a:extLst>
             <a:ext uri="{909E8E84-426E-40dd-AFC4-6F175D3DCCD1}">
-              <a14:hiddenFill xmlns="" xmlns:a14="http://schemas.microsoft.com/office/drawing/2010/main">
+              <a14:hiddenFill xmlns:a14="http://schemas.microsoft.com/office/drawing/2010/main" xmlns="">
                 <a:solidFill>
                   <a:srgbClr val="FFFFFF"/>
                 </a:solidFill>
               </a14:hiddenFill>
             </a:ext>
             <a:ext uri="{91240B29-F687-4f45-9708-019B960494DF}">
-              <a14:hiddenLine xmlns="" xmlns:a14="http://schemas.microsoft.com/office/drawing/2010/main" w="9525">
+              <a14:hiddenLine xmlns:a14="http://schemas.microsoft.com/office/drawing/2010/main" xmlns="" w="9525">
                 <a:solidFill>
                   <a:srgbClr val="000000"/>
                 </a:solidFill>
@@ -11930,8 +11958,8 @@
           </a:extLst>
         </p:spPr>
       </p:pic>
-      <mc:AlternateContent xmlns:mc="http://schemas.openxmlformats.org/markup-compatibility/2006" xmlns:a14="http://schemas.microsoft.com/office/drawing/2010/main">
-        <mc:Choice Requires="a14">
+      <mc:AlternateContent xmlns:mc="http://schemas.openxmlformats.org/markup-compatibility/2006">
+        <mc:Choice xmlns:a14="http://schemas.microsoft.com/office/drawing/2010/main" Requires="a14">
           <p:sp>
             <p:nvSpPr>
               <p:cNvPr id="6" name="Content Placeholder 2"/>
@@ -12293,7 +12321,7 @@
                 <a:r>
                   <a:rPr lang="zh-CN" altLang="en-US" sz="2000" kern="0" dirty="0">
                     <a:solidFill>
-                      <a:srgbClr val="003366"/>
+                      <a:srgbClr val="FF0000"/>
                     </a:solidFill>
                     <a:latin typeface="仿宋" panose="02010609060101010101" pitchFamily="49" charset="-122"/>
                     <a:ea typeface="仿宋" panose="02010609060101010101" pitchFamily="49" charset="-122"/>
@@ -12303,7 +12331,7 @@
                 <a:r>
                   <a:rPr lang="en-US" altLang="zh-CN" sz="2000" kern="0" dirty="0">
                     <a:solidFill>
-                      <a:srgbClr val="003366"/>
+                      <a:srgbClr val="FF0000"/>
                     </a:solidFill>
                     <a:latin typeface="仿宋" panose="02010609060101010101" pitchFamily="49" charset="-122"/>
                     <a:ea typeface="仿宋" panose="02010609060101010101" pitchFamily="49" charset="-122"/>
@@ -12313,7 +12341,7 @@
                 <a:r>
                   <a:rPr lang="zh-CN" altLang="en-US" sz="2000" kern="0" dirty="0">
                     <a:solidFill>
-                      <a:srgbClr val="003366"/>
+                      <a:srgbClr val="FF0000"/>
                     </a:solidFill>
                     <a:latin typeface="仿宋" panose="02010609060101010101" pitchFamily="49" charset="-122"/>
                     <a:ea typeface="仿宋" panose="02010609060101010101" pitchFamily="49" charset="-122"/>
@@ -12322,7 +12350,7 @@
                 </a:r>
                 <a:endParaRPr lang="en-US" altLang="zh-CN" sz="2000" kern="0" dirty="0">
                   <a:solidFill>
-                    <a:srgbClr val="003366"/>
+                    <a:srgbClr val="FF0000"/>
                   </a:solidFill>
                   <a:latin typeface="仿宋" panose="02010609060101010101" pitchFamily="49" charset="-122"/>
                   <a:ea typeface="仿宋" panose="02010609060101010101" pitchFamily="49" charset="-122"/>
@@ -12727,12 +12755,22 @@
                     <a:latin typeface="仿宋" panose="02010609060101010101" pitchFamily="49" charset="-122"/>
                     <a:ea typeface="仿宋" panose="02010609060101010101" pitchFamily="49" charset="-122"/>
                   </a:rPr>
-                  <a:t>。这里的</a:t>
+                  <a:t>。</a:t>
+                </a:r>
+                <a:r>
+                  <a:rPr lang="zh-CN" altLang="en-US" sz="2000" kern="0" dirty="0">
+                    <a:solidFill>
+                      <a:srgbClr val="FF0000"/>
+                    </a:solidFill>
+                    <a:latin typeface="仿宋" panose="02010609060101010101" pitchFamily="49" charset="-122"/>
+                    <a:ea typeface="仿宋" panose="02010609060101010101" pitchFamily="49" charset="-122"/>
+                  </a:rPr>
+                  <a:t>这里的</a:t>
                 </a:r>
                 <a:r>
                   <a:rPr lang="en-US" altLang="zh-CN" sz="2000" kern="0" dirty="0">
                     <a:solidFill>
-                      <a:srgbClr val="003366"/>
+                      <a:srgbClr val="FF0000"/>
                     </a:solidFill>
                     <a:latin typeface="仿宋" panose="02010609060101010101" pitchFamily="49" charset="-122"/>
                     <a:ea typeface="仿宋" panose="02010609060101010101" pitchFamily="49" charset="-122"/>
@@ -12742,7 +12780,7 @@
                 <a:r>
                   <a:rPr lang="zh-CN" altLang="en-US" sz="2000" kern="0" dirty="0">
                     <a:solidFill>
-                      <a:srgbClr val="003366"/>
+                      <a:srgbClr val="FF0000"/>
                     </a:solidFill>
                     <a:latin typeface="仿宋" panose="02010609060101010101" pitchFamily="49" charset="-122"/>
                     <a:ea typeface="仿宋" panose="02010609060101010101" pitchFamily="49" charset="-122"/>
@@ -12752,7 +12790,7 @@
                 <a:r>
                   <a:rPr lang="en-US" altLang="zh-CN" sz="2000" kern="0" dirty="0">
                     <a:solidFill>
-                      <a:srgbClr val="003366"/>
+                      <a:srgbClr val="FF0000"/>
                     </a:solidFill>
                     <a:latin typeface="仿宋" panose="02010609060101010101" pitchFamily="49" charset="-122"/>
                     <a:ea typeface="仿宋" panose="02010609060101010101" pitchFamily="49" charset="-122"/>
@@ -12813,7 +12851,7 @@
             </p:txBody>
           </p:sp>
         </mc:Choice>
-        <mc:Fallback xmlns="">
+        <mc:Fallback>
           <p:sp>
             <p:nvSpPr>
               <p:cNvPr id="6" name="Content Placeholder 2"/>
@@ -12903,14 +12941,14 @@
           </a:ln>
           <a:extLst>
             <a:ext uri="{909E8E84-426E-40dd-AFC4-6F175D3DCCD1}">
-              <a14:hiddenFill xmlns="" xmlns:a14="http://schemas.microsoft.com/office/drawing/2010/main">
+              <a14:hiddenFill xmlns:a14="http://schemas.microsoft.com/office/drawing/2010/main" xmlns="">
                 <a:solidFill>
                   <a:srgbClr val="FFFFFF"/>
                 </a:solidFill>
               </a14:hiddenFill>
             </a:ext>
             <a:ext uri="{91240B29-F687-4f45-9708-019B960494DF}">
-              <a14:hiddenLine xmlns="" xmlns:a14="http://schemas.microsoft.com/office/drawing/2010/main" w="9525">
+              <a14:hiddenLine xmlns:a14="http://schemas.microsoft.com/office/drawing/2010/main" xmlns="" w="9525">
                 <a:solidFill>
                   <a:srgbClr val="000000"/>
                 </a:solidFill>
@@ -13114,14 +13152,14 @@
           <a:noFill/>
           <a:extLst>
             <a:ext uri="{909E8E84-426E-40dd-AFC4-6F175D3DCCD1}">
-              <a14:hiddenFill xmlns="" xmlns:a14="http://schemas.microsoft.com/office/drawing/2010/main">
+              <a14:hiddenFill xmlns:a14="http://schemas.microsoft.com/office/drawing/2010/main" xmlns="">
                 <a:solidFill>
                   <a:srgbClr val="FFFFFF"/>
                 </a:solidFill>
               </a14:hiddenFill>
             </a:ext>
             <a:ext uri="{91240B29-F687-4f45-9708-019B960494DF}">
-              <a14:hiddenLine xmlns="" xmlns:a14="http://schemas.microsoft.com/office/drawing/2010/main" w="9525">
+              <a14:hiddenLine xmlns:a14="http://schemas.microsoft.com/office/drawing/2010/main" xmlns="" w="9525">
                 <a:solidFill>
                   <a:srgbClr val="000000"/>
                 </a:solidFill>
@@ -13340,14 +13378,14 @@
           </a:ln>
           <a:extLst>
             <a:ext uri="{909E8E84-426E-40dd-AFC4-6F175D3DCCD1}">
-              <a14:hiddenFill xmlns="" xmlns:a14="http://schemas.microsoft.com/office/drawing/2010/main">
+              <a14:hiddenFill xmlns:a14="http://schemas.microsoft.com/office/drawing/2010/main" xmlns="">
                 <a:solidFill>
                   <a:srgbClr val="FFFFFF"/>
                 </a:solidFill>
               </a14:hiddenFill>
             </a:ext>
             <a:ext uri="{91240B29-F687-4f45-9708-019B960494DF}">
-              <a14:hiddenLine xmlns="" xmlns:a14="http://schemas.microsoft.com/office/drawing/2010/main" w="9525">
+              <a14:hiddenLine xmlns:a14="http://schemas.microsoft.com/office/drawing/2010/main" xmlns="" w="9525">
                 <a:solidFill>
                   <a:srgbClr val="000000"/>
                 </a:solidFill>
@@ -13976,14 +14014,14 @@
           </a:ln>
           <a:extLst>
             <a:ext uri="{909E8E84-426E-40dd-AFC4-6F175D3DCCD1}">
-              <a14:hiddenFill xmlns="" xmlns:a14="http://schemas.microsoft.com/office/drawing/2010/main">
+              <a14:hiddenFill xmlns:a14="http://schemas.microsoft.com/office/drawing/2010/main" xmlns="">
                 <a:solidFill>
                   <a:srgbClr val="FFFFFF"/>
                 </a:solidFill>
               </a14:hiddenFill>
             </a:ext>
             <a:ext uri="{91240B29-F687-4f45-9708-019B960494DF}">
-              <a14:hiddenLine xmlns="" xmlns:a14="http://schemas.microsoft.com/office/drawing/2010/main" w="9525">
+              <a14:hiddenLine xmlns:a14="http://schemas.microsoft.com/office/drawing/2010/main" xmlns="" w="9525">
                 <a:solidFill>
                   <a:srgbClr val="000000"/>
                 </a:solidFill>
@@ -14187,14 +14225,14 @@
           <a:noFill/>
           <a:extLst>
             <a:ext uri="{909E8E84-426E-40dd-AFC4-6F175D3DCCD1}">
-              <a14:hiddenFill xmlns="" xmlns:a14="http://schemas.microsoft.com/office/drawing/2010/main">
+              <a14:hiddenFill xmlns:a14="http://schemas.microsoft.com/office/drawing/2010/main" xmlns="">
                 <a:solidFill>
                   <a:srgbClr val="FFFFFF"/>
                 </a:solidFill>
               </a14:hiddenFill>
             </a:ext>
             <a:ext uri="{91240B29-F687-4f45-9708-019B960494DF}">
-              <a14:hiddenLine xmlns="" xmlns:a14="http://schemas.microsoft.com/office/drawing/2010/main" w="9525">
+              <a14:hiddenLine xmlns:a14="http://schemas.microsoft.com/office/drawing/2010/main" xmlns="" w="9525">
                 <a:solidFill>
                   <a:srgbClr val="000000"/>
                 </a:solidFill>
@@ -14413,14 +14451,14 @@
           </a:ln>
           <a:extLst>
             <a:ext uri="{909E8E84-426E-40dd-AFC4-6F175D3DCCD1}">
-              <a14:hiddenFill xmlns="" xmlns:a14="http://schemas.microsoft.com/office/drawing/2010/main">
+              <a14:hiddenFill xmlns:a14="http://schemas.microsoft.com/office/drawing/2010/main" xmlns="">
                 <a:solidFill>
                   <a:srgbClr val="FFFFFF"/>
                 </a:solidFill>
               </a14:hiddenFill>
             </a:ext>
             <a:ext uri="{91240B29-F687-4f45-9708-019B960494DF}">
-              <a14:hiddenLine xmlns="" xmlns:a14="http://schemas.microsoft.com/office/drawing/2010/main" w="9525">
+              <a14:hiddenLine xmlns:a14="http://schemas.microsoft.com/office/drawing/2010/main" xmlns="" w="9525">
                 <a:solidFill>
                   <a:srgbClr val="000000"/>
                 </a:solidFill>
@@ -14514,14 +14552,14 @@
           </a:ln>
           <a:extLst>
             <a:ext uri="{909E8E84-426E-40dd-AFC4-6F175D3DCCD1}">
-              <a14:hiddenFill xmlns="" xmlns:a14="http://schemas.microsoft.com/office/drawing/2010/main">
+              <a14:hiddenFill xmlns:a14="http://schemas.microsoft.com/office/drawing/2010/main" xmlns="">
                 <a:solidFill>
                   <a:srgbClr val="FFFFFF"/>
                 </a:solidFill>
               </a14:hiddenFill>
             </a:ext>
             <a:ext uri="{91240B29-F687-4f45-9708-019B960494DF}">
-              <a14:hiddenLine xmlns="" xmlns:a14="http://schemas.microsoft.com/office/drawing/2010/main" w="9525">
+              <a14:hiddenLine xmlns:a14="http://schemas.microsoft.com/office/drawing/2010/main" xmlns="" w="9525">
                 <a:solidFill>
                   <a:srgbClr val="000000"/>
                 </a:solidFill>
@@ -14725,14 +14763,14 @@
           <a:noFill/>
           <a:extLst>
             <a:ext uri="{909E8E84-426E-40dd-AFC4-6F175D3DCCD1}">
-              <a14:hiddenFill xmlns="" xmlns:a14="http://schemas.microsoft.com/office/drawing/2010/main">
+              <a14:hiddenFill xmlns:a14="http://schemas.microsoft.com/office/drawing/2010/main" xmlns="">
                 <a:solidFill>
                   <a:srgbClr val="FFFFFF"/>
                 </a:solidFill>
               </a14:hiddenFill>
             </a:ext>
             <a:ext uri="{91240B29-F687-4f45-9708-019B960494DF}">
-              <a14:hiddenLine xmlns="" xmlns:a14="http://schemas.microsoft.com/office/drawing/2010/main" w="9525">
+              <a14:hiddenLine xmlns:a14="http://schemas.microsoft.com/office/drawing/2010/main" xmlns="" w="9525">
                 <a:solidFill>
                   <a:srgbClr val="000000"/>
                 </a:solidFill>
@@ -14951,14 +14989,14 @@
           </a:ln>
           <a:extLst>
             <a:ext uri="{909E8E84-426E-40dd-AFC4-6F175D3DCCD1}">
-              <a14:hiddenFill xmlns="" xmlns:a14="http://schemas.microsoft.com/office/drawing/2010/main">
+              <a14:hiddenFill xmlns:a14="http://schemas.microsoft.com/office/drawing/2010/main" xmlns="">
                 <a:solidFill>
                   <a:srgbClr val="FFFFFF"/>
                 </a:solidFill>
               </a14:hiddenFill>
             </a:ext>
             <a:ext uri="{91240B29-F687-4f45-9708-019B960494DF}">
-              <a14:hiddenLine xmlns="" xmlns:a14="http://schemas.microsoft.com/office/drawing/2010/main" w="9525">
+              <a14:hiddenLine xmlns:a14="http://schemas.microsoft.com/office/drawing/2010/main" xmlns="" w="9525">
                 <a:solidFill>
                   <a:srgbClr val="000000"/>
                 </a:solidFill>
@@ -15427,14 +15465,14 @@
           </a:ln>
           <a:extLst>
             <a:ext uri="{909E8E84-426E-40dd-AFC4-6F175D3DCCD1}">
-              <a14:hiddenFill xmlns="" xmlns:a14="http://schemas.microsoft.com/office/drawing/2010/main">
+              <a14:hiddenFill xmlns:a14="http://schemas.microsoft.com/office/drawing/2010/main" xmlns="">
                 <a:solidFill>
                   <a:srgbClr val="FFFFFF"/>
                 </a:solidFill>
               </a14:hiddenFill>
             </a:ext>
             <a:ext uri="{91240B29-F687-4f45-9708-019B960494DF}">
-              <a14:hiddenLine xmlns="" xmlns:a14="http://schemas.microsoft.com/office/drawing/2010/main" w="9525">
+              <a14:hiddenLine xmlns:a14="http://schemas.microsoft.com/office/drawing/2010/main" xmlns="" w="9525">
                 <a:solidFill>
                   <a:srgbClr val="000000"/>
                 </a:solidFill>
@@ -15628,14 +15666,14 @@
           <a:noFill/>
           <a:extLst>
             <a:ext uri="{909E8E84-426E-40dd-AFC4-6F175D3DCCD1}">
-              <a14:hiddenFill xmlns="" xmlns:a14="http://schemas.microsoft.com/office/drawing/2010/main">
+              <a14:hiddenFill xmlns:a14="http://schemas.microsoft.com/office/drawing/2010/main" xmlns="">
                 <a:solidFill>
                   <a:srgbClr val="FFFFFF"/>
                 </a:solidFill>
               </a14:hiddenFill>
             </a:ext>
             <a:ext uri="{91240B29-F687-4f45-9708-019B960494DF}">
-              <a14:hiddenLine xmlns="" xmlns:a14="http://schemas.microsoft.com/office/drawing/2010/main" w="9525">
+              <a14:hiddenLine xmlns:a14="http://schemas.microsoft.com/office/drawing/2010/main" xmlns="" w="9525">
                 <a:solidFill>
                   <a:srgbClr val="000000"/>
                 </a:solidFill>
@@ -15854,14 +15892,14 @@
           </a:ln>
           <a:extLst>
             <a:ext uri="{909E8E84-426E-40dd-AFC4-6F175D3DCCD1}">
-              <a14:hiddenFill xmlns="" xmlns:a14="http://schemas.microsoft.com/office/drawing/2010/main">
+              <a14:hiddenFill xmlns:a14="http://schemas.microsoft.com/office/drawing/2010/main" xmlns="">
                 <a:solidFill>
                   <a:srgbClr val="FFFFFF"/>
                 </a:solidFill>
               </a14:hiddenFill>
             </a:ext>
             <a:ext uri="{91240B29-F687-4f45-9708-019B960494DF}">
-              <a14:hiddenLine xmlns="" xmlns:a14="http://schemas.microsoft.com/office/drawing/2010/main" w="9525">
+              <a14:hiddenLine xmlns:a14="http://schemas.microsoft.com/office/drawing/2010/main" xmlns="" w="9525">
                 <a:solidFill>
                   <a:srgbClr val="000000"/>
                 </a:solidFill>
@@ -16365,14 +16403,14 @@
           </a:ln>
           <a:extLst>
             <a:ext uri="{909E8E84-426E-40dd-AFC4-6F175D3DCCD1}">
-              <a14:hiddenFill xmlns:a14="http://schemas.microsoft.com/office/drawing/2010/main" xmlns="">
+              <a14:hiddenFill xmlns="" xmlns:a14="http://schemas.microsoft.com/office/drawing/2010/main">
                 <a:solidFill>
                   <a:srgbClr val="FFFFFF"/>
                 </a:solidFill>
               </a14:hiddenFill>
             </a:ext>
             <a:ext uri="{91240B29-F687-4f45-9708-019B960494DF}">
-              <a14:hiddenLine xmlns:a14="http://schemas.microsoft.com/office/drawing/2010/main" xmlns="" w="9525">
+              <a14:hiddenLine xmlns="" xmlns:a14="http://schemas.microsoft.com/office/drawing/2010/main" w="9525">
                 <a:solidFill>
                   <a:srgbClr val="000000"/>
                 </a:solidFill>
@@ -16566,14 +16604,14 @@
           <a:noFill/>
           <a:extLst>
             <a:ext uri="{909E8E84-426E-40dd-AFC4-6F175D3DCCD1}">
-              <a14:hiddenFill xmlns:a14="http://schemas.microsoft.com/office/drawing/2010/main" xmlns="">
+              <a14:hiddenFill xmlns="" xmlns:a14="http://schemas.microsoft.com/office/drawing/2010/main">
                 <a:solidFill>
                   <a:srgbClr val="FFFFFF"/>
                 </a:solidFill>
               </a14:hiddenFill>
             </a:ext>
             <a:ext uri="{91240B29-F687-4f45-9708-019B960494DF}">
-              <a14:hiddenLine xmlns:a14="http://schemas.microsoft.com/office/drawing/2010/main" xmlns="" w="9525">
+              <a14:hiddenLine xmlns="" xmlns:a14="http://schemas.microsoft.com/office/drawing/2010/main" w="9525">
                 <a:solidFill>
                   <a:srgbClr val="000000"/>
                 </a:solidFill>
@@ -16792,14 +16830,14 @@
           </a:ln>
           <a:extLst>
             <a:ext uri="{909E8E84-426E-40dd-AFC4-6F175D3DCCD1}">
-              <a14:hiddenFill xmlns:a14="http://schemas.microsoft.com/office/drawing/2010/main" xmlns="">
+              <a14:hiddenFill xmlns="" xmlns:a14="http://schemas.microsoft.com/office/drawing/2010/main">
                 <a:solidFill>
                   <a:srgbClr val="FFFFFF"/>
                 </a:solidFill>
               </a14:hiddenFill>
             </a:ext>
             <a:ext uri="{91240B29-F687-4f45-9708-019B960494DF}">
-              <a14:hiddenLine xmlns:a14="http://schemas.microsoft.com/office/drawing/2010/main" xmlns="" w="9525">
+              <a14:hiddenLine xmlns="" xmlns:a14="http://schemas.microsoft.com/office/drawing/2010/main" w="9525">
                 <a:solidFill>
                   <a:srgbClr val="000000"/>
                 </a:solidFill>
@@ -17497,14 +17535,14 @@
           </a:ln>
           <a:extLst>
             <a:ext uri="{909E8E84-426E-40dd-AFC4-6F175D3DCCD1}">
-              <a14:hiddenFill xmlns:a14="http://schemas.microsoft.com/office/drawing/2010/main" xmlns="">
+              <a14:hiddenFill xmlns="" xmlns:a14="http://schemas.microsoft.com/office/drawing/2010/main">
                 <a:solidFill>
                   <a:srgbClr val="FFFFFF"/>
                 </a:solidFill>
               </a14:hiddenFill>
             </a:ext>
             <a:ext uri="{91240B29-F687-4f45-9708-019B960494DF}">
-              <a14:hiddenLine xmlns:a14="http://schemas.microsoft.com/office/drawing/2010/main" xmlns="" w="9525">
+              <a14:hiddenLine xmlns="" xmlns:a14="http://schemas.microsoft.com/office/drawing/2010/main" w="9525">
                 <a:solidFill>
                   <a:srgbClr val="000000"/>
                 </a:solidFill>
@@ -17698,14 +17736,14 @@
           <a:noFill/>
           <a:extLst>
             <a:ext uri="{909E8E84-426E-40dd-AFC4-6F175D3DCCD1}">
-              <a14:hiddenFill xmlns:a14="http://schemas.microsoft.com/office/drawing/2010/main" xmlns="">
+              <a14:hiddenFill xmlns="" xmlns:a14="http://schemas.microsoft.com/office/drawing/2010/main">
                 <a:solidFill>
                   <a:srgbClr val="FFFFFF"/>
                 </a:solidFill>
               </a14:hiddenFill>
             </a:ext>
             <a:ext uri="{91240B29-F687-4f45-9708-019B960494DF}">
-              <a14:hiddenLine xmlns:a14="http://schemas.microsoft.com/office/drawing/2010/main" xmlns="" w="9525">
+              <a14:hiddenLine xmlns="" xmlns:a14="http://schemas.microsoft.com/office/drawing/2010/main" w="9525">
                 <a:solidFill>
                   <a:srgbClr val="000000"/>
                 </a:solidFill>
@@ -17924,14 +17962,14 @@
           </a:ln>
           <a:extLst>
             <a:ext uri="{909E8E84-426E-40dd-AFC4-6F175D3DCCD1}">
-              <a14:hiddenFill xmlns:a14="http://schemas.microsoft.com/office/drawing/2010/main" xmlns="">
+              <a14:hiddenFill xmlns="" xmlns:a14="http://schemas.microsoft.com/office/drawing/2010/main">
                 <a:solidFill>
                   <a:srgbClr val="FFFFFF"/>
                 </a:solidFill>
               </a14:hiddenFill>
             </a:ext>
             <a:ext uri="{91240B29-F687-4f45-9708-019B960494DF}">
-              <a14:hiddenLine xmlns:a14="http://schemas.microsoft.com/office/drawing/2010/main" xmlns="" w="9525">
+              <a14:hiddenLine xmlns="" xmlns:a14="http://schemas.microsoft.com/office/drawing/2010/main" w="9525">
                 <a:solidFill>
                   <a:srgbClr val="000000"/>
                 </a:solidFill>
@@ -18627,14 +18665,14 @@
           </a:ln>
           <a:extLst>
             <a:ext uri="{909E8E84-426E-40dd-AFC4-6F175D3DCCD1}">
-              <a14:hiddenFill xmlns:a14="http://schemas.microsoft.com/office/drawing/2010/main" xmlns="">
+              <a14:hiddenFill xmlns="" xmlns:a14="http://schemas.microsoft.com/office/drawing/2010/main">
                 <a:solidFill>
                   <a:srgbClr val="FFFFFF"/>
                 </a:solidFill>
               </a14:hiddenFill>
             </a:ext>
             <a:ext uri="{91240B29-F687-4f45-9708-019B960494DF}">
-              <a14:hiddenLine xmlns:a14="http://schemas.microsoft.com/office/drawing/2010/main" xmlns="" w="9525">
+              <a14:hiddenLine xmlns="" xmlns:a14="http://schemas.microsoft.com/office/drawing/2010/main" w="9525">
                 <a:solidFill>
                   <a:srgbClr val="000000"/>
                 </a:solidFill>
@@ -18828,14 +18866,14 @@
           <a:noFill/>
           <a:extLst>
             <a:ext uri="{909E8E84-426E-40dd-AFC4-6F175D3DCCD1}">
-              <a14:hiddenFill xmlns:a14="http://schemas.microsoft.com/office/drawing/2010/main" xmlns="">
+              <a14:hiddenFill xmlns="" xmlns:a14="http://schemas.microsoft.com/office/drawing/2010/main">
                 <a:solidFill>
                   <a:srgbClr val="FFFFFF"/>
                 </a:solidFill>
               </a14:hiddenFill>
             </a:ext>
             <a:ext uri="{91240B29-F687-4f45-9708-019B960494DF}">
-              <a14:hiddenLine xmlns:a14="http://schemas.microsoft.com/office/drawing/2010/main" xmlns="" w="9525">
+              <a14:hiddenLine xmlns="" xmlns:a14="http://schemas.microsoft.com/office/drawing/2010/main" w="9525">
                 <a:solidFill>
                   <a:srgbClr val="000000"/>
                 </a:solidFill>
@@ -19054,14 +19092,14 @@
           </a:ln>
           <a:extLst>
             <a:ext uri="{909E8E84-426E-40dd-AFC4-6F175D3DCCD1}">
-              <a14:hiddenFill xmlns:a14="http://schemas.microsoft.com/office/drawing/2010/main" xmlns="">
+              <a14:hiddenFill xmlns="" xmlns:a14="http://schemas.microsoft.com/office/drawing/2010/main">
                 <a:solidFill>
                   <a:srgbClr val="FFFFFF"/>
                 </a:solidFill>
               </a14:hiddenFill>
             </a:ext>
             <a:ext uri="{91240B29-F687-4f45-9708-019B960494DF}">
-              <a14:hiddenLine xmlns:a14="http://schemas.microsoft.com/office/drawing/2010/main" xmlns="" w="9525">
+              <a14:hiddenLine xmlns="" xmlns:a14="http://schemas.microsoft.com/office/drawing/2010/main" w="9525">
                 <a:solidFill>
                   <a:srgbClr val="000000"/>
                 </a:solidFill>
@@ -19619,14 +19657,14 @@
           </a:ln>
           <a:extLst>
             <a:ext uri="{909E8E84-426E-40dd-AFC4-6F175D3DCCD1}">
-              <a14:hiddenFill xmlns="" xmlns:a14="http://schemas.microsoft.com/office/drawing/2010/main">
+              <a14:hiddenFill xmlns:a14="http://schemas.microsoft.com/office/drawing/2010/main" xmlns="">
                 <a:solidFill>
                   <a:srgbClr val="FFFFFF"/>
                 </a:solidFill>
               </a14:hiddenFill>
             </a:ext>
             <a:ext uri="{91240B29-F687-4f45-9708-019B960494DF}">
-              <a14:hiddenLine xmlns="" xmlns:a14="http://schemas.microsoft.com/office/drawing/2010/main" w="9525">
+              <a14:hiddenLine xmlns:a14="http://schemas.microsoft.com/office/drawing/2010/main" xmlns="" w="9525">
                 <a:solidFill>
                   <a:srgbClr val="000000"/>
                 </a:solidFill>
@@ -19820,14 +19858,14 @@
           <a:noFill/>
           <a:extLst>
             <a:ext uri="{909E8E84-426E-40dd-AFC4-6F175D3DCCD1}">
-              <a14:hiddenFill xmlns="" xmlns:a14="http://schemas.microsoft.com/office/drawing/2010/main">
+              <a14:hiddenFill xmlns:a14="http://schemas.microsoft.com/office/drawing/2010/main" xmlns="">
                 <a:solidFill>
                   <a:srgbClr val="FFFFFF"/>
                 </a:solidFill>
               </a14:hiddenFill>
             </a:ext>
             <a:ext uri="{91240B29-F687-4f45-9708-019B960494DF}">
-              <a14:hiddenLine xmlns="" xmlns:a14="http://schemas.microsoft.com/office/drawing/2010/main" w="9525">
+              <a14:hiddenLine xmlns:a14="http://schemas.microsoft.com/office/drawing/2010/main" xmlns="" w="9525">
                 <a:solidFill>
                   <a:srgbClr val="000000"/>
                 </a:solidFill>
@@ -20046,14 +20084,14 @@
           </a:ln>
           <a:extLst>
             <a:ext uri="{909E8E84-426E-40dd-AFC4-6F175D3DCCD1}">
-              <a14:hiddenFill xmlns="" xmlns:a14="http://schemas.microsoft.com/office/drawing/2010/main">
+              <a14:hiddenFill xmlns:a14="http://schemas.microsoft.com/office/drawing/2010/main" xmlns="">
                 <a:solidFill>
                   <a:srgbClr val="FFFFFF"/>
                 </a:solidFill>
               </a14:hiddenFill>
             </a:ext>
             <a:ext uri="{91240B29-F687-4f45-9708-019B960494DF}">
-              <a14:hiddenLine xmlns="" xmlns:a14="http://schemas.microsoft.com/office/drawing/2010/main" w="9525">
+              <a14:hiddenLine xmlns:a14="http://schemas.microsoft.com/office/drawing/2010/main" xmlns="" w="9525">
                 <a:solidFill>
                   <a:srgbClr val="000000"/>
                 </a:solidFill>
@@ -20557,14 +20595,14 @@
           </a:ln>
           <a:extLst>
             <a:ext uri="{909E8E84-426E-40dd-AFC4-6F175D3DCCD1}">
-              <a14:hiddenFill xmlns="" xmlns:a14="http://schemas.microsoft.com/office/drawing/2010/main">
+              <a14:hiddenFill xmlns:a14="http://schemas.microsoft.com/office/drawing/2010/main" xmlns="">
                 <a:solidFill>
                   <a:srgbClr val="FFFFFF"/>
                 </a:solidFill>
               </a14:hiddenFill>
             </a:ext>
             <a:ext uri="{91240B29-F687-4f45-9708-019B960494DF}">
-              <a14:hiddenLine xmlns="" xmlns:a14="http://schemas.microsoft.com/office/drawing/2010/main" w="9525">
+              <a14:hiddenLine xmlns:a14="http://schemas.microsoft.com/office/drawing/2010/main" xmlns="" w="9525">
                 <a:solidFill>
                   <a:srgbClr val="000000"/>
                 </a:solidFill>
@@ -20758,14 +20796,14 @@
           <a:noFill/>
           <a:extLst>
             <a:ext uri="{909E8E84-426E-40dd-AFC4-6F175D3DCCD1}">
-              <a14:hiddenFill xmlns="" xmlns:a14="http://schemas.microsoft.com/office/drawing/2010/main">
+              <a14:hiddenFill xmlns:a14="http://schemas.microsoft.com/office/drawing/2010/main" xmlns="">
                 <a:solidFill>
                   <a:srgbClr val="FFFFFF"/>
                 </a:solidFill>
               </a14:hiddenFill>
             </a:ext>
             <a:ext uri="{91240B29-F687-4f45-9708-019B960494DF}">
-              <a14:hiddenLine xmlns="" xmlns:a14="http://schemas.microsoft.com/office/drawing/2010/main" w="9525">
+              <a14:hiddenLine xmlns:a14="http://schemas.microsoft.com/office/drawing/2010/main" xmlns="" w="9525">
                 <a:solidFill>
                   <a:srgbClr val="000000"/>
                 </a:solidFill>
@@ -20984,14 +21022,14 @@
           </a:ln>
           <a:extLst>
             <a:ext uri="{909E8E84-426E-40dd-AFC4-6F175D3DCCD1}">
-              <a14:hiddenFill xmlns="" xmlns:a14="http://schemas.microsoft.com/office/drawing/2010/main">
+              <a14:hiddenFill xmlns:a14="http://schemas.microsoft.com/office/drawing/2010/main" xmlns="">
                 <a:solidFill>
                   <a:srgbClr val="FFFFFF"/>
                 </a:solidFill>
               </a14:hiddenFill>
             </a:ext>
             <a:ext uri="{91240B29-F687-4f45-9708-019B960494DF}">
-              <a14:hiddenLine xmlns="" xmlns:a14="http://schemas.microsoft.com/office/drawing/2010/main" w="9525">
+              <a14:hiddenLine xmlns:a14="http://schemas.microsoft.com/office/drawing/2010/main" xmlns="" w="9525">
                 <a:solidFill>
                   <a:srgbClr val="000000"/>
                 </a:solidFill>
@@ -21495,14 +21533,14 @@
           </a:ln>
           <a:extLst>
             <a:ext uri="{909E8E84-426E-40dd-AFC4-6F175D3DCCD1}">
-              <a14:hiddenFill xmlns:a14="http://schemas.microsoft.com/office/drawing/2010/main" xmlns="">
+              <a14:hiddenFill xmlns="" xmlns:a14="http://schemas.microsoft.com/office/drawing/2010/main">
                 <a:solidFill>
                   <a:srgbClr val="FFFFFF"/>
                 </a:solidFill>
               </a14:hiddenFill>
             </a:ext>
             <a:ext uri="{91240B29-F687-4f45-9708-019B960494DF}">
-              <a14:hiddenLine xmlns:a14="http://schemas.microsoft.com/office/drawing/2010/main" xmlns="" w="9525">
+              <a14:hiddenLine xmlns="" xmlns:a14="http://schemas.microsoft.com/office/drawing/2010/main" w="9525">
                 <a:solidFill>
                   <a:srgbClr val="000000"/>
                 </a:solidFill>
@@ -21696,14 +21734,14 @@
           <a:noFill/>
           <a:extLst>
             <a:ext uri="{909E8E84-426E-40dd-AFC4-6F175D3DCCD1}">
-              <a14:hiddenFill xmlns:a14="http://schemas.microsoft.com/office/drawing/2010/main" xmlns="">
+              <a14:hiddenFill xmlns="" xmlns:a14="http://schemas.microsoft.com/office/drawing/2010/main">
                 <a:solidFill>
                   <a:srgbClr val="FFFFFF"/>
                 </a:solidFill>
               </a14:hiddenFill>
             </a:ext>
             <a:ext uri="{91240B29-F687-4f45-9708-019B960494DF}">
-              <a14:hiddenLine xmlns:a14="http://schemas.microsoft.com/office/drawing/2010/main" xmlns="" w="9525">
+              <a14:hiddenLine xmlns="" xmlns:a14="http://schemas.microsoft.com/office/drawing/2010/main" w="9525">
                 <a:solidFill>
                   <a:srgbClr val="000000"/>
                 </a:solidFill>
@@ -21922,14 +21960,14 @@
           </a:ln>
           <a:extLst>
             <a:ext uri="{909E8E84-426E-40dd-AFC4-6F175D3DCCD1}">
-              <a14:hiddenFill xmlns:a14="http://schemas.microsoft.com/office/drawing/2010/main" xmlns="">
+              <a14:hiddenFill xmlns="" xmlns:a14="http://schemas.microsoft.com/office/drawing/2010/main">
                 <a:solidFill>
                   <a:srgbClr val="FFFFFF"/>
                 </a:solidFill>
               </a14:hiddenFill>
             </a:ext>
             <a:ext uri="{91240B29-F687-4f45-9708-019B960494DF}">
-              <a14:hiddenLine xmlns:a14="http://schemas.microsoft.com/office/drawing/2010/main" xmlns="" w="9525">
+              <a14:hiddenLine xmlns="" xmlns:a14="http://schemas.microsoft.com/office/drawing/2010/main" w="9525">
                 <a:solidFill>
                   <a:srgbClr val="000000"/>
                 </a:solidFill>
@@ -23326,14 +23364,14 @@
           </a:ln>
           <a:extLst>
             <a:ext uri="{909E8E84-426E-40dd-AFC4-6F175D3DCCD1}">
-              <a14:hiddenFill xmlns:a14="http://schemas.microsoft.com/office/drawing/2010/main" xmlns="">
+              <a14:hiddenFill xmlns="" xmlns:a14="http://schemas.microsoft.com/office/drawing/2010/main">
                 <a:solidFill>
                   <a:srgbClr val="FFFFFF"/>
                 </a:solidFill>
               </a14:hiddenFill>
             </a:ext>
             <a:ext uri="{91240B29-F687-4f45-9708-019B960494DF}">
-              <a14:hiddenLine xmlns:a14="http://schemas.microsoft.com/office/drawing/2010/main" xmlns="" w="9525">
+              <a14:hiddenLine xmlns="" xmlns:a14="http://schemas.microsoft.com/office/drawing/2010/main" w="9525">
                 <a:solidFill>
                   <a:srgbClr val="000000"/>
                 </a:solidFill>
@@ -23527,14 +23565,14 @@
           <a:noFill/>
           <a:extLst>
             <a:ext uri="{909E8E84-426E-40dd-AFC4-6F175D3DCCD1}">
-              <a14:hiddenFill xmlns:a14="http://schemas.microsoft.com/office/drawing/2010/main" xmlns="">
+              <a14:hiddenFill xmlns="" xmlns:a14="http://schemas.microsoft.com/office/drawing/2010/main">
                 <a:solidFill>
                   <a:srgbClr val="FFFFFF"/>
                 </a:solidFill>
               </a14:hiddenFill>
             </a:ext>
             <a:ext uri="{91240B29-F687-4f45-9708-019B960494DF}">
-              <a14:hiddenLine xmlns:a14="http://schemas.microsoft.com/office/drawing/2010/main" xmlns="" w="9525">
+              <a14:hiddenLine xmlns="" xmlns:a14="http://schemas.microsoft.com/office/drawing/2010/main" w="9525">
                 <a:solidFill>
                   <a:srgbClr val="000000"/>
                 </a:solidFill>
@@ -23753,14 +23791,14 @@
           </a:ln>
           <a:extLst>
             <a:ext uri="{909E8E84-426E-40dd-AFC4-6F175D3DCCD1}">
-              <a14:hiddenFill xmlns:a14="http://schemas.microsoft.com/office/drawing/2010/main" xmlns="">
+              <a14:hiddenFill xmlns="" xmlns:a14="http://schemas.microsoft.com/office/drawing/2010/main">
                 <a:solidFill>
                   <a:srgbClr val="FFFFFF"/>
                 </a:solidFill>
               </a14:hiddenFill>
             </a:ext>
             <a:ext uri="{91240B29-F687-4f45-9708-019B960494DF}">
-              <a14:hiddenLine xmlns:a14="http://schemas.microsoft.com/office/drawing/2010/main" xmlns="" w="9525">
+              <a14:hiddenLine xmlns="" xmlns:a14="http://schemas.microsoft.com/office/drawing/2010/main" w="9525">
                 <a:solidFill>
                   <a:srgbClr val="000000"/>
                 </a:solidFill>
@@ -24242,14 +24280,14 @@
           </a:ln>
           <a:extLst>
             <a:ext uri="{909E8E84-426E-40dd-AFC4-6F175D3DCCD1}">
-              <a14:hiddenFill xmlns:a14="http://schemas.microsoft.com/office/drawing/2010/main" xmlns="">
+              <a14:hiddenFill xmlns="" xmlns:a14="http://schemas.microsoft.com/office/drawing/2010/main">
                 <a:solidFill>
                   <a:srgbClr val="FFFFFF"/>
                 </a:solidFill>
               </a14:hiddenFill>
             </a:ext>
             <a:ext uri="{91240B29-F687-4f45-9708-019B960494DF}">
-              <a14:hiddenLine xmlns:a14="http://schemas.microsoft.com/office/drawing/2010/main" xmlns="" w="9525">
+              <a14:hiddenLine xmlns="" xmlns:a14="http://schemas.microsoft.com/office/drawing/2010/main" w="9525">
                 <a:solidFill>
                   <a:srgbClr val="000000"/>
                 </a:solidFill>
@@ -24443,14 +24481,14 @@
           <a:noFill/>
           <a:extLst>
             <a:ext uri="{909E8E84-426E-40dd-AFC4-6F175D3DCCD1}">
-              <a14:hiddenFill xmlns:a14="http://schemas.microsoft.com/office/drawing/2010/main" xmlns="">
+              <a14:hiddenFill xmlns="" xmlns:a14="http://schemas.microsoft.com/office/drawing/2010/main">
                 <a:solidFill>
                   <a:srgbClr val="FFFFFF"/>
                 </a:solidFill>
               </a14:hiddenFill>
             </a:ext>
             <a:ext uri="{91240B29-F687-4f45-9708-019B960494DF}">
-              <a14:hiddenLine xmlns:a14="http://schemas.microsoft.com/office/drawing/2010/main" xmlns="" w="9525">
+              <a14:hiddenLine xmlns="" xmlns:a14="http://schemas.microsoft.com/office/drawing/2010/main" w="9525">
                 <a:solidFill>
                   <a:srgbClr val="000000"/>
                 </a:solidFill>
@@ -24669,14 +24707,14 @@
           </a:ln>
           <a:extLst>
             <a:ext uri="{909E8E84-426E-40dd-AFC4-6F175D3DCCD1}">
-              <a14:hiddenFill xmlns:a14="http://schemas.microsoft.com/office/drawing/2010/main" xmlns="">
+              <a14:hiddenFill xmlns="" xmlns:a14="http://schemas.microsoft.com/office/drawing/2010/main">
                 <a:solidFill>
                   <a:srgbClr val="FFFFFF"/>
                 </a:solidFill>
               </a14:hiddenFill>
             </a:ext>
             <a:ext uri="{91240B29-F687-4f45-9708-019B960494DF}">
-              <a14:hiddenLine xmlns:a14="http://schemas.microsoft.com/office/drawing/2010/main" xmlns="" w="9525">
+              <a14:hiddenLine xmlns="" xmlns:a14="http://schemas.microsoft.com/office/drawing/2010/main" w="9525">
                 <a:solidFill>
                   <a:srgbClr val="000000"/>
                 </a:solidFill>
@@ -25436,14 +25474,14 @@
           </a:ln>
           <a:extLst>
             <a:ext uri="{909E8E84-426E-40dd-AFC4-6F175D3DCCD1}">
-              <a14:hiddenFill xmlns:a14="http://schemas.microsoft.com/office/drawing/2010/main" xmlns="">
+              <a14:hiddenFill xmlns="" xmlns:a14="http://schemas.microsoft.com/office/drawing/2010/main">
                 <a:solidFill>
                   <a:srgbClr val="FFFFFF"/>
                 </a:solidFill>
               </a14:hiddenFill>
             </a:ext>
             <a:ext uri="{91240B29-F687-4f45-9708-019B960494DF}">
-              <a14:hiddenLine xmlns:a14="http://schemas.microsoft.com/office/drawing/2010/main" xmlns="" w="9525">
+              <a14:hiddenLine xmlns="" xmlns:a14="http://schemas.microsoft.com/office/drawing/2010/main" w="9525">
                 <a:solidFill>
                   <a:srgbClr val="000000"/>
                 </a:solidFill>
@@ -25637,14 +25675,14 @@
           <a:noFill/>
           <a:extLst>
             <a:ext uri="{909E8E84-426E-40dd-AFC4-6F175D3DCCD1}">
-              <a14:hiddenFill xmlns:a14="http://schemas.microsoft.com/office/drawing/2010/main" xmlns="">
+              <a14:hiddenFill xmlns="" xmlns:a14="http://schemas.microsoft.com/office/drawing/2010/main">
                 <a:solidFill>
                   <a:srgbClr val="FFFFFF"/>
                 </a:solidFill>
               </a14:hiddenFill>
             </a:ext>
             <a:ext uri="{91240B29-F687-4f45-9708-019B960494DF}">
-              <a14:hiddenLine xmlns:a14="http://schemas.microsoft.com/office/drawing/2010/main" xmlns="" w="9525">
+              <a14:hiddenLine xmlns="" xmlns:a14="http://schemas.microsoft.com/office/drawing/2010/main" w="9525">
                 <a:solidFill>
                   <a:srgbClr val="000000"/>
                 </a:solidFill>
@@ -25863,14 +25901,14 @@
           </a:ln>
           <a:extLst>
             <a:ext uri="{909E8E84-426E-40dd-AFC4-6F175D3DCCD1}">
-              <a14:hiddenFill xmlns:a14="http://schemas.microsoft.com/office/drawing/2010/main" xmlns="">
+              <a14:hiddenFill xmlns="" xmlns:a14="http://schemas.microsoft.com/office/drawing/2010/main">
                 <a:solidFill>
                   <a:srgbClr val="FFFFFF"/>
                 </a:solidFill>
               </a14:hiddenFill>
             </a:ext>
             <a:ext uri="{91240B29-F687-4f45-9708-019B960494DF}">
-              <a14:hiddenLine xmlns:a14="http://schemas.microsoft.com/office/drawing/2010/main" xmlns="" w="9525">
+              <a14:hiddenLine xmlns="" xmlns:a14="http://schemas.microsoft.com/office/drawing/2010/main" w="9525">
                 <a:solidFill>
                   <a:srgbClr val="000000"/>
                 </a:solidFill>
@@ -26410,14 +26448,14 @@
           </a:ln>
           <a:extLst>
             <a:ext uri="{909E8E84-426E-40dd-AFC4-6F175D3DCCD1}">
-              <a14:hiddenFill xmlns:a14="http://schemas.microsoft.com/office/drawing/2010/main" xmlns="">
+              <a14:hiddenFill xmlns="" xmlns:a14="http://schemas.microsoft.com/office/drawing/2010/main">
                 <a:solidFill>
                   <a:srgbClr val="FFFFFF"/>
                 </a:solidFill>
               </a14:hiddenFill>
             </a:ext>
             <a:ext uri="{91240B29-F687-4f45-9708-019B960494DF}">
-              <a14:hiddenLine xmlns:a14="http://schemas.microsoft.com/office/drawing/2010/main" xmlns="" w="9525">
+              <a14:hiddenLine xmlns="" xmlns:a14="http://schemas.microsoft.com/office/drawing/2010/main" w="9525">
                 <a:solidFill>
                   <a:srgbClr val="000000"/>
                 </a:solidFill>
@@ -26611,14 +26649,14 @@
           <a:noFill/>
           <a:extLst>
             <a:ext uri="{909E8E84-426E-40dd-AFC4-6F175D3DCCD1}">
-              <a14:hiddenFill xmlns:a14="http://schemas.microsoft.com/office/drawing/2010/main" xmlns="">
+              <a14:hiddenFill xmlns="" xmlns:a14="http://schemas.microsoft.com/office/drawing/2010/main">
                 <a:solidFill>
                   <a:srgbClr val="FFFFFF"/>
                 </a:solidFill>
               </a14:hiddenFill>
             </a:ext>
             <a:ext uri="{91240B29-F687-4f45-9708-019B960494DF}">
-              <a14:hiddenLine xmlns:a14="http://schemas.microsoft.com/office/drawing/2010/main" xmlns="" w="9525">
+              <a14:hiddenLine xmlns="" xmlns:a14="http://schemas.microsoft.com/office/drawing/2010/main" w="9525">
                 <a:solidFill>
                   <a:srgbClr val="000000"/>
                 </a:solidFill>
@@ -26837,14 +26875,14 @@
           </a:ln>
           <a:extLst>
             <a:ext uri="{909E8E84-426E-40dd-AFC4-6F175D3DCCD1}">
-              <a14:hiddenFill xmlns:a14="http://schemas.microsoft.com/office/drawing/2010/main" xmlns="">
+              <a14:hiddenFill xmlns="" xmlns:a14="http://schemas.microsoft.com/office/drawing/2010/main">
                 <a:solidFill>
                   <a:srgbClr val="FFFFFF"/>
                 </a:solidFill>
               </a14:hiddenFill>
             </a:ext>
             <a:ext uri="{91240B29-F687-4f45-9708-019B960494DF}">
-              <a14:hiddenLine xmlns:a14="http://schemas.microsoft.com/office/drawing/2010/main" xmlns="" w="9525">
+              <a14:hiddenLine xmlns="" xmlns:a14="http://schemas.microsoft.com/office/drawing/2010/main" w="9525">
                 <a:solidFill>
                   <a:srgbClr val="000000"/>
                 </a:solidFill>
@@ -27636,14 +27674,14 @@
           </a:ln>
           <a:extLst>
             <a:ext uri="{909E8E84-426E-40dd-AFC4-6F175D3DCCD1}">
-              <a14:hiddenFill xmlns="" xmlns:a14="http://schemas.microsoft.com/office/drawing/2010/main">
+              <a14:hiddenFill xmlns:a14="http://schemas.microsoft.com/office/drawing/2010/main" xmlns="">
                 <a:solidFill>
                   <a:srgbClr val="FFFFFF"/>
                 </a:solidFill>
               </a14:hiddenFill>
             </a:ext>
             <a:ext uri="{91240B29-F687-4f45-9708-019B960494DF}">
-              <a14:hiddenLine xmlns="" xmlns:a14="http://schemas.microsoft.com/office/drawing/2010/main" w="9525">
+              <a14:hiddenLine xmlns:a14="http://schemas.microsoft.com/office/drawing/2010/main" xmlns="" w="9525">
                 <a:solidFill>
                   <a:srgbClr val="000000"/>
                 </a:solidFill>
@@ -27837,14 +27875,14 @@
           <a:noFill/>
           <a:extLst>
             <a:ext uri="{909E8E84-426E-40dd-AFC4-6F175D3DCCD1}">
-              <a14:hiddenFill xmlns="" xmlns:a14="http://schemas.microsoft.com/office/drawing/2010/main">
+              <a14:hiddenFill xmlns:a14="http://schemas.microsoft.com/office/drawing/2010/main" xmlns="">
                 <a:solidFill>
                   <a:srgbClr val="FFFFFF"/>
                 </a:solidFill>
               </a14:hiddenFill>
             </a:ext>
             <a:ext uri="{91240B29-F687-4f45-9708-019B960494DF}">
-              <a14:hiddenLine xmlns="" xmlns:a14="http://schemas.microsoft.com/office/drawing/2010/main" w="9525">
+              <a14:hiddenLine xmlns:a14="http://schemas.microsoft.com/office/drawing/2010/main" xmlns="" w="9525">
                 <a:solidFill>
                   <a:srgbClr val="000000"/>
                 </a:solidFill>
@@ -28063,14 +28101,14 @@
           </a:ln>
           <a:extLst>
             <a:ext uri="{909E8E84-426E-40dd-AFC4-6F175D3DCCD1}">
-              <a14:hiddenFill xmlns="" xmlns:a14="http://schemas.microsoft.com/office/drawing/2010/main">
+              <a14:hiddenFill xmlns:a14="http://schemas.microsoft.com/office/drawing/2010/main" xmlns="">
                 <a:solidFill>
                   <a:srgbClr val="FFFFFF"/>
                 </a:solidFill>
               </a14:hiddenFill>
             </a:ext>
             <a:ext uri="{91240B29-F687-4f45-9708-019B960494DF}">
-              <a14:hiddenLine xmlns="" xmlns:a14="http://schemas.microsoft.com/office/drawing/2010/main" w="9525">
+              <a14:hiddenLine xmlns:a14="http://schemas.microsoft.com/office/drawing/2010/main" xmlns="" w="9525">
                 <a:solidFill>
                   <a:srgbClr val="000000"/>
                 </a:solidFill>
@@ -28574,14 +28612,14 @@
           </a:ln>
           <a:extLst>
             <a:ext uri="{909E8E84-426E-40dd-AFC4-6F175D3DCCD1}">
-              <a14:hiddenFill xmlns:a14="http://schemas.microsoft.com/office/drawing/2010/main" xmlns="">
+              <a14:hiddenFill xmlns="" xmlns:a14="http://schemas.microsoft.com/office/drawing/2010/main">
                 <a:solidFill>
                   <a:srgbClr val="FFFFFF"/>
                 </a:solidFill>
               </a14:hiddenFill>
             </a:ext>
             <a:ext uri="{91240B29-F687-4f45-9708-019B960494DF}">
-              <a14:hiddenLine xmlns:a14="http://schemas.microsoft.com/office/drawing/2010/main" xmlns="" w="9525">
+              <a14:hiddenLine xmlns="" xmlns:a14="http://schemas.microsoft.com/office/drawing/2010/main" w="9525">
                 <a:solidFill>
                   <a:srgbClr val="000000"/>
                 </a:solidFill>
@@ -28775,14 +28813,14 @@
           <a:noFill/>
           <a:extLst>
             <a:ext uri="{909E8E84-426E-40dd-AFC4-6F175D3DCCD1}">
-              <a14:hiddenFill xmlns:a14="http://schemas.microsoft.com/office/drawing/2010/main" xmlns="">
+              <a14:hiddenFill xmlns="" xmlns:a14="http://schemas.microsoft.com/office/drawing/2010/main">
                 <a:solidFill>
                   <a:srgbClr val="FFFFFF"/>
                 </a:solidFill>
               </a14:hiddenFill>
             </a:ext>
             <a:ext uri="{91240B29-F687-4f45-9708-019B960494DF}">
-              <a14:hiddenLine xmlns:a14="http://schemas.microsoft.com/office/drawing/2010/main" xmlns="" w="9525">
+              <a14:hiddenLine xmlns="" xmlns:a14="http://schemas.microsoft.com/office/drawing/2010/main" w="9525">
                 <a:solidFill>
                   <a:srgbClr val="000000"/>
                 </a:solidFill>
@@ -29001,14 +29039,14 @@
           </a:ln>
           <a:extLst>
             <a:ext uri="{909E8E84-426E-40dd-AFC4-6F175D3DCCD1}">
-              <a14:hiddenFill xmlns:a14="http://schemas.microsoft.com/office/drawing/2010/main" xmlns="">
+              <a14:hiddenFill xmlns="" xmlns:a14="http://schemas.microsoft.com/office/drawing/2010/main">
                 <a:solidFill>
                   <a:srgbClr val="FFFFFF"/>
                 </a:solidFill>
               </a14:hiddenFill>
             </a:ext>
             <a:ext uri="{91240B29-F687-4f45-9708-019B960494DF}">
-              <a14:hiddenLine xmlns:a14="http://schemas.microsoft.com/office/drawing/2010/main" xmlns="" w="9525">
+              <a14:hiddenLine xmlns="" xmlns:a14="http://schemas.microsoft.com/office/drawing/2010/main" w="9525">
                 <a:solidFill>
                   <a:srgbClr val="000000"/>
                 </a:solidFill>

--- a/分布式计算/课件/09. 最大独立集与选举算法.pptx
+++ b/分布式计算/课件/09. 最大独立集与选举算法.pptx
@@ -1,36 +1,36 @@
 
 <file path=ppt/presentation.xml><?xml version="1.0" encoding="utf-8"?>
-<p:presentation xmlns:a="http://schemas.openxmlformats.org/drawingml/2006/main" xmlns:r="http://schemas.openxmlformats.org/officeDocument/2006/relationships" xmlns:p="http://schemas.openxmlformats.org/presentationml/2006/main" saveSubsetFonts="1">
+<p:presentation xmlns:a="http://schemas.openxmlformats.org/drawingml/2006/main" xmlns:r="http://schemas.openxmlformats.org/officeDocument/2006/relationships" xmlns:p="http://schemas.openxmlformats.org/presentationml/2006/main">
   <p:sldMasterIdLst>
-    <p:sldMasterId id="2147483684" r:id="rId1"/>
+    <p:sldMasterId id="2147483648" r:id="rId1"/>
   </p:sldMasterIdLst>
   <p:notesMasterIdLst>
-    <p:notesMasterId r:id="rId22"/>
+    <p:notesMasterId r:id="rId5"/>
   </p:notesMasterIdLst>
   <p:handoutMasterIdLst>
-    <p:handoutMasterId r:id="rId23"/>
+    <p:handoutMasterId r:id="rId24"/>
   </p:handoutMasterIdLst>
   <p:sldIdLst>
-    <p:sldId id="256" r:id="rId2"/>
-    <p:sldId id="420" r:id="rId3"/>
-    <p:sldId id="558" r:id="rId4"/>
-    <p:sldId id="559" r:id="rId5"/>
-    <p:sldId id="560" r:id="rId6"/>
-    <p:sldId id="561" r:id="rId7"/>
-    <p:sldId id="562" r:id="rId8"/>
-    <p:sldId id="563" r:id="rId9"/>
-    <p:sldId id="553" r:id="rId10"/>
-    <p:sldId id="1050" r:id="rId11"/>
-    <p:sldId id="1055" r:id="rId12"/>
-    <p:sldId id="1056" r:id="rId13"/>
-    <p:sldId id="1060" r:id="rId14"/>
-    <p:sldId id="1057" r:id="rId15"/>
-    <p:sldId id="1061" r:id="rId16"/>
-    <p:sldId id="1062" r:id="rId17"/>
-    <p:sldId id="1063" r:id="rId18"/>
-    <p:sldId id="1064" r:id="rId19"/>
-    <p:sldId id="1065" r:id="rId20"/>
-    <p:sldId id="1066" r:id="rId21"/>
+    <p:sldId id="256" r:id="rId3"/>
+    <p:sldId id="420" r:id="rId4"/>
+    <p:sldId id="558" r:id="rId6"/>
+    <p:sldId id="559" r:id="rId7"/>
+    <p:sldId id="560" r:id="rId8"/>
+    <p:sldId id="561" r:id="rId9"/>
+    <p:sldId id="562" r:id="rId10"/>
+    <p:sldId id="563" r:id="rId11"/>
+    <p:sldId id="553" r:id="rId12"/>
+    <p:sldId id="1050" r:id="rId13"/>
+    <p:sldId id="1055" r:id="rId14"/>
+    <p:sldId id="1056" r:id="rId15"/>
+    <p:sldId id="1060" r:id="rId16"/>
+    <p:sldId id="1057" r:id="rId17"/>
+    <p:sldId id="1061" r:id="rId18"/>
+    <p:sldId id="1062" r:id="rId19"/>
+    <p:sldId id="1063" r:id="rId20"/>
+    <p:sldId id="1064" r:id="rId21"/>
+    <p:sldId id="1065" r:id="rId22"/>
+    <p:sldId id="1066" r:id="rId23"/>
   </p:sldIdLst>
   <p:sldSz cx="9144000" cy="6858000" type="screen4x3"/>
   <p:notesSz cx="6858000" cy="9144000"/>
@@ -54,7 +54,7 @@
         <a:cs typeface="+mn-cs"/>
       </a:defRPr>
     </a:lvl1pPr>
-    <a:lvl2pPr marL="457182" algn="l" rtl="0" eaLnBrk="0" fontAlgn="base" hangingPunct="0">
+    <a:lvl2pPr marL="457200" algn="l" rtl="0" eaLnBrk="0" fontAlgn="base" hangingPunct="0">
       <a:spcBef>
         <a:spcPct val="0"/>
       </a:spcBef>
@@ -70,7 +70,7 @@
         <a:cs typeface="+mn-cs"/>
       </a:defRPr>
     </a:lvl2pPr>
-    <a:lvl3pPr marL="914362" algn="l" rtl="0" eaLnBrk="0" fontAlgn="base" hangingPunct="0">
+    <a:lvl3pPr marL="914400" algn="l" rtl="0" eaLnBrk="0" fontAlgn="base" hangingPunct="0">
       <a:spcBef>
         <a:spcPct val="0"/>
       </a:spcBef>
@@ -86,7 +86,7 @@
         <a:cs typeface="+mn-cs"/>
       </a:defRPr>
     </a:lvl3pPr>
-    <a:lvl4pPr marL="1371544" algn="l" rtl="0" eaLnBrk="0" fontAlgn="base" hangingPunct="0">
+    <a:lvl4pPr marL="1371600" algn="l" rtl="0" eaLnBrk="0" fontAlgn="base" hangingPunct="0">
       <a:spcBef>
         <a:spcPct val="0"/>
       </a:spcBef>
@@ -102,7 +102,7 @@
         <a:cs typeface="+mn-cs"/>
       </a:defRPr>
     </a:lvl4pPr>
-    <a:lvl5pPr marL="1828725" algn="l" rtl="0" eaLnBrk="0" fontAlgn="base" hangingPunct="0">
+    <a:lvl5pPr marL="1828800" algn="l" rtl="0" eaLnBrk="0" fontAlgn="base" hangingPunct="0">
       <a:spcBef>
         <a:spcPct val="0"/>
       </a:spcBef>
@@ -118,7 +118,7 @@
         <a:cs typeface="+mn-cs"/>
       </a:defRPr>
     </a:lvl5pPr>
-    <a:lvl6pPr marL="2285906" algn="l" defTabSz="914362" rtl="0" eaLnBrk="1" latinLnBrk="0" hangingPunct="1">
+    <a:lvl6pPr marL="2286000" algn="l" defTabSz="914400" rtl="0" eaLnBrk="1" latinLnBrk="0" hangingPunct="1">
       <a:defRPr kern="1200">
         <a:solidFill>
           <a:schemeClr val="tx1"/>
@@ -128,7 +128,7 @@
         <a:cs typeface="+mn-cs"/>
       </a:defRPr>
     </a:lvl6pPr>
-    <a:lvl7pPr marL="2743088" algn="l" defTabSz="914362" rtl="0" eaLnBrk="1" latinLnBrk="0" hangingPunct="1">
+    <a:lvl7pPr marL="2743200" algn="l" defTabSz="914400" rtl="0" eaLnBrk="1" latinLnBrk="0" hangingPunct="1">
       <a:defRPr kern="1200">
         <a:solidFill>
           <a:schemeClr val="tx1"/>
@@ -138,7 +138,7 @@
         <a:cs typeface="+mn-cs"/>
       </a:defRPr>
     </a:lvl7pPr>
-    <a:lvl8pPr marL="3200268" algn="l" defTabSz="914362" rtl="0" eaLnBrk="1" latinLnBrk="0" hangingPunct="1">
+    <a:lvl8pPr marL="3200400" algn="l" defTabSz="914400" rtl="0" eaLnBrk="1" latinLnBrk="0" hangingPunct="1">
       <a:defRPr kern="1200">
         <a:solidFill>
           <a:schemeClr val="tx1"/>
@@ -148,7 +148,7 @@
         <a:cs typeface="+mn-cs"/>
       </a:defRPr>
     </a:lvl8pPr>
-    <a:lvl9pPr marL="3657450" algn="l" defTabSz="914362" rtl="0" eaLnBrk="1" latinLnBrk="0" hangingPunct="1">
+    <a:lvl9pPr marL="3657600" algn="l" defTabSz="914400" rtl="0" eaLnBrk="1" latinLnBrk="0" hangingPunct="1">
       <a:defRPr kern="1200">
         <a:solidFill>
           <a:schemeClr val="tx1"/>
@@ -159,22 +159,6 @@
       </a:defRPr>
     </a:lvl9pPr>
   </p:defaultTextStyle>
-  <p:extLst>
-    <p:ext uri="{EFAFB233-063F-42B5-8137-9DF3F51BA10A}">
-      <p15:sldGuideLst xmlns:p15="http://schemas.microsoft.com/office/powerpoint/2012/main">
-        <p15:guide id="1" orient="horz" pos="2160">
-          <p15:clr>
-            <a:srgbClr val="A4A3A4"/>
-          </p15:clr>
-        </p15:guide>
-        <p15:guide id="2" pos="2880">
-          <p15:clr>
-            <a:srgbClr val="A4A3A4"/>
-          </p15:clr>
-        </p15:guide>
-      </p15:sldGuideLst>
-    </p:ext>
-  </p:extLst>
 </p:presentation>
 </file>
 
@@ -287,10 +271,6 @@
             </a:pPr>
             <a:fld id="{A7A476E1-26A7-4374-8E85-622F51A3D903}" type="datetimeFigureOut">
               <a:rPr lang="zh-CN" altLang="en-US"/>
-              <a:pPr>
-                <a:defRPr/>
-              </a:pPr>
-              <a:t>2019/5/7</a:t>
             </a:fld>
             <a:endParaRPr lang="zh-CN" altLang="en-US"/>
           </a:p>
@@ -359,11 +339,7 @@
           </a:prstGeom>
         </p:spPr>
         <p:txBody>
-          <a:bodyPr vert="horz" wrap="square" lIns="91440" tIns="45720" rIns="91440" bIns="45720" numCol="1" anchor="b" anchorCtr="0" compatLnSpc="1">
-            <a:prstTxWarp prst="textNoShape">
-              <a:avLst/>
-            </a:prstTxWarp>
-          </a:bodyPr>
+          <a:bodyPr vert="horz" wrap="square" lIns="91440" tIns="45720" rIns="91440" bIns="45720" numCol="1" anchor="b" anchorCtr="0" compatLnSpc="1"/>
           <a:lstStyle>
             <a:lvl1pPr algn="r" eaLnBrk="1" hangingPunct="1">
               <a:defRPr sz="1200"/>
@@ -375,21 +351,12 @@
             </a:pPr>
             <a:fld id="{19F41E9D-3057-429F-A72C-46641107623D}" type="slidenum">
               <a:rPr lang="zh-CN" altLang="en-US"/>
-              <a:pPr>
-                <a:defRPr/>
-              </a:pPr>
-              <a:t>‹#›</a:t>
             </a:fld>
             <a:endParaRPr lang="zh-CN" altLang="en-US"/>
           </a:p>
         </p:txBody>
       </p:sp>
     </p:spTree>
-    <p:extLst>
-      <p:ext uri="{BB962C8B-B14F-4D97-AF65-F5344CB8AC3E}">
-        <p14:creationId xmlns:p14="http://schemas.microsoft.com/office/powerpoint/2010/main" val="484506826"/>
-      </p:ext>
-    </p:extLst>
   </p:cSld>
   <p:clrMap bg1="lt1" tx1="dk1" bg2="lt2" tx2="dk2" accent1="accent1" accent2="accent2" accent3="accent3" accent4="accent4" accent5="accent5" accent6="accent6" hlink="hlink" folHlink="folHlink"/>
   <p:hf sldNum="0" hdr="0" ftr="0" dt="0"/>
@@ -505,10 +472,6 @@
             </a:pPr>
             <a:fld id="{335B7077-FE34-415F-9DF0-C8A90D96A5FC}" type="datetimeFigureOut">
               <a:rPr lang="zh-CN" altLang="en-US"/>
-              <a:pPr>
-                <a:defRPr/>
-              </a:pPr>
-              <a:t>2019/5/7</a:t>
             </a:fld>
             <a:endParaRPr lang="zh-CN" altLang="en-US"/>
           </a:p>
@@ -576,6 +539,7 @@
               <a:rPr lang="zh-CN" altLang="en-US" noProof="0"/>
               <a:t>单击此处编辑母版文本样式</a:t>
             </a:r>
+            <a:endParaRPr lang="zh-CN" altLang="en-US" noProof="0"/>
           </a:p>
           <a:p>
             <a:pPr lvl="1"/>
@@ -583,6 +547,7 @@
               <a:rPr lang="zh-CN" altLang="en-US" noProof="0"/>
               <a:t>第二级</a:t>
             </a:r>
+            <a:endParaRPr lang="zh-CN" altLang="en-US" noProof="0"/>
           </a:p>
           <a:p>
             <a:pPr lvl="2"/>
@@ -590,6 +555,7 @@
               <a:rPr lang="zh-CN" altLang="en-US" noProof="0"/>
               <a:t>第三级</a:t>
             </a:r>
+            <a:endParaRPr lang="zh-CN" altLang="en-US" noProof="0"/>
           </a:p>
           <a:p>
             <a:pPr lvl="3"/>
@@ -597,6 +563,7 @@
               <a:rPr lang="zh-CN" altLang="en-US" noProof="0"/>
               <a:t>第四级</a:t>
             </a:r>
+            <a:endParaRPr lang="zh-CN" altLang="en-US" noProof="0"/>
           </a:p>
           <a:p>
             <a:pPr lvl="4"/>
@@ -604,6 +571,7 @@
               <a:rPr lang="zh-CN" altLang="en-US" noProof="0"/>
               <a:t>第五级</a:t>
             </a:r>
+            <a:endParaRPr lang="zh-CN" altLang="en-US" noProof="0"/>
           </a:p>
         </p:txBody>
       </p:sp>
@@ -670,11 +638,7 @@
           </a:prstGeom>
         </p:spPr>
         <p:txBody>
-          <a:bodyPr vert="horz" wrap="square" lIns="91440" tIns="45720" rIns="91440" bIns="45720" numCol="1" anchor="b" anchorCtr="0" compatLnSpc="1">
-            <a:prstTxWarp prst="textNoShape">
-              <a:avLst/>
-            </a:prstTxWarp>
-          </a:bodyPr>
+          <a:bodyPr vert="horz" wrap="square" lIns="91440" tIns="45720" rIns="91440" bIns="45720" numCol="1" anchor="b" anchorCtr="0" compatLnSpc="1"/>
           <a:lstStyle>
             <a:lvl1pPr algn="r" eaLnBrk="1" hangingPunct="1">
               <a:defRPr sz="1200"/>
@@ -686,21 +650,12 @@
             </a:pPr>
             <a:fld id="{D3078E79-19C6-4191-81AE-0E25ABA7708C}" type="slidenum">
               <a:rPr lang="zh-CN" altLang="en-US"/>
-              <a:pPr>
-                <a:defRPr/>
-              </a:pPr>
-              <a:t>‹#›</a:t>
             </a:fld>
             <a:endParaRPr lang="zh-CN" altLang="en-US"/>
           </a:p>
         </p:txBody>
       </p:sp>
     </p:spTree>
-    <p:extLst>
-      <p:ext uri="{BB962C8B-B14F-4D97-AF65-F5344CB8AC3E}">
-        <p14:creationId xmlns:p14="http://schemas.microsoft.com/office/powerpoint/2010/main" val="292454729"/>
-      </p:ext>
-    </p:extLst>
   </p:cSld>
   <p:clrMap bg1="lt1" tx1="dk1" bg2="lt2" tx2="dk2" accent1="accent1" accent2="accent2" accent3="accent3" accent4="accent4" accent5="accent5" accent6="accent6" hlink="hlink" folHlink="folHlink"/>
   <p:hf sldNum="0" hdr="0" ftr="0" dt="0"/>
@@ -721,7 +676,7 @@
         <a:cs typeface="+mn-cs"/>
       </a:defRPr>
     </a:lvl1pPr>
-    <a:lvl2pPr marL="457182" algn="l" rtl="0" eaLnBrk="0" fontAlgn="base" hangingPunct="0">
+    <a:lvl2pPr marL="457200" algn="l" rtl="0" eaLnBrk="0" fontAlgn="base" hangingPunct="0">
       <a:spcBef>
         <a:spcPct val="30000"/>
       </a:spcBef>
@@ -737,7 +692,7 @@
         <a:cs typeface="+mn-cs"/>
       </a:defRPr>
     </a:lvl2pPr>
-    <a:lvl3pPr marL="914362" algn="l" rtl="0" eaLnBrk="0" fontAlgn="base" hangingPunct="0">
+    <a:lvl3pPr marL="914400" algn="l" rtl="0" eaLnBrk="0" fontAlgn="base" hangingPunct="0">
       <a:spcBef>
         <a:spcPct val="30000"/>
       </a:spcBef>
@@ -753,7 +708,7 @@
         <a:cs typeface="+mn-cs"/>
       </a:defRPr>
     </a:lvl3pPr>
-    <a:lvl4pPr marL="1371544" algn="l" rtl="0" eaLnBrk="0" fontAlgn="base" hangingPunct="0">
+    <a:lvl4pPr marL="1371600" algn="l" rtl="0" eaLnBrk="0" fontAlgn="base" hangingPunct="0">
       <a:spcBef>
         <a:spcPct val="30000"/>
       </a:spcBef>
@@ -769,7 +724,7 @@
         <a:cs typeface="+mn-cs"/>
       </a:defRPr>
     </a:lvl4pPr>
-    <a:lvl5pPr marL="1828725" algn="l" rtl="0" eaLnBrk="0" fontAlgn="base" hangingPunct="0">
+    <a:lvl5pPr marL="1828800" algn="l" rtl="0" eaLnBrk="0" fontAlgn="base" hangingPunct="0">
       <a:spcBef>
         <a:spcPct val="30000"/>
       </a:spcBef>
@@ -785,7 +740,7 @@
         <a:cs typeface="+mn-cs"/>
       </a:defRPr>
     </a:lvl5pPr>
-    <a:lvl6pPr marL="2285906" algn="l" defTabSz="914362" rtl="0" eaLnBrk="1" latinLnBrk="0" hangingPunct="1">
+    <a:lvl6pPr marL="2286000" algn="l" defTabSz="914400" rtl="0" eaLnBrk="1" latinLnBrk="0" hangingPunct="1">
       <a:defRPr sz="1200" kern="1200">
         <a:solidFill>
           <a:schemeClr val="tx1"/>
@@ -795,7 +750,7 @@
         <a:cs typeface="+mn-cs"/>
       </a:defRPr>
     </a:lvl6pPr>
-    <a:lvl7pPr marL="2743088" algn="l" defTabSz="914362" rtl="0" eaLnBrk="1" latinLnBrk="0" hangingPunct="1">
+    <a:lvl7pPr marL="2743200" algn="l" defTabSz="914400" rtl="0" eaLnBrk="1" latinLnBrk="0" hangingPunct="1">
       <a:defRPr sz="1200" kern="1200">
         <a:solidFill>
           <a:schemeClr val="tx1"/>
@@ -805,7 +760,7 @@
         <a:cs typeface="+mn-cs"/>
       </a:defRPr>
     </a:lvl7pPr>
-    <a:lvl8pPr marL="3200268" algn="l" defTabSz="914362" rtl="0" eaLnBrk="1" latinLnBrk="0" hangingPunct="1">
+    <a:lvl8pPr marL="3200400" algn="l" defTabSz="914400" rtl="0" eaLnBrk="1" latinLnBrk="0" hangingPunct="1">
       <a:defRPr sz="1200" kern="1200">
         <a:solidFill>
           <a:schemeClr val="tx1"/>
@@ -815,7 +770,7 @@
         <a:cs typeface="+mn-cs"/>
       </a:defRPr>
     </a:lvl8pPr>
-    <a:lvl9pPr marL="3657450" algn="l" defTabSz="914362" rtl="0" eaLnBrk="1" latinLnBrk="0" hangingPunct="1">
+    <a:lvl9pPr marL="3657600" algn="l" defTabSz="914400" rtl="0" eaLnBrk="1" latinLnBrk="0" hangingPunct="1">
       <a:defRPr sz="1200" kern="1200">
         <a:solidFill>
           <a:schemeClr val="tx1"/>
@@ -863,18 +818,7 @@
               <a:srgbClr val="000000"/>
             </a:solidFill>
             <a:miter lim="800000"/>
-            <a:headEnd/>
-            <a:tailEnd/>
           </a:ln>
-          <a:extLst>
-            <a:ext uri="{909E8E84-426E-40dd-AFC4-6F175D3DCCD1}">
-              <a14:hiddenFill xmlns:a14="http://schemas.microsoft.com/office/drawing/2010/main" xmlns="">
-                <a:solidFill>
-                  <a:srgbClr val="FFFFFF"/>
-                </a:solidFill>
-              </a14:hiddenFill>
-            </a:ext>
-          </a:extLst>
         </p:spPr>
       </p:sp>
       <p:sp>
@@ -889,32 +833,9 @@
         </p:nvSpPr>
         <p:spPr bwMode="auto">
           <a:noFill/>
-          <a:extLst>
-            <a:ext uri="{909E8E84-426E-40dd-AFC4-6F175D3DCCD1}">
-              <a14:hiddenFill xmlns:a14="http://schemas.microsoft.com/office/drawing/2010/main" xmlns="">
-                <a:solidFill>
-                  <a:srgbClr val="FFFFFF"/>
-                </a:solidFill>
-              </a14:hiddenFill>
-            </a:ext>
-            <a:ext uri="{91240B29-F687-4f45-9708-019B960494DF}">
-              <a14:hiddenLine xmlns:a14="http://schemas.microsoft.com/office/drawing/2010/main" xmlns="" w="9525">
-                <a:solidFill>
-                  <a:srgbClr val="000000"/>
-                </a:solidFill>
-                <a:miter lim="800000"/>
-                <a:headEnd/>
-                <a:tailEnd/>
-              </a14:hiddenLine>
-            </a:ext>
-          </a:extLst>
         </p:spPr>
         <p:txBody>
-          <a:bodyPr wrap="square" numCol="1" anchor="t" anchorCtr="0" compatLnSpc="1">
-            <a:prstTxWarp prst="textNoShape">
-              <a:avLst/>
-            </a:prstTxWarp>
-          </a:bodyPr>
+          <a:bodyPr wrap="square" numCol="1" anchor="t" anchorCtr="0" compatLnSpc="1"/>
           <a:lstStyle/>
           <a:p>
             <a:endParaRPr lang="zh-CN" altLang="en-US" dirty="0"/>
@@ -934,8 +855,6 @@
         <p:spPr bwMode="auto">
           <a:ln>
             <a:miter lim="800000"/>
-            <a:headEnd/>
-            <a:tailEnd/>
           </a:ln>
         </p:spPr>
         <p:txBody>
@@ -1053,8 +972,6 @@
               <a:rPr lang="zh-CN" altLang="en-US">
                 <a:latin typeface="Calibri" panose="020F0502020204030204" pitchFamily="34" charset="0"/>
               </a:rPr>
-              <a:pPr eaLnBrk="1" hangingPunct="1"/>
-              <a:t>2</a:t>
             </a:fld>
             <a:endParaRPr lang="en-US" altLang="zh-CN">
               <a:latin typeface="Calibri" panose="020F0502020204030204" pitchFamily="34" charset="0"/>
@@ -1063,11 +980,6 @@
         </p:txBody>
       </p:sp>
     </p:spTree>
-    <p:extLst>
-      <p:ext uri="{BB962C8B-B14F-4D97-AF65-F5344CB8AC3E}">
-        <p14:creationId xmlns:p14="http://schemas.microsoft.com/office/powerpoint/2010/main" val="1067518200"/>
-      </p:ext>
-    </p:extLst>
   </p:cSld>
   <p:clrMapOvr>
     <a:masterClrMapping/>
@@ -1109,18 +1021,7 @@
               <a:srgbClr val="000000"/>
             </a:solidFill>
             <a:miter lim="800000"/>
-            <a:headEnd/>
-            <a:tailEnd/>
           </a:ln>
-          <a:extLst>
-            <a:ext uri="{909E8E84-426E-40dd-AFC4-6F175D3DCCD1}">
-              <a14:hiddenFill xmlns:a14="http://schemas.microsoft.com/office/drawing/2010/main" xmlns="">
-                <a:solidFill>
-                  <a:srgbClr val="FFFFFF"/>
-                </a:solidFill>
-              </a14:hiddenFill>
-            </a:ext>
-          </a:extLst>
         </p:spPr>
       </p:sp>
       <p:sp>
@@ -1135,32 +1036,9 @@
         </p:nvSpPr>
         <p:spPr bwMode="auto">
           <a:noFill/>
-          <a:extLst>
-            <a:ext uri="{909E8E84-426E-40dd-AFC4-6F175D3DCCD1}">
-              <a14:hiddenFill xmlns:a14="http://schemas.microsoft.com/office/drawing/2010/main" xmlns="">
-                <a:solidFill>
-                  <a:srgbClr val="FFFFFF"/>
-                </a:solidFill>
-              </a14:hiddenFill>
-            </a:ext>
-            <a:ext uri="{91240B29-F687-4f45-9708-019B960494DF}">
-              <a14:hiddenLine xmlns:a14="http://schemas.microsoft.com/office/drawing/2010/main" xmlns="" w="9525">
-                <a:solidFill>
-                  <a:srgbClr val="000000"/>
-                </a:solidFill>
-                <a:miter lim="800000"/>
-                <a:headEnd/>
-                <a:tailEnd/>
-              </a14:hiddenLine>
-            </a:ext>
-          </a:extLst>
         </p:spPr>
         <p:txBody>
-          <a:bodyPr wrap="square" numCol="1" anchor="t" anchorCtr="0" compatLnSpc="1">
-            <a:prstTxWarp prst="textNoShape">
-              <a:avLst/>
-            </a:prstTxWarp>
-          </a:bodyPr>
+          <a:bodyPr wrap="square" numCol="1" anchor="t" anchorCtr="0" compatLnSpc="1"/>
           <a:lstStyle/>
           <a:p>
             <a:endParaRPr lang="zh-CN" altLang="en-US" dirty="0"/>
@@ -1180,8 +1058,6 @@
         <p:spPr bwMode="auto">
           <a:ln>
             <a:miter lim="800000"/>
-            <a:headEnd/>
-            <a:tailEnd/>
           </a:ln>
         </p:spPr>
         <p:txBody>
@@ -1299,8 +1175,6 @@
               <a:rPr lang="zh-CN" altLang="en-US">
                 <a:latin typeface="Calibri" panose="020F0502020204030204" pitchFamily="34" charset="0"/>
               </a:rPr>
-              <a:pPr eaLnBrk="1" hangingPunct="1"/>
-              <a:t>11</a:t>
             </a:fld>
             <a:endParaRPr lang="en-US" altLang="zh-CN">
               <a:latin typeface="Calibri" panose="020F0502020204030204" pitchFamily="34" charset="0"/>
@@ -1309,11 +1183,6 @@
         </p:txBody>
       </p:sp>
     </p:spTree>
-    <p:extLst>
-      <p:ext uri="{BB962C8B-B14F-4D97-AF65-F5344CB8AC3E}">
-        <p14:creationId xmlns:p14="http://schemas.microsoft.com/office/powerpoint/2010/main" val="1761422409"/>
-      </p:ext>
-    </p:extLst>
   </p:cSld>
   <p:clrMapOvr>
     <a:masterClrMapping/>
@@ -1355,18 +1224,7 @@
               <a:srgbClr val="000000"/>
             </a:solidFill>
             <a:miter lim="800000"/>
-            <a:headEnd/>
-            <a:tailEnd/>
           </a:ln>
-          <a:extLst>
-            <a:ext uri="{909E8E84-426E-40dd-AFC4-6F175D3DCCD1}">
-              <a14:hiddenFill xmlns:a14="http://schemas.microsoft.com/office/drawing/2010/main" xmlns="">
-                <a:solidFill>
-                  <a:srgbClr val="FFFFFF"/>
-                </a:solidFill>
-              </a14:hiddenFill>
-            </a:ext>
-          </a:extLst>
         </p:spPr>
       </p:sp>
       <p:sp>
@@ -1381,32 +1239,9 @@
         </p:nvSpPr>
         <p:spPr bwMode="auto">
           <a:noFill/>
-          <a:extLst>
-            <a:ext uri="{909E8E84-426E-40dd-AFC4-6F175D3DCCD1}">
-              <a14:hiddenFill xmlns:a14="http://schemas.microsoft.com/office/drawing/2010/main" xmlns="">
-                <a:solidFill>
-                  <a:srgbClr val="FFFFFF"/>
-                </a:solidFill>
-              </a14:hiddenFill>
-            </a:ext>
-            <a:ext uri="{91240B29-F687-4f45-9708-019B960494DF}">
-              <a14:hiddenLine xmlns:a14="http://schemas.microsoft.com/office/drawing/2010/main" xmlns="" w="9525">
-                <a:solidFill>
-                  <a:srgbClr val="000000"/>
-                </a:solidFill>
-                <a:miter lim="800000"/>
-                <a:headEnd/>
-                <a:tailEnd/>
-              </a14:hiddenLine>
-            </a:ext>
-          </a:extLst>
         </p:spPr>
         <p:txBody>
-          <a:bodyPr wrap="square" numCol="1" anchor="t" anchorCtr="0" compatLnSpc="1">
-            <a:prstTxWarp prst="textNoShape">
-              <a:avLst/>
-            </a:prstTxWarp>
-          </a:bodyPr>
+          <a:bodyPr wrap="square" numCol="1" anchor="t" anchorCtr="0" compatLnSpc="1"/>
           <a:lstStyle/>
           <a:p>
             <a:endParaRPr lang="zh-CN" altLang="en-US" dirty="0"/>
@@ -1426,8 +1261,6 @@
         <p:spPr bwMode="auto">
           <a:ln>
             <a:miter lim="800000"/>
-            <a:headEnd/>
-            <a:tailEnd/>
           </a:ln>
         </p:spPr>
         <p:txBody>
@@ -1545,8 +1378,6 @@
               <a:rPr lang="zh-CN" altLang="en-US">
                 <a:latin typeface="Calibri" panose="020F0502020204030204" pitchFamily="34" charset="0"/>
               </a:rPr>
-              <a:pPr eaLnBrk="1" hangingPunct="1"/>
-              <a:t>12</a:t>
             </a:fld>
             <a:endParaRPr lang="en-US" altLang="zh-CN">
               <a:latin typeface="Calibri" panose="020F0502020204030204" pitchFamily="34" charset="0"/>
@@ -1555,11 +1386,6 @@
         </p:txBody>
       </p:sp>
     </p:spTree>
-    <p:extLst>
-      <p:ext uri="{BB962C8B-B14F-4D97-AF65-F5344CB8AC3E}">
-        <p14:creationId xmlns:p14="http://schemas.microsoft.com/office/powerpoint/2010/main" val="1048201804"/>
-      </p:ext>
-    </p:extLst>
   </p:cSld>
   <p:clrMapOvr>
     <a:masterClrMapping/>
@@ -1601,18 +1427,7 @@
               <a:srgbClr val="000000"/>
             </a:solidFill>
             <a:miter lim="800000"/>
-            <a:headEnd/>
-            <a:tailEnd/>
           </a:ln>
-          <a:extLst>
-            <a:ext uri="{909E8E84-426E-40dd-AFC4-6F175D3DCCD1}">
-              <a14:hiddenFill xmlns:a14="http://schemas.microsoft.com/office/drawing/2010/main" xmlns="">
-                <a:solidFill>
-                  <a:srgbClr val="FFFFFF"/>
-                </a:solidFill>
-              </a14:hiddenFill>
-            </a:ext>
-          </a:extLst>
         </p:spPr>
       </p:sp>
       <p:sp>
@@ -1627,32 +1442,9 @@
         </p:nvSpPr>
         <p:spPr bwMode="auto">
           <a:noFill/>
-          <a:extLst>
-            <a:ext uri="{909E8E84-426E-40dd-AFC4-6F175D3DCCD1}">
-              <a14:hiddenFill xmlns:a14="http://schemas.microsoft.com/office/drawing/2010/main" xmlns="">
-                <a:solidFill>
-                  <a:srgbClr val="FFFFFF"/>
-                </a:solidFill>
-              </a14:hiddenFill>
-            </a:ext>
-            <a:ext uri="{91240B29-F687-4f45-9708-019B960494DF}">
-              <a14:hiddenLine xmlns:a14="http://schemas.microsoft.com/office/drawing/2010/main" xmlns="" w="9525">
-                <a:solidFill>
-                  <a:srgbClr val="000000"/>
-                </a:solidFill>
-                <a:miter lim="800000"/>
-                <a:headEnd/>
-                <a:tailEnd/>
-              </a14:hiddenLine>
-            </a:ext>
-          </a:extLst>
         </p:spPr>
         <p:txBody>
-          <a:bodyPr wrap="square" numCol="1" anchor="t" anchorCtr="0" compatLnSpc="1">
-            <a:prstTxWarp prst="textNoShape">
-              <a:avLst/>
-            </a:prstTxWarp>
-          </a:bodyPr>
+          <a:bodyPr wrap="square" numCol="1" anchor="t" anchorCtr="0" compatLnSpc="1"/>
           <a:lstStyle/>
           <a:p>
             <a:endParaRPr lang="zh-CN" altLang="en-US" dirty="0"/>
@@ -1672,8 +1464,6 @@
         <p:spPr bwMode="auto">
           <a:ln>
             <a:miter lim="800000"/>
-            <a:headEnd/>
-            <a:tailEnd/>
           </a:ln>
         </p:spPr>
         <p:txBody>
@@ -1791,8 +1581,6 @@
               <a:rPr lang="zh-CN" altLang="en-US">
                 <a:latin typeface="Calibri" panose="020F0502020204030204" pitchFamily="34" charset="0"/>
               </a:rPr>
-              <a:pPr eaLnBrk="1" hangingPunct="1"/>
-              <a:t>13</a:t>
             </a:fld>
             <a:endParaRPr lang="en-US" altLang="zh-CN">
               <a:latin typeface="Calibri" panose="020F0502020204030204" pitchFamily="34" charset="0"/>
@@ -1801,11 +1589,6 @@
         </p:txBody>
       </p:sp>
     </p:spTree>
-    <p:extLst>
-      <p:ext uri="{BB962C8B-B14F-4D97-AF65-F5344CB8AC3E}">
-        <p14:creationId xmlns:p14="http://schemas.microsoft.com/office/powerpoint/2010/main" val="3816482035"/>
-      </p:ext>
-    </p:extLst>
   </p:cSld>
   <p:clrMapOvr>
     <a:masterClrMapping/>
@@ -1847,18 +1630,7 @@
               <a:srgbClr val="000000"/>
             </a:solidFill>
             <a:miter lim="800000"/>
-            <a:headEnd/>
-            <a:tailEnd/>
           </a:ln>
-          <a:extLst>
-            <a:ext uri="{909E8E84-426E-40dd-AFC4-6F175D3DCCD1}">
-              <a14:hiddenFill xmlns:a14="http://schemas.microsoft.com/office/drawing/2010/main" xmlns="">
-                <a:solidFill>
-                  <a:srgbClr val="FFFFFF"/>
-                </a:solidFill>
-              </a14:hiddenFill>
-            </a:ext>
-          </a:extLst>
         </p:spPr>
       </p:sp>
       <p:sp>
@@ -1873,32 +1645,9 @@
         </p:nvSpPr>
         <p:spPr bwMode="auto">
           <a:noFill/>
-          <a:extLst>
-            <a:ext uri="{909E8E84-426E-40dd-AFC4-6F175D3DCCD1}">
-              <a14:hiddenFill xmlns:a14="http://schemas.microsoft.com/office/drawing/2010/main" xmlns="">
-                <a:solidFill>
-                  <a:srgbClr val="FFFFFF"/>
-                </a:solidFill>
-              </a14:hiddenFill>
-            </a:ext>
-            <a:ext uri="{91240B29-F687-4f45-9708-019B960494DF}">
-              <a14:hiddenLine xmlns:a14="http://schemas.microsoft.com/office/drawing/2010/main" xmlns="" w="9525">
-                <a:solidFill>
-                  <a:srgbClr val="000000"/>
-                </a:solidFill>
-                <a:miter lim="800000"/>
-                <a:headEnd/>
-                <a:tailEnd/>
-              </a14:hiddenLine>
-            </a:ext>
-          </a:extLst>
         </p:spPr>
         <p:txBody>
-          <a:bodyPr wrap="square" numCol="1" anchor="t" anchorCtr="0" compatLnSpc="1">
-            <a:prstTxWarp prst="textNoShape">
-              <a:avLst/>
-            </a:prstTxWarp>
-          </a:bodyPr>
+          <a:bodyPr wrap="square" numCol="1" anchor="t" anchorCtr="0" compatLnSpc="1"/>
           <a:lstStyle/>
           <a:p>
             <a:endParaRPr lang="zh-CN" altLang="en-US" dirty="0"/>
@@ -1918,8 +1667,6 @@
         <p:spPr bwMode="auto">
           <a:ln>
             <a:miter lim="800000"/>
-            <a:headEnd/>
-            <a:tailEnd/>
           </a:ln>
         </p:spPr>
         <p:txBody>
@@ -2037,8 +1784,6 @@
               <a:rPr lang="zh-CN" altLang="en-US">
                 <a:latin typeface="Calibri" panose="020F0502020204030204" pitchFamily="34" charset="0"/>
               </a:rPr>
-              <a:pPr eaLnBrk="1" hangingPunct="1"/>
-              <a:t>14</a:t>
             </a:fld>
             <a:endParaRPr lang="en-US" altLang="zh-CN">
               <a:latin typeface="Calibri" panose="020F0502020204030204" pitchFamily="34" charset="0"/>
@@ -2047,11 +1792,6 @@
         </p:txBody>
       </p:sp>
     </p:spTree>
-    <p:extLst>
-      <p:ext uri="{BB962C8B-B14F-4D97-AF65-F5344CB8AC3E}">
-        <p14:creationId xmlns:p14="http://schemas.microsoft.com/office/powerpoint/2010/main" val="3106404125"/>
-      </p:ext>
-    </p:extLst>
   </p:cSld>
   <p:clrMapOvr>
     <a:masterClrMapping/>
@@ -2093,18 +1833,7 @@
               <a:srgbClr val="000000"/>
             </a:solidFill>
             <a:miter lim="800000"/>
-            <a:headEnd/>
-            <a:tailEnd/>
           </a:ln>
-          <a:extLst>
-            <a:ext uri="{909E8E84-426E-40dd-AFC4-6F175D3DCCD1}">
-              <a14:hiddenFill xmlns:a14="http://schemas.microsoft.com/office/drawing/2010/main" xmlns="">
-                <a:solidFill>
-                  <a:srgbClr val="FFFFFF"/>
-                </a:solidFill>
-              </a14:hiddenFill>
-            </a:ext>
-          </a:extLst>
         </p:spPr>
       </p:sp>
       <p:sp>
@@ -2119,32 +1848,9 @@
         </p:nvSpPr>
         <p:spPr bwMode="auto">
           <a:noFill/>
-          <a:extLst>
-            <a:ext uri="{909E8E84-426E-40dd-AFC4-6F175D3DCCD1}">
-              <a14:hiddenFill xmlns:a14="http://schemas.microsoft.com/office/drawing/2010/main" xmlns="">
-                <a:solidFill>
-                  <a:srgbClr val="FFFFFF"/>
-                </a:solidFill>
-              </a14:hiddenFill>
-            </a:ext>
-            <a:ext uri="{91240B29-F687-4f45-9708-019B960494DF}">
-              <a14:hiddenLine xmlns:a14="http://schemas.microsoft.com/office/drawing/2010/main" xmlns="" w="9525">
-                <a:solidFill>
-                  <a:srgbClr val="000000"/>
-                </a:solidFill>
-                <a:miter lim="800000"/>
-                <a:headEnd/>
-                <a:tailEnd/>
-              </a14:hiddenLine>
-            </a:ext>
-          </a:extLst>
         </p:spPr>
         <p:txBody>
-          <a:bodyPr wrap="square" numCol="1" anchor="t" anchorCtr="0" compatLnSpc="1">
-            <a:prstTxWarp prst="textNoShape">
-              <a:avLst/>
-            </a:prstTxWarp>
-          </a:bodyPr>
+          <a:bodyPr wrap="square" numCol="1" anchor="t" anchorCtr="0" compatLnSpc="1"/>
           <a:lstStyle/>
           <a:p>
             <a:endParaRPr lang="zh-CN" altLang="en-US" dirty="0"/>
@@ -2164,8 +1870,6 @@
         <p:spPr bwMode="auto">
           <a:ln>
             <a:miter lim="800000"/>
-            <a:headEnd/>
-            <a:tailEnd/>
           </a:ln>
         </p:spPr>
         <p:txBody>
@@ -2283,8 +1987,6 @@
               <a:rPr lang="zh-CN" altLang="en-US">
                 <a:latin typeface="Calibri" panose="020F0502020204030204" pitchFamily="34" charset="0"/>
               </a:rPr>
-              <a:pPr eaLnBrk="1" hangingPunct="1"/>
-              <a:t>15</a:t>
             </a:fld>
             <a:endParaRPr lang="en-US" altLang="zh-CN">
               <a:latin typeface="Calibri" panose="020F0502020204030204" pitchFamily="34" charset="0"/>
@@ -2293,11 +1995,6 @@
         </p:txBody>
       </p:sp>
     </p:spTree>
-    <p:extLst>
-      <p:ext uri="{BB962C8B-B14F-4D97-AF65-F5344CB8AC3E}">
-        <p14:creationId xmlns:p14="http://schemas.microsoft.com/office/powerpoint/2010/main" val="488851270"/>
-      </p:ext>
-    </p:extLst>
   </p:cSld>
   <p:clrMapOvr>
     <a:masterClrMapping/>
@@ -2339,18 +2036,7 @@
               <a:srgbClr val="000000"/>
             </a:solidFill>
             <a:miter lim="800000"/>
-            <a:headEnd/>
-            <a:tailEnd/>
           </a:ln>
-          <a:extLst>
-            <a:ext uri="{909E8E84-426E-40dd-AFC4-6F175D3DCCD1}">
-              <a14:hiddenFill xmlns:a14="http://schemas.microsoft.com/office/drawing/2010/main" xmlns="">
-                <a:solidFill>
-                  <a:srgbClr val="FFFFFF"/>
-                </a:solidFill>
-              </a14:hiddenFill>
-            </a:ext>
-          </a:extLst>
         </p:spPr>
       </p:sp>
       <p:sp>
@@ -2365,32 +2051,9 @@
         </p:nvSpPr>
         <p:spPr bwMode="auto">
           <a:noFill/>
-          <a:extLst>
-            <a:ext uri="{909E8E84-426E-40dd-AFC4-6F175D3DCCD1}">
-              <a14:hiddenFill xmlns:a14="http://schemas.microsoft.com/office/drawing/2010/main" xmlns="">
-                <a:solidFill>
-                  <a:srgbClr val="FFFFFF"/>
-                </a:solidFill>
-              </a14:hiddenFill>
-            </a:ext>
-            <a:ext uri="{91240B29-F687-4f45-9708-019B960494DF}">
-              <a14:hiddenLine xmlns:a14="http://schemas.microsoft.com/office/drawing/2010/main" xmlns="" w="9525">
-                <a:solidFill>
-                  <a:srgbClr val="000000"/>
-                </a:solidFill>
-                <a:miter lim="800000"/>
-                <a:headEnd/>
-                <a:tailEnd/>
-              </a14:hiddenLine>
-            </a:ext>
-          </a:extLst>
         </p:spPr>
         <p:txBody>
-          <a:bodyPr wrap="square" numCol="1" anchor="t" anchorCtr="0" compatLnSpc="1">
-            <a:prstTxWarp prst="textNoShape">
-              <a:avLst/>
-            </a:prstTxWarp>
-          </a:bodyPr>
+          <a:bodyPr wrap="square" numCol="1" anchor="t" anchorCtr="0" compatLnSpc="1"/>
           <a:lstStyle/>
           <a:p>
             <a:endParaRPr lang="zh-CN" altLang="en-US" dirty="0"/>
@@ -2410,8 +2073,6 @@
         <p:spPr bwMode="auto">
           <a:ln>
             <a:miter lim="800000"/>
-            <a:headEnd/>
-            <a:tailEnd/>
           </a:ln>
         </p:spPr>
         <p:txBody>
@@ -2529,8 +2190,6 @@
               <a:rPr lang="zh-CN" altLang="en-US">
                 <a:latin typeface="Calibri" panose="020F0502020204030204" pitchFamily="34" charset="0"/>
               </a:rPr>
-              <a:pPr eaLnBrk="1" hangingPunct="1"/>
-              <a:t>16</a:t>
             </a:fld>
             <a:endParaRPr lang="en-US" altLang="zh-CN">
               <a:latin typeface="Calibri" panose="020F0502020204030204" pitchFamily="34" charset="0"/>
@@ -2539,11 +2198,6 @@
         </p:txBody>
       </p:sp>
     </p:spTree>
-    <p:extLst>
-      <p:ext uri="{BB962C8B-B14F-4D97-AF65-F5344CB8AC3E}">
-        <p14:creationId xmlns:p14="http://schemas.microsoft.com/office/powerpoint/2010/main" val="3355212273"/>
-      </p:ext>
-    </p:extLst>
   </p:cSld>
   <p:clrMapOvr>
     <a:masterClrMapping/>
@@ -2585,18 +2239,7 @@
               <a:srgbClr val="000000"/>
             </a:solidFill>
             <a:miter lim="800000"/>
-            <a:headEnd/>
-            <a:tailEnd/>
           </a:ln>
-          <a:extLst>
-            <a:ext uri="{909E8E84-426E-40dd-AFC4-6F175D3DCCD1}">
-              <a14:hiddenFill xmlns="" xmlns:a14="http://schemas.microsoft.com/office/drawing/2010/main">
-                <a:solidFill>
-                  <a:srgbClr val="FFFFFF"/>
-                </a:solidFill>
-              </a14:hiddenFill>
-            </a:ext>
-          </a:extLst>
         </p:spPr>
       </p:sp>
       <p:sp>
@@ -2611,32 +2254,9 @@
         </p:nvSpPr>
         <p:spPr bwMode="auto">
           <a:noFill/>
-          <a:extLst>
-            <a:ext uri="{909E8E84-426E-40dd-AFC4-6F175D3DCCD1}">
-              <a14:hiddenFill xmlns="" xmlns:a14="http://schemas.microsoft.com/office/drawing/2010/main">
-                <a:solidFill>
-                  <a:srgbClr val="FFFFFF"/>
-                </a:solidFill>
-              </a14:hiddenFill>
-            </a:ext>
-            <a:ext uri="{91240B29-F687-4f45-9708-019B960494DF}">
-              <a14:hiddenLine xmlns="" xmlns:a14="http://schemas.microsoft.com/office/drawing/2010/main" w="9525">
-                <a:solidFill>
-                  <a:srgbClr val="000000"/>
-                </a:solidFill>
-                <a:miter lim="800000"/>
-                <a:headEnd/>
-                <a:tailEnd/>
-              </a14:hiddenLine>
-            </a:ext>
-          </a:extLst>
         </p:spPr>
         <p:txBody>
-          <a:bodyPr wrap="square" numCol="1" anchor="t" anchorCtr="0" compatLnSpc="1">
-            <a:prstTxWarp prst="textNoShape">
-              <a:avLst/>
-            </a:prstTxWarp>
-          </a:bodyPr>
+          <a:bodyPr wrap="square" numCol="1" anchor="t" anchorCtr="0" compatLnSpc="1"/>
           <a:lstStyle/>
           <a:p>
             <a:endParaRPr lang="zh-CN" altLang="en-US" dirty="0"/>
@@ -2656,8 +2276,6 @@
         <p:spPr bwMode="auto">
           <a:ln>
             <a:miter lim="800000"/>
-            <a:headEnd/>
-            <a:tailEnd/>
           </a:ln>
         </p:spPr>
         <p:txBody>
@@ -2775,8 +2393,6 @@
               <a:rPr lang="zh-CN" altLang="en-US">
                 <a:latin typeface="Calibri" panose="020F0502020204030204" pitchFamily="34" charset="0"/>
               </a:rPr>
-              <a:pPr eaLnBrk="1" hangingPunct="1"/>
-              <a:t>17</a:t>
             </a:fld>
             <a:endParaRPr lang="en-US" altLang="zh-CN">
               <a:latin typeface="Calibri" panose="020F0502020204030204" pitchFamily="34" charset="0"/>
@@ -2785,11 +2401,6 @@
         </p:txBody>
       </p:sp>
     </p:spTree>
-    <p:extLst>
-      <p:ext uri="{BB962C8B-B14F-4D97-AF65-F5344CB8AC3E}">
-        <p14:creationId xmlns:p14="http://schemas.microsoft.com/office/powerpoint/2010/main" val="1067003420"/>
-      </p:ext>
-    </p:extLst>
   </p:cSld>
   <p:clrMapOvr>
     <a:masterClrMapping/>
@@ -2831,18 +2442,7 @@
               <a:srgbClr val="000000"/>
             </a:solidFill>
             <a:miter lim="800000"/>
-            <a:headEnd/>
-            <a:tailEnd/>
           </a:ln>
-          <a:extLst>
-            <a:ext uri="{909E8E84-426E-40dd-AFC4-6F175D3DCCD1}">
-              <a14:hiddenFill xmlns="" xmlns:a14="http://schemas.microsoft.com/office/drawing/2010/main">
-                <a:solidFill>
-                  <a:srgbClr val="FFFFFF"/>
-                </a:solidFill>
-              </a14:hiddenFill>
-            </a:ext>
-          </a:extLst>
         </p:spPr>
       </p:sp>
       <p:sp>
@@ -2857,32 +2457,9 @@
         </p:nvSpPr>
         <p:spPr bwMode="auto">
           <a:noFill/>
-          <a:extLst>
-            <a:ext uri="{909E8E84-426E-40dd-AFC4-6F175D3DCCD1}">
-              <a14:hiddenFill xmlns="" xmlns:a14="http://schemas.microsoft.com/office/drawing/2010/main">
-                <a:solidFill>
-                  <a:srgbClr val="FFFFFF"/>
-                </a:solidFill>
-              </a14:hiddenFill>
-            </a:ext>
-            <a:ext uri="{91240B29-F687-4f45-9708-019B960494DF}">
-              <a14:hiddenLine xmlns="" xmlns:a14="http://schemas.microsoft.com/office/drawing/2010/main" w="9525">
-                <a:solidFill>
-                  <a:srgbClr val="000000"/>
-                </a:solidFill>
-                <a:miter lim="800000"/>
-                <a:headEnd/>
-                <a:tailEnd/>
-              </a14:hiddenLine>
-            </a:ext>
-          </a:extLst>
         </p:spPr>
         <p:txBody>
-          <a:bodyPr wrap="square" numCol="1" anchor="t" anchorCtr="0" compatLnSpc="1">
-            <a:prstTxWarp prst="textNoShape">
-              <a:avLst/>
-            </a:prstTxWarp>
-          </a:bodyPr>
+          <a:bodyPr wrap="square" numCol="1" anchor="t" anchorCtr="0" compatLnSpc="1"/>
           <a:lstStyle/>
           <a:p>
             <a:endParaRPr lang="zh-CN" altLang="en-US" dirty="0"/>
@@ -2902,8 +2479,6 @@
         <p:spPr bwMode="auto">
           <a:ln>
             <a:miter lim="800000"/>
-            <a:headEnd/>
-            <a:tailEnd/>
           </a:ln>
         </p:spPr>
         <p:txBody>
@@ -3021,8 +2596,6 @@
               <a:rPr lang="zh-CN" altLang="en-US">
                 <a:latin typeface="Calibri" panose="020F0502020204030204" pitchFamily="34" charset="0"/>
               </a:rPr>
-              <a:pPr eaLnBrk="1" hangingPunct="1"/>
-              <a:t>18</a:t>
             </a:fld>
             <a:endParaRPr lang="en-US" altLang="zh-CN">
               <a:latin typeface="Calibri" panose="020F0502020204030204" pitchFamily="34" charset="0"/>
@@ -3031,11 +2604,6 @@
         </p:txBody>
       </p:sp>
     </p:spTree>
-    <p:extLst>
-      <p:ext uri="{BB962C8B-B14F-4D97-AF65-F5344CB8AC3E}">
-        <p14:creationId xmlns:p14="http://schemas.microsoft.com/office/powerpoint/2010/main" val="2441958631"/>
-      </p:ext>
-    </p:extLst>
   </p:cSld>
   <p:clrMapOvr>
     <a:masterClrMapping/>
@@ -3077,18 +2645,7 @@
               <a:srgbClr val="000000"/>
             </a:solidFill>
             <a:miter lim="800000"/>
-            <a:headEnd/>
-            <a:tailEnd/>
           </a:ln>
-          <a:extLst>
-            <a:ext uri="{909E8E84-426E-40dd-AFC4-6F175D3DCCD1}">
-              <a14:hiddenFill xmlns="" xmlns:a14="http://schemas.microsoft.com/office/drawing/2010/main">
-                <a:solidFill>
-                  <a:srgbClr val="FFFFFF"/>
-                </a:solidFill>
-              </a14:hiddenFill>
-            </a:ext>
-          </a:extLst>
         </p:spPr>
       </p:sp>
       <p:sp>
@@ -3103,32 +2660,9 @@
         </p:nvSpPr>
         <p:spPr bwMode="auto">
           <a:noFill/>
-          <a:extLst>
-            <a:ext uri="{909E8E84-426E-40dd-AFC4-6F175D3DCCD1}">
-              <a14:hiddenFill xmlns="" xmlns:a14="http://schemas.microsoft.com/office/drawing/2010/main">
-                <a:solidFill>
-                  <a:srgbClr val="FFFFFF"/>
-                </a:solidFill>
-              </a14:hiddenFill>
-            </a:ext>
-            <a:ext uri="{91240B29-F687-4f45-9708-019B960494DF}">
-              <a14:hiddenLine xmlns="" xmlns:a14="http://schemas.microsoft.com/office/drawing/2010/main" w="9525">
-                <a:solidFill>
-                  <a:srgbClr val="000000"/>
-                </a:solidFill>
-                <a:miter lim="800000"/>
-                <a:headEnd/>
-                <a:tailEnd/>
-              </a14:hiddenLine>
-            </a:ext>
-          </a:extLst>
         </p:spPr>
         <p:txBody>
-          <a:bodyPr wrap="square" numCol="1" anchor="t" anchorCtr="0" compatLnSpc="1">
-            <a:prstTxWarp prst="textNoShape">
-              <a:avLst/>
-            </a:prstTxWarp>
-          </a:bodyPr>
+          <a:bodyPr wrap="square" numCol="1" anchor="t" anchorCtr="0" compatLnSpc="1"/>
           <a:lstStyle/>
           <a:p>
             <a:endParaRPr lang="zh-CN" altLang="en-US" dirty="0"/>
@@ -3148,8 +2682,6 @@
         <p:spPr bwMode="auto">
           <a:ln>
             <a:miter lim="800000"/>
-            <a:headEnd/>
-            <a:tailEnd/>
           </a:ln>
         </p:spPr>
         <p:txBody>
@@ -3267,8 +2799,6 @@
               <a:rPr lang="zh-CN" altLang="en-US">
                 <a:latin typeface="Calibri" panose="020F0502020204030204" pitchFamily="34" charset="0"/>
               </a:rPr>
-              <a:pPr eaLnBrk="1" hangingPunct="1"/>
-              <a:t>19</a:t>
             </a:fld>
             <a:endParaRPr lang="en-US" altLang="zh-CN">
               <a:latin typeface="Calibri" panose="020F0502020204030204" pitchFamily="34" charset="0"/>
@@ -3277,11 +2807,6 @@
         </p:txBody>
       </p:sp>
     </p:spTree>
-    <p:extLst>
-      <p:ext uri="{BB962C8B-B14F-4D97-AF65-F5344CB8AC3E}">
-        <p14:creationId xmlns:p14="http://schemas.microsoft.com/office/powerpoint/2010/main" val="1877537704"/>
-      </p:ext>
-    </p:extLst>
   </p:cSld>
   <p:clrMapOvr>
     <a:masterClrMapping/>
@@ -3323,18 +2848,7 @@
               <a:srgbClr val="000000"/>
             </a:solidFill>
             <a:miter lim="800000"/>
-            <a:headEnd/>
-            <a:tailEnd/>
           </a:ln>
-          <a:extLst>
-            <a:ext uri="{909E8E84-426E-40dd-AFC4-6F175D3DCCD1}">
-              <a14:hiddenFill xmlns:a14="http://schemas.microsoft.com/office/drawing/2010/main" xmlns="">
-                <a:solidFill>
-                  <a:srgbClr val="FFFFFF"/>
-                </a:solidFill>
-              </a14:hiddenFill>
-            </a:ext>
-          </a:extLst>
         </p:spPr>
       </p:sp>
       <p:sp>
@@ -3349,32 +2863,9 @@
         </p:nvSpPr>
         <p:spPr bwMode="auto">
           <a:noFill/>
-          <a:extLst>
-            <a:ext uri="{909E8E84-426E-40dd-AFC4-6F175D3DCCD1}">
-              <a14:hiddenFill xmlns:a14="http://schemas.microsoft.com/office/drawing/2010/main" xmlns="">
-                <a:solidFill>
-                  <a:srgbClr val="FFFFFF"/>
-                </a:solidFill>
-              </a14:hiddenFill>
-            </a:ext>
-            <a:ext uri="{91240B29-F687-4f45-9708-019B960494DF}">
-              <a14:hiddenLine xmlns:a14="http://schemas.microsoft.com/office/drawing/2010/main" xmlns="" w="9525">
-                <a:solidFill>
-                  <a:srgbClr val="000000"/>
-                </a:solidFill>
-                <a:miter lim="800000"/>
-                <a:headEnd/>
-                <a:tailEnd/>
-              </a14:hiddenLine>
-            </a:ext>
-          </a:extLst>
         </p:spPr>
         <p:txBody>
-          <a:bodyPr wrap="square" numCol="1" anchor="t" anchorCtr="0" compatLnSpc="1">
-            <a:prstTxWarp prst="textNoShape">
-              <a:avLst/>
-            </a:prstTxWarp>
-          </a:bodyPr>
+          <a:bodyPr wrap="square" numCol="1" anchor="t" anchorCtr="0" compatLnSpc="1"/>
           <a:lstStyle/>
           <a:p>
             <a:endParaRPr lang="zh-CN" altLang="en-US" dirty="0"/>
@@ -3394,8 +2885,6 @@
         <p:spPr bwMode="auto">
           <a:ln>
             <a:miter lim="800000"/>
-            <a:headEnd/>
-            <a:tailEnd/>
           </a:ln>
         </p:spPr>
         <p:txBody>
@@ -3513,8 +3002,6 @@
               <a:rPr lang="zh-CN" altLang="en-US">
                 <a:latin typeface="Calibri" panose="020F0502020204030204" pitchFamily="34" charset="0"/>
               </a:rPr>
-              <a:pPr eaLnBrk="1" hangingPunct="1"/>
-              <a:t>20</a:t>
             </a:fld>
             <a:endParaRPr lang="en-US" altLang="zh-CN">
               <a:latin typeface="Calibri" panose="020F0502020204030204" pitchFamily="34" charset="0"/>
@@ -3523,11 +3010,6 @@
         </p:txBody>
       </p:sp>
     </p:spTree>
-    <p:extLst>
-      <p:ext uri="{BB962C8B-B14F-4D97-AF65-F5344CB8AC3E}">
-        <p14:creationId xmlns:p14="http://schemas.microsoft.com/office/powerpoint/2010/main" val="3811335438"/>
-      </p:ext>
-    </p:extLst>
   </p:cSld>
   <p:clrMapOvr>
     <a:masterClrMapping/>
@@ -3569,18 +3051,7 @@
               <a:srgbClr val="000000"/>
             </a:solidFill>
             <a:miter lim="800000"/>
-            <a:headEnd/>
-            <a:tailEnd/>
           </a:ln>
-          <a:extLst>
-            <a:ext uri="{909E8E84-426E-40dd-AFC4-6F175D3DCCD1}">
-              <a14:hiddenFill xmlns="" xmlns:a14="http://schemas.microsoft.com/office/drawing/2010/main">
-                <a:solidFill>
-                  <a:srgbClr val="FFFFFF"/>
-                </a:solidFill>
-              </a14:hiddenFill>
-            </a:ext>
-          </a:extLst>
         </p:spPr>
       </p:sp>
       <p:sp>
@@ -3595,32 +3066,9 @@
         </p:nvSpPr>
         <p:spPr bwMode="auto">
           <a:noFill/>
-          <a:extLst>
-            <a:ext uri="{909E8E84-426E-40dd-AFC4-6F175D3DCCD1}">
-              <a14:hiddenFill xmlns="" xmlns:a14="http://schemas.microsoft.com/office/drawing/2010/main">
-                <a:solidFill>
-                  <a:srgbClr val="FFFFFF"/>
-                </a:solidFill>
-              </a14:hiddenFill>
-            </a:ext>
-            <a:ext uri="{91240B29-F687-4f45-9708-019B960494DF}">
-              <a14:hiddenLine xmlns="" xmlns:a14="http://schemas.microsoft.com/office/drawing/2010/main" w="9525">
-                <a:solidFill>
-                  <a:srgbClr val="000000"/>
-                </a:solidFill>
-                <a:miter lim="800000"/>
-                <a:headEnd/>
-                <a:tailEnd/>
-              </a14:hiddenLine>
-            </a:ext>
-          </a:extLst>
         </p:spPr>
         <p:txBody>
-          <a:bodyPr wrap="square" numCol="1" anchor="t" anchorCtr="0" compatLnSpc="1">
-            <a:prstTxWarp prst="textNoShape">
-              <a:avLst/>
-            </a:prstTxWarp>
-          </a:bodyPr>
+          <a:bodyPr wrap="square" numCol="1" anchor="t" anchorCtr="0" compatLnSpc="1"/>
           <a:lstStyle/>
           <a:p>
             <a:pPr marL="0" marR="0" lvl="0" indent="0" algn="l" defTabSz="914400" rtl="0" eaLnBrk="0" fontAlgn="base" latinLnBrk="0" hangingPunct="0">
@@ -3637,13 +3085,13 @@
               <a:buSzTx/>
               <a:buFontTx/>
               <a:buNone/>
-              <a:tabLst/>
               <a:defRPr/>
             </a:pPr>
             <a:r>
               <a:rPr lang="zh-CN" altLang="en-US" dirty="0"/>
               <a:t>考试内容：简述算法流程</a:t>
             </a:r>
+            <a:endParaRPr lang="zh-CN" altLang="en-US" dirty="0"/>
           </a:p>
           <a:p>
             <a:endParaRPr lang="zh-CN" altLang="en-US" dirty="0"/>
@@ -3663,8 +3111,6 @@
         <p:spPr bwMode="auto">
           <a:ln>
             <a:miter lim="800000"/>
-            <a:headEnd/>
-            <a:tailEnd/>
           </a:ln>
         </p:spPr>
         <p:txBody>
@@ -3782,8 +3228,6 @@
               <a:rPr lang="zh-CN" altLang="en-US">
                 <a:latin typeface="Calibri" panose="020F0502020204030204" pitchFamily="34" charset="0"/>
               </a:rPr>
-              <a:pPr eaLnBrk="1" hangingPunct="1"/>
-              <a:t>3</a:t>
             </a:fld>
             <a:endParaRPr lang="en-US" altLang="zh-CN">
               <a:latin typeface="Calibri" panose="020F0502020204030204" pitchFamily="34" charset="0"/>
@@ -3792,11 +3236,6 @@
         </p:txBody>
       </p:sp>
     </p:spTree>
-    <p:extLst>
-      <p:ext uri="{BB962C8B-B14F-4D97-AF65-F5344CB8AC3E}">
-        <p14:creationId xmlns:p14="http://schemas.microsoft.com/office/powerpoint/2010/main" val="2298161073"/>
-      </p:ext>
-    </p:extLst>
   </p:cSld>
   <p:clrMapOvr>
     <a:masterClrMapping/>
@@ -3838,18 +3277,7 @@
               <a:srgbClr val="000000"/>
             </a:solidFill>
             <a:miter lim="800000"/>
-            <a:headEnd/>
-            <a:tailEnd/>
           </a:ln>
-          <a:extLst>
-            <a:ext uri="{909E8E84-426E-40dd-AFC4-6F175D3DCCD1}">
-              <a14:hiddenFill xmlns="" xmlns:a14="http://schemas.microsoft.com/office/drawing/2010/main">
-                <a:solidFill>
-                  <a:srgbClr val="FFFFFF"/>
-                </a:solidFill>
-              </a14:hiddenFill>
-            </a:ext>
-          </a:extLst>
         </p:spPr>
       </p:sp>
       <p:sp>
@@ -3864,35 +3292,12 @@
         </p:nvSpPr>
         <p:spPr bwMode="auto">
           <a:noFill/>
-          <a:extLst>
-            <a:ext uri="{909E8E84-426E-40dd-AFC4-6F175D3DCCD1}">
-              <a14:hiddenFill xmlns="" xmlns:a14="http://schemas.microsoft.com/office/drawing/2010/main">
-                <a:solidFill>
-                  <a:srgbClr val="FFFFFF"/>
-                </a:solidFill>
-              </a14:hiddenFill>
-            </a:ext>
-            <a:ext uri="{91240B29-F687-4f45-9708-019B960494DF}">
-              <a14:hiddenLine xmlns="" xmlns:a14="http://schemas.microsoft.com/office/drawing/2010/main" w="9525">
-                <a:solidFill>
-                  <a:srgbClr val="000000"/>
-                </a:solidFill>
-                <a:miter lim="800000"/>
-                <a:headEnd/>
-                <a:tailEnd/>
-              </a14:hiddenLine>
-            </a:ext>
-          </a:extLst>
         </p:spPr>
         <p:txBody>
-          <a:bodyPr wrap="square" numCol="1" anchor="t" anchorCtr="0" compatLnSpc="1">
-            <a:prstTxWarp prst="textNoShape">
-              <a:avLst/>
-            </a:prstTxWarp>
-          </a:bodyPr>
+          <a:bodyPr wrap="square" numCol="1" anchor="t" anchorCtr="0" compatLnSpc="1"/>
           <a:lstStyle/>
           <a:p>
-            <a:endParaRPr lang="zh-CN" altLang="en-US" dirty="0"/>
+            <a:endParaRPr lang="en-US" altLang="zh-CN" dirty="0"/>
           </a:p>
         </p:txBody>
       </p:sp>
@@ -3909,8 +3314,6 @@
         <p:spPr bwMode="auto">
           <a:ln>
             <a:miter lim="800000"/>
-            <a:headEnd/>
-            <a:tailEnd/>
           </a:ln>
         </p:spPr>
         <p:txBody>
@@ -4028,8 +3431,6 @@
               <a:rPr lang="zh-CN" altLang="en-US">
                 <a:latin typeface="Calibri" panose="020F0502020204030204" pitchFamily="34" charset="0"/>
               </a:rPr>
-              <a:pPr eaLnBrk="1" hangingPunct="1"/>
-              <a:t>4</a:t>
             </a:fld>
             <a:endParaRPr lang="en-US" altLang="zh-CN">
               <a:latin typeface="Calibri" panose="020F0502020204030204" pitchFamily="34" charset="0"/>
@@ -4038,11 +3439,6 @@
         </p:txBody>
       </p:sp>
     </p:spTree>
-    <p:extLst>
-      <p:ext uri="{BB962C8B-B14F-4D97-AF65-F5344CB8AC3E}">
-        <p14:creationId xmlns:p14="http://schemas.microsoft.com/office/powerpoint/2010/main" val="487036892"/>
-      </p:ext>
-    </p:extLst>
   </p:cSld>
   <p:clrMapOvr>
     <a:masterClrMapping/>
@@ -4084,18 +3480,7 @@
               <a:srgbClr val="000000"/>
             </a:solidFill>
             <a:miter lim="800000"/>
-            <a:headEnd/>
-            <a:tailEnd/>
           </a:ln>
-          <a:extLst>
-            <a:ext uri="{909E8E84-426E-40dd-AFC4-6F175D3DCCD1}">
-              <a14:hiddenFill xmlns="" xmlns:a14="http://schemas.microsoft.com/office/drawing/2010/main">
-                <a:solidFill>
-                  <a:srgbClr val="FFFFFF"/>
-                </a:solidFill>
-              </a14:hiddenFill>
-            </a:ext>
-          </a:extLst>
         </p:spPr>
       </p:sp>
       <p:sp>
@@ -4110,34 +3495,89 @@
         </p:nvSpPr>
         <p:spPr bwMode="auto">
           <a:noFill/>
-          <a:extLst>
-            <a:ext uri="{909E8E84-426E-40dd-AFC4-6F175D3DCCD1}">
-              <a14:hiddenFill xmlns="" xmlns:a14="http://schemas.microsoft.com/office/drawing/2010/main">
-                <a:solidFill>
-                  <a:srgbClr val="FFFFFF"/>
-                </a:solidFill>
-              </a14:hiddenFill>
-            </a:ext>
-            <a:ext uri="{91240B29-F687-4f45-9708-019B960494DF}">
-              <a14:hiddenLine xmlns="" xmlns:a14="http://schemas.microsoft.com/office/drawing/2010/main" w="9525">
-                <a:solidFill>
-                  <a:srgbClr val="000000"/>
-                </a:solidFill>
-                <a:miter lim="800000"/>
-                <a:headEnd/>
-                <a:tailEnd/>
-              </a14:hiddenLine>
-            </a:ext>
-          </a:extLst>
         </p:spPr>
         <p:txBody>
-          <a:bodyPr wrap="square" numCol="1" anchor="t" anchorCtr="0" compatLnSpc="1">
-            <a:prstTxWarp prst="textNoShape">
-              <a:avLst/>
-            </a:prstTxWarp>
-          </a:bodyPr>
+          <a:bodyPr wrap="square" numCol="1" anchor="t" anchorCtr="0" compatLnSpc="1"/>
           <a:lstStyle/>
           <a:p>
+            <a:r>
+              <a:rPr lang="zh-CN" altLang="en-US" dirty="0"/>
+              <a:t>简述：</a:t>
+            </a:r>
+            <a:endParaRPr lang="zh-CN" altLang="en-US" dirty="0"/>
+          </a:p>
+          <a:p>
+            <a:r>
+              <a:rPr lang="en-US" altLang="zh-CN" dirty="0"/>
+              <a:t>1.</a:t>
+            </a:r>
+            <a:r>
+              <a:rPr lang="zh-CN" altLang="en-US" dirty="0"/>
+              <a:t>自己没有邻居，是独立的，直接标记为被选择</a:t>
+            </a:r>
+            <a:r>
+              <a:rPr lang="en-US" altLang="zh-CN" dirty="0"/>
+              <a:t>(</a:t>
+            </a:r>
+            <a:r>
+              <a:rPr lang="zh-CN" altLang="en-US" dirty="0"/>
+              <a:t>删除）；</a:t>
+            </a:r>
+            <a:endParaRPr lang="zh-CN" altLang="en-US" dirty="0"/>
+          </a:p>
+          <a:p>
+            <a:r>
+              <a:rPr lang="en-US" altLang="zh-CN" dirty="0"/>
+              <a:t>2.</a:t>
+            </a:r>
+            <a:r>
+              <a:rPr lang="zh-CN" altLang="en-US" dirty="0"/>
+              <a:t>自己有邻居：产生一个随机数，发送给自己所有的邻居，等待邻居的随机数；</a:t>
+            </a:r>
+            <a:endParaRPr lang="zh-CN" altLang="en-US" dirty="0"/>
+          </a:p>
+          <a:p>
+            <a:r>
+              <a:rPr lang="en-US" altLang="zh-CN" dirty="0"/>
+              <a:t>     </a:t>
+            </a:r>
+            <a:r>
+              <a:rPr lang="zh-CN" altLang="en-US" dirty="0"/>
+              <a:t>若自己产生的随机数最小，则把自己标记为被选择，且通知所有邻居自己已被选择；收到我消息的邻居需要从原图中删除自己，并告知它的邻居；</a:t>
+            </a:r>
+            <a:endParaRPr lang="zh-CN" altLang="en-US" dirty="0"/>
+          </a:p>
+          <a:p>
+            <a:r>
+              <a:rPr lang="zh-CN" altLang="en-US" dirty="0"/>
+              <a:t>     若自己产生的随机数不是最小的，则通知自己的邻居自己没有纳入独立集；并开始等待邻居的</a:t>
+            </a:r>
+            <a:r>
+              <a:rPr lang="en-US" altLang="zh-CN" dirty="0"/>
+              <a:t>select</a:t>
+            </a:r>
+            <a:r>
+              <a:rPr lang="zh-CN" altLang="en-US" dirty="0"/>
+              <a:t>消息：</a:t>
+            </a:r>
+            <a:endParaRPr lang="zh-CN" altLang="en-US" dirty="0"/>
+          </a:p>
+          <a:p>
+            <a:r>
+              <a:rPr lang="en-US" altLang="zh-CN" dirty="0"/>
+              <a:t>          </a:t>
+            </a:r>
+            <a:r>
+              <a:rPr lang="zh-CN" altLang="en-US" dirty="0"/>
+              <a:t>若某个邻居被纳入独立集，则要把自己删除，并通知自己的其他邻居自己已被删除；</a:t>
+            </a:r>
+            <a:endParaRPr lang="zh-CN" altLang="en-US" dirty="0"/>
+          </a:p>
+          <a:p>
+            <a:r>
+              <a:rPr lang="zh-CN" altLang="en-US" dirty="0"/>
+              <a:t>          若没有邻居被纳入独立集，则向自己的邻居发送删除失败的消息；并等候邻居发来的有关删除的信息，若某邻居传来自己被删除的消息，则从邻居中删除它。</a:t>
+            </a:r>
             <a:endParaRPr lang="zh-CN" altLang="en-US" dirty="0"/>
           </a:p>
         </p:txBody>
@@ -4155,8 +3595,6 @@
         <p:spPr bwMode="auto">
           <a:ln>
             <a:miter lim="800000"/>
-            <a:headEnd/>
-            <a:tailEnd/>
           </a:ln>
         </p:spPr>
         <p:txBody>
@@ -4274,8 +3712,6 @@
               <a:rPr lang="zh-CN" altLang="en-US">
                 <a:latin typeface="Calibri" panose="020F0502020204030204" pitchFamily="34" charset="0"/>
               </a:rPr>
-              <a:pPr eaLnBrk="1" hangingPunct="1"/>
-              <a:t>5</a:t>
             </a:fld>
             <a:endParaRPr lang="en-US" altLang="zh-CN">
               <a:latin typeface="Calibri" panose="020F0502020204030204" pitchFamily="34" charset="0"/>
@@ -4284,11 +3720,6 @@
         </p:txBody>
       </p:sp>
     </p:spTree>
-    <p:extLst>
-      <p:ext uri="{BB962C8B-B14F-4D97-AF65-F5344CB8AC3E}">
-        <p14:creationId xmlns:p14="http://schemas.microsoft.com/office/powerpoint/2010/main" val="3675256782"/>
-      </p:ext>
-    </p:extLst>
   </p:cSld>
   <p:clrMapOvr>
     <a:masterClrMapping/>
@@ -4330,18 +3761,7 @@
               <a:srgbClr val="000000"/>
             </a:solidFill>
             <a:miter lim="800000"/>
-            <a:headEnd/>
-            <a:tailEnd/>
           </a:ln>
-          <a:extLst>
-            <a:ext uri="{909E8E84-426E-40dd-AFC4-6F175D3DCCD1}">
-              <a14:hiddenFill xmlns="" xmlns:a14="http://schemas.microsoft.com/office/drawing/2010/main">
-                <a:solidFill>
-                  <a:srgbClr val="FFFFFF"/>
-                </a:solidFill>
-              </a14:hiddenFill>
-            </a:ext>
-          </a:extLst>
         </p:spPr>
       </p:sp>
       <p:sp>
@@ -4356,32 +3776,9 @@
         </p:nvSpPr>
         <p:spPr bwMode="auto">
           <a:noFill/>
-          <a:extLst>
-            <a:ext uri="{909E8E84-426E-40dd-AFC4-6F175D3DCCD1}">
-              <a14:hiddenFill xmlns="" xmlns:a14="http://schemas.microsoft.com/office/drawing/2010/main">
-                <a:solidFill>
-                  <a:srgbClr val="FFFFFF"/>
-                </a:solidFill>
-              </a14:hiddenFill>
-            </a:ext>
-            <a:ext uri="{91240B29-F687-4f45-9708-019B960494DF}">
-              <a14:hiddenLine xmlns="" xmlns:a14="http://schemas.microsoft.com/office/drawing/2010/main" w="9525">
-                <a:solidFill>
-                  <a:srgbClr val="000000"/>
-                </a:solidFill>
-                <a:miter lim="800000"/>
-                <a:headEnd/>
-                <a:tailEnd/>
-              </a14:hiddenLine>
-            </a:ext>
-          </a:extLst>
         </p:spPr>
         <p:txBody>
-          <a:bodyPr wrap="square" numCol="1" anchor="t" anchorCtr="0" compatLnSpc="1">
-            <a:prstTxWarp prst="textNoShape">
-              <a:avLst/>
-            </a:prstTxWarp>
-          </a:bodyPr>
+          <a:bodyPr wrap="square" numCol="1" anchor="t" anchorCtr="0" compatLnSpc="1"/>
           <a:lstStyle/>
           <a:p>
             <a:endParaRPr lang="zh-CN" altLang="en-US" dirty="0"/>
@@ -4401,8 +3798,6 @@
         <p:spPr bwMode="auto">
           <a:ln>
             <a:miter lim="800000"/>
-            <a:headEnd/>
-            <a:tailEnd/>
           </a:ln>
         </p:spPr>
         <p:txBody>
@@ -4520,8 +3915,6 @@
               <a:rPr lang="zh-CN" altLang="en-US">
                 <a:latin typeface="Calibri" panose="020F0502020204030204" pitchFamily="34" charset="0"/>
               </a:rPr>
-              <a:pPr eaLnBrk="1" hangingPunct="1"/>
-              <a:t>6</a:t>
             </a:fld>
             <a:endParaRPr lang="en-US" altLang="zh-CN">
               <a:latin typeface="Calibri" panose="020F0502020204030204" pitchFamily="34" charset="0"/>
@@ -4530,11 +3923,6 @@
         </p:txBody>
       </p:sp>
     </p:spTree>
-    <p:extLst>
-      <p:ext uri="{BB962C8B-B14F-4D97-AF65-F5344CB8AC3E}">
-        <p14:creationId xmlns:p14="http://schemas.microsoft.com/office/powerpoint/2010/main" val="2524192996"/>
-      </p:ext>
-    </p:extLst>
   </p:cSld>
   <p:clrMapOvr>
     <a:masterClrMapping/>
@@ -4576,18 +3964,7 @@
               <a:srgbClr val="000000"/>
             </a:solidFill>
             <a:miter lim="800000"/>
-            <a:headEnd/>
-            <a:tailEnd/>
           </a:ln>
-          <a:extLst>
-            <a:ext uri="{909E8E84-426E-40dd-AFC4-6F175D3DCCD1}">
-              <a14:hiddenFill xmlns="" xmlns:a14="http://schemas.microsoft.com/office/drawing/2010/main">
-                <a:solidFill>
-                  <a:srgbClr val="FFFFFF"/>
-                </a:solidFill>
-              </a14:hiddenFill>
-            </a:ext>
-          </a:extLst>
         </p:spPr>
       </p:sp>
       <p:sp>
@@ -4602,32 +3979,9 @@
         </p:nvSpPr>
         <p:spPr bwMode="auto">
           <a:noFill/>
-          <a:extLst>
-            <a:ext uri="{909E8E84-426E-40dd-AFC4-6F175D3DCCD1}">
-              <a14:hiddenFill xmlns="" xmlns:a14="http://schemas.microsoft.com/office/drawing/2010/main">
-                <a:solidFill>
-                  <a:srgbClr val="FFFFFF"/>
-                </a:solidFill>
-              </a14:hiddenFill>
-            </a:ext>
-            <a:ext uri="{91240B29-F687-4f45-9708-019B960494DF}">
-              <a14:hiddenLine xmlns="" xmlns:a14="http://schemas.microsoft.com/office/drawing/2010/main" w="9525">
-                <a:solidFill>
-                  <a:srgbClr val="000000"/>
-                </a:solidFill>
-                <a:miter lim="800000"/>
-                <a:headEnd/>
-                <a:tailEnd/>
-              </a14:hiddenLine>
-            </a:ext>
-          </a:extLst>
         </p:spPr>
         <p:txBody>
-          <a:bodyPr wrap="square" numCol="1" anchor="t" anchorCtr="0" compatLnSpc="1">
-            <a:prstTxWarp prst="textNoShape">
-              <a:avLst/>
-            </a:prstTxWarp>
-          </a:bodyPr>
+          <a:bodyPr wrap="square" numCol="1" anchor="t" anchorCtr="0" compatLnSpc="1"/>
           <a:lstStyle/>
           <a:p>
             <a:endParaRPr lang="zh-CN" altLang="en-US" dirty="0"/>
@@ -4647,8 +4001,6 @@
         <p:spPr bwMode="auto">
           <a:ln>
             <a:miter lim="800000"/>
-            <a:headEnd/>
-            <a:tailEnd/>
           </a:ln>
         </p:spPr>
         <p:txBody>
@@ -4766,8 +4118,6 @@
               <a:rPr lang="zh-CN" altLang="en-US">
                 <a:latin typeface="Calibri" panose="020F0502020204030204" pitchFamily="34" charset="0"/>
               </a:rPr>
-              <a:pPr eaLnBrk="1" hangingPunct="1"/>
-              <a:t>7</a:t>
             </a:fld>
             <a:endParaRPr lang="en-US" altLang="zh-CN">
               <a:latin typeface="Calibri" panose="020F0502020204030204" pitchFamily="34" charset="0"/>
@@ -4776,11 +4126,6 @@
         </p:txBody>
       </p:sp>
     </p:spTree>
-    <p:extLst>
-      <p:ext uri="{BB962C8B-B14F-4D97-AF65-F5344CB8AC3E}">
-        <p14:creationId xmlns:p14="http://schemas.microsoft.com/office/powerpoint/2010/main" val="2126333518"/>
-      </p:ext>
-    </p:extLst>
   </p:cSld>
   <p:clrMapOvr>
     <a:masterClrMapping/>
@@ -4822,18 +4167,7 @@
               <a:srgbClr val="000000"/>
             </a:solidFill>
             <a:miter lim="800000"/>
-            <a:headEnd/>
-            <a:tailEnd/>
           </a:ln>
-          <a:extLst>
-            <a:ext uri="{909E8E84-426E-40dd-AFC4-6F175D3DCCD1}">
-              <a14:hiddenFill xmlns:a14="http://schemas.microsoft.com/office/drawing/2010/main" xmlns="">
-                <a:solidFill>
-                  <a:srgbClr val="FFFFFF"/>
-                </a:solidFill>
-              </a14:hiddenFill>
-            </a:ext>
-          </a:extLst>
         </p:spPr>
       </p:sp>
       <p:sp>
@@ -4848,32 +4182,9 @@
         </p:nvSpPr>
         <p:spPr bwMode="auto">
           <a:noFill/>
-          <a:extLst>
-            <a:ext uri="{909E8E84-426E-40dd-AFC4-6F175D3DCCD1}">
-              <a14:hiddenFill xmlns:a14="http://schemas.microsoft.com/office/drawing/2010/main" xmlns="">
-                <a:solidFill>
-                  <a:srgbClr val="FFFFFF"/>
-                </a:solidFill>
-              </a14:hiddenFill>
-            </a:ext>
-            <a:ext uri="{91240B29-F687-4f45-9708-019B960494DF}">
-              <a14:hiddenLine xmlns:a14="http://schemas.microsoft.com/office/drawing/2010/main" xmlns="" w="9525">
-                <a:solidFill>
-                  <a:srgbClr val="000000"/>
-                </a:solidFill>
-                <a:miter lim="800000"/>
-                <a:headEnd/>
-                <a:tailEnd/>
-              </a14:hiddenLine>
-            </a:ext>
-          </a:extLst>
         </p:spPr>
         <p:txBody>
-          <a:bodyPr wrap="square" numCol="1" anchor="t" anchorCtr="0" compatLnSpc="1">
-            <a:prstTxWarp prst="textNoShape">
-              <a:avLst/>
-            </a:prstTxWarp>
-          </a:bodyPr>
+          <a:bodyPr wrap="square" numCol="1" anchor="t" anchorCtr="0" compatLnSpc="1"/>
           <a:lstStyle/>
           <a:p>
             <a:endParaRPr lang="zh-CN" altLang="en-US" dirty="0"/>
@@ -4893,8 +4204,6 @@
         <p:spPr bwMode="auto">
           <a:ln>
             <a:miter lim="800000"/>
-            <a:headEnd/>
-            <a:tailEnd/>
           </a:ln>
         </p:spPr>
         <p:txBody>
@@ -5012,8 +4321,6 @@
               <a:rPr lang="zh-CN" altLang="en-US">
                 <a:latin typeface="Calibri" panose="020F0502020204030204" pitchFamily="34" charset="0"/>
               </a:rPr>
-              <a:pPr eaLnBrk="1" hangingPunct="1"/>
-              <a:t>8</a:t>
             </a:fld>
             <a:endParaRPr lang="en-US" altLang="zh-CN">
               <a:latin typeface="Calibri" panose="020F0502020204030204" pitchFamily="34" charset="0"/>
@@ -5022,11 +4329,6 @@
         </p:txBody>
       </p:sp>
     </p:spTree>
-    <p:extLst>
-      <p:ext uri="{BB962C8B-B14F-4D97-AF65-F5344CB8AC3E}">
-        <p14:creationId xmlns:p14="http://schemas.microsoft.com/office/powerpoint/2010/main" val="448282615"/>
-      </p:ext>
-    </p:extLst>
   </p:cSld>
   <p:clrMapOvr>
     <a:masterClrMapping/>
@@ -5068,18 +4370,7 @@
               <a:srgbClr val="000000"/>
             </a:solidFill>
             <a:miter lim="800000"/>
-            <a:headEnd/>
-            <a:tailEnd/>
           </a:ln>
-          <a:extLst>
-            <a:ext uri="{909E8E84-426E-40dd-AFC4-6F175D3DCCD1}">
-              <a14:hiddenFill xmlns="" xmlns:a14="http://schemas.microsoft.com/office/drawing/2010/main">
-                <a:solidFill>
-                  <a:srgbClr val="FFFFFF"/>
-                </a:solidFill>
-              </a14:hiddenFill>
-            </a:ext>
-          </a:extLst>
         </p:spPr>
       </p:sp>
       <p:sp>
@@ -5094,32 +4385,9 @@
         </p:nvSpPr>
         <p:spPr bwMode="auto">
           <a:noFill/>
-          <a:extLst>
-            <a:ext uri="{909E8E84-426E-40dd-AFC4-6F175D3DCCD1}">
-              <a14:hiddenFill xmlns="" xmlns:a14="http://schemas.microsoft.com/office/drawing/2010/main">
-                <a:solidFill>
-                  <a:srgbClr val="FFFFFF"/>
-                </a:solidFill>
-              </a14:hiddenFill>
-            </a:ext>
-            <a:ext uri="{91240B29-F687-4f45-9708-019B960494DF}">
-              <a14:hiddenLine xmlns="" xmlns:a14="http://schemas.microsoft.com/office/drawing/2010/main" w="9525">
-                <a:solidFill>
-                  <a:srgbClr val="000000"/>
-                </a:solidFill>
-                <a:miter lim="800000"/>
-                <a:headEnd/>
-                <a:tailEnd/>
-              </a14:hiddenLine>
-            </a:ext>
-          </a:extLst>
         </p:spPr>
         <p:txBody>
-          <a:bodyPr wrap="square" numCol="1" anchor="t" anchorCtr="0" compatLnSpc="1">
-            <a:prstTxWarp prst="textNoShape">
-              <a:avLst/>
-            </a:prstTxWarp>
-          </a:bodyPr>
+          <a:bodyPr wrap="square" numCol="1" anchor="t" anchorCtr="0" compatLnSpc="1"/>
           <a:lstStyle/>
           <a:p>
             <a:pPr marL="0" marR="0" lvl="0" indent="0" algn="l" defTabSz="914400" rtl="0" eaLnBrk="0" fontAlgn="base" latinLnBrk="0" hangingPunct="0">
@@ -5136,7 +4404,6 @@
               <a:buSzTx/>
               <a:buFontTx/>
               <a:buNone/>
-              <a:tabLst/>
               <a:defRPr/>
             </a:pPr>
             <a:r>
@@ -5151,6 +4418,7 @@
               <a:rPr lang="zh-CN" altLang="en-US" dirty="0"/>
               <a:t>刚好等于自己，那么它会认为自己最大，会宣布自己是领导者，这样的情况如何处理？</a:t>
             </a:r>
+            <a:endParaRPr lang="zh-CN" altLang="en-US" dirty="0"/>
           </a:p>
         </p:txBody>
       </p:sp>
@@ -5167,8 +4435,6 @@
         <p:spPr bwMode="auto">
           <a:ln>
             <a:miter lim="800000"/>
-            <a:headEnd/>
-            <a:tailEnd/>
           </a:ln>
         </p:spPr>
         <p:txBody>
@@ -5286,8 +4552,6 @@
               <a:rPr lang="zh-CN" altLang="en-US">
                 <a:latin typeface="Calibri" panose="020F0502020204030204" pitchFamily="34" charset="0"/>
               </a:rPr>
-              <a:pPr eaLnBrk="1" hangingPunct="1"/>
-              <a:t>9</a:t>
             </a:fld>
             <a:endParaRPr lang="en-US" altLang="zh-CN">
               <a:latin typeface="Calibri" panose="020F0502020204030204" pitchFamily="34" charset="0"/>
@@ -5296,11 +4560,6 @@
         </p:txBody>
       </p:sp>
     </p:spTree>
-    <p:extLst>
-      <p:ext uri="{BB962C8B-B14F-4D97-AF65-F5344CB8AC3E}">
-        <p14:creationId xmlns:p14="http://schemas.microsoft.com/office/powerpoint/2010/main" val="3707941936"/>
-      </p:ext>
-    </p:extLst>
   </p:cSld>
   <p:clrMapOvr>
     <a:masterClrMapping/>
@@ -5342,18 +4601,7 @@
               <a:srgbClr val="000000"/>
             </a:solidFill>
             <a:miter lim="800000"/>
-            <a:headEnd/>
-            <a:tailEnd/>
           </a:ln>
-          <a:extLst>
-            <a:ext uri="{909E8E84-426E-40dd-AFC4-6F175D3DCCD1}">
-              <a14:hiddenFill xmlns:a14="http://schemas.microsoft.com/office/drawing/2010/main" xmlns="">
-                <a:solidFill>
-                  <a:srgbClr val="FFFFFF"/>
-                </a:solidFill>
-              </a14:hiddenFill>
-            </a:ext>
-          </a:extLst>
         </p:spPr>
       </p:sp>
       <p:sp>
@@ -5368,32 +4616,9 @@
         </p:nvSpPr>
         <p:spPr bwMode="auto">
           <a:noFill/>
-          <a:extLst>
-            <a:ext uri="{909E8E84-426E-40dd-AFC4-6F175D3DCCD1}">
-              <a14:hiddenFill xmlns:a14="http://schemas.microsoft.com/office/drawing/2010/main" xmlns="">
-                <a:solidFill>
-                  <a:srgbClr val="FFFFFF"/>
-                </a:solidFill>
-              </a14:hiddenFill>
-            </a:ext>
-            <a:ext uri="{91240B29-F687-4f45-9708-019B960494DF}">
-              <a14:hiddenLine xmlns:a14="http://schemas.microsoft.com/office/drawing/2010/main" xmlns="" w="9525">
-                <a:solidFill>
-                  <a:srgbClr val="000000"/>
-                </a:solidFill>
-                <a:miter lim="800000"/>
-                <a:headEnd/>
-                <a:tailEnd/>
-              </a14:hiddenLine>
-            </a:ext>
-          </a:extLst>
         </p:spPr>
         <p:txBody>
-          <a:bodyPr wrap="square" numCol="1" anchor="t" anchorCtr="0" compatLnSpc="1">
-            <a:prstTxWarp prst="textNoShape">
-              <a:avLst/>
-            </a:prstTxWarp>
-          </a:bodyPr>
+          <a:bodyPr wrap="square" numCol="1" anchor="t" anchorCtr="0" compatLnSpc="1"/>
           <a:lstStyle/>
           <a:p>
             <a:endParaRPr lang="zh-CN" altLang="en-US" dirty="0"/>
@@ -5413,8 +4638,6 @@
         <p:spPr bwMode="auto">
           <a:ln>
             <a:miter lim="800000"/>
-            <a:headEnd/>
-            <a:tailEnd/>
           </a:ln>
         </p:spPr>
         <p:txBody>
@@ -5532,8 +4755,6 @@
               <a:rPr lang="zh-CN" altLang="en-US">
                 <a:latin typeface="Calibri" panose="020F0502020204030204" pitchFamily="34" charset="0"/>
               </a:rPr>
-              <a:pPr eaLnBrk="1" hangingPunct="1"/>
-              <a:t>10</a:t>
             </a:fld>
             <a:endParaRPr lang="en-US" altLang="zh-CN">
               <a:latin typeface="Calibri" panose="020F0502020204030204" pitchFamily="34" charset="0"/>
@@ -5542,11 +4763,6 @@
         </p:txBody>
       </p:sp>
     </p:spTree>
-    <p:extLst>
-      <p:ext uri="{BB962C8B-B14F-4D97-AF65-F5344CB8AC3E}">
-        <p14:creationId xmlns:p14="http://schemas.microsoft.com/office/powerpoint/2010/main" val="3381749873"/>
-      </p:ext>
-    </p:extLst>
   </p:cSld>
   <p:clrMapOvr>
     <a:masterClrMapping/>
@@ -5595,6 +4811,7 @@
               <a:rPr lang="zh-CN" altLang="en-US"/>
               <a:t>单击此处编辑母版标题样式</a:t>
             </a:r>
+            <a:endParaRPr lang="zh-CN" altLang="en-US"/>
           </a:p>
         </p:txBody>
       </p:sp>
@@ -5627,7 +4844,7 @@
                 </a:solidFill>
               </a:defRPr>
             </a:lvl1pPr>
-            <a:lvl2pPr marL="457182" indent="0" algn="ctr">
+            <a:lvl2pPr marL="457200" indent="0" algn="ctr">
               <a:buNone/>
               <a:defRPr>
                 <a:solidFill>
@@ -5637,7 +4854,7 @@
                 </a:solidFill>
               </a:defRPr>
             </a:lvl2pPr>
-            <a:lvl3pPr marL="914362" indent="0" algn="ctr">
+            <a:lvl3pPr marL="914400" indent="0" algn="ctr">
               <a:buNone/>
               <a:defRPr>
                 <a:solidFill>
@@ -5647,7 +4864,7 @@
                 </a:solidFill>
               </a:defRPr>
             </a:lvl3pPr>
-            <a:lvl4pPr marL="1371544" indent="0" algn="ctr">
+            <a:lvl4pPr marL="1371600" indent="0" algn="ctr">
               <a:buNone/>
               <a:defRPr>
                 <a:solidFill>
@@ -5657,7 +4874,7 @@
                 </a:solidFill>
               </a:defRPr>
             </a:lvl4pPr>
-            <a:lvl5pPr marL="1828725" indent="0" algn="ctr">
+            <a:lvl5pPr marL="1828800" indent="0" algn="ctr">
               <a:buNone/>
               <a:defRPr>
                 <a:solidFill>
@@ -5667,7 +4884,7 @@
                 </a:solidFill>
               </a:defRPr>
             </a:lvl5pPr>
-            <a:lvl6pPr marL="2285906" indent="0" algn="ctr">
+            <a:lvl6pPr marL="2286000" indent="0" algn="ctr">
               <a:buNone/>
               <a:defRPr>
                 <a:solidFill>
@@ -5677,7 +4894,7 @@
                 </a:solidFill>
               </a:defRPr>
             </a:lvl6pPr>
-            <a:lvl7pPr marL="2743088" indent="0" algn="ctr">
+            <a:lvl7pPr marL="2743200" indent="0" algn="ctr">
               <a:buNone/>
               <a:defRPr>
                 <a:solidFill>
@@ -5687,7 +4904,7 @@
                 </a:solidFill>
               </a:defRPr>
             </a:lvl7pPr>
-            <a:lvl8pPr marL="3200268" indent="0" algn="ctr">
+            <a:lvl8pPr marL="3200400" indent="0" algn="ctr">
               <a:buNone/>
               <a:defRPr>
                 <a:solidFill>
@@ -5697,7 +4914,7 @@
                 </a:solidFill>
               </a:defRPr>
             </a:lvl8pPr>
-            <a:lvl9pPr marL="3657450" indent="0" algn="ctr">
+            <a:lvl9pPr marL="3657600" indent="0" algn="ctr">
               <a:buNone/>
               <a:defRPr>
                 <a:solidFill>
@@ -5713,6 +4930,7 @@
               <a:rPr lang="zh-CN" altLang="en-US"/>
               <a:t>单击此处编辑母版副标题样式</a:t>
             </a:r>
+            <a:endParaRPr lang="zh-CN" altLang="en-US"/>
           </a:p>
         </p:txBody>
       </p:sp>
@@ -5796,21 +5014,12 @@
             </a:pPr>
             <a:fld id="{7F68671A-1028-4918-B52D-F225EDA688D1}" type="slidenum">
               <a:rPr lang="zh-CN" altLang="en-US"/>
-              <a:pPr>
-                <a:defRPr/>
-              </a:pPr>
-              <a:t>‹#›</a:t>
             </a:fld>
             <a:endParaRPr lang="zh-CN" altLang="en-US"/>
           </a:p>
         </p:txBody>
       </p:sp>
     </p:spTree>
-    <p:extLst>
-      <p:ext uri="{BB962C8B-B14F-4D97-AF65-F5344CB8AC3E}">
-        <p14:creationId xmlns:p14="http://schemas.microsoft.com/office/powerpoint/2010/main" val="1103610060"/>
-      </p:ext>
-    </p:extLst>
   </p:cSld>
   <p:clrMapOvr>
     <a:masterClrMapping/>
@@ -5854,6 +5063,7 @@
               <a:rPr lang="zh-CN" altLang="en-US"/>
               <a:t>单击此处编辑母版标题样式</a:t>
             </a:r>
+            <a:endParaRPr lang="zh-CN" altLang="en-US"/>
           </a:p>
         </p:txBody>
       </p:sp>
@@ -5877,6 +5087,7 @@
               <a:rPr lang="zh-CN" altLang="en-US"/>
               <a:t>单击此处编辑母版文本样式</a:t>
             </a:r>
+            <a:endParaRPr lang="zh-CN" altLang="en-US"/>
           </a:p>
           <a:p>
             <a:pPr lvl="1"/>
@@ -5884,6 +5095,7 @@
               <a:rPr lang="zh-CN" altLang="en-US"/>
               <a:t>第二级</a:t>
             </a:r>
+            <a:endParaRPr lang="zh-CN" altLang="en-US"/>
           </a:p>
           <a:p>
             <a:pPr lvl="2"/>
@@ -5891,6 +5103,7 @@
               <a:rPr lang="zh-CN" altLang="en-US"/>
               <a:t>第三级</a:t>
             </a:r>
+            <a:endParaRPr lang="zh-CN" altLang="en-US"/>
           </a:p>
           <a:p>
             <a:pPr lvl="3"/>
@@ -5898,6 +5111,7 @@
               <a:rPr lang="zh-CN" altLang="en-US"/>
               <a:t>第四级</a:t>
             </a:r>
+            <a:endParaRPr lang="zh-CN" altLang="en-US"/>
           </a:p>
           <a:p>
             <a:pPr lvl="4"/>
@@ -5905,6 +5119,7 @@
               <a:rPr lang="zh-CN" altLang="en-US"/>
               <a:t>第五级</a:t>
             </a:r>
+            <a:endParaRPr lang="zh-CN" altLang="en-US"/>
           </a:p>
         </p:txBody>
       </p:sp>
@@ -5988,21 +5203,12 @@
             </a:pPr>
             <a:fld id="{B6AFD8D9-97CE-47AB-99B6-669B4E33450F}" type="slidenum">
               <a:rPr lang="zh-CN" altLang="en-US"/>
-              <a:pPr>
-                <a:defRPr/>
-              </a:pPr>
-              <a:t>‹#›</a:t>
             </a:fld>
             <a:endParaRPr lang="zh-CN" altLang="en-US"/>
           </a:p>
         </p:txBody>
       </p:sp>
     </p:spTree>
-    <p:extLst>
-      <p:ext uri="{BB962C8B-B14F-4D97-AF65-F5344CB8AC3E}">
-        <p14:creationId xmlns:p14="http://schemas.microsoft.com/office/powerpoint/2010/main" val="552366100"/>
-      </p:ext>
-    </p:extLst>
   </p:cSld>
   <p:clrMapOvr>
     <a:masterClrMapping/>
@@ -6051,6 +5257,7 @@
               <a:rPr lang="zh-CN" altLang="en-US"/>
               <a:t>单击此处编辑母版标题样式</a:t>
             </a:r>
+            <a:endParaRPr lang="zh-CN" altLang="en-US"/>
           </a:p>
         </p:txBody>
       </p:sp>
@@ -6079,6 +5286,7 @@
               <a:rPr lang="zh-CN" altLang="en-US"/>
               <a:t>单击此处编辑母版文本样式</a:t>
             </a:r>
+            <a:endParaRPr lang="zh-CN" altLang="en-US"/>
           </a:p>
           <a:p>
             <a:pPr lvl="1"/>
@@ -6086,6 +5294,7 @@
               <a:rPr lang="zh-CN" altLang="en-US"/>
               <a:t>第二级</a:t>
             </a:r>
+            <a:endParaRPr lang="zh-CN" altLang="en-US"/>
           </a:p>
           <a:p>
             <a:pPr lvl="2"/>
@@ -6093,6 +5302,7 @@
               <a:rPr lang="zh-CN" altLang="en-US"/>
               <a:t>第三级</a:t>
             </a:r>
+            <a:endParaRPr lang="zh-CN" altLang="en-US"/>
           </a:p>
           <a:p>
             <a:pPr lvl="3"/>
@@ -6100,6 +5310,7 @@
               <a:rPr lang="zh-CN" altLang="en-US"/>
               <a:t>第四级</a:t>
             </a:r>
+            <a:endParaRPr lang="zh-CN" altLang="en-US"/>
           </a:p>
           <a:p>
             <a:pPr lvl="4"/>
@@ -6107,6 +5318,7 @@
               <a:rPr lang="zh-CN" altLang="en-US"/>
               <a:t>第五级</a:t>
             </a:r>
+            <a:endParaRPr lang="zh-CN" altLang="en-US"/>
           </a:p>
         </p:txBody>
       </p:sp>
@@ -6190,21 +5402,12 @@
             </a:pPr>
             <a:fld id="{14D234CD-C4BF-451E-A810-76886530BD7F}" type="slidenum">
               <a:rPr lang="zh-CN" altLang="en-US"/>
-              <a:pPr>
-                <a:defRPr/>
-              </a:pPr>
-              <a:t>‹#›</a:t>
             </a:fld>
             <a:endParaRPr lang="zh-CN" altLang="en-US"/>
           </a:p>
         </p:txBody>
       </p:sp>
     </p:spTree>
-    <p:extLst>
-      <p:ext uri="{BB962C8B-B14F-4D97-AF65-F5344CB8AC3E}">
-        <p14:creationId xmlns:p14="http://schemas.microsoft.com/office/powerpoint/2010/main" val="324296476"/>
-      </p:ext>
-    </p:extLst>
   </p:cSld>
   <p:clrMapOvr>
     <a:masterClrMapping/>
@@ -6248,6 +5451,7 @@
               <a:rPr lang="zh-CN" altLang="en-US"/>
               <a:t>单击此处编辑母版标题样式</a:t>
             </a:r>
+            <a:endParaRPr lang="zh-CN" altLang="en-US"/>
           </a:p>
         </p:txBody>
       </p:sp>
@@ -6271,6 +5475,7 @@
               <a:rPr lang="zh-CN" altLang="en-US"/>
               <a:t>单击此处编辑母版文本样式</a:t>
             </a:r>
+            <a:endParaRPr lang="zh-CN" altLang="en-US"/>
           </a:p>
           <a:p>
             <a:pPr lvl="1"/>
@@ -6278,6 +5483,7 @@
               <a:rPr lang="zh-CN" altLang="en-US"/>
               <a:t>第二级</a:t>
             </a:r>
+            <a:endParaRPr lang="zh-CN" altLang="en-US"/>
           </a:p>
           <a:p>
             <a:pPr lvl="2"/>
@@ -6285,6 +5491,7 @@
               <a:rPr lang="zh-CN" altLang="en-US"/>
               <a:t>第三级</a:t>
             </a:r>
+            <a:endParaRPr lang="zh-CN" altLang="en-US"/>
           </a:p>
           <a:p>
             <a:pPr lvl="3"/>
@@ -6292,6 +5499,7 @@
               <a:rPr lang="zh-CN" altLang="en-US"/>
               <a:t>第四级</a:t>
             </a:r>
+            <a:endParaRPr lang="zh-CN" altLang="en-US"/>
           </a:p>
           <a:p>
             <a:pPr lvl="4"/>
@@ -6299,6 +5507,7 @@
               <a:rPr lang="zh-CN" altLang="en-US"/>
               <a:t>第五级</a:t>
             </a:r>
+            <a:endParaRPr lang="zh-CN" altLang="en-US"/>
           </a:p>
         </p:txBody>
       </p:sp>
@@ -6382,21 +5591,12 @@
             </a:pPr>
             <a:fld id="{CA40A734-EF3B-425E-9970-80954DDB0807}" type="slidenum">
               <a:rPr lang="zh-CN" altLang="en-US"/>
-              <a:pPr>
-                <a:defRPr/>
-              </a:pPr>
-              <a:t>‹#›</a:t>
             </a:fld>
             <a:endParaRPr lang="zh-CN" altLang="en-US"/>
           </a:p>
         </p:txBody>
       </p:sp>
     </p:spTree>
-    <p:extLst>
-      <p:ext uri="{BB962C8B-B14F-4D97-AF65-F5344CB8AC3E}">
-        <p14:creationId xmlns:p14="http://schemas.microsoft.com/office/powerpoint/2010/main" val="1736697431"/>
-      </p:ext>
-    </p:extLst>
   </p:cSld>
   <p:clrMapOvr>
     <a:masterClrMapping/>
@@ -6449,6 +5649,7 @@
               <a:rPr lang="zh-CN" altLang="en-US"/>
               <a:t>单击此处编辑母版标题样式</a:t>
             </a:r>
+            <a:endParaRPr lang="zh-CN" altLang="en-US"/>
           </a:p>
         </p:txBody>
       </p:sp>
@@ -6481,7 +5682,7 @@
                 </a:solidFill>
               </a:defRPr>
             </a:lvl1pPr>
-            <a:lvl2pPr marL="457182" indent="0">
+            <a:lvl2pPr marL="457200" indent="0">
               <a:buNone/>
               <a:defRPr sz="1800">
                 <a:solidFill>
@@ -6491,7 +5692,7 @@
                 </a:solidFill>
               </a:defRPr>
             </a:lvl2pPr>
-            <a:lvl3pPr marL="914362" indent="0">
+            <a:lvl3pPr marL="914400" indent="0">
               <a:buNone/>
               <a:defRPr sz="1600">
                 <a:solidFill>
@@ -6501,7 +5702,7 @@
                 </a:solidFill>
               </a:defRPr>
             </a:lvl3pPr>
-            <a:lvl4pPr marL="1371544" indent="0">
+            <a:lvl4pPr marL="1371600" indent="0">
               <a:buNone/>
               <a:defRPr sz="1400">
                 <a:solidFill>
@@ -6511,7 +5712,7 @@
                 </a:solidFill>
               </a:defRPr>
             </a:lvl4pPr>
-            <a:lvl5pPr marL="1828725" indent="0">
+            <a:lvl5pPr marL="1828800" indent="0">
               <a:buNone/>
               <a:defRPr sz="1400">
                 <a:solidFill>
@@ -6521,7 +5722,7 @@
                 </a:solidFill>
               </a:defRPr>
             </a:lvl5pPr>
-            <a:lvl6pPr marL="2285906" indent="0">
+            <a:lvl6pPr marL="2286000" indent="0">
               <a:buNone/>
               <a:defRPr sz="1400">
                 <a:solidFill>
@@ -6531,7 +5732,7 @@
                 </a:solidFill>
               </a:defRPr>
             </a:lvl6pPr>
-            <a:lvl7pPr marL="2743088" indent="0">
+            <a:lvl7pPr marL="2743200" indent="0">
               <a:buNone/>
               <a:defRPr sz="1400">
                 <a:solidFill>
@@ -6541,7 +5742,7 @@
                 </a:solidFill>
               </a:defRPr>
             </a:lvl7pPr>
-            <a:lvl8pPr marL="3200268" indent="0">
+            <a:lvl8pPr marL="3200400" indent="0">
               <a:buNone/>
               <a:defRPr sz="1400">
                 <a:solidFill>
@@ -6551,7 +5752,7 @@
                 </a:solidFill>
               </a:defRPr>
             </a:lvl8pPr>
-            <a:lvl9pPr marL="3657450" indent="0">
+            <a:lvl9pPr marL="3657600" indent="0">
               <a:buNone/>
               <a:defRPr sz="1400">
                 <a:solidFill>
@@ -6568,6 +5769,7 @@
               <a:rPr lang="zh-CN" altLang="en-US"/>
               <a:t>单击此处编辑母版文本样式</a:t>
             </a:r>
+            <a:endParaRPr lang="zh-CN" altLang="en-US"/>
           </a:p>
         </p:txBody>
       </p:sp>
@@ -6651,21 +5853,12 @@
             </a:pPr>
             <a:fld id="{91F44B76-BDB5-48DA-9429-18FB768FED70}" type="slidenum">
               <a:rPr lang="zh-CN" altLang="en-US"/>
-              <a:pPr>
-                <a:defRPr/>
-              </a:pPr>
-              <a:t>‹#›</a:t>
             </a:fld>
             <a:endParaRPr lang="zh-CN" altLang="en-US"/>
           </a:p>
         </p:txBody>
       </p:sp>
     </p:spTree>
-    <p:extLst>
-      <p:ext uri="{BB962C8B-B14F-4D97-AF65-F5344CB8AC3E}">
-        <p14:creationId xmlns:p14="http://schemas.microsoft.com/office/powerpoint/2010/main" val="3641668084"/>
-      </p:ext>
-    </p:extLst>
   </p:cSld>
   <p:clrMapOvr>
     <a:masterClrMapping/>
@@ -6709,6 +5902,7 @@
               <a:rPr lang="zh-CN" altLang="en-US"/>
               <a:t>单击此处编辑母版标题样式</a:t>
             </a:r>
+            <a:endParaRPr lang="zh-CN" altLang="en-US"/>
           </a:p>
         </p:txBody>
       </p:sp>
@@ -6765,6 +5959,7 @@
               <a:rPr lang="zh-CN" altLang="en-US"/>
               <a:t>单击此处编辑母版文本样式</a:t>
             </a:r>
+            <a:endParaRPr lang="zh-CN" altLang="en-US"/>
           </a:p>
           <a:p>
             <a:pPr lvl="1"/>
@@ -6772,6 +5967,7 @@
               <a:rPr lang="zh-CN" altLang="en-US"/>
               <a:t>第二级</a:t>
             </a:r>
+            <a:endParaRPr lang="zh-CN" altLang="en-US"/>
           </a:p>
           <a:p>
             <a:pPr lvl="2"/>
@@ -6779,6 +5975,7 @@
               <a:rPr lang="zh-CN" altLang="en-US"/>
               <a:t>第三级</a:t>
             </a:r>
+            <a:endParaRPr lang="zh-CN" altLang="en-US"/>
           </a:p>
           <a:p>
             <a:pPr lvl="3"/>
@@ -6786,6 +5983,7 @@
               <a:rPr lang="zh-CN" altLang="en-US"/>
               <a:t>第四级</a:t>
             </a:r>
+            <a:endParaRPr lang="zh-CN" altLang="en-US"/>
           </a:p>
           <a:p>
             <a:pPr lvl="4"/>
@@ -6793,6 +5991,7 @@
               <a:rPr lang="zh-CN" altLang="en-US"/>
               <a:t>第五级</a:t>
             </a:r>
+            <a:endParaRPr lang="zh-CN" altLang="en-US"/>
           </a:p>
         </p:txBody>
       </p:sp>
@@ -6849,6 +6048,7 @@
               <a:rPr lang="zh-CN" altLang="en-US"/>
               <a:t>单击此处编辑母版文本样式</a:t>
             </a:r>
+            <a:endParaRPr lang="zh-CN" altLang="en-US"/>
           </a:p>
           <a:p>
             <a:pPr lvl="1"/>
@@ -6856,6 +6056,7 @@
               <a:rPr lang="zh-CN" altLang="en-US"/>
               <a:t>第二级</a:t>
             </a:r>
+            <a:endParaRPr lang="zh-CN" altLang="en-US"/>
           </a:p>
           <a:p>
             <a:pPr lvl="2"/>
@@ -6863,6 +6064,7 @@
               <a:rPr lang="zh-CN" altLang="en-US"/>
               <a:t>第三级</a:t>
             </a:r>
+            <a:endParaRPr lang="zh-CN" altLang="en-US"/>
           </a:p>
           <a:p>
             <a:pPr lvl="3"/>
@@ -6870,6 +6072,7 @@
               <a:rPr lang="zh-CN" altLang="en-US"/>
               <a:t>第四级</a:t>
             </a:r>
+            <a:endParaRPr lang="zh-CN" altLang="en-US"/>
           </a:p>
           <a:p>
             <a:pPr lvl="4"/>
@@ -6877,6 +6080,7 @@
               <a:rPr lang="zh-CN" altLang="en-US"/>
               <a:t>第五级</a:t>
             </a:r>
+            <a:endParaRPr lang="zh-CN" altLang="en-US"/>
           </a:p>
         </p:txBody>
       </p:sp>
@@ -6960,21 +6164,12 @@
             </a:pPr>
             <a:fld id="{89D35798-1DC4-447E-97F5-D240AF3B9805}" type="slidenum">
               <a:rPr lang="zh-CN" altLang="en-US"/>
-              <a:pPr>
-                <a:defRPr/>
-              </a:pPr>
-              <a:t>‹#›</a:t>
             </a:fld>
             <a:endParaRPr lang="zh-CN" altLang="en-US"/>
           </a:p>
         </p:txBody>
       </p:sp>
     </p:spTree>
-    <p:extLst>
-      <p:ext uri="{BB962C8B-B14F-4D97-AF65-F5344CB8AC3E}">
-        <p14:creationId xmlns:p14="http://schemas.microsoft.com/office/powerpoint/2010/main" val="2458987140"/>
-      </p:ext>
-    </p:extLst>
   </p:cSld>
   <p:clrMapOvr>
     <a:masterClrMapping/>
@@ -7022,6 +6217,7 @@
               <a:rPr lang="zh-CN" altLang="en-US"/>
               <a:t>单击此处编辑母版标题样式</a:t>
             </a:r>
+            <a:endParaRPr lang="zh-CN" altLang="en-US"/>
           </a:p>
         </p:txBody>
       </p:sp>
@@ -7048,35 +6244,35 @@
               <a:buNone/>
               <a:defRPr sz="2400" b="1"/>
             </a:lvl1pPr>
-            <a:lvl2pPr marL="457182" indent="0">
+            <a:lvl2pPr marL="457200" indent="0">
               <a:buNone/>
               <a:defRPr sz="2000" b="1"/>
             </a:lvl2pPr>
-            <a:lvl3pPr marL="914362" indent="0">
+            <a:lvl3pPr marL="914400" indent="0">
               <a:buNone/>
               <a:defRPr sz="1800" b="1"/>
             </a:lvl3pPr>
-            <a:lvl4pPr marL="1371544" indent="0">
+            <a:lvl4pPr marL="1371600" indent="0">
               <a:buNone/>
               <a:defRPr sz="1600" b="1"/>
             </a:lvl4pPr>
-            <a:lvl5pPr marL="1828725" indent="0">
+            <a:lvl5pPr marL="1828800" indent="0">
               <a:buNone/>
               <a:defRPr sz="1600" b="1"/>
             </a:lvl5pPr>
-            <a:lvl6pPr marL="2285906" indent="0">
+            <a:lvl6pPr marL="2286000" indent="0">
               <a:buNone/>
               <a:defRPr sz="1600" b="1"/>
             </a:lvl6pPr>
-            <a:lvl7pPr marL="2743088" indent="0">
+            <a:lvl7pPr marL="2743200" indent="0">
               <a:buNone/>
               <a:defRPr sz="1600" b="1"/>
             </a:lvl7pPr>
-            <a:lvl8pPr marL="3200268" indent="0">
+            <a:lvl8pPr marL="3200400" indent="0">
               <a:buNone/>
               <a:defRPr sz="1600" b="1"/>
             </a:lvl8pPr>
-            <a:lvl9pPr marL="3657450" indent="0">
+            <a:lvl9pPr marL="3657600" indent="0">
               <a:buNone/>
               <a:defRPr sz="1600" b="1"/>
             </a:lvl9pPr>
@@ -7087,6 +6283,7 @@
               <a:rPr lang="zh-CN" altLang="en-US"/>
               <a:t>单击此处编辑母版文本样式</a:t>
             </a:r>
+            <a:endParaRPr lang="zh-CN" altLang="en-US"/>
           </a:p>
         </p:txBody>
       </p:sp>
@@ -7143,6 +6340,7 @@
               <a:rPr lang="zh-CN" altLang="en-US"/>
               <a:t>单击此处编辑母版文本样式</a:t>
             </a:r>
+            <a:endParaRPr lang="zh-CN" altLang="en-US"/>
           </a:p>
           <a:p>
             <a:pPr lvl="1"/>
@@ -7150,6 +6348,7 @@
               <a:rPr lang="zh-CN" altLang="en-US"/>
               <a:t>第二级</a:t>
             </a:r>
+            <a:endParaRPr lang="zh-CN" altLang="en-US"/>
           </a:p>
           <a:p>
             <a:pPr lvl="2"/>
@@ -7157,6 +6356,7 @@
               <a:rPr lang="zh-CN" altLang="en-US"/>
               <a:t>第三级</a:t>
             </a:r>
+            <a:endParaRPr lang="zh-CN" altLang="en-US"/>
           </a:p>
           <a:p>
             <a:pPr lvl="3"/>
@@ -7164,6 +6364,7 @@
               <a:rPr lang="zh-CN" altLang="en-US"/>
               <a:t>第四级</a:t>
             </a:r>
+            <a:endParaRPr lang="zh-CN" altLang="en-US"/>
           </a:p>
           <a:p>
             <a:pPr lvl="4"/>
@@ -7171,6 +6372,7 @@
               <a:rPr lang="zh-CN" altLang="en-US"/>
               <a:t>第五级</a:t>
             </a:r>
+            <a:endParaRPr lang="zh-CN" altLang="en-US"/>
           </a:p>
         </p:txBody>
       </p:sp>
@@ -7197,35 +6399,35 @@
               <a:buNone/>
               <a:defRPr sz="2400" b="1"/>
             </a:lvl1pPr>
-            <a:lvl2pPr marL="457182" indent="0">
+            <a:lvl2pPr marL="457200" indent="0">
               <a:buNone/>
               <a:defRPr sz="2000" b="1"/>
             </a:lvl2pPr>
-            <a:lvl3pPr marL="914362" indent="0">
+            <a:lvl3pPr marL="914400" indent="0">
               <a:buNone/>
               <a:defRPr sz="1800" b="1"/>
             </a:lvl3pPr>
-            <a:lvl4pPr marL="1371544" indent="0">
+            <a:lvl4pPr marL="1371600" indent="0">
               <a:buNone/>
               <a:defRPr sz="1600" b="1"/>
             </a:lvl4pPr>
-            <a:lvl5pPr marL="1828725" indent="0">
+            <a:lvl5pPr marL="1828800" indent="0">
               <a:buNone/>
               <a:defRPr sz="1600" b="1"/>
             </a:lvl5pPr>
-            <a:lvl6pPr marL="2285906" indent="0">
+            <a:lvl6pPr marL="2286000" indent="0">
               <a:buNone/>
               <a:defRPr sz="1600" b="1"/>
             </a:lvl6pPr>
-            <a:lvl7pPr marL="2743088" indent="0">
+            <a:lvl7pPr marL="2743200" indent="0">
               <a:buNone/>
               <a:defRPr sz="1600" b="1"/>
             </a:lvl7pPr>
-            <a:lvl8pPr marL="3200268" indent="0">
+            <a:lvl8pPr marL="3200400" indent="0">
               <a:buNone/>
               <a:defRPr sz="1600" b="1"/>
             </a:lvl8pPr>
-            <a:lvl9pPr marL="3657450" indent="0">
+            <a:lvl9pPr marL="3657600" indent="0">
               <a:buNone/>
               <a:defRPr sz="1600" b="1"/>
             </a:lvl9pPr>
@@ -7236,6 +6438,7 @@
               <a:rPr lang="zh-CN" altLang="en-US"/>
               <a:t>单击此处编辑母版文本样式</a:t>
             </a:r>
+            <a:endParaRPr lang="zh-CN" altLang="en-US"/>
           </a:p>
         </p:txBody>
       </p:sp>
@@ -7292,6 +6495,7 @@
               <a:rPr lang="zh-CN" altLang="en-US"/>
               <a:t>单击此处编辑母版文本样式</a:t>
             </a:r>
+            <a:endParaRPr lang="zh-CN" altLang="en-US"/>
           </a:p>
           <a:p>
             <a:pPr lvl="1"/>
@@ -7299,6 +6503,7 @@
               <a:rPr lang="zh-CN" altLang="en-US"/>
               <a:t>第二级</a:t>
             </a:r>
+            <a:endParaRPr lang="zh-CN" altLang="en-US"/>
           </a:p>
           <a:p>
             <a:pPr lvl="2"/>
@@ -7306,6 +6511,7 @@
               <a:rPr lang="zh-CN" altLang="en-US"/>
               <a:t>第三级</a:t>
             </a:r>
+            <a:endParaRPr lang="zh-CN" altLang="en-US"/>
           </a:p>
           <a:p>
             <a:pPr lvl="3"/>
@@ -7313,6 +6519,7 @@
               <a:rPr lang="zh-CN" altLang="en-US"/>
               <a:t>第四级</a:t>
             </a:r>
+            <a:endParaRPr lang="zh-CN" altLang="en-US"/>
           </a:p>
           <a:p>
             <a:pPr lvl="4"/>
@@ -7320,6 +6527,7 @@
               <a:rPr lang="zh-CN" altLang="en-US"/>
               <a:t>第五级</a:t>
             </a:r>
+            <a:endParaRPr lang="zh-CN" altLang="en-US"/>
           </a:p>
         </p:txBody>
       </p:sp>
@@ -7403,21 +6611,12 @@
             </a:pPr>
             <a:fld id="{1FFB9FFA-BBF7-4E6B-ACD4-E99548C5776B}" type="slidenum">
               <a:rPr lang="zh-CN" altLang="en-US"/>
-              <a:pPr>
-                <a:defRPr/>
-              </a:pPr>
-              <a:t>‹#›</a:t>
             </a:fld>
             <a:endParaRPr lang="zh-CN" altLang="en-US"/>
           </a:p>
         </p:txBody>
       </p:sp>
     </p:spTree>
-    <p:extLst>
-      <p:ext uri="{BB962C8B-B14F-4D97-AF65-F5344CB8AC3E}">
-        <p14:creationId xmlns:p14="http://schemas.microsoft.com/office/powerpoint/2010/main" val="414232053"/>
-      </p:ext>
-    </p:extLst>
   </p:cSld>
   <p:clrMapOvr>
     <a:masterClrMapping/>
@@ -7461,6 +6660,7 @@
               <a:rPr lang="zh-CN" altLang="en-US"/>
               <a:t>单击此处编辑母版标题样式</a:t>
             </a:r>
+            <a:endParaRPr lang="zh-CN" altLang="en-US"/>
           </a:p>
         </p:txBody>
       </p:sp>
@@ -7544,21 +6744,12 @@
             </a:pPr>
             <a:fld id="{FA78C75F-3921-4200-A546-C4950D0184B6}" type="slidenum">
               <a:rPr lang="zh-CN" altLang="en-US"/>
-              <a:pPr>
-                <a:defRPr/>
-              </a:pPr>
-              <a:t>‹#›</a:t>
             </a:fld>
             <a:endParaRPr lang="zh-CN" altLang="en-US"/>
           </a:p>
         </p:txBody>
       </p:sp>
     </p:spTree>
-    <p:extLst>
-      <p:ext uri="{BB962C8B-B14F-4D97-AF65-F5344CB8AC3E}">
-        <p14:creationId xmlns:p14="http://schemas.microsoft.com/office/powerpoint/2010/main" val="2411579836"/>
-      </p:ext>
-    </p:extLst>
   </p:cSld>
   <p:clrMapOvr>
     <a:masterClrMapping/>
@@ -7663,21 +6854,12 @@
             </a:pPr>
             <a:fld id="{47694E68-0D6D-410C-8C00-3741D352D069}" type="slidenum">
               <a:rPr lang="zh-CN" altLang="en-US"/>
-              <a:pPr>
-                <a:defRPr/>
-              </a:pPr>
-              <a:t>‹#›</a:t>
             </a:fld>
             <a:endParaRPr lang="zh-CN" altLang="en-US"/>
           </a:p>
         </p:txBody>
       </p:sp>
     </p:spTree>
-    <p:extLst>
-      <p:ext uri="{BB962C8B-B14F-4D97-AF65-F5344CB8AC3E}">
-        <p14:creationId xmlns:p14="http://schemas.microsoft.com/office/powerpoint/2010/main" val="4123503613"/>
-      </p:ext>
-    </p:extLst>
   </p:cSld>
   <p:clrMapOvr>
     <a:masterClrMapping/>
@@ -7730,6 +6912,7 @@
               <a:rPr lang="zh-CN" altLang="en-US"/>
               <a:t>单击此处编辑母版标题样式</a:t>
             </a:r>
+            <a:endParaRPr lang="zh-CN" altLang="en-US"/>
           </a:p>
         </p:txBody>
       </p:sp>
@@ -7786,6 +6969,7 @@
               <a:rPr lang="zh-CN" altLang="en-US"/>
               <a:t>单击此处编辑母版文本样式</a:t>
             </a:r>
+            <a:endParaRPr lang="zh-CN" altLang="en-US"/>
           </a:p>
           <a:p>
             <a:pPr lvl="1"/>
@@ -7793,6 +6977,7 @@
               <a:rPr lang="zh-CN" altLang="en-US"/>
               <a:t>第二级</a:t>
             </a:r>
+            <a:endParaRPr lang="zh-CN" altLang="en-US"/>
           </a:p>
           <a:p>
             <a:pPr lvl="2"/>
@@ -7800,6 +6985,7 @@
               <a:rPr lang="zh-CN" altLang="en-US"/>
               <a:t>第三级</a:t>
             </a:r>
+            <a:endParaRPr lang="zh-CN" altLang="en-US"/>
           </a:p>
           <a:p>
             <a:pPr lvl="3"/>
@@ -7807,6 +6993,7 @@
               <a:rPr lang="zh-CN" altLang="en-US"/>
               <a:t>第四级</a:t>
             </a:r>
+            <a:endParaRPr lang="zh-CN" altLang="en-US"/>
           </a:p>
           <a:p>
             <a:pPr lvl="4"/>
@@ -7814,6 +7001,7 @@
               <a:rPr lang="zh-CN" altLang="en-US"/>
               <a:t>第五级</a:t>
             </a:r>
+            <a:endParaRPr lang="zh-CN" altLang="en-US"/>
           </a:p>
         </p:txBody>
       </p:sp>
@@ -7840,35 +7028,35 @@
               <a:buNone/>
               <a:defRPr sz="1400"/>
             </a:lvl1pPr>
-            <a:lvl2pPr marL="457182" indent="0">
+            <a:lvl2pPr marL="457200" indent="0">
               <a:buNone/>
               <a:defRPr sz="1200"/>
             </a:lvl2pPr>
-            <a:lvl3pPr marL="914362" indent="0">
+            <a:lvl3pPr marL="914400" indent="0">
               <a:buNone/>
               <a:defRPr sz="1000"/>
             </a:lvl3pPr>
-            <a:lvl4pPr marL="1371544" indent="0">
+            <a:lvl4pPr marL="1371600" indent="0">
               <a:buNone/>
               <a:defRPr sz="900"/>
             </a:lvl4pPr>
-            <a:lvl5pPr marL="1828725" indent="0">
+            <a:lvl5pPr marL="1828800" indent="0">
               <a:buNone/>
               <a:defRPr sz="900"/>
             </a:lvl5pPr>
-            <a:lvl6pPr marL="2285906" indent="0">
+            <a:lvl6pPr marL="2286000" indent="0">
               <a:buNone/>
               <a:defRPr sz="900"/>
             </a:lvl6pPr>
-            <a:lvl7pPr marL="2743088" indent="0">
+            <a:lvl7pPr marL="2743200" indent="0">
               <a:buNone/>
               <a:defRPr sz="900"/>
             </a:lvl7pPr>
-            <a:lvl8pPr marL="3200268" indent="0">
+            <a:lvl8pPr marL="3200400" indent="0">
               <a:buNone/>
               <a:defRPr sz="900"/>
             </a:lvl8pPr>
-            <a:lvl9pPr marL="3657450" indent="0">
+            <a:lvl9pPr marL="3657600" indent="0">
               <a:buNone/>
               <a:defRPr sz="900"/>
             </a:lvl9pPr>
@@ -7879,6 +7067,7 @@
               <a:rPr lang="zh-CN" altLang="en-US"/>
               <a:t>单击此处编辑母版文本样式</a:t>
             </a:r>
+            <a:endParaRPr lang="zh-CN" altLang="en-US"/>
           </a:p>
         </p:txBody>
       </p:sp>
@@ -7962,21 +7151,12 @@
             </a:pPr>
             <a:fld id="{875CE17F-E7E8-4836-8B19-28E882EF05B9}" type="slidenum">
               <a:rPr lang="zh-CN" altLang="en-US"/>
-              <a:pPr>
-                <a:defRPr/>
-              </a:pPr>
-              <a:t>‹#›</a:t>
             </a:fld>
             <a:endParaRPr lang="zh-CN" altLang="en-US"/>
           </a:p>
         </p:txBody>
       </p:sp>
     </p:spTree>
-    <p:extLst>
-      <p:ext uri="{BB962C8B-B14F-4D97-AF65-F5344CB8AC3E}">
-        <p14:creationId xmlns:p14="http://schemas.microsoft.com/office/powerpoint/2010/main" val="3638579573"/>
-      </p:ext>
-    </p:extLst>
   </p:cSld>
   <p:clrMapOvr>
     <a:masterClrMapping/>
@@ -8029,6 +7209,7 @@
               <a:rPr lang="zh-CN" altLang="en-US"/>
               <a:t>单击此处编辑母版标题样式</a:t>
             </a:r>
+            <a:endParaRPr lang="zh-CN" altLang="en-US"/>
           </a:p>
         </p:txBody>
       </p:sp>
@@ -8057,35 +7238,35 @@
               <a:buNone/>
               <a:defRPr sz="3200"/>
             </a:lvl1pPr>
-            <a:lvl2pPr marL="457182" indent="0">
+            <a:lvl2pPr marL="457200" indent="0">
               <a:buNone/>
               <a:defRPr sz="2800"/>
             </a:lvl2pPr>
-            <a:lvl3pPr marL="914362" indent="0">
+            <a:lvl3pPr marL="914400" indent="0">
               <a:buNone/>
               <a:defRPr sz="2400"/>
             </a:lvl3pPr>
-            <a:lvl4pPr marL="1371544" indent="0">
+            <a:lvl4pPr marL="1371600" indent="0">
               <a:buNone/>
               <a:defRPr sz="2000"/>
             </a:lvl4pPr>
-            <a:lvl5pPr marL="1828725" indent="0">
+            <a:lvl5pPr marL="1828800" indent="0">
               <a:buNone/>
               <a:defRPr sz="2000"/>
             </a:lvl5pPr>
-            <a:lvl6pPr marL="2285906" indent="0">
+            <a:lvl6pPr marL="2286000" indent="0">
               <a:buNone/>
               <a:defRPr sz="2000"/>
             </a:lvl6pPr>
-            <a:lvl7pPr marL="2743088" indent="0">
+            <a:lvl7pPr marL="2743200" indent="0">
               <a:buNone/>
               <a:defRPr sz="2000"/>
             </a:lvl7pPr>
-            <a:lvl8pPr marL="3200268" indent="0">
+            <a:lvl8pPr marL="3200400" indent="0">
               <a:buNone/>
               <a:defRPr sz="2000"/>
             </a:lvl8pPr>
-            <a:lvl9pPr marL="3657450" indent="0">
+            <a:lvl9pPr marL="3657600" indent="0">
               <a:buNone/>
               <a:defRPr sz="2000"/>
             </a:lvl9pPr>
@@ -8119,35 +7300,35 @@
               <a:buNone/>
               <a:defRPr sz="1400"/>
             </a:lvl1pPr>
-            <a:lvl2pPr marL="457182" indent="0">
+            <a:lvl2pPr marL="457200" indent="0">
               <a:buNone/>
               <a:defRPr sz="1200"/>
             </a:lvl2pPr>
-            <a:lvl3pPr marL="914362" indent="0">
+            <a:lvl3pPr marL="914400" indent="0">
               <a:buNone/>
               <a:defRPr sz="1000"/>
             </a:lvl3pPr>
-            <a:lvl4pPr marL="1371544" indent="0">
+            <a:lvl4pPr marL="1371600" indent="0">
               <a:buNone/>
               <a:defRPr sz="900"/>
             </a:lvl4pPr>
-            <a:lvl5pPr marL="1828725" indent="0">
+            <a:lvl5pPr marL="1828800" indent="0">
               <a:buNone/>
               <a:defRPr sz="900"/>
             </a:lvl5pPr>
-            <a:lvl6pPr marL="2285906" indent="0">
+            <a:lvl6pPr marL="2286000" indent="0">
               <a:buNone/>
               <a:defRPr sz="900"/>
             </a:lvl6pPr>
-            <a:lvl7pPr marL="2743088" indent="0">
+            <a:lvl7pPr marL="2743200" indent="0">
               <a:buNone/>
               <a:defRPr sz="900"/>
             </a:lvl7pPr>
-            <a:lvl8pPr marL="3200268" indent="0">
+            <a:lvl8pPr marL="3200400" indent="0">
               <a:buNone/>
               <a:defRPr sz="900"/>
             </a:lvl8pPr>
-            <a:lvl9pPr marL="3657450" indent="0">
+            <a:lvl9pPr marL="3657600" indent="0">
               <a:buNone/>
               <a:defRPr sz="900"/>
             </a:lvl9pPr>
@@ -8158,6 +7339,7 @@
               <a:rPr lang="zh-CN" altLang="en-US"/>
               <a:t>单击此处编辑母版文本样式</a:t>
             </a:r>
+            <a:endParaRPr lang="zh-CN" altLang="en-US"/>
           </a:p>
         </p:txBody>
       </p:sp>
@@ -8241,21 +7423,12 @@
             </a:pPr>
             <a:fld id="{530D8648-5A27-46B1-9DFF-F43427A188ED}" type="slidenum">
               <a:rPr lang="zh-CN" altLang="en-US"/>
-              <a:pPr>
-                <a:defRPr/>
-              </a:pPr>
-              <a:t>‹#›</a:t>
             </a:fld>
             <a:endParaRPr lang="zh-CN" altLang="en-US"/>
           </a:p>
         </p:txBody>
       </p:sp>
     </p:spTree>
-    <p:extLst>
-      <p:ext uri="{BB962C8B-B14F-4D97-AF65-F5344CB8AC3E}">
-        <p14:creationId xmlns:p14="http://schemas.microsoft.com/office/powerpoint/2010/main" val="4292002586"/>
-      </p:ext>
-    </p:extLst>
   </p:cSld>
   <p:clrMapOvr>
     <a:masterClrMapping/>
@@ -8269,7 +7442,7 @@
     <p:bg>
       <p:bgPr>
         <a:blipFill dpi="0" rotWithShape="0">
-          <a:blip r:embed="rId13" cstate="print"/>
+          <a:blip r:embed="rId12" cstate="print"/>
           <a:srcRect/>
           <a:stretch>
             <a:fillRect/>
@@ -8314,32 +7487,9 @@
           <a:ln>
             <a:noFill/>
           </a:ln>
-          <a:extLst>
-            <a:ext uri="{909E8E84-426E-40dd-AFC4-6F175D3DCCD1}">
-              <a14:hiddenFill xmlns:a14="http://schemas.microsoft.com/office/drawing/2010/main" xmlns="">
-                <a:solidFill>
-                  <a:srgbClr val="FFFFFF"/>
-                </a:solidFill>
-              </a14:hiddenFill>
-            </a:ext>
-            <a:ext uri="{91240B29-F687-4f45-9708-019B960494DF}">
-              <a14:hiddenLine xmlns:a14="http://schemas.microsoft.com/office/drawing/2010/main" xmlns="" w="9525">
-                <a:solidFill>
-                  <a:srgbClr val="000000"/>
-                </a:solidFill>
-                <a:miter lim="800000"/>
-                <a:headEnd/>
-                <a:tailEnd/>
-              </a14:hiddenLine>
-            </a:ext>
-          </a:extLst>
         </p:spPr>
         <p:txBody>
-          <a:bodyPr vert="horz" wrap="square" lIns="91436" tIns="45718" rIns="91436" bIns="45718" numCol="1" anchor="ctr" anchorCtr="0" compatLnSpc="1">
-            <a:prstTxWarp prst="textNoShape">
-              <a:avLst/>
-            </a:prstTxWarp>
-          </a:bodyPr>
+          <a:bodyPr vert="horz" wrap="square" lIns="91436" tIns="45718" rIns="91436" bIns="45718" numCol="1" anchor="ctr" anchorCtr="0" compatLnSpc="1"/>
           <a:lstStyle/>
           <a:p>
             <a:pPr lvl="0"/>
@@ -8347,6 +7497,7 @@
               <a:rPr lang="zh-CN" altLang="en-US"/>
               <a:t>单击此处编辑母版标题样式</a:t>
             </a:r>
+            <a:endParaRPr lang="zh-CN" altLang="en-US"/>
           </a:p>
         </p:txBody>
       </p:sp>
@@ -8372,32 +7523,9 @@
           <a:ln>
             <a:noFill/>
           </a:ln>
-          <a:extLst>
-            <a:ext uri="{909E8E84-426E-40dd-AFC4-6F175D3DCCD1}">
-              <a14:hiddenFill xmlns:a14="http://schemas.microsoft.com/office/drawing/2010/main" xmlns="">
-                <a:solidFill>
-                  <a:srgbClr val="FFFFFF"/>
-                </a:solidFill>
-              </a14:hiddenFill>
-            </a:ext>
-            <a:ext uri="{91240B29-F687-4f45-9708-019B960494DF}">
-              <a14:hiddenLine xmlns:a14="http://schemas.microsoft.com/office/drawing/2010/main" xmlns="" w="9525">
-                <a:solidFill>
-                  <a:srgbClr val="000000"/>
-                </a:solidFill>
-                <a:miter lim="800000"/>
-                <a:headEnd/>
-                <a:tailEnd/>
-              </a14:hiddenLine>
-            </a:ext>
-          </a:extLst>
         </p:spPr>
         <p:txBody>
-          <a:bodyPr vert="horz" wrap="square" lIns="91436" tIns="45718" rIns="91436" bIns="45718" numCol="1" anchor="t" anchorCtr="0" compatLnSpc="1">
-            <a:prstTxWarp prst="textNoShape">
-              <a:avLst/>
-            </a:prstTxWarp>
-          </a:bodyPr>
+          <a:bodyPr vert="horz" wrap="square" lIns="91436" tIns="45718" rIns="91436" bIns="45718" numCol="1" anchor="t" anchorCtr="0" compatLnSpc="1"/>
           <a:lstStyle/>
           <a:p>
             <a:pPr lvl="0"/>
@@ -8405,6 +7533,7 @@
               <a:rPr lang="zh-CN" altLang="en-US"/>
               <a:t>单击此处编辑母版文本样式</a:t>
             </a:r>
+            <a:endParaRPr lang="zh-CN" altLang="en-US"/>
           </a:p>
           <a:p>
             <a:pPr lvl="1"/>
@@ -8412,6 +7541,7 @@
               <a:rPr lang="zh-CN" altLang="en-US"/>
               <a:t>第二级</a:t>
             </a:r>
+            <a:endParaRPr lang="zh-CN" altLang="en-US"/>
           </a:p>
           <a:p>
             <a:pPr lvl="2"/>
@@ -8419,6 +7549,7 @@
               <a:rPr lang="zh-CN" altLang="en-US"/>
               <a:t>第三级</a:t>
             </a:r>
+            <a:endParaRPr lang="zh-CN" altLang="en-US"/>
           </a:p>
           <a:p>
             <a:pPr lvl="3"/>
@@ -8426,6 +7557,7 @@
               <a:rPr lang="zh-CN" altLang="en-US"/>
               <a:t>第四级</a:t>
             </a:r>
+            <a:endParaRPr lang="zh-CN" altLang="en-US"/>
           </a:p>
           <a:p>
             <a:pPr lvl="4"/>
@@ -8433,6 +7565,7 @@
               <a:rPr lang="zh-CN" altLang="en-US"/>
               <a:t>第五级</a:t>
             </a:r>
+            <a:endParaRPr lang="zh-CN" altLang="en-US"/>
           </a:p>
         </p:txBody>
       </p:sp>
@@ -8465,7 +7598,7 @@
                     <a:tint val="75000"/>
                   </a:schemeClr>
                 </a:solidFill>
-                <a:ea typeface="宋体" charset="-122"/>
+                <a:ea typeface="宋体" panose="02010600030101010101" pitchFamily="2" charset="-122"/>
               </a:defRPr>
             </a:lvl1pPr>
           </a:lstStyle>
@@ -8510,7 +7643,7 @@
                     <a:tint val="75000"/>
                   </a:schemeClr>
                 </a:solidFill>
-                <a:ea typeface="宋体" charset="-122"/>
+                <a:ea typeface="宋体" panose="02010600030101010101" pitchFamily="2" charset="-122"/>
               </a:defRPr>
             </a:lvl1pPr>
           </a:lstStyle>
@@ -8542,11 +7675,7 @@
           </a:prstGeom>
         </p:spPr>
         <p:txBody>
-          <a:bodyPr vert="horz" wrap="square" lIns="91436" tIns="45718" rIns="91436" bIns="45718" numCol="1" anchor="ctr" anchorCtr="0" compatLnSpc="1">
-            <a:prstTxWarp prst="textNoShape">
-              <a:avLst/>
-            </a:prstTxWarp>
-          </a:bodyPr>
+          <a:bodyPr vert="horz" wrap="square" lIns="91436" tIns="45718" rIns="91436" bIns="45718" numCol="1" anchor="ctr" anchorCtr="0" compatLnSpc="1"/>
           <a:lstStyle>
             <a:lvl1pPr algn="r" eaLnBrk="1" hangingPunct="1">
               <a:defRPr sz="1200">
@@ -8562,10 +7691,6 @@
             </a:pPr>
             <a:fld id="{EB08D79A-444D-4C36-A6F5-FB17350375E2}" type="slidenum">
               <a:rPr lang="zh-CN" altLang="en-US"/>
-              <a:pPr>
-                <a:defRPr/>
-              </a:pPr>
-              <a:t>‹#›</a:t>
             </a:fld>
             <a:endParaRPr lang="zh-CN" altLang="en-US"/>
           </a:p>
@@ -8575,17 +7700,17 @@
   </p:cSld>
   <p:clrMap bg1="lt1" tx1="dk1" bg2="lt2" tx2="dk2" accent1="accent1" accent2="accent2" accent3="accent3" accent4="accent4" accent5="accent5" accent6="accent6" hlink="hlink" folHlink="folHlink"/>
   <p:sldLayoutIdLst>
-    <p:sldLayoutId id="2147483685" r:id="rId1"/>
-    <p:sldLayoutId id="2147483686" r:id="rId2"/>
-    <p:sldLayoutId id="2147483687" r:id="rId3"/>
-    <p:sldLayoutId id="2147483688" r:id="rId4"/>
-    <p:sldLayoutId id="2147483689" r:id="rId5"/>
-    <p:sldLayoutId id="2147483690" r:id="rId6"/>
-    <p:sldLayoutId id="2147483691" r:id="rId7"/>
-    <p:sldLayoutId id="2147483692" r:id="rId8"/>
-    <p:sldLayoutId id="2147483693" r:id="rId9"/>
-    <p:sldLayoutId id="2147483694" r:id="rId10"/>
-    <p:sldLayoutId id="2147483695" r:id="rId11"/>
+    <p:sldLayoutId id="2147483649" r:id="rId1"/>
+    <p:sldLayoutId id="2147483650" r:id="rId2"/>
+    <p:sldLayoutId id="2147483651" r:id="rId3"/>
+    <p:sldLayoutId id="2147483652" r:id="rId4"/>
+    <p:sldLayoutId id="2147483653" r:id="rId5"/>
+    <p:sldLayoutId id="2147483654" r:id="rId6"/>
+    <p:sldLayoutId id="2147483655" r:id="rId7"/>
+    <p:sldLayoutId id="2147483656" r:id="rId8"/>
+    <p:sldLayoutId id="2147483657" r:id="rId9"/>
+    <p:sldLayoutId id="2147483658" r:id="rId10"/>
+    <p:sldLayoutId id="2147483659" r:id="rId11"/>
   </p:sldLayoutIdLst>
   <p:hf hdr="0" ftr="0" dt="0"/>
   <p:txStyles>
@@ -8617,8 +7742,8 @@
           <a:solidFill>
             <a:schemeClr val="tx1"/>
           </a:solidFill>
-          <a:latin typeface="Calibri" pitchFamily="34" charset="0"/>
-          <a:ea typeface="宋体" charset="-122"/>
+          <a:latin typeface="Calibri" panose="020F0502020204030204" pitchFamily="34" charset="0"/>
+          <a:ea typeface="宋体" panose="02010600030101010101" pitchFamily="2" charset="-122"/>
         </a:defRPr>
       </a:lvl2pPr>
       <a:lvl3pPr algn="ctr" rtl="0" eaLnBrk="0" fontAlgn="base" hangingPunct="0">
@@ -8632,8 +7757,8 @@
           <a:solidFill>
             <a:schemeClr val="tx1"/>
           </a:solidFill>
-          <a:latin typeface="Calibri" pitchFamily="34" charset="0"/>
-          <a:ea typeface="宋体" charset="-122"/>
+          <a:latin typeface="Calibri" panose="020F0502020204030204" pitchFamily="34" charset="0"/>
+          <a:ea typeface="宋体" panose="02010600030101010101" pitchFamily="2" charset="-122"/>
         </a:defRPr>
       </a:lvl3pPr>
       <a:lvl4pPr algn="ctr" rtl="0" eaLnBrk="0" fontAlgn="base" hangingPunct="0">
@@ -8647,8 +7772,8 @@
           <a:solidFill>
             <a:schemeClr val="tx1"/>
           </a:solidFill>
-          <a:latin typeface="Calibri" pitchFamily="34" charset="0"/>
-          <a:ea typeface="宋体" charset="-122"/>
+          <a:latin typeface="Calibri" panose="020F0502020204030204" pitchFamily="34" charset="0"/>
+          <a:ea typeface="宋体" panose="02010600030101010101" pitchFamily="2" charset="-122"/>
         </a:defRPr>
       </a:lvl4pPr>
       <a:lvl5pPr algn="ctr" rtl="0" eaLnBrk="0" fontAlgn="base" hangingPunct="0">
@@ -8662,11 +7787,11 @@
           <a:solidFill>
             <a:schemeClr val="tx1"/>
           </a:solidFill>
-          <a:latin typeface="Calibri" pitchFamily="34" charset="0"/>
-          <a:ea typeface="宋体" charset="-122"/>
+          <a:latin typeface="Calibri" panose="020F0502020204030204" pitchFamily="34" charset="0"/>
+          <a:ea typeface="宋体" panose="02010600030101010101" pitchFamily="2" charset="-122"/>
         </a:defRPr>
       </a:lvl5pPr>
-      <a:lvl6pPr marL="457182" algn="ctr" rtl="0" fontAlgn="base">
+      <a:lvl6pPr marL="457200" algn="ctr" rtl="0" fontAlgn="base">
         <a:spcBef>
           <a:spcPct val="0"/>
         </a:spcBef>
@@ -8677,11 +7802,11 @@
           <a:solidFill>
             <a:schemeClr val="tx1"/>
           </a:solidFill>
-          <a:latin typeface="Calibri" pitchFamily="34" charset="0"/>
-          <a:ea typeface="宋体" charset="-122"/>
+          <a:latin typeface="Calibri" panose="020F0502020204030204" pitchFamily="34" charset="0"/>
+          <a:ea typeface="宋体" panose="02010600030101010101" pitchFamily="2" charset="-122"/>
         </a:defRPr>
       </a:lvl6pPr>
-      <a:lvl7pPr marL="914362" algn="ctr" rtl="0" fontAlgn="base">
+      <a:lvl7pPr marL="914400" algn="ctr" rtl="0" fontAlgn="base">
         <a:spcBef>
           <a:spcPct val="0"/>
         </a:spcBef>
@@ -8692,11 +7817,11 @@
           <a:solidFill>
             <a:schemeClr val="tx1"/>
           </a:solidFill>
-          <a:latin typeface="Calibri" pitchFamily="34" charset="0"/>
-          <a:ea typeface="宋体" charset="-122"/>
+          <a:latin typeface="Calibri" panose="020F0502020204030204" pitchFamily="34" charset="0"/>
+          <a:ea typeface="宋体" panose="02010600030101010101" pitchFamily="2" charset="-122"/>
         </a:defRPr>
       </a:lvl7pPr>
-      <a:lvl8pPr marL="1371544" algn="ctr" rtl="0" fontAlgn="base">
+      <a:lvl8pPr marL="1371600" algn="ctr" rtl="0" fontAlgn="base">
         <a:spcBef>
           <a:spcPct val="0"/>
         </a:spcBef>
@@ -8707,11 +7832,11 @@
           <a:solidFill>
             <a:schemeClr val="tx1"/>
           </a:solidFill>
-          <a:latin typeface="Calibri" pitchFamily="34" charset="0"/>
-          <a:ea typeface="宋体" charset="-122"/>
+          <a:latin typeface="Calibri" panose="020F0502020204030204" pitchFamily="34" charset="0"/>
+          <a:ea typeface="宋体" panose="02010600030101010101" pitchFamily="2" charset="-122"/>
         </a:defRPr>
       </a:lvl8pPr>
-      <a:lvl9pPr marL="1828725" algn="ctr" rtl="0" fontAlgn="base">
+      <a:lvl9pPr marL="1828800" algn="ctr" rtl="0" fontAlgn="base">
         <a:spcBef>
           <a:spcPct val="0"/>
         </a:spcBef>
@@ -8722,13 +7847,13 @@
           <a:solidFill>
             <a:schemeClr val="tx1"/>
           </a:solidFill>
-          <a:latin typeface="Calibri" pitchFamily="34" charset="0"/>
-          <a:ea typeface="宋体" charset="-122"/>
+          <a:latin typeface="Calibri" panose="020F0502020204030204" pitchFamily="34" charset="0"/>
+          <a:ea typeface="宋体" panose="02010600030101010101" pitchFamily="2" charset="-122"/>
         </a:defRPr>
       </a:lvl9pPr>
     </p:titleStyle>
     <p:bodyStyle>
-      <a:lvl1pPr marL="342886" indent="-342886" algn="l" rtl="0" eaLnBrk="0" fontAlgn="base" hangingPunct="0">
+      <a:lvl1pPr marL="342900" indent="-342900" algn="l" rtl="0" eaLnBrk="0" fontAlgn="base" hangingPunct="0">
         <a:spcBef>
           <a:spcPct val="20000"/>
         </a:spcBef>
@@ -8746,7 +7871,7 @@
           <a:cs typeface="+mn-cs"/>
         </a:defRPr>
       </a:lvl1pPr>
-      <a:lvl2pPr marL="742920" indent="-285738" algn="l" rtl="0" eaLnBrk="0" fontAlgn="base" hangingPunct="0">
+      <a:lvl2pPr marL="742950" indent="-285750" algn="l" rtl="0" eaLnBrk="0" fontAlgn="base" hangingPunct="0">
         <a:spcBef>
           <a:spcPct val="20000"/>
         </a:spcBef>
@@ -8764,7 +7889,7 @@
           <a:cs typeface="+mn-cs"/>
         </a:defRPr>
       </a:lvl2pPr>
-      <a:lvl3pPr marL="1142953" indent="-228591" algn="l" rtl="0" eaLnBrk="0" fontAlgn="base" hangingPunct="0">
+      <a:lvl3pPr marL="1143000" indent="-228600" algn="l" rtl="0" eaLnBrk="0" fontAlgn="base" hangingPunct="0">
         <a:spcBef>
           <a:spcPct val="20000"/>
         </a:spcBef>
@@ -8782,7 +7907,7 @@
           <a:cs typeface="+mn-cs"/>
         </a:defRPr>
       </a:lvl3pPr>
-      <a:lvl4pPr marL="1600135" indent="-228591" algn="l" rtl="0" eaLnBrk="0" fontAlgn="base" hangingPunct="0">
+      <a:lvl4pPr marL="1600200" indent="-228600" algn="l" rtl="0" eaLnBrk="0" fontAlgn="base" hangingPunct="0">
         <a:spcBef>
           <a:spcPct val="20000"/>
         </a:spcBef>
@@ -8800,7 +7925,7 @@
           <a:cs typeface="+mn-cs"/>
         </a:defRPr>
       </a:lvl4pPr>
-      <a:lvl5pPr marL="2057315" indent="-228591" algn="l" rtl="0" eaLnBrk="0" fontAlgn="base" hangingPunct="0">
+      <a:lvl5pPr marL="2057400" indent="-228600" algn="l" rtl="0" eaLnBrk="0" fontAlgn="base" hangingPunct="0">
         <a:spcBef>
           <a:spcPct val="20000"/>
         </a:spcBef>
@@ -8818,11 +7943,11 @@
           <a:cs typeface="+mn-cs"/>
         </a:defRPr>
       </a:lvl5pPr>
-      <a:lvl6pPr marL="2514497" indent="-228591" algn="l" defTabSz="914362" rtl="0" eaLnBrk="1" latinLnBrk="0" hangingPunct="1">
+      <a:lvl6pPr marL="2514600" indent="-228600" algn="l" defTabSz="914400" rtl="0" eaLnBrk="1" latinLnBrk="0" hangingPunct="1">
         <a:spcBef>
           <a:spcPct val="20000"/>
         </a:spcBef>
-        <a:buFont typeface="Arial" pitchFamily="34" charset="0"/>
+        <a:buFont typeface="Arial" panose="020B0604020202020204" pitchFamily="34" charset="0"/>
         <a:buChar char="•"/>
         <a:defRPr sz="2000" kern="1200">
           <a:solidFill>
@@ -8833,11 +7958,11 @@
           <a:cs typeface="+mn-cs"/>
         </a:defRPr>
       </a:lvl6pPr>
-      <a:lvl7pPr marL="2971678" indent="-228591" algn="l" defTabSz="914362" rtl="0" eaLnBrk="1" latinLnBrk="0" hangingPunct="1">
+      <a:lvl7pPr marL="2971800" indent="-228600" algn="l" defTabSz="914400" rtl="0" eaLnBrk="1" latinLnBrk="0" hangingPunct="1">
         <a:spcBef>
           <a:spcPct val="20000"/>
         </a:spcBef>
-        <a:buFont typeface="Arial" pitchFamily="34" charset="0"/>
+        <a:buFont typeface="Arial" panose="020B0604020202020204" pitchFamily="34" charset="0"/>
         <a:buChar char="•"/>
         <a:defRPr sz="2000" kern="1200">
           <a:solidFill>
@@ -8848,11 +7973,11 @@
           <a:cs typeface="+mn-cs"/>
         </a:defRPr>
       </a:lvl7pPr>
-      <a:lvl8pPr marL="3428859" indent="-228591" algn="l" defTabSz="914362" rtl="0" eaLnBrk="1" latinLnBrk="0" hangingPunct="1">
+      <a:lvl8pPr marL="3429000" indent="-228600" algn="l" defTabSz="914400" rtl="0" eaLnBrk="1" latinLnBrk="0" hangingPunct="1">
         <a:spcBef>
           <a:spcPct val="20000"/>
         </a:spcBef>
-        <a:buFont typeface="Arial" pitchFamily="34" charset="0"/>
+        <a:buFont typeface="Arial" panose="020B0604020202020204" pitchFamily="34" charset="0"/>
         <a:buChar char="•"/>
         <a:defRPr sz="2000" kern="1200">
           <a:solidFill>
@@ -8863,11 +7988,11 @@
           <a:cs typeface="+mn-cs"/>
         </a:defRPr>
       </a:lvl8pPr>
-      <a:lvl9pPr marL="3886041" indent="-228591" algn="l" defTabSz="914362" rtl="0" eaLnBrk="1" latinLnBrk="0" hangingPunct="1">
+      <a:lvl9pPr marL="3886200" indent="-228600" algn="l" defTabSz="914400" rtl="0" eaLnBrk="1" latinLnBrk="0" hangingPunct="1">
         <a:spcBef>
           <a:spcPct val="20000"/>
         </a:spcBef>
-        <a:buFont typeface="Arial" pitchFamily="34" charset="0"/>
+        <a:buFont typeface="Arial" panose="020B0604020202020204" pitchFamily="34" charset="0"/>
         <a:buChar char="•"/>
         <a:defRPr sz="2000" kern="1200">
           <a:solidFill>
@@ -8883,7 +8008,7 @@
       <a:defPPr>
         <a:defRPr lang="zh-CN"/>
       </a:defPPr>
-      <a:lvl1pPr marL="0" algn="l" defTabSz="914362" rtl="0" eaLnBrk="1" latinLnBrk="0" hangingPunct="1">
+      <a:lvl1pPr marL="0" algn="l" defTabSz="914400" rtl="0" eaLnBrk="1" latinLnBrk="0" hangingPunct="1">
         <a:defRPr sz="1800" kern="1200">
           <a:solidFill>
             <a:schemeClr val="tx1"/>
@@ -8893,7 +8018,7 @@
           <a:cs typeface="+mn-cs"/>
         </a:defRPr>
       </a:lvl1pPr>
-      <a:lvl2pPr marL="457182" algn="l" defTabSz="914362" rtl="0" eaLnBrk="1" latinLnBrk="0" hangingPunct="1">
+      <a:lvl2pPr marL="457200" algn="l" defTabSz="914400" rtl="0" eaLnBrk="1" latinLnBrk="0" hangingPunct="1">
         <a:defRPr sz="1800" kern="1200">
           <a:solidFill>
             <a:schemeClr val="tx1"/>
@@ -8903,7 +8028,7 @@
           <a:cs typeface="+mn-cs"/>
         </a:defRPr>
       </a:lvl2pPr>
-      <a:lvl3pPr marL="914362" algn="l" defTabSz="914362" rtl="0" eaLnBrk="1" latinLnBrk="0" hangingPunct="1">
+      <a:lvl3pPr marL="914400" algn="l" defTabSz="914400" rtl="0" eaLnBrk="1" latinLnBrk="0" hangingPunct="1">
         <a:defRPr sz="1800" kern="1200">
           <a:solidFill>
             <a:schemeClr val="tx1"/>
@@ -8913,7 +8038,7 @@
           <a:cs typeface="+mn-cs"/>
         </a:defRPr>
       </a:lvl3pPr>
-      <a:lvl4pPr marL="1371544" algn="l" defTabSz="914362" rtl="0" eaLnBrk="1" latinLnBrk="0" hangingPunct="1">
+      <a:lvl4pPr marL="1371600" algn="l" defTabSz="914400" rtl="0" eaLnBrk="1" latinLnBrk="0" hangingPunct="1">
         <a:defRPr sz="1800" kern="1200">
           <a:solidFill>
             <a:schemeClr val="tx1"/>
@@ -8923,7 +8048,7 @@
           <a:cs typeface="+mn-cs"/>
         </a:defRPr>
       </a:lvl4pPr>
-      <a:lvl5pPr marL="1828725" algn="l" defTabSz="914362" rtl="0" eaLnBrk="1" latinLnBrk="0" hangingPunct="1">
+      <a:lvl5pPr marL="1828800" algn="l" defTabSz="914400" rtl="0" eaLnBrk="1" latinLnBrk="0" hangingPunct="1">
         <a:defRPr sz="1800" kern="1200">
           <a:solidFill>
             <a:schemeClr val="tx1"/>
@@ -8933,7 +8058,7 @@
           <a:cs typeface="+mn-cs"/>
         </a:defRPr>
       </a:lvl5pPr>
-      <a:lvl6pPr marL="2285906" algn="l" defTabSz="914362" rtl="0" eaLnBrk="1" latinLnBrk="0" hangingPunct="1">
+      <a:lvl6pPr marL="2286000" algn="l" defTabSz="914400" rtl="0" eaLnBrk="1" latinLnBrk="0" hangingPunct="1">
         <a:defRPr sz="1800" kern="1200">
           <a:solidFill>
             <a:schemeClr val="tx1"/>
@@ -8943,7 +8068,7 @@
           <a:cs typeface="+mn-cs"/>
         </a:defRPr>
       </a:lvl6pPr>
-      <a:lvl7pPr marL="2743088" algn="l" defTabSz="914362" rtl="0" eaLnBrk="1" latinLnBrk="0" hangingPunct="1">
+      <a:lvl7pPr marL="2743200" algn="l" defTabSz="914400" rtl="0" eaLnBrk="1" latinLnBrk="0" hangingPunct="1">
         <a:defRPr sz="1800" kern="1200">
           <a:solidFill>
             <a:schemeClr val="tx1"/>
@@ -8953,7 +8078,7 @@
           <a:cs typeface="+mn-cs"/>
         </a:defRPr>
       </a:lvl7pPr>
-      <a:lvl8pPr marL="3200268" algn="l" defTabSz="914362" rtl="0" eaLnBrk="1" latinLnBrk="0" hangingPunct="1">
+      <a:lvl8pPr marL="3200400" algn="l" defTabSz="914400" rtl="0" eaLnBrk="1" latinLnBrk="0" hangingPunct="1">
         <a:defRPr sz="1800" kern="1200">
           <a:solidFill>
             <a:schemeClr val="tx1"/>
@@ -8963,7 +8088,7 @@
           <a:cs typeface="+mn-cs"/>
         </a:defRPr>
       </a:lvl8pPr>
-      <a:lvl9pPr marL="3657450" algn="l" defTabSz="914362" rtl="0" eaLnBrk="1" latinLnBrk="0" hangingPunct="1">
+      <a:lvl9pPr marL="3657600" algn="l" defTabSz="914400" rtl="0" eaLnBrk="1" latinLnBrk="0" hangingPunct="1">
         <a:defRPr sz="1800" kern="1200">
           <a:solidFill>
             <a:schemeClr val="tx1"/>
@@ -8984,7 +8109,7 @@
     <p:bg>
       <p:bgPr>
         <a:blipFill dpi="0" rotWithShape="0">
-          <a:blip r:embed="rId2" cstate="print"/>
+          <a:blip r:embed="rId1" cstate="print"/>
           <a:srcRect/>
           <a:stretch>
             <a:fillRect/>
@@ -9027,25 +8152,6 @@
           <a:ln>
             <a:noFill/>
           </a:ln>
-          <a:extLst>
-            <a:ext uri="{909E8E84-426E-40dd-AFC4-6F175D3DCCD1}">
-              <a14:hiddenFill xmlns:a14="http://schemas.microsoft.com/office/drawing/2010/main" xmlns="">
-                <a:solidFill>
-                  <a:srgbClr val="FFFFFF"/>
-                </a:solidFill>
-              </a14:hiddenFill>
-            </a:ext>
-            <a:ext uri="{91240B29-F687-4f45-9708-019B960494DF}">
-              <a14:hiddenLine xmlns:a14="http://schemas.microsoft.com/office/drawing/2010/main" xmlns="" w="9525">
-                <a:solidFill>
-                  <a:srgbClr val="000000"/>
-                </a:solidFill>
-                <a:miter lim="800000"/>
-                <a:headEnd/>
-                <a:tailEnd/>
-              </a14:hiddenLine>
-            </a:ext>
-          </a:extLst>
         </p:spPr>
         <p:txBody>
           <a:bodyPr lIns="91436" tIns="45718" rIns="91436" bIns="45718" anchor="ctr">
@@ -9057,8 +8163,8 @@
                 <a:solidFill>
                   <a:schemeClr val="tx1"/>
                 </a:solidFill>
-                <a:latin typeface="Calibri" pitchFamily="34" charset="0"/>
-                <a:ea typeface="宋体" charset="-122"/>
+                <a:latin typeface="Calibri" panose="020F0502020204030204" pitchFamily="34" charset="0"/>
+                <a:ea typeface="宋体" panose="02010600030101010101" pitchFamily="2" charset="-122"/>
               </a:defRPr>
             </a:lvl1pPr>
             <a:lvl2pPr marL="742950" indent="-285750" eaLnBrk="0" hangingPunct="0">
@@ -9066,8 +8172,8 @@
                 <a:solidFill>
                   <a:schemeClr val="tx1"/>
                 </a:solidFill>
-                <a:latin typeface="Calibri" pitchFamily="34" charset="0"/>
-                <a:ea typeface="宋体" charset="-122"/>
+                <a:latin typeface="Calibri" panose="020F0502020204030204" pitchFamily="34" charset="0"/>
+                <a:ea typeface="宋体" panose="02010600030101010101" pitchFamily="2" charset="-122"/>
               </a:defRPr>
             </a:lvl2pPr>
             <a:lvl3pPr marL="1143000" indent="-228600" eaLnBrk="0" hangingPunct="0">
@@ -9075,8 +8181,8 @@
                 <a:solidFill>
                   <a:schemeClr val="tx1"/>
                 </a:solidFill>
-                <a:latin typeface="Calibri" pitchFamily="34" charset="0"/>
-                <a:ea typeface="宋体" charset="-122"/>
+                <a:latin typeface="Calibri" panose="020F0502020204030204" pitchFamily="34" charset="0"/>
+                <a:ea typeface="宋体" panose="02010600030101010101" pitchFamily="2" charset="-122"/>
               </a:defRPr>
             </a:lvl3pPr>
             <a:lvl4pPr marL="1600200" indent="-228600" eaLnBrk="0" hangingPunct="0">
@@ -9084,8 +8190,8 @@
                 <a:solidFill>
                   <a:schemeClr val="tx1"/>
                 </a:solidFill>
-                <a:latin typeface="Calibri" pitchFamily="34" charset="0"/>
-                <a:ea typeface="宋体" charset="-122"/>
+                <a:latin typeface="Calibri" panose="020F0502020204030204" pitchFamily="34" charset="0"/>
+                <a:ea typeface="宋体" panose="02010600030101010101" pitchFamily="2" charset="-122"/>
               </a:defRPr>
             </a:lvl4pPr>
             <a:lvl5pPr marL="2057400" indent="-228600" eaLnBrk="0" hangingPunct="0">
@@ -9093,8 +8199,8 @@
                 <a:solidFill>
                   <a:schemeClr val="tx1"/>
                 </a:solidFill>
-                <a:latin typeface="Calibri" pitchFamily="34" charset="0"/>
-                <a:ea typeface="宋体" charset="-122"/>
+                <a:latin typeface="Calibri" panose="020F0502020204030204" pitchFamily="34" charset="0"/>
+                <a:ea typeface="宋体" panose="02010600030101010101" pitchFamily="2" charset="-122"/>
               </a:defRPr>
             </a:lvl5pPr>
             <a:lvl6pPr marL="2514600" indent="-228600" eaLnBrk="0" fontAlgn="base" hangingPunct="0">
@@ -9108,8 +8214,8 @@
                 <a:solidFill>
                   <a:schemeClr val="tx1"/>
                 </a:solidFill>
-                <a:latin typeface="Calibri" pitchFamily="34" charset="0"/>
-                <a:ea typeface="宋体" charset="-122"/>
+                <a:latin typeface="Calibri" panose="020F0502020204030204" pitchFamily="34" charset="0"/>
+                <a:ea typeface="宋体" panose="02010600030101010101" pitchFamily="2" charset="-122"/>
               </a:defRPr>
             </a:lvl6pPr>
             <a:lvl7pPr marL="2971800" indent="-228600" eaLnBrk="0" fontAlgn="base" hangingPunct="0">
@@ -9123,8 +8229,8 @@
                 <a:solidFill>
                   <a:schemeClr val="tx1"/>
                 </a:solidFill>
-                <a:latin typeface="Calibri" pitchFamily="34" charset="0"/>
-                <a:ea typeface="宋体" charset="-122"/>
+                <a:latin typeface="Calibri" panose="020F0502020204030204" pitchFamily="34" charset="0"/>
+                <a:ea typeface="宋体" panose="02010600030101010101" pitchFamily="2" charset="-122"/>
               </a:defRPr>
             </a:lvl7pPr>
             <a:lvl8pPr marL="3429000" indent="-228600" eaLnBrk="0" fontAlgn="base" hangingPunct="0">
@@ -9138,8 +8244,8 @@
                 <a:solidFill>
                   <a:schemeClr val="tx1"/>
                 </a:solidFill>
-                <a:latin typeface="Calibri" pitchFamily="34" charset="0"/>
-                <a:ea typeface="宋体" charset="-122"/>
+                <a:latin typeface="Calibri" panose="020F0502020204030204" pitchFamily="34" charset="0"/>
+                <a:ea typeface="宋体" panose="02010600030101010101" pitchFamily="2" charset="-122"/>
               </a:defRPr>
             </a:lvl8pPr>
             <a:lvl9pPr marL="3886200" indent="-228600" eaLnBrk="0" fontAlgn="base" hangingPunct="0">
@@ -9153,8 +8259,8 @@
                 <a:solidFill>
                   <a:schemeClr val="tx1"/>
                 </a:solidFill>
-                <a:latin typeface="Calibri" pitchFamily="34" charset="0"/>
-                <a:ea typeface="宋体" charset="-122"/>
+                <a:latin typeface="Calibri" panose="020F0502020204030204" pitchFamily="34" charset="0"/>
+                <a:ea typeface="宋体" panose="02010600030101010101" pitchFamily="2" charset="-122"/>
               </a:defRPr>
             </a:lvl9pPr>
           </a:lstStyle>
@@ -9170,11 +8276,21 @@
                     <a:lumOff val="35000"/>
                   </a:schemeClr>
                 </a:solidFill>
-                <a:latin typeface="微软雅黑" pitchFamily="34" charset="-122"/>
-                <a:ea typeface="微软雅黑" pitchFamily="34" charset="-122"/>
+                <a:latin typeface="微软雅黑" panose="020B0503020204020204" pitchFamily="34" charset="-122"/>
+                <a:ea typeface="微软雅黑" panose="020B0503020204020204" pitchFamily="34" charset="-122"/>
               </a:rPr>
               <a:t>陈志广</a:t>
             </a:r>
+            <a:endParaRPr lang="zh-CN" altLang="en-US" sz="2800" b="1" dirty="0">
+              <a:solidFill>
+                <a:schemeClr val="tx1">
+                  <a:lumMod val="65000"/>
+                  <a:lumOff val="35000"/>
+                </a:schemeClr>
+              </a:solidFill>
+              <a:latin typeface="微软雅黑" panose="020B0503020204020204" pitchFamily="34" charset="-122"/>
+              <a:ea typeface="微软雅黑" panose="020B0503020204020204" pitchFamily="34" charset="-122"/>
+            </a:endParaRPr>
           </a:p>
         </p:txBody>
       </p:sp>
@@ -9198,25 +8314,6 @@
           <a:ln>
             <a:noFill/>
           </a:ln>
-          <a:extLst>
-            <a:ext uri="{909E8E84-426E-40dd-AFC4-6F175D3DCCD1}">
-              <a14:hiddenFill xmlns:a14="http://schemas.microsoft.com/office/drawing/2010/main" xmlns="">
-                <a:solidFill>
-                  <a:srgbClr val="FFFFFF"/>
-                </a:solidFill>
-              </a14:hiddenFill>
-            </a:ext>
-            <a:ext uri="{91240B29-F687-4f45-9708-019B960494DF}">
-              <a14:hiddenLine xmlns:a14="http://schemas.microsoft.com/office/drawing/2010/main" xmlns="" w="9525">
-                <a:solidFill>
-                  <a:srgbClr val="000000"/>
-                </a:solidFill>
-                <a:miter lim="800000"/>
-                <a:headEnd/>
-                <a:tailEnd/>
-              </a14:hiddenLine>
-            </a:ext>
-          </a:extLst>
         </p:spPr>
         <p:txBody>
           <a:bodyPr lIns="91436" tIns="45718" rIns="91436" bIns="45718" anchor="ctr">
@@ -9228,8 +8325,8 @@
                 <a:solidFill>
                   <a:schemeClr val="tx1"/>
                 </a:solidFill>
-                <a:latin typeface="Calibri" pitchFamily="34" charset="0"/>
-                <a:ea typeface="宋体" charset="-122"/>
+                <a:latin typeface="Calibri" panose="020F0502020204030204" pitchFamily="34" charset="0"/>
+                <a:ea typeface="宋体" panose="02010600030101010101" pitchFamily="2" charset="-122"/>
               </a:defRPr>
             </a:lvl1pPr>
             <a:lvl2pPr marL="742950" indent="-285750" eaLnBrk="0" hangingPunct="0">
@@ -9237,8 +8334,8 @@
                 <a:solidFill>
                   <a:schemeClr val="tx1"/>
                 </a:solidFill>
-                <a:latin typeface="Calibri" pitchFamily="34" charset="0"/>
-                <a:ea typeface="宋体" charset="-122"/>
+                <a:latin typeface="Calibri" panose="020F0502020204030204" pitchFamily="34" charset="0"/>
+                <a:ea typeface="宋体" panose="02010600030101010101" pitchFamily="2" charset="-122"/>
               </a:defRPr>
             </a:lvl2pPr>
             <a:lvl3pPr marL="1143000" indent="-228600" eaLnBrk="0" hangingPunct="0">
@@ -9246,8 +8343,8 @@
                 <a:solidFill>
                   <a:schemeClr val="tx1"/>
                 </a:solidFill>
-                <a:latin typeface="Calibri" pitchFamily="34" charset="0"/>
-                <a:ea typeface="宋体" charset="-122"/>
+                <a:latin typeface="Calibri" panose="020F0502020204030204" pitchFamily="34" charset="0"/>
+                <a:ea typeface="宋体" panose="02010600030101010101" pitchFamily="2" charset="-122"/>
               </a:defRPr>
             </a:lvl3pPr>
             <a:lvl4pPr marL="1600200" indent="-228600" eaLnBrk="0" hangingPunct="0">
@@ -9255,8 +8352,8 @@
                 <a:solidFill>
                   <a:schemeClr val="tx1"/>
                 </a:solidFill>
-                <a:latin typeface="Calibri" pitchFamily="34" charset="0"/>
-                <a:ea typeface="宋体" charset="-122"/>
+                <a:latin typeface="Calibri" panose="020F0502020204030204" pitchFamily="34" charset="0"/>
+                <a:ea typeface="宋体" panose="02010600030101010101" pitchFamily="2" charset="-122"/>
               </a:defRPr>
             </a:lvl4pPr>
             <a:lvl5pPr marL="2057400" indent="-228600" eaLnBrk="0" hangingPunct="0">
@@ -9264,8 +8361,8 @@
                 <a:solidFill>
                   <a:schemeClr val="tx1"/>
                 </a:solidFill>
-                <a:latin typeface="Calibri" pitchFamily="34" charset="0"/>
-                <a:ea typeface="宋体" charset="-122"/>
+                <a:latin typeface="Calibri" panose="020F0502020204030204" pitchFamily="34" charset="0"/>
+                <a:ea typeface="宋体" panose="02010600030101010101" pitchFamily="2" charset="-122"/>
               </a:defRPr>
             </a:lvl5pPr>
             <a:lvl6pPr marL="2514600" indent="-228600" eaLnBrk="0" fontAlgn="base" hangingPunct="0">
@@ -9279,8 +8376,8 @@
                 <a:solidFill>
                   <a:schemeClr val="tx1"/>
                 </a:solidFill>
-                <a:latin typeface="Calibri" pitchFamily="34" charset="0"/>
-                <a:ea typeface="宋体" charset="-122"/>
+                <a:latin typeface="Calibri" panose="020F0502020204030204" pitchFamily="34" charset="0"/>
+                <a:ea typeface="宋体" panose="02010600030101010101" pitchFamily="2" charset="-122"/>
               </a:defRPr>
             </a:lvl6pPr>
             <a:lvl7pPr marL="2971800" indent="-228600" eaLnBrk="0" fontAlgn="base" hangingPunct="0">
@@ -9294,8 +8391,8 @@
                 <a:solidFill>
                   <a:schemeClr val="tx1"/>
                 </a:solidFill>
-                <a:latin typeface="Calibri" pitchFamily="34" charset="0"/>
-                <a:ea typeface="宋体" charset="-122"/>
+                <a:latin typeface="Calibri" panose="020F0502020204030204" pitchFamily="34" charset="0"/>
+                <a:ea typeface="宋体" panose="02010600030101010101" pitchFamily="2" charset="-122"/>
               </a:defRPr>
             </a:lvl7pPr>
             <a:lvl8pPr marL="3429000" indent="-228600" eaLnBrk="0" fontAlgn="base" hangingPunct="0">
@@ -9309,8 +8406,8 @@
                 <a:solidFill>
                   <a:schemeClr val="tx1"/>
                 </a:solidFill>
-                <a:latin typeface="Calibri" pitchFamily="34" charset="0"/>
-                <a:ea typeface="宋体" charset="-122"/>
+                <a:latin typeface="Calibri" panose="020F0502020204030204" pitchFamily="34" charset="0"/>
+                <a:ea typeface="宋体" panose="02010600030101010101" pitchFamily="2" charset="-122"/>
               </a:defRPr>
             </a:lvl8pPr>
             <a:lvl9pPr marL="3886200" indent="-228600" eaLnBrk="0" fontAlgn="base" hangingPunct="0">
@@ -9324,8 +8421,8 @@
                 <a:solidFill>
                   <a:schemeClr val="tx1"/>
                 </a:solidFill>
-                <a:latin typeface="Calibri" pitchFamily="34" charset="0"/>
-                <a:ea typeface="宋体" charset="-122"/>
+                <a:latin typeface="Calibri" panose="020F0502020204030204" pitchFamily="34" charset="0"/>
+                <a:ea typeface="宋体" panose="02010600030101010101" pitchFamily="2" charset="-122"/>
               </a:defRPr>
             </a:lvl9pPr>
           </a:lstStyle>
@@ -9340,8 +8437,8 @@
                     <a:lumMod val="50000"/>
                   </a:schemeClr>
                 </a:solidFill>
-                <a:latin typeface="微软雅黑" pitchFamily="34" charset="-122"/>
-                <a:ea typeface="微软雅黑" pitchFamily="34" charset="-122"/>
+                <a:latin typeface="微软雅黑" panose="020B0503020204020204" pitchFamily="34" charset="-122"/>
+                <a:ea typeface="微软雅黑" panose="020B0503020204020204" pitchFamily="34" charset="-122"/>
                 <a:cs typeface="Arial Unicode MS" pitchFamily="34" charset="-122"/>
               </a:rPr>
               <a:t>www.nscc-gz.cn</a:t>
@@ -9352,8 +8449,8 @@
                   <a:lumMod val="50000"/>
                 </a:schemeClr>
               </a:solidFill>
-              <a:latin typeface="微软雅黑" pitchFamily="34" charset="-122"/>
-              <a:ea typeface="微软雅黑" pitchFamily="34" charset="-122"/>
+              <a:latin typeface="微软雅黑" panose="020B0503020204020204" pitchFamily="34" charset="-122"/>
+              <a:ea typeface="微软雅黑" panose="020B0503020204020204" pitchFamily="34" charset="-122"/>
             </a:endParaRPr>
           </a:p>
         </p:txBody>
@@ -9367,7 +8464,7 @@
           <p:nvPr/>
         </p:nvPicPr>
         <p:blipFill>
-          <a:blip r:embed="rId3">
+          <a:blip r:embed="rId2">
             <a:extLst>
               <a:ext uri="{28A0092B-C50C-407E-A947-70E740481C1C}">
                 <a14:useLocalDpi xmlns:a14="http://schemas.microsoft.com/office/drawing/2010/main" val="0"/>
@@ -9391,25 +8488,6 @@
           <a:ln>
             <a:noFill/>
           </a:ln>
-          <a:extLst>
-            <a:ext uri="{909E8E84-426E-40dd-AFC4-6F175D3DCCD1}">
-              <a14:hiddenFill xmlns:a14="http://schemas.microsoft.com/office/drawing/2010/main" xmlns="">
-                <a:solidFill>
-                  <a:srgbClr val="FFFFFF"/>
-                </a:solidFill>
-              </a14:hiddenFill>
-            </a:ext>
-            <a:ext uri="{91240B29-F687-4f45-9708-019B960494DF}">
-              <a14:hiddenLine xmlns:a14="http://schemas.microsoft.com/office/drawing/2010/main" xmlns="" w="9525">
-                <a:solidFill>
-                  <a:srgbClr val="000000"/>
-                </a:solidFill>
-                <a:miter lim="800000"/>
-                <a:headEnd/>
-                <a:tailEnd/>
-              </a14:hiddenLine>
-            </a:ext>
-          </a:extLst>
         </p:spPr>
       </p:pic>
       <p:pic>
@@ -9421,7 +8499,7 @@
           <p:nvPr/>
         </p:nvPicPr>
         <p:blipFill>
-          <a:blip r:embed="rId4">
+          <a:blip r:embed="rId3">
             <a:extLst>
               <a:ext uri="{28A0092B-C50C-407E-A947-70E740481C1C}">
                 <a14:useLocalDpi xmlns:a14="http://schemas.microsoft.com/office/drawing/2010/main" val="0"/>
@@ -9445,25 +8523,6 @@
           <a:ln>
             <a:noFill/>
           </a:ln>
-          <a:extLst>
-            <a:ext uri="{909E8E84-426E-40dd-AFC4-6F175D3DCCD1}">
-              <a14:hiddenFill xmlns:a14="http://schemas.microsoft.com/office/drawing/2010/main" xmlns="">
-                <a:solidFill>
-                  <a:srgbClr val="FFFFFF"/>
-                </a:solidFill>
-              </a14:hiddenFill>
-            </a:ext>
-            <a:ext uri="{91240B29-F687-4f45-9708-019B960494DF}">
-              <a14:hiddenLine xmlns:a14="http://schemas.microsoft.com/office/drawing/2010/main" xmlns="" w="9525">
-                <a:solidFill>
-                  <a:srgbClr val="000000"/>
-                </a:solidFill>
-                <a:miter lim="800000"/>
-                <a:headEnd/>
-                <a:tailEnd/>
-              </a14:hiddenLine>
-            </a:ext>
-          </a:extLst>
         </p:spPr>
       </p:pic>
       <p:sp>
@@ -9505,6 +8564,15 @@
               </a:rPr>
               <a:t>13316052680</a:t>
             </a:r>
+            <a:endParaRPr lang="en-US" altLang="zh-CN" sz="2000" dirty="0">
+              <a:solidFill>
+                <a:schemeClr val="accent1">
+                  <a:lumMod val="75000"/>
+                </a:schemeClr>
+              </a:solidFill>
+              <a:latin typeface="微软雅黑" panose="020B0503020204020204" pitchFamily="34" charset="-122"/>
+              <a:ea typeface="微软雅黑" panose="020B0503020204020204" pitchFamily="34" charset="-122"/>
+            </a:endParaRPr>
           </a:p>
           <a:p>
             <a:pPr algn="ctr">
@@ -9536,6 +8604,15 @@
               </a:rPr>
               <a:t>410</a:t>
             </a:r>
+            <a:endParaRPr lang="en-US" altLang="zh-CN" sz="2000" dirty="0">
+              <a:solidFill>
+                <a:schemeClr val="accent1">
+                  <a:lumMod val="75000"/>
+                </a:schemeClr>
+              </a:solidFill>
+              <a:latin typeface="微软雅黑" panose="020B0503020204020204" pitchFamily="34" charset="-122"/>
+              <a:ea typeface="微软雅黑" panose="020B0503020204020204" pitchFamily="34" charset="-122"/>
+            </a:endParaRPr>
           </a:p>
           <a:p>
             <a:pPr algn="ctr">
@@ -9552,7 +8629,7 @@
                 </a:solidFill>
                 <a:latin typeface="微软雅黑" panose="020B0503020204020204" pitchFamily="34" charset="-122"/>
                 <a:ea typeface="微软雅黑" panose="020B0503020204020204" pitchFamily="34" charset="-122"/>
-                <a:hlinkClick r:id="rId5"/>
+                <a:hlinkClick r:id="rId4"/>
               </a:rPr>
               <a:t>Zhiguang.chen@nscc-gz.cn</a:t>
             </a:r>
@@ -9570,13 +8647,7 @@
       </p:sp>
       <p:sp>
         <p:nvSpPr>
-          <p:cNvPr id="8" name="TextBox 2">
-            <a:extLst>
-              <a:ext uri="{FF2B5EF4-FFF2-40B4-BE49-F238E27FC236}">
-                <a16:creationId xmlns:a16="http://schemas.microsoft.com/office/drawing/2014/main" id="{E103ED0A-B145-4B88-99D4-2A1FBD48D83D}"/>
-              </a:ext>
-            </a:extLst>
-          </p:cNvPr>
+          <p:cNvPr id="8" name="TextBox 2"/>
           <p:cNvSpPr txBox="1">
             <a:spLocks noChangeArrowheads="1"/>
           </p:cNvSpPr>
@@ -9594,25 +8665,6 @@
           <a:ln>
             <a:noFill/>
           </a:ln>
-          <a:extLst>
-            <a:ext uri="{909E8E84-426E-40dd-AFC4-6F175D3DCCD1}">
-              <a14:hiddenFill xmlns="" xmlns:a14="http://schemas.microsoft.com/office/drawing/2010/main">
-                <a:solidFill>
-                  <a:srgbClr val="FFFFFF"/>
-                </a:solidFill>
-              </a14:hiddenFill>
-            </a:ext>
-            <a:ext uri="{91240B29-F687-4f45-9708-019B960494DF}">
-              <a14:hiddenLine xmlns="" xmlns:a14="http://schemas.microsoft.com/office/drawing/2010/main" w="9525">
-                <a:solidFill>
-                  <a:srgbClr val="000000"/>
-                </a:solidFill>
-                <a:miter lim="800000"/>
-                <a:headEnd/>
-                <a:tailEnd/>
-              </a14:hiddenLine>
-            </a:ext>
-          </a:extLst>
         </p:spPr>
         <p:txBody>
           <a:bodyPr wrap="square" lIns="91436" tIns="45718" rIns="91436" bIns="45718">
@@ -9799,6 +8851,13 @@
               </a:rPr>
               <a:t>讲：最大独立集与选举算法</a:t>
             </a:r>
+            <a:endParaRPr lang="zh-CN" altLang="en-US" sz="3600" b="1" dirty="0">
+              <a:solidFill>
+                <a:srgbClr val="0070C0"/>
+              </a:solidFill>
+              <a:latin typeface="微软雅黑" panose="020B0503020204020204" pitchFamily="34" charset="-122"/>
+              <a:ea typeface="微软雅黑" panose="020B0503020204020204" pitchFamily="34" charset="-122"/>
+            </a:endParaRPr>
           </a:p>
         </p:txBody>
       </p:sp>
@@ -9847,25 +8906,6 @@
           <a:ln>
             <a:noFill/>
           </a:ln>
-          <a:extLst>
-            <a:ext uri="{909E8E84-426E-40dd-AFC4-6F175D3DCCD1}">
-              <a14:hiddenFill xmlns:a14="http://schemas.microsoft.com/office/drawing/2010/main" xmlns="">
-                <a:solidFill>
-                  <a:srgbClr val="FFFFFF"/>
-                </a:solidFill>
-              </a14:hiddenFill>
-            </a:ext>
-            <a:ext uri="{91240B29-F687-4f45-9708-019B960494DF}">
-              <a14:hiddenLine xmlns:a14="http://schemas.microsoft.com/office/drawing/2010/main" xmlns="" w="9525">
-                <a:solidFill>
-                  <a:srgbClr val="000000"/>
-                </a:solidFill>
-                <a:miter lim="800000"/>
-                <a:headEnd/>
-                <a:tailEnd/>
-              </a14:hiddenLine>
-            </a:ext>
-          </a:extLst>
         </p:spPr>
         <p:txBody>
           <a:bodyPr wrap="square" lIns="91436" tIns="45718" rIns="91436" bIns="45718">
@@ -10039,6 +9079,13 @@
               </a:rPr>
               <a:t>算法</a:t>
             </a:r>
+            <a:endParaRPr lang="zh-CN" altLang="en-US" b="1" dirty="0">
+              <a:solidFill>
+                <a:srgbClr val="002060"/>
+              </a:solidFill>
+              <a:latin typeface="微软雅黑" panose="020B0503020204020204" pitchFamily="34" charset="-122"/>
+              <a:ea typeface="微软雅黑" panose="020B0503020204020204" pitchFamily="34" charset="-122"/>
+            </a:endParaRPr>
           </a:p>
         </p:txBody>
       </p:sp>
@@ -10058,25 +9105,6 @@
             <a:ext cx="2133600" cy="365125"/>
           </a:xfrm>
           <a:noFill/>
-          <a:extLst>
-            <a:ext uri="{909E8E84-426E-40dd-AFC4-6F175D3DCCD1}">
-              <a14:hiddenFill xmlns:a14="http://schemas.microsoft.com/office/drawing/2010/main" xmlns="">
-                <a:solidFill>
-                  <a:srgbClr val="FFFFFF"/>
-                </a:solidFill>
-              </a14:hiddenFill>
-            </a:ext>
-            <a:ext uri="{91240B29-F687-4f45-9708-019B960494DF}">
-              <a14:hiddenLine xmlns:a14="http://schemas.microsoft.com/office/drawing/2010/main" xmlns="" w="9525">
-                <a:solidFill>
-                  <a:srgbClr val="000000"/>
-                </a:solidFill>
-                <a:miter lim="800000"/>
-                <a:headEnd/>
-                <a:tailEnd/>
-              </a14:hiddenLine>
-            </a:ext>
-          </a:extLst>
         </p:spPr>
         <p:txBody>
           <a:bodyPr/>
@@ -10095,7 +9123,7 @@
                 <a:ea typeface="宋体" panose="02010600030101010101" pitchFamily="2" charset="-122"/>
               </a:defRPr>
             </a:lvl1pPr>
-            <a:lvl2pPr marL="742920" indent="-285738">
+            <a:lvl2pPr marL="742950" indent="-285750">
               <a:spcBef>
                 <a:spcPct val="20000"/>
               </a:spcBef>
@@ -10109,7 +9137,7 @@
                 <a:ea typeface="宋体" panose="02010600030101010101" pitchFamily="2" charset="-122"/>
               </a:defRPr>
             </a:lvl2pPr>
-            <a:lvl3pPr marL="1142953" indent="-228591">
+            <a:lvl3pPr marL="1143000" indent="-228600">
               <a:spcBef>
                 <a:spcPct val="20000"/>
               </a:spcBef>
@@ -10123,7 +9151,7 @@
                 <a:ea typeface="宋体" panose="02010600030101010101" pitchFamily="2" charset="-122"/>
               </a:defRPr>
             </a:lvl3pPr>
-            <a:lvl4pPr marL="1600135" indent="-228591">
+            <a:lvl4pPr marL="1600200" indent="-228600">
               <a:spcBef>
                 <a:spcPct val="20000"/>
               </a:spcBef>
@@ -10137,7 +9165,7 @@
                 <a:ea typeface="宋体" panose="02010600030101010101" pitchFamily="2" charset="-122"/>
               </a:defRPr>
             </a:lvl4pPr>
-            <a:lvl5pPr marL="2057315" indent="-228591">
+            <a:lvl5pPr marL="2057400" indent="-228600">
               <a:spcBef>
                 <a:spcPct val="20000"/>
               </a:spcBef>
@@ -10151,7 +9179,7 @@
                 <a:ea typeface="宋体" panose="02010600030101010101" pitchFamily="2" charset="-122"/>
               </a:defRPr>
             </a:lvl5pPr>
-            <a:lvl6pPr marL="2514497" indent="-228591" eaLnBrk="0" fontAlgn="base" hangingPunct="0">
+            <a:lvl6pPr marL="2514600" indent="-228600" eaLnBrk="0" fontAlgn="base" hangingPunct="0">
               <a:spcBef>
                 <a:spcPct val="20000"/>
               </a:spcBef>
@@ -10168,7 +9196,7 @@
                 <a:ea typeface="宋体" panose="02010600030101010101" pitchFamily="2" charset="-122"/>
               </a:defRPr>
             </a:lvl6pPr>
-            <a:lvl7pPr marL="2971678" indent="-228591" eaLnBrk="0" fontAlgn="base" hangingPunct="0">
+            <a:lvl7pPr marL="2971800" indent="-228600" eaLnBrk="0" fontAlgn="base" hangingPunct="0">
               <a:spcBef>
                 <a:spcPct val="20000"/>
               </a:spcBef>
@@ -10185,7 +9213,7 @@
                 <a:ea typeface="宋体" panose="02010600030101010101" pitchFamily="2" charset="-122"/>
               </a:defRPr>
             </a:lvl7pPr>
-            <a:lvl8pPr marL="3428859" indent="-228591" eaLnBrk="0" fontAlgn="base" hangingPunct="0">
+            <a:lvl8pPr marL="3429000" indent="-228600" eaLnBrk="0" fontAlgn="base" hangingPunct="0">
               <a:spcBef>
                 <a:spcPct val="20000"/>
               </a:spcBef>
@@ -10202,7 +9230,7 @@
                 <a:ea typeface="宋体" panose="02010600030101010101" pitchFamily="2" charset="-122"/>
               </a:defRPr>
             </a:lvl8pPr>
-            <a:lvl9pPr marL="3886041" indent="-228591" eaLnBrk="0" fontAlgn="base" hangingPunct="0">
+            <a:lvl9pPr marL="3886200" indent="-228600" eaLnBrk="0" fontAlgn="base" hangingPunct="0">
               <a:spcBef>
                 <a:spcPct val="20000"/>
               </a:spcBef>
@@ -10234,14 +9262,6 @@
                   <a:srgbClr val="898989"/>
                 </a:solidFill>
               </a:rPr>
-              <a:pPr>
-                <a:spcBef>
-                  <a:spcPct val="0"/>
-                </a:spcBef>
-                <a:buFontTx/>
-                <a:buNone/>
-              </a:pPr>
-              <a:t>10</a:t>
             </a:fld>
             <a:endParaRPr lang="zh-CN" altLang="en-US" sz="1200" dirty="0">
               <a:solidFill>
@@ -10260,7 +9280,7 @@
           <p:nvPr/>
         </p:nvPicPr>
         <p:blipFill>
-          <a:blip r:embed="rId3" cstate="print">
+          <a:blip r:embed="rId1" cstate="print">
             <a:extLst>
               <a:ext uri="{28A0092B-C50C-407E-A947-70E740481C1C}">
                 <a14:useLocalDpi xmlns:a14="http://schemas.microsoft.com/office/drawing/2010/main" val="0"/>
@@ -10284,25 +9304,6 @@
           <a:ln>
             <a:noFill/>
           </a:ln>
-          <a:extLst>
-            <a:ext uri="{909E8E84-426E-40dd-AFC4-6F175D3DCCD1}">
-              <a14:hiddenFill xmlns:a14="http://schemas.microsoft.com/office/drawing/2010/main" xmlns="">
-                <a:solidFill>
-                  <a:srgbClr val="FFFFFF"/>
-                </a:solidFill>
-              </a14:hiddenFill>
-            </a:ext>
-            <a:ext uri="{91240B29-F687-4f45-9708-019B960494DF}">
-              <a14:hiddenLine xmlns:a14="http://schemas.microsoft.com/office/drawing/2010/main" xmlns="" w="9525">
-                <a:solidFill>
-                  <a:srgbClr val="000000"/>
-                </a:solidFill>
-                <a:miter lim="800000"/>
-                <a:headEnd/>
-                <a:tailEnd/>
-              </a14:hiddenLine>
-            </a:ext>
-          </a:extLst>
         </p:spPr>
       </p:pic>
       <p:sp>
@@ -10338,8 +9339,8 @@
                 <a:solidFill>
                   <a:srgbClr val="003366"/>
                 </a:solidFill>
-                <a:latin typeface="Arial"/>
-                <a:ea typeface="宋体"/>
+                <a:latin typeface="Arial" panose="020B0604020202020204"/>
+                <a:ea typeface="宋体" panose="02010600030101010101" pitchFamily="2" charset="-122"/>
               </a:rPr>
               <a:t>什么是</a:t>
             </a:r>
@@ -10348,8 +9349,8 @@
                 <a:solidFill>
                   <a:srgbClr val="003366"/>
                 </a:solidFill>
-                <a:latin typeface="Arial"/>
-                <a:ea typeface="宋体"/>
+                <a:latin typeface="Arial" panose="020B0604020202020204"/>
+                <a:ea typeface="宋体" panose="02010600030101010101" pitchFamily="2" charset="-122"/>
               </a:rPr>
               <a:t>Paxos</a:t>
             </a:r>
@@ -10358,8 +9359,8 @@
                 <a:solidFill>
                   <a:srgbClr val="003366"/>
                 </a:solidFill>
-                <a:latin typeface="Arial"/>
-                <a:ea typeface="宋体"/>
+                <a:latin typeface="Arial" panose="020B0604020202020204"/>
+                <a:ea typeface="宋体" panose="02010600030101010101" pitchFamily="2" charset="-122"/>
               </a:rPr>
               <a:t>算法</a:t>
             </a:r>
@@ -10367,8 +9368,8 @@
               <a:solidFill>
                 <a:srgbClr val="003366"/>
               </a:solidFill>
-              <a:latin typeface="Arial"/>
-              <a:ea typeface="宋体"/>
+              <a:latin typeface="Arial" panose="020B0604020202020204"/>
+              <a:ea typeface="宋体" panose="02010600030101010101" pitchFamily="2" charset="-122"/>
             </a:endParaRPr>
           </a:p>
           <a:p>
@@ -10425,8 +9426,8 @@
                 <a:solidFill>
                   <a:srgbClr val="003366"/>
                 </a:solidFill>
-                <a:latin typeface="Arial"/>
-                <a:ea typeface="宋体"/>
+                <a:latin typeface="Arial" panose="020B0604020202020204"/>
+                <a:ea typeface="宋体" panose="02010600030101010101" pitchFamily="2" charset="-122"/>
               </a:rPr>
               <a:t>应用场景</a:t>
             </a:r>
@@ -10434,8 +9435,8 @@
               <a:solidFill>
                 <a:srgbClr val="003366"/>
               </a:solidFill>
-              <a:latin typeface="Arial"/>
-              <a:ea typeface="宋体"/>
+              <a:latin typeface="Arial" panose="020B0604020202020204"/>
+              <a:ea typeface="宋体" panose="02010600030101010101" pitchFamily="2" charset="-122"/>
             </a:endParaRPr>
           </a:p>
           <a:p>
@@ -10541,11 +9542,6 @@
         </p:txBody>
       </p:sp>
     </p:spTree>
-    <p:extLst>
-      <p:ext uri="{BB962C8B-B14F-4D97-AF65-F5344CB8AC3E}">
-        <p14:creationId xmlns:p14="http://schemas.microsoft.com/office/powerpoint/2010/main" val="61627603"/>
-      </p:ext>
-    </p:extLst>
   </p:cSld>
   <p:clrMapOvr>
     <a:masterClrMapping/>
@@ -10590,25 +9586,6 @@
           <a:ln>
             <a:noFill/>
           </a:ln>
-          <a:extLst>
-            <a:ext uri="{909E8E84-426E-40dd-AFC4-6F175D3DCCD1}">
-              <a14:hiddenFill xmlns:a14="http://schemas.microsoft.com/office/drawing/2010/main" xmlns="">
-                <a:solidFill>
-                  <a:srgbClr val="FFFFFF"/>
-                </a:solidFill>
-              </a14:hiddenFill>
-            </a:ext>
-            <a:ext uri="{91240B29-F687-4f45-9708-019B960494DF}">
-              <a14:hiddenLine xmlns:a14="http://schemas.microsoft.com/office/drawing/2010/main" xmlns="" w="9525">
-                <a:solidFill>
-                  <a:srgbClr val="000000"/>
-                </a:solidFill>
-                <a:miter lim="800000"/>
-                <a:headEnd/>
-                <a:tailEnd/>
-              </a14:hiddenLine>
-            </a:ext>
-          </a:extLst>
         </p:spPr>
         <p:txBody>
           <a:bodyPr wrap="square" lIns="91436" tIns="45718" rIns="91436" bIns="45718">
@@ -10782,6 +9759,13 @@
               </a:rPr>
               <a:t>算法</a:t>
             </a:r>
+            <a:endParaRPr lang="zh-CN" altLang="en-US" b="1" dirty="0">
+              <a:solidFill>
+                <a:srgbClr val="002060"/>
+              </a:solidFill>
+              <a:latin typeface="微软雅黑" panose="020B0503020204020204" pitchFamily="34" charset="-122"/>
+              <a:ea typeface="微软雅黑" panose="020B0503020204020204" pitchFamily="34" charset="-122"/>
+            </a:endParaRPr>
           </a:p>
         </p:txBody>
       </p:sp>
@@ -10801,25 +9785,6 @@
             <a:ext cx="2133600" cy="365125"/>
           </a:xfrm>
           <a:noFill/>
-          <a:extLst>
-            <a:ext uri="{909E8E84-426E-40dd-AFC4-6F175D3DCCD1}">
-              <a14:hiddenFill xmlns:a14="http://schemas.microsoft.com/office/drawing/2010/main" xmlns="">
-                <a:solidFill>
-                  <a:srgbClr val="FFFFFF"/>
-                </a:solidFill>
-              </a14:hiddenFill>
-            </a:ext>
-            <a:ext uri="{91240B29-F687-4f45-9708-019B960494DF}">
-              <a14:hiddenLine xmlns:a14="http://schemas.microsoft.com/office/drawing/2010/main" xmlns="" w="9525">
-                <a:solidFill>
-                  <a:srgbClr val="000000"/>
-                </a:solidFill>
-                <a:miter lim="800000"/>
-                <a:headEnd/>
-                <a:tailEnd/>
-              </a14:hiddenLine>
-            </a:ext>
-          </a:extLst>
         </p:spPr>
         <p:txBody>
           <a:bodyPr/>
@@ -10838,7 +9803,7 @@
                 <a:ea typeface="宋体" panose="02010600030101010101" pitchFamily="2" charset="-122"/>
               </a:defRPr>
             </a:lvl1pPr>
-            <a:lvl2pPr marL="742920" indent="-285738">
+            <a:lvl2pPr marL="742950" indent="-285750">
               <a:spcBef>
                 <a:spcPct val="20000"/>
               </a:spcBef>
@@ -10852,7 +9817,7 @@
                 <a:ea typeface="宋体" panose="02010600030101010101" pitchFamily="2" charset="-122"/>
               </a:defRPr>
             </a:lvl2pPr>
-            <a:lvl3pPr marL="1142953" indent="-228591">
+            <a:lvl3pPr marL="1143000" indent="-228600">
               <a:spcBef>
                 <a:spcPct val="20000"/>
               </a:spcBef>
@@ -10866,7 +9831,7 @@
                 <a:ea typeface="宋体" panose="02010600030101010101" pitchFamily="2" charset="-122"/>
               </a:defRPr>
             </a:lvl3pPr>
-            <a:lvl4pPr marL="1600135" indent="-228591">
+            <a:lvl4pPr marL="1600200" indent="-228600">
               <a:spcBef>
                 <a:spcPct val="20000"/>
               </a:spcBef>
@@ -10880,7 +9845,7 @@
                 <a:ea typeface="宋体" panose="02010600030101010101" pitchFamily="2" charset="-122"/>
               </a:defRPr>
             </a:lvl4pPr>
-            <a:lvl5pPr marL="2057315" indent="-228591">
+            <a:lvl5pPr marL="2057400" indent="-228600">
               <a:spcBef>
                 <a:spcPct val="20000"/>
               </a:spcBef>
@@ -10894,7 +9859,7 @@
                 <a:ea typeface="宋体" panose="02010600030101010101" pitchFamily="2" charset="-122"/>
               </a:defRPr>
             </a:lvl5pPr>
-            <a:lvl6pPr marL="2514497" indent="-228591" eaLnBrk="0" fontAlgn="base" hangingPunct="0">
+            <a:lvl6pPr marL="2514600" indent="-228600" eaLnBrk="0" fontAlgn="base" hangingPunct="0">
               <a:spcBef>
                 <a:spcPct val="20000"/>
               </a:spcBef>
@@ -10911,7 +9876,7 @@
                 <a:ea typeface="宋体" panose="02010600030101010101" pitchFamily="2" charset="-122"/>
               </a:defRPr>
             </a:lvl6pPr>
-            <a:lvl7pPr marL="2971678" indent="-228591" eaLnBrk="0" fontAlgn="base" hangingPunct="0">
+            <a:lvl7pPr marL="2971800" indent="-228600" eaLnBrk="0" fontAlgn="base" hangingPunct="0">
               <a:spcBef>
                 <a:spcPct val="20000"/>
               </a:spcBef>
@@ -10928,7 +9893,7 @@
                 <a:ea typeface="宋体" panose="02010600030101010101" pitchFamily="2" charset="-122"/>
               </a:defRPr>
             </a:lvl7pPr>
-            <a:lvl8pPr marL="3428859" indent="-228591" eaLnBrk="0" fontAlgn="base" hangingPunct="0">
+            <a:lvl8pPr marL="3429000" indent="-228600" eaLnBrk="0" fontAlgn="base" hangingPunct="0">
               <a:spcBef>
                 <a:spcPct val="20000"/>
               </a:spcBef>
@@ -10945,7 +9910,7 @@
                 <a:ea typeface="宋体" panose="02010600030101010101" pitchFamily="2" charset="-122"/>
               </a:defRPr>
             </a:lvl8pPr>
-            <a:lvl9pPr marL="3886041" indent="-228591" eaLnBrk="0" fontAlgn="base" hangingPunct="0">
+            <a:lvl9pPr marL="3886200" indent="-228600" eaLnBrk="0" fontAlgn="base" hangingPunct="0">
               <a:spcBef>
                 <a:spcPct val="20000"/>
               </a:spcBef>
@@ -10977,14 +9942,6 @@
                   <a:srgbClr val="898989"/>
                 </a:solidFill>
               </a:rPr>
-              <a:pPr>
-                <a:spcBef>
-                  <a:spcPct val="0"/>
-                </a:spcBef>
-                <a:buFontTx/>
-                <a:buNone/>
-              </a:pPr>
-              <a:t>11</a:t>
             </a:fld>
             <a:endParaRPr lang="zh-CN" altLang="en-US" sz="1200" dirty="0">
               <a:solidFill>
@@ -11003,7 +9960,7 @@
           <p:nvPr/>
         </p:nvPicPr>
         <p:blipFill>
-          <a:blip r:embed="rId3" cstate="print">
+          <a:blip r:embed="rId1" cstate="print">
             <a:extLst>
               <a:ext uri="{28A0092B-C50C-407E-A947-70E740481C1C}">
                 <a14:useLocalDpi xmlns:a14="http://schemas.microsoft.com/office/drawing/2010/main" val="0"/>
@@ -11027,25 +9984,6 @@
           <a:ln>
             <a:noFill/>
           </a:ln>
-          <a:extLst>
-            <a:ext uri="{909E8E84-426E-40dd-AFC4-6F175D3DCCD1}">
-              <a14:hiddenFill xmlns:a14="http://schemas.microsoft.com/office/drawing/2010/main" xmlns="">
-                <a:solidFill>
-                  <a:srgbClr val="FFFFFF"/>
-                </a:solidFill>
-              </a14:hiddenFill>
-            </a:ext>
-            <a:ext uri="{91240B29-F687-4f45-9708-019B960494DF}">
-              <a14:hiddenLine xmlns:a14="http://schemas.microsoft.com/office/drawing/2010/main" xmlns="" w="9525">
-                <a:solidFill>
-                  <a:srgbClr val="000000"/>
-                </a:solidFill>
-                <a:miter lim="800000"/>
-                <a:headEnd/>
-                <a:tailEnd/>
-              </a14:hiddenLine>
-            </a:ext>
-          </a:extLst>
         </p:spPr>
       </p:pic>
       <p:sp>
@@ -11081,8 +10019,8 @@
                 <a:solidFill>
                   <a:srgbClr val="003366"/>
                 </a:solidFill>
-                <a:latin typeface="Arial"/>
-                <a:ea typeface="宋体"/>
+                <a:latin typeface="Arial" panose="020B0604020202020204"/>
+                <a:ea typeface="宋体" panose="02010600030101010101" pitchFamily="2" charset="-122"/>
               </a:rPr>
               <a:t>Paxos</a:t>
             </a:r>
@@ -11091,11 +10029,18 @@
                 <a:solidFill>
                   <a:srgbClr val="003366"/>
                 </a:solidFill>
-                <a:latin typeface="Arial"/>
-                <a:ea typeface="宋体"/>
+                <a:latin typeface="Arial" panose="020B0604020202020204"/>
+                <a:ea typeface="宋体" panose="02010600030101010101" pitchFamily="2" charset="-122"/>
               </a:rPr>
               <a:t>算法中的角色</a:t>
             </a:r>
+            <a:endParaRPr lang="zh-CN" altLang="en-US" kern="0" dirty="0">
+              <a:solidFill>
+                <a:srgbClr val="003366"/>
+              </a:solidFill>
+              <a:latin typeface="Arial" panose="020B0604020202020204"/>
+              <a:ea typeface="宋体" panose="02010600030101010101" pitchFamily="2" charset="-122"/>
+            </a:endParaRPr>
           </a:p>
           <a:p>
             <a:pPr marL="742950" lvl="1" indent="-285750" eaLnBrk="1" hangingPunct="1">
@@ -11119,6 +10064,13 @@
               </a:rPr>
               <a:t>Proposer</a:t>
             </a:r>
+            <a:endParaRPr lang="en-US" altLang="zh-CN" sz="2400" kern="0" dirty="0">
+              <a:solidFill>
+                <a:srgbClr val="003366"/>
+              </a:solidFill>
+              <a:latin typeface="仿宋" panose="02010609060101010101" pitchFamily="49" charset="-122"/>
+              <a:ea typeface="仿宋" panose="02010609060101010101" pitchFamily="49" charset="-122"/>
+            </a:endParaRPr>
           </a:p>
           <a:p>
             <a:pPr marL="1143000" lvl="2" indent="-228600" eaLnBrk="1" hangingPunct="1">
@@ -11236,6 +10188,13 @@
               </a:rPr>
               <a:t>Acceptor</a:t>
             </a:r>
+            <a:endParaRPr lang="en-US" altLang="zh-CN" sz="2400" kern="0" dirty="0">
+              <a:solidFill>
+                <a:srgbClr val="003366"/>
+              </a:solidFill>
+              <a:latin typeface="仿宋" panose="02010609060101010101" pitchFamily="49" charset="-122"/>
+              <a:ea typeface="仿宋" panose="02010609060101010101" pitchFamily="49" charset="-122"/>
+            </a:endParaRPr>
           </a:p>
           <a:p>
             <a:pPr marL="1143000" lvl="2" indent="-228600" eaLnBrk="1" hangingPunct="1">
@@ -11333,6 +10292,13 @@
               </a:rPr>
               <a:t>Learner</a:t>
             </a:r>
+            <a:endParaRPr lang="en-US" altLang="zh-CN" sz="2400" kern="0" dirty="0">
+              <a:solidFill>
+                <a:srgbClr val="003366"/>
+              </a:solidFill>
+              <a:latin typeface="仿宋" panose="02010609060101010101" pitchFamily="49" charset="-122"/>
+              <a:ea typeface="仿宋" panose="02010609060101010101" pitchFamily="49" charset="-122"/>
+            </a:endParaRPr>
           </a:p>
           <a:p>
             <a:pPr marL="1143000" lvl="2" indent="-228600" eaLnBrk="1" hangingPunct="1">
@@ -11451,11 +10417,6 @@
         </p:txBody>
       </p:sp>
     </p:spTree>
-    <p:extLst>
-      <p:ext uri="{BB962C8B-B14F-4D97-AF65-F5344CB8AC3E}">
-        <p14:creationId xmlns:p14="http://schemas.microsoft.com/office/powerpoint/2010/main" val="2394193403"/>
-      </p:ext>
-    </p:extLst>
   </p:cSld>
   <p:clrMapOvr>
     <a:masterClrMapping/>
@@ -11500,25 +10461,6 @@
           <a:ln>
             <a:noFill/>
           </a:ln>
-          <a:extLst>
-            <a:ext uri="{909E8E84-426E-40dd-AFC4-6F175D3DCCD1}">
-              <a14:hiddenFill xmlns:a14="http://schemas.microsoft.com/office/drawing/2010/main" xmlns="">
-                <a:solidFill>
-                  <a:srgbClr val="FFFFFF"/>
-                </a:solidFill>
-              </a14:hiddenFill>
-            </a:ext>
-            <a:ext uri="{91240B29-F687-4f45-9708-019B960494DF}">
-              <a14:hiddenLine xmlns:a14="http://schemas.microsoft.com/office/drawing/2010/main" xmlns="" w="9525">
-                <a:solidFill>
-                  <a:srgbClr val="000000"/>
-                </a:solidFill>
-                <a:miter lim="800000"/>
-                <a:headEnd/>
-                <a:tailEnd/>
-              </a14:hiddenLine>
-            </a:ext>
-          </a:extLst>
         </p:spPr>
         <p:txBody>
           <a:bodyPr wrap="square" lIns="91436" tIns="45718" rIns="91436" bIns="45718">
@@ -11692,6 +10634,13 @@
               </a:rPr>
               <a:t>算法的两个阶段</a:t>
             </a:r>
+            <a:endParaRPr lang="zh-CN" altLang="en-US" b="1" dirty="0">
+              <a:solidFill>
+                <a:srgbClr val="002060"/>
+              </a:solidFill>
+              <a:latin typeface="微软雅黑" panose="020B0503020204020204" pitchFamily="34" charset="-122"/>
+              <a:ea typeface="微软雅黑" panose="020B0503020204020204" pitchFamily="34" charset="-122"/>
+            </a:endParaRPr>
           </a:p>
         </p:txBody>
       </p:sp>
@@ -11711,25 +10660,6 @@
             <a:ext cx="2133600" cy="365125"/>
           </a:xfrm>
           <a:noFill/>
-          <a:extLst>
-            <a:ext uri="{909E8E84-426E-40dd-AFC4-6F175D3DCCD1}">
-              <a14:hiddenFill xmlns:a14="http://schemas.microsoft.com/office/drawing/2010/main" xmlns="">
-                <a:solidFill>
-                  <a:srgbClr val="FFFFFF"/>
-                </a:solidFill>
-              </a14:hiddenFill>
-            </a:ext>
-            <a:ext uri="{91240B29-F687-4f45-9708-019B960494DF}">
-              <a14:hiddenLine xmlns:a14="http://schemas.microsoft.com/office/drawing/2010/main" xmlns="" w="9525">
-                <a:solidFill>
-                  <a:srgbClr val="000000"/>
-                </a:solidFill>
-                <a:miter lim="800000"/>
-                <a:headEnd/>
-                <a:tailEnd/>
-              </a14:hiddenLine>
-            </a:ext>
-          </a:extLst>
         </p:spPr>
         <p:txBody>
           <a:bodyPr/>
@@ -11748,7 +10678,7 @@
                 <a:ea typeface="宋体" panose="02010600030101010101" pitchFamily="2" charset="-122"/>
               </a:defRPr>
             </a:lvl1pPr>
-            <a:lvl2pPr marL="742920" indent="-285738">
+            <a:lvl2pPr marL="742950" indent="-285750">
               <a:spcBef>
                 <a:spcPct val="20000"/>
               </a:spcBef>
@@ -11762,7 +10692,7 @@
                 <a:ea typeface="宋体" panose="02010600030101010101" pitchFamily="2" charset="-122"/>
               </a:defRPr>
             </a:lvl2pPr>
-            <a:lvl3pPr marL="1142953" indent="-228591">
+            <a:lvl3pPr marL="1143000" indent="-228600">
               <a:spcBef>
                 <a:spcPct val="20000"/>
               </a:spcBef>
@@ -11776,7 +10706,7 @@
                 <a:ea typeface="宋体" panose="02010600030101010101" pitchFamily="2" charset="-122"/>
               </a:defRPr>
             </a:lvl3pPr>
-            <a:lvl4pPr marL="1600135" indent="-228591">
+            <a:lvl4pPr marL="1600200" indent="-228600">
               <a:spcBef>
                 <a:spcPct val="20000"/>
               </a:spcBef>
@@ -11790,7 +10720,7 @@
                 <a:ea typeface="宋体" panose="02010600030101010101" pitchFamily="2" charset="-122"/>
               </a:defRPr>
             </a:lvl4pPr>
-            <a:lvl5pPr marL="2057315" indent="-228591">
+            <a:lvl5pPr marL="2057400" indent="-228600">
               <a:spcBef>
                 <a:spcPct val="20000"/>
               </a:spcBef>
@@ -11804,7 +10734,7 @@
                 <a:ea typeface="宋体" panose="02010600030101010101" pitchFamily="2" charset="-122"/>
               </a:defRPr>
             </a:lvl5pPr>
-            <a:lvl6pPr marL="2514497" indent="-228591" eaLnBrk="0" fontAlgn="base" hangingPunct="0">
+            <a:lvl6pPr marL="2514600" indent="-228600" eaLnBrk="0" fontAlgn="base" hangingPunct="0">
               <a:spcBef>
                 <a:spcPct val="20000"/>
               </a:spcBef>
@@ -11821,7 +10751,7 @@
                 <a:ea typeface="宋体" panose="02010600030101010101" pitchFamily="2" charset="-122"/>
               </a:defRPr>
             </a:lvl6pPr>
-            <a:lvl7pPr marL="2971678" indent="-228591" eaLnBrk="0" fontAlgn="base" hangingPunct="0">
+            <a:lvl7pPr marL="2971800" indent="-228600" eaLnBrk="0" fontAlgn="base" hangingPunct="0">
               <a:spcBef>
                 <a:spcPct val="20000"/>
               </a:spcBef>
@@ -11838,7 +10768,7 @@
                 <a:ea typeface="宋体" panose="02010600030101010101" pitchFamily="2" charset="-122"/>
               </a:defRPr>
             </a:lvl7pPr>
-            <a:lvl8pPr marL="3428859" indent="-228591" eaLnBrk="0" fontAlgn="base" hangingPunct="0">
+            <a:lvl8pPr marL="3429000" indent="-228600" eaLnBrk="0" fontAlgn="base" hangingPunct="0">
               <a:spcBef>
                 <a:spcPct val="20000"/>
               </a:spcBef>
@@ -11855,7 +10785,7 @@
                 <a:ea typeface="宋体" panose="02010600030101010101" pitchFamily="2" charset="-122"/>
               </a:defRPr>
             </a:lvl8pPr>
-            <a:lvl9pPr marL="3886041" indent="-228591" eaLnBrk="0" fontAlgn="base" hangingPunct="0">
+            <a:lvl9pPr marL="3886200" indent="-228600" eaLnBrk="0" fontAlgn="base" hangingPunct="0">
               <a:spcBef>
                 <a:spcPct val="20000"/>
               </a:spcBef>
@@ -11887,14 +10817,6 @@
                   <a:srgbClr val="898989"/>
                 </a:solidFill>
               </a:rPr>
-              <a:pPr>
-                <a:spcBef>
-                  <a:spcPct val="0"/>
-                </a:spcBef>
-                <a:buFontTx/>
-                <a:buNone/>
-              </a:pPr>
-              <a:t>12</a:t>
             </a:fld>
             <a:endParaRPr lang="zh-CN" altLang="en-US" sz="1200" dirty="0">
               <a:solidFill>
@@ -11913,7 +10835,7 @@
           <p:nvPr/>
         </p:nvPicPr>
         <p:blipFill>
-          <a:blip r:embed="rId3" cstate="print">
+          <a:blip r:embed="rId1" cstate="print">
             <a:extLst>
               <a:ext uri="{28A0092B-C50C-407E-A947-70E740481C1C}">
                 <a14:useLocalDpi xmlns:a14="http://schemas.microsoft.com/office/drawing/2010/main" val="0"/>
@@ -11937,25 +10859,6 @@
           <a:ln>
             <a:noFill/>
           </a:ln>
-          <a:extLst>
-            <a:ext uri="{909E8E84-426E-40dd-AFC4-6F175D3DCCD1}">
-              <a14:hiddenFill xmlns:a14="http://schemas.microsoft.com/office/drawing/2010/main" xmlns="">
-                <a:solidFill>
-                  <a:srgbClr val="FFFFFF"/>
-                </a:solidFill>
-              </a14:hiddenFill>
-            </a:ext>
-            <a:ext uri="{91240B29-F687-4f45-9708-019B960494DF}">
-              <a14:hiddenLine xmlns:a14="http://schemas.microsoft.com/office/drawing/2010/main" xmlns="" w="9525">
-                <a:solidFill>
-                  <a:srgbClr val="000000"/>
-                </a:solidFill>
-                <a:miter lim="800000"/>
-                <a:headEnd/>
-                <a:tailEnd/>
-              </a14:hiddenLine>
-            </a:ext>
-          </a:extLst>
         </p:spPr>
       </p:pic>
       <mc:AlternateContent xmlns:mc="http://schemas.openxmlformats.org/markup-compatibility/2006">
@@ -12867,8 +11770,8 @@
                 <a:off x="35496" y="764704"/>
                 <a:ext cx="9108504" cy="5884764"/>
               </a:xfrm>
-              <a:blipFill>
-                <a:blip r:embed="rId4"/>
+              <a:blipFill rotWithShape="1">
+                <a:blip r:embed="rId2"/>
                 <a:stretch>
                   <a:fillRect l="-602" t="-1346" r="-335" b="-2277"/>
                 </a:stretch>
@@ -12884,17 +11787,15 @@
                   </a:rPr>
                   <a:t> </a:t>
                 </a:r>
+                <a:endParaRPr lang="zh-CN" altLang="en-US">
+                  <a:noFill/>
+                </a:endParaRPr>
               </a:p>
             </p:txBody>
           </p:sp>
         </mc:Fallback>
       </mc:AlternateContent>
     </p:spTree>
-    <p:extLst>
-      <p:ext uri="{BB962C8B-B14F-4D97-AF65-F5344CB8AC3E}">
-        <p14:creationId xmlns:p14="http://schemas.microsoft.com/office/powerpoint/2010/main" val="3133034410"/>
-      </p:ext>
-    </p:extLst>
   </p:cSld>
   <p:clrMapOvr>
     <a:masterClrMapping/>
@@ -12939,25 +11840,6 @@
           <a:ln>
             <a:noFill/>
           </a:ln>
-          <a:extLst>
-            <a:ext uri="{909E8E84-426E-40dd-AFC4-6F175D3DCCD1}">
-              <a14:hiddenFill xmlns:a14="http://schemas.microsoft.com/office/drawing/2010/main" xmlns="">
-                <a:solidFill>
-                  <a:srgbClr val="FFFFFF"/>
-                </a:solidFill>
-              </a14:hiddenFill>
-            </a:ext>
-            <a:ext uri="{91240B29-F687-4f45-9708-019B960494DF}">
-              <a14:hiddenLine xmlns:a14="http://schemas.microsoft.com/office/drawing/2010/main" xmlns="" w="9525">
-                <a:solidFill>
-                  <a:srgbClr val="000000"/>
-                </a:solidFill>
-                <a:miter lim="800000"/>
-                <a:headEnd/>
-                <a:tailEnd/>
-              </a14:hiddenLine>
-            </a:ext>
-          </a:extLst>
         </p:spPr>
         <p:txBody>
           <a:bodyPr wrap="square" lIns="91436" tIns="45718" rIns="91436" bIns="45718">
@@ -13131,6 +12013,13 @@
               </a:rPr>
               <a:t>算法的两个阶段</a:t>
             </a:r>
+            <a:endParaRPr lang="zh-CN" altLang="en-US" b="1" dirty="0">
+              <a:solidFill>
+                <a:srgbClr val="002060"/>
+              </a:solidFill>
+              <a:latin typeface="微软雅黑" panose="020B0503020204020204" pitchFamily="34" charset="-122"/>
+              <a:ea typeface="微软雅黑" panose="020B0503020204020204" pitchFamily="34" charset="-122"/>
+            </a:endParaRPr>
           </a:p>
         </p:txBody>
       </p:sp>
@@ -13150,25 +12039,6 @@
             <a:ext cx="2133600" cy="365125"/>
           </a:xfrm>
           <a:noFill/>
-          <a:extLst>
-            <a:ext uri="{909E8E84-426E-40dd-AFC4-6F175D3DCCD1}">
-              <a14:hiddenFill xmlns:a14="http://schemas.microsoft.com/office/drawing/2010/main" xmlns="">
-                <a:solidFill>
-                  <a:srgbClr val="FFFFFF"/>
-                </a:solidFill>
-              </a14:hiddenFill>
-            </a:ext>
-            <a:ext uri="{91240B29-F687-4f45-9708-019B960494DF}">
-              <a14:hiddenLine xmlns:a14="http://schemas.microsoft.com/office/drawing/2010/main" xmlns="" w="9525">
-                <a:solidFill>
-                  <a:srgbClr val="000000"/>
-                </a:solidFill>
-                <a:miter lim="800000"/>
-                <a:headEnd/>
-                <a:tailEnd/>
-              </a14:hiddenLine>
-            </a:ext>
-          </a:extLst>
         </p:spPr>
         <p:txBody>
           <a:bodyPr/>
@@ -13187,7 +12057,7 @@
                 <a:ea typeface="宋体" panose="02010600030101010101" pitchFamily="2" charset="-122"/>
               </a:defRPr>
             </a:lvl1pPr>
-            <a:lvl2pPr marL="742920" indent="-285738">
+            <a:lvl2pPr marL="742950" indent="-285750">
               <a:spcBef>
                 <a:spcPct val="20000"/>
               </a:spcBef>
@@ -13201,7 +12071,7 @@
                 <a:ea typeface="宋体" panose="02010600030101010101" pitchFamily="2" charset="-122"/>
               </a:defRPr>
             </a:lvl2pPr>
-            <a:lvl3pPr marL="1142953" indent="-228591">
+            <a:lvl3pPr marL="1143000" indent="-228600">
               <a:spcBef>
                 <a:spcPct val="20000"/>
               </a:spcBef>
@@ -13215,7 +12085,7 @@
                 <a:ea typeface="宋体" panose="02010600030101010101" pitchFamily="2" charset="-122"/>
               </a:defRPr>
             </a:lvl3pPr>
-            <a:lvl4pPr marL="1600135" indent="-228591">
+            <a:lvl4pPr marL="1600200" indent="-228600">
               <a:spcBef>
                 <a:spcPct val="20000"/>
               </a:spcBef>
@@ -13229,7 +12099,7 @@
                 <a:ea typeface="宋体" panose="02010600030101010101" pitchFamily="2" charset="-122"/>
               </a:defRPr>
             </a:lvl4pPr>
-            <a:lvl5pPr marL="2057315" indent="-228591">
+            <a:lvl5pPr marL="2057400" indent="-228600">
               <a:spcBef>
                 <a:spcPct val="20000"/>
               </a:spcBef>
@@ -13243,7 +12113,7 @@
                 <a:ea typeface="宋体" panose="02010600030101010101" pitchFamily="2" charset="-122"/>
               </a:defRPr>
             </a:lvl5pPr>
-            <a:lvl6pPr marL="2514497" indent="-228591" eaLnBrk="0" fontAlgn="base" hangingPunct="0">
+            <a:lvl6pPr marL="2514600" indent="-228600" eaLnBrk="0" fontAlgn="base" hangingPunct="0">
               <a:spcBef>
                 <a:spcPct val="20000"/>
               </a:spcBef>
@@ -13260,7 +12130,7 @@
                 <a:ea typeface="宋体" panose="02010600030101010101" pitchFamily="2" charset="-122"/>
               </a:defRPr>
             </a:lvl6pPr>
-            <a:lvl7pPr marL="2971678" indent="-228591" eaLnBrk="0" fontAlgn="base" hangingPunct="0">
+            <a:lvl7pPr marL="2971800" indent="-228600" eaLnBrk="0" fontAlgn="base" hangingPunct="0">
               <a:spcBef>
                 <a:spcPct val="20000"/>
               </a:spcBef>
@@ -13277,7 +12147,7 @@
                 <a:ea typeface="宋体" panose="02010600030101010101" pitchFamily="2" charset="-122"/>
               </a:defRPr>
             </a:lvl7pPr>
-            <a:lvl8pPr marL="3428859" indent="-228591" eaLnBrk="0" fontAlgn="base" hangingPunct="0">
+            <a:lvl8pPr marL="3429000" indent="-228600" eaLnBrk="0" fontAlgn="base" hangingPunct="0">
               <a:spcBef>
                 <a:spcPct val="20000"/>
               </a:spcBef>
@@ -13294,7 +12164,7 @@
                 <a:ea typeface="宋体" panose="02010600030101010101" pitchFamily="2" charset="-122"/>
               </a:defRPr>
             </a:lvl8pPr>
-            <a:lvl9pPr marL="3886041" indent="-228591" eaLnBrk="0" fontAlgn="base" hangingPunct="0">
+            <a:lvl9pPr marL="3886200" indent="-228600" eaLnBrk="0" fontAlgn="base" hangingPunct="0">
               <a:spcBef>
                 <a:spcPct val="20000"/>
               </a:spcBef>
@@ -13326,14 +12196,6 @@
                   <a:srgbClr val="898989"/>
                 </a:solidFill>
               </a:rPr>
-              <a:pPr>
-                <a:spcBef>
-                  <a:spcPct val="0"/>
-                </a:spcBef>
-                <a:buFontTx/>
-                <a:buNone/>
-              </a:pPr>
-              <a:t>13</a:t>
             </a:fld>
             <a:endParaRPr lang="zh-CN" altLang="en-US" sz="1200" dirty="0">
               <a:solidFill>
@@ -13352,7 +12214,7 @@
           <p:nvPr/>
         </p:nvPicPr>
         <p:blipFill>
-          <a:blip r:embed="rId3" cstate="print">
+          <a:blip r:embed="rId1" cstate="print">
             <a:extLst>
               <a:ext uri="{28A0092B-C50C-407E-A947-70E740481C1C}">
                 <a14:useLocalDpi xmlns:a14="http://schemas.microsoft.com/office/drawing/2010/main" val="0"/>
@@ -13376,25 +12238,6 @@
           <a:ln>
             <a:noFill/>
           </a:ln>
-          <a:extLst>
-            <a:ext uri="{909E8E84-426E-40dd-AFC4-6F175D3DCCD1}">
-              <a14:hiddenFill xmlns:a14="http://schemas.microsoft.com/office/drawing/2010/main" xmlns="">
-                <a:solidFill>
-                  <a:srgbClr val="FFFFFF"/>
-                </a:solidFill>
-              </a14:hiddenFill>
-            </a:ext>
-            <a:ext uri="{91240B29-F687-4f45-9708-019B960494DF}">
-              <a14:hiddenLine xmlns:a14="http://schemas.microsoft.com/office/drawing/2010/main" xmlns="" w="9525">
-                <a:solidFill>
-                  <a:srgbClr val="000000"/>
-                </a:solidFill>
-                <a:miter lim="800000"/>
-                <a:headEnd/>
-                <a:tailEnd/>
-              </a14:hiddenLine>
-            </a:ext>
-          </a:extLst>
         </p:spPr>
       </p:pic>
       <p:sp>
@@ -13430,8 +12273,8 @@
                 <a:solidFill>
                   <a:srgbClr val="003366"/>
                 </a:solidFill>
-                <a:latin typeface="Arial"/>
-                <a:ea typeface="宋体"/>
+                <a:latin typeface="Arial" panose="020B0604020202020204"/>
+                <a:ea typeface="宋体" panose="02010600030101010101" pitchFamily="2" charset="-122"/>
               </a:rPr>
               <a:t>Acceptor</a:t>
             </a:r>
@@ -13440,11 +12283,18 @@
                 <a:solidFill>
                   <a:srgbClr val="003366"/>
                 </a:solidFill>
-                <a:latin typeface="Arial"/>
-                <a:ea typeface="宋体"/>
+                <a:latin typeface="Arial" panose="020B0604020202020204"/>
+                <a:ea typeface="宋体" panose="02010600030101010101" pitchFamily="2" charset="-122"/>
               </a:rPr>
               <a:t>接受提案阶段</a:t>
             </a:r>
+            <a:endParaRPr lang="zh-CN" altLang="en-US" kern="0" dirty="0">
+              <a:solidFill>
+                <a:srgbClr val="003366"/>
+              </a:solidFill>
+              <a:latin typeface="Arial" panose="020B0604020202020204"/>
+              <a:ea typeface="宋体" panose="02010600030101010101" pitchFamily="2" charset="-122"/>
+            </a:endParaRPr>
           </a:p>
           <a:p>
             <a:pPr marL="742950" lvl="1" indent="-285750" eaLnBrk="1" hangingPunct="1">
@@ -13635,6 +12485,13 @@
               </a:rPr>
               <a:t>集合</a:t>
             </a:r>
+            <a:endParaRPr lang="zh-CN" altLang="en-US" sz="2000" kern="0" dirty="0">
+              <a:solidFill>
+                <a:srgbClr val="003366"/>
+              </a:solidFill>
+              <a:latin typeface="仿宋" panose="02010609060101010101" pitchFamily="49" charset="-122"/>
+              <a:ea typeface="仿宋" panose="02010609060101010101" pitchFamily="49" charset="-122"/>
+            </a:endParaRPr>
           </a:p>
           <a:p>
             <a:pPr marL="742950" lvl="1" indent="-285750" eaLnBrk="1" hangingPunct="1">
@@ -13963,11 +12820,6 @@
         </p:txBody>
       </p:sp>
     </p:spTree>
-    <p:extLst>
-      <p:ext uri="{BB962C8B-B14F-4D97-AF65-F5344CB8AC3E}">
-        <p14:creationId xmlns:p14="http://schemas.microsoft.com/office/powerpoint/2010/main" val="1396421909"/>
-      </p:ext>
-    </p:extLst>
   </p:cSld>
   <p:clrMapOvr>
     <a:masterClrMapping/>
@@ -14012,25 +12864,6 @@
           <a:ln>
             <a:noFill/>
           </a:ln>
-          <a:extLst>
-            <a:ext uri="{909E8E84-426E-40dd-AFC4-6F175D3DCCD1}">
-              <a14:hiddenFill xmlns:a14="http://schemas.microsoft.com/office/drawing/2010/main" xmlns="">
-                <a:solidFill>
-                  <a:srgbClr val="FFFFFF"/>
-                </a:solidFill>
-              </a14:hiddenFill>
-            </a:ext>
-            <a:ext uri="{91240B29-F687-4f45-9708-019B960494DF}">
-              <a14:hiddenLine xmlns:a14="http://schemas.microsoft.com/office/drawing/2010/main" xmlns="" w="9525">
-                <a:solidFill>
-                  <a:srgbClr val="000000"/>
-                </a:solidFill>
-                <a:miter lim="800000"/>
-                <a:headEnd/>
-                <a:tailEnd/>
-              </a14:hiddenLine>
-            </a:ext>
-          </a:extLst>
         </p:spPr>
         <p:txBody>
           <a:bodyPr wrap="square" lIns="91436" tIns="45718" rIns="91436" bIns="45718">
@@ -14204,6 +13037,13 @@
               </a:rPr>
               <a:t>算法的伪代码</a:t>
             </a:r>
+            <a:endParaRPr lang="zh-CN" altLang="en-US" b="1" dirty="0">
+              <a:solidFill>
+                <a:srgbClr val="002060"/>
+              </a:solidFill>
+              <a:latin typeface="微软雅黑" panose="020B0503020204020204" pitchFamily="34" charset="-122"/>
+              <a:ea typeface="微软雅黑" panose="020B0503020204020204" pitchFamily="34" charset="-122"/>
+            </a:endParaRPr>
           </a:p>
         </p:txBody>
       </p:sp>
@@ -14223,25 +13063,6 @@
             <a:ext cx="2133600" cy="365125"/>
           </a:xfrm>
           <a:noFill/>
-          <a:extLst>
-            <a:ext uri="{909E8E84-426E-40dd-AFC4-6F175D3DCCD1}">
-              <a14:hiddenFill xmlns:a14="http://schemas.microsoft.com/office/drawing/2010/main" xmlns="">
-                <a:solidFill>
-                  <a:srgbClr val="FFFFFF"/>
-                </a:solidFill>
-              </a14:hiddenFill>
-            </a:ext>
-            <a:ext uri="{91240B29-F687-4f45-9708-019B960494DF}">
-              <a14:hiddenLine xmlns:a14="http://schemas.microsoft.com/office/drawing/2010/main" xmlns="" w="9525">
-                <a:solidFill>
-                  <a:srgbClr val="000000"/>
-                </a:solidFill>
-                <a:miter lim="800000"/>
-                <a:headEnd/>
-                <a:tailEnd/>
-              </a14:hiddenLine>
-            </a:ext>
-          </a:extLst>
         </p:spPr>
         <p:txBody>
           <a:bodyPr/>
@@ -14260,7 +13081,7 @@
                 <a:ea typeface="宋体" panose="02010600030101010101" pitchFamily="2" charset="-122"/>
               </a:defRPr>
             </a:lvl1pPr>
-            <a:lvl2pPr marL="742920" indent="-285738">
+            <a:lvl2pPr marL="742950" indent="-285750">
               <a:spcBef>
                 <a:spcPct val="20000"/>
               </a:spcBef>
@@ -14274,7 +13095,7 @@
                 <a:ea typeface="宋体" panose="02010600030101010101" pitchFamily="2" charset="-122"/>
               </a:defRPr>
             </a:lvl2pPr>
-            <a:lvl3pPr marL="1142953" indent="-228591">
+            <a:lvl3pPr marL="1143000" indent="-228600">
               <a:spcBef>
                 <a:spcPct val="20000"/>
               </a:spcBef>
@@ -14288,7 +13109,7 @@
                 <a:ea typeface="宋体" panose="02010600030101010101" pitchFamily="2" charset="-122"/>
               </a:defRPr>
             </a:lvl3pPr>
-            <a:lvl4pPr marL="1600135" indent="-228591">
+            <a:lvl4pPr marL="1600200" indent="-228600">
               <a:spcBef>
                 <a:spcPct val="20000"/>
               </a:spcBef>
@@ -14302,7 +13123,7 @@
                 <a:ea typeface="宋体" panose="02010600030101010101" pitchFamily="2" charset="-122"/>
               </a:defRPr>
             </a:lvl4pPr>
-            <a:lvl5pPr marL="2057315" indent="-228591">
+            <a:lvl5pPr marL="2057400" indent="-228600">
               <a:spcBef>
                 <a:spcPct val="20000"/>
               </a:spcBef>
@@ -14316,7 +13137,7 @@
                 <a:ea typeface="宋体" panose="02010600030101010101" pitchFamily="2" charset="-122"/>
               </a:defRPr>
             </a:lvl5pPr>
-            <a:lvl6pPr marL="2514497" indent="-228591" eaLnBrk="0" fontAlgn="base" hangingPunct="0">
+            <a:lvl6pPr marL="2514600" indent="-228600" eaLnBrk="0" fontAlgn="base" hangingPunct="0">
               <a:spcBef>
                 <a:spcPct val="20000"/>
               </a:spcBef>
@@ -14333,7 +13154,7 @@
                 <a:ea typeface="宋体" panose="02010600030101010101" pitchFamily="2" charset="-122"/>
               </a:defRPr>
             </a:lvl6pPr>
-            <a:lvl7pPr marL="2971678" indent="-228591" eaLnBrk="0" fontAlgn="base" hangingPunct="0">
+            <a:lvl7pPr marL="2971800" indent="-228600" eaLnBrk="0" fontAlgn="base" hangingPunct="0">
               <a:spcBef>
                 <a:spcPct val="20000"/>
               </a:spcBef>
@@ -14350,7 +13171,7 @@
                 <a:ea typeface="宋体" panose="02010600030101010101" pitchFamily="2" charset="-122"/>
               </a:defRPr>
             </a:lvl7pPr>
-            <a:lvl8pPr marL="3428859" indent="-228591" eaLnBrk="0" fontAlgn="base" hangingPunct="0">
+            <a:lvl8pPr marL="3429000" indent="-228600" eaLnBrk="0" fontAlgn="base" hangingPunct="0">
               <a:spcBef>
                 <a:spcPct val="20000"/>
               </a:spcBef>
@@ -14367,7 +13188,7 @@
                 <a:ea typeface="宋体" panose="02010600030101010101" pitchFamily="2" charset="-122"/>
               </a:defRPr>
             </a:lvl8pPr>
-            <a:lvl9pPr marL="3886041" indent="-228591" eaLnBrk="0" fontAlgn="base" hangingPunct="0">
+            <a:lvl9pPr marL="3886200" indent="-228600" eaLnBrk="0" fontAlgn="base" hangingPunct="0">
               <a:spcBef>
                 <a:spcPct val="20000"/>
               </a:spcBef>
@@ -14399,14 +13220,6 @@
                   <a:srgbClr val="898989"/>
                 </a:solidFill>
               </a:rPr>
-              <a:pPr>
-                <a:spcBef>
-                  <a:spcPct val="0"/>
-                </a:spcBef>
-                <a:buFontTx/>
-                <a:buNone/>
-              </a:pPr>
-              <a:t>14</a:t>
             </a:fld>
             <a:endParaRPr lang="zh-CN" altLang="en-US" sz="1200" dirty="0">
               <a:solidFill>
@@ -14425,7 +13238,7 @@
           <p:nvPr/>
         </p:nvPicPr>
         <p:blipFill>
-          <a:blip r:embed="rId3" cstate="print">
+          <a:blip r:embed="rId1" cstate="print">
             <a:extLst>
               <a:ext uri="{28A0092B-C50C-407E-A947-70E740481C1C}">
                 <a14:useLocalDpi xmlns:a14="http://schemas.microsoft.com/office/drawing/2010/main" val="0"/>
@@ -14449,43 +13262,18 @@
           <a:ln>
             <a:noFill/>
           </a:ln>
-          <a:extLst>
-            <a:ext uri="{909E8E84-426E-40dd-AFC4-6F175D3DCCD1}">
-              <a14:hiddenFill xmlns:a14="http://schemas.microsoft.com/office/drawing/2010/main" xmlns="">
-                <a:solidFill>
-                  <a:srgbClr val="FFFFFF"/>
-                </a:solidFill>
-              </a14:hiddenFill>
-            </a:ext>
-            <a:ext uri="{91240B29-F687-4f45-9708-019B960494DF}">
-              <a14:hiddenLine xmlns:a14="http://schemas.microsoft.com/office/drawing/2010/main" xmlns="" w="9525">
-                <a:solidFill>
-                  <a:srgbClr val="000000"/>
-                </a:solidFill>
-                <a:miter lim="800000"/>
-                <a:headEnd/>
-                <a:tailEnd/>
-              </a14:hiddenLine>
-            </a:ext>
-          </a:extLst>
         </p:spPr>
       </p:pic>
       <p:pic>
         <p:nvPicPr>
-          <p:cNvPr id="3" name="图片 2">
-            <a:extLst>
-              <a:ext uri="{FF2B5EF4-FFF2-40B4-BE49-F238E27FC236}">
-                <a16:creationId xmlns:a16="http://schemas.microsoft.com/office/drawing/2014/main" id="{6754E0D0-64E9-431D-8B50-881CF47EE9A3}"/>
-              </a:ext>
-            </a:extLst>
-          </p:cNvPr>
+          <p:cNvPr id="3" name="图片 2"/>
           <p:cNvPicPr>
             <a:picLocks noChangeAspect="1"/>
           </p:cNvPicPr>
           <p:nvPr/>
         </p:nvPicPr>
         <p:blipFill>
-          <a:blip r:embed="rId4"/>
+          <a:blip r:embed="rId2"/>
           <a:stretch>
             <a:fillRect/>
           </a:stretch>
@@ -14501,11 +13289,6 @@
         </p:spPr>
       </p:pic>
     </p:spTree>
-    <p:extLst>
-      <p:ext uri="{BB962C8B-B14F-4D97-AF65-F5344CB8AC3E}">
-        <p14:creationId xmlns:p14="http://schemas.microsoft.com/office/powerpoint/2010/main" val="2483644223"/>
-      </p:ext>
-    </p:extLst>
   </p:cSld>
   <p:clrMapOvr>
     <a:masterClrMapping/>
@@ -14550,25 +13333,6 @@
           <a:ln>
             <a:noFill/>
           </a:ln>
-          <a:extLst>
-            <a:ext uri="{909E8E84-426E-40dd-AFC4-6F175D3DCCD1}">
-              <a14:hiddenFill xmlns:a14="http://schemas.microsoft.com/office/drawing/2010/main" xmlns="">
-                <a:solidFill>
-                  <a:srgbClr val="FFFFFF"/>
-                </a:solidFill>
-              </a14:hiddenFill>
-            </a:ext>
-            <a:ext uri="{91240B29-F687-4f45-9708-019B960494DF}">
-              <a14:hiddenLine xmlns:a14="http://schemas.microsoft.com/office/drawing/2010/main" xmlns="" w="9525">
-                <a:solidFill>
-                  <a:srgbClr val="000000"/>
-                </a:solidFill>
-                <a:miter lim="800000"/>
-                <a:headEnd/>
-                <a:tailEnd/>
-              </a14:hiddenLine>
-            </a:ext>
-          </a:extLst>
         </p:spPr>
         <p:txBody>
           <a:bodyPr wrap="square" lIns="91436" tIns="45718" rIns="91436" bIns="45718">
@@ -14742,6 +13506,13 @@
               </a:rPr>
               <a:t>算法的缺陷</a:t>
             </a:r>
+            <a:endParaRPr lang="zh-CN" altLang="en-US" b="1" dirty="0">
+              <a:solidFill>
+                <a:srgbClr val="002060"/>
+              </a:solidFill>
+              <a:latin typeface="微软雅黑" panose="020B0503020204020204" pitchFamily="34" charset="-122"/>
+              <a:ea typeface="微软雅黑" panose="020B0503020204020204" pitchFamily="34" charset="-122"/>
+            </a:endParaRPr>
           </a:p>
         </p:txBody>
       </p:sp>
@@ -14761,25 +13532,6 @@
             <a:ext cx="2133600" cy="365125"/>
           </a:xfrm>
           <a:noFill/>
-          <a:extLst>
-            <a:ext uri="{909E8E84-426E-40dd-AFC4-6F175D3DCCD1}">
-              <a14:hiddenFill xmlns:a14="http://schemas.microsoft.com/office/drawing/2010/main" xmlns="">
-                <a:solidFill>
-                  <a:srgbClr val="FFFFFF"/>
-                </a:solidFill>
-              </a14:hiddenFill>
-            </a:ext>
-            <a:ext uri="{91240B29-F687-4f45-9708-019B960494DF}">
-              <a14:hiddenLine xmlns:a14="http://schemas.microsoft.com/office/drawing/2010/main" xmlns="" w="9525">
-                <a:solidFill>
-                  <a:srgbClr val="000000"/>
-                </a:solidFill>
-                <a:miter lim="800000"/>
-                <a:headEnd/>
-                <a:tailEnd/>
-              </a14:hiddenLine>
-            </a:ext>
-          </a:extLst>
         </p:spPr>
         <p:txBody>
           <a:bodyPr/>
@@ -14798,7 +13550,7 @@
                 <a:ea typeface="宋体" panose="02010600030101010101" pitchFamily="2" charset="-122"/>
               </a:defRPr>
             </a:lvl1pPr>
-            <a:lvl2pPr marL="742920" indent="-285738">
+            <a:lvl2pPr marL="742950" indent="-285750">
               <a:spcBef>
                 <a:spcPct val="20000"/>
               </a:spcBef>
@@ -14812,7 +13564,7 @@
                 <a:ea typeface="宋体" panose="02010600030101010101" pitchFamily="2" charset="-122"/>
               </a:defRPr>
             </a:lvl2pPr>
-            <a:lvl3pPr marL="1142953" indent="-228591">
+            <a:lvl3pPr marL="1143000" indent="-228600">
               <a:spcBef>
                 <a:spcPct val="20000"/>
               </a:spcBef>
@@ -14826,7 +13578,7 @@
                 <a:ea typeface="宋体" panose="02010600030101010101" pitchFamily="2" charset="-122"/>
               </a:defRPr>
             </a:lvl3pPr>
-            <a:lvl4pPr marL="1600135" indent="-228591">
+            <a:lvl4pPr marL="1600200" indent="-228600">
               <a:spcBef>
                 <a:spcPct val="20000"/>
               </a:spcBef>
@@ -14840,7 +13592,7 @@
                 <a:ea typeface="宋体" panose="02010600030101010101" pitchFamily="2" charset="-122"/>
               </a:defRPr>
             </a:lvl4pPr>
-            <a:lvl5pPr marL="2057315" indent="-228591">
+            <a:lvl5pPr marL="2057400" indent="-228600">
               <a:spcBef>
                 <a:spcPct val="20000"/>
               </a:spcBef>
@@ -14854,7 +13606,7 @@
                 <a:ea typeface="宋体" panose="02010600030101010101" pitchFamily="2" charset="-122"/>
               </a:defRPr>
             </a:lvl5pPr>
-            <a:lvl6pPr marL="2514497" indent="-228591" eaLnBrk="0" fontAlgn="base" hangingPunct="0">
+            <a:lvl6pPr marL="2514600" indent="-228600" eaLnBrk="0" fontAlgn="base" hangingPunct="0">
               <a:spcBef>
                 <a:spcPct val="20000"/>
               </a:spcBef>
@@ -14871,7 +13623,7 @@
                 <a:ea typeface="宋体" panose="02010600030101010101" pitchFamily="2" charset="-122"/>
               </a:defRPr>
             </a:lvl6pPr>
-            <a:lvl7pPr marL="2971678" indent="-228591" eaLnBrk="0" fontAlgn="base" hangingPunct="0">
+            <a:lvl7pPr marL="2971800" indent="-228600" eaLnBrk="0" fontAlgn="base" hangingPunct="0">
               <a:spcBef>
                 <a:spcPct val="20000"/>
               </a:spcBef>
@@ -14888,7 +13640,7 @@
                 <a:ea typeface="宋体" panose="02010600030101010101" pitchFamily="2" charset="-122"/>
               </a:defRPr>
             </a:lvl7pPr>
-            <a:lvl8pPr marL="3428859" indent="-228591" eaLnBrk="0" fontAlgn="base" hangingPunct="0">
+            <a:lvl8pPr marL="3429000" indent="-228600" eaLnBrk="0" fontAlgn="base" hangingPunct="0">
               <a:spcBef>
                 <a:spcPct val="20000"/>
               </a:spcBef>
@@ -14905,7 +13657,7 @@
                 <a:ea typeface="宋体" panose="02010600030101010101" pitchFamily="2" charset="-122"/>
               </a:defRPr>
             </a:lvl8pPr>
-            <a:lvl9pPr marL="3886041" indent="-228591" eaLnBrk="0" fontAlgn="base" hangingPunct="0">
+            <a:lvl9pPr marL="3886200" indent="-228600" eaLnBrk="0" fontAlgn="base" hangingPunct="0">
               <a:spcBef>
                 <a:spcPct val="20000"/>
               </a:spcBef>
@@ -14937,14 +13689,6 @@
                   <a:srgbClr val="898989"/>
                 </a:solidFill>
               </a:rPr>
-              <a:pPr>
-                <a:spcBef>
-                  <a:spcPct val="0"/>
-                </a:spcBef>
-                <a:buFontTx/>
-                <a:buNone/>
-              </a:pPr>
-              <a:t>15</a:t>
             </a:fld>
             <a:endParaRPr lang="zh-CN" altLang="en-US" sz="1200" dirty="0">
               <a:solidFill>
@@ -14963,7 +13707,7 @@
           <p:nvPr/>
         </p:nvPicPr>
         <p:blipFill>
-          <a:blip r:embed="rId3" cstate="print">
+          <a:blip r:embed="rId1" cstate="print">
             <a:extLst>
               <a:ext uri="{28A0092B-C50C-407E-A947-70E740481C1C}">
                 <a14:useLocalDpi xmlns:a14="http://schemas.microsoft.com/office/drawing/2010/main" val="0"/>
@@ -14987,25 +13731,6 @@
           <a:ln>
             <a:noFill/>
           </a:ln>
-          <a:extLst>
-            <a:ext uri="{909E8E84-426E-40dd-AFC4-6F175D3DCCD1}">
-              <a14:hiddenFill xmlns:a14="http://schemas.microsoft.com/office/drawing/2010/main" xmlns="">
-                <a:solidFill>
-                  <a:srgbClr val="FFFFFF"/>
-                </a:solidFill>
-              </a14:hiddenFill>
-            </a:ext>
-            <a:ext uri="{91240B29-F687-4f45-9708-019B960494DF}">
-              <a14:hiddenLine xmlns:a14="http://schemas.microsoft.com/office/drawing/2010/main" xmlns="" w="9525">
-                <a:solidFill>
-                  <a:srgbClr val="000000"/>
-                </a:solidFill>
-                <a:miter lim="800000"/>
-                <a:headEnd/>
-                <a:tailEnd/>
-              </a14:hiddenLine>
-            </a:ext>
-          </a:extLst>
         </p:spPr>
       </p:pic>
       <p:sp>
@@ -15041,8 +13766,8 @@
                 <a:solidFill>
                   <a:srgbClr val="003366"/>
                 </a:solidFill>
-                <a:latin typeface="Arial"/>
-                <a:ea typeface="宋体"/>
+                <a:latin typeface="Arial" panose="020B0604020202020204"/>
+                <a:ea typeface="宋体" panose="02010600030101010101" pitchFamily="2" charset="-122"/>
               </a:rPr>
               <a:t>Paxos</a:t>
             </a:r>
@@ -15051,11 +13776,18 @@
                 <a:solidFill>
                   <a:srgbClr val="003366"/>
                 </a:solidFill>
-                <a:latin typeface="Arial"/>
-                <a:ea typeface="宋体"/>
+                <a:latin typeface="Arial" panose="020B0604020202020204"/>
+                <a:ea typeface="宋体" panose="02010600030101010101" pitchFamily="2" charset="-122"/>
               </a:rPr>
               <a:t>算法可能永远无法结束</a:t>
             </a:r>
+            <a:endParaRPr lang="zh-CN" altLang="en-US" kern="0" dirty="0">
+              <a:solidFill>
+                <a:srgbClr val="003366"/>
+              </a:solidFill>
+              <a:latin typeface="Arial" panose="020B0604020202020204"/>
+              <a:ea typeface="宋体" panose="02010600030101010101" pitchFamily="2" charset="-122"/>
+            </a:endParaRPr>
           </a:p>
           <a:p>
             <a:pPr marL="742950" lvl="1" indent="-285750" eaLnBrk="1" hangingPunct="1">
@@ -15141,8 +13873,8 @@
                 <a:solidFill>
                   <a:srgbClr val="003366"/>
                 </a:solidFill>
-                <a:latin typeface="Arial"/>
-                <a:ea typeface="宋体"/>
+                <a:latin typeface="Arial" panose="020B0604020202020204"/>
+                <a:ea typeface="宋体" panose="02010600030101010101" pitchFamily="2" charset="-122"/>
               </a:rPr>
               <a:t>解决方法</a:t>
             </a:r>
@@ -15150,8 +13882,8 @@
               <a:solidFill>
                 <a:srgbClr val="003366"/>
               </a:solidFill>
-              <a:latin typeface="Arial"/>
-              <a:ea typeface="宋体"/>
+              <a:latin typeface="Arial" panose="020B0604020202020204"/>
+              <a:ea typeface="宋体" panose="02010600030101010101" pitchFamily="2" charset="-122"/>
             </a:endParaRPr>
           </a:p>
           <a:p>
@@ -15375,7 +14107,7 @@
             </a:endParaRPr>
           </a:p>
           <a:p>
-            <a:pPr marL="742933" lvl="2" indent="-342900" eaLnBrk="1" hangingPunct="1">
+            <a:pPr marL="742950" lvl="2" indent="-342900" eaLnBrk="1" hangingPunct="1">
               <a:buClr>
                 <a:srgbClr val="006666"/>
               </a:buClr>
@@ -15387,8 +14119,8 @@
               <a:solidFill>
                 <a:srgbClr val="003366"/>
               </a:solidFill>
-              <a:latin typeface="Arial"/>
-              <a:ea typeface="宋体"/>
+              <a:latin typeface="Arial" panose="020B0604020202020204"/>
+              <a:ea typeface="宋体" panose="02010600030101010101" pitchFamily="2" charset="-122"/>
             </a:endParaRPr>
           </a:p>
           <a:p>
@@ -15414,11 +14146,6 @@
         </p:txBody>
       </p:sp>
     </p:spTree>
-    <p:extLst>
-      <p:ext uri="{BB962C8B-B14F-4D97-AF65-F5344CB8AC3E}">
-        <p14:creationId xmlns:p14="http://schemas.microsoft.com/office/powerpoint/2010/main" val="3022161294"/>
-      </p:ext>
-    </p:extLst>
   </p:cSld>
   <p:clrMapOvr>
     <a:masterClrMapping/>
@@ -15463,25 +14190,6 @@
           <a:ln>
             <a:noFill/>
           </a:ln>
-          <a:extLst>
-            <a:ext uri="{909E8E84-426E-40dd-AFC4-6F175D3DCCD1}">
-              <a14:hiddenFill xmlns:a14="http://schemas.microsoft.com/office/drawing/2010/main" xmlns="">
-                <a:solidFill>
-                  <a:srgbClr val="FFFFFF"/>
-                </a:solidFill>
-              </a14:hiddenFill>
-            </a:ext>
-            <a:ext uri="{91240B29-F687-4f45-9708-019B960494DF}">
-              <a14:hiddenLine xmlns:a14="http://schemas.microsoft.com/office/drawing/2010/main" xmlns="" w="9525">
-                <a:solidFill>
-                  <a:srgbClr val="000000"/>
-                </a:solidFill>
-                <a:miter lim="800000"/>
-                <a:headEnd/>
-                <a:tailEnd/>
-              </a14:hiddenLine>
-            </a:ext>
-          </a:extLst>
         </p:spPr>
         <p:txBody>
           <a:bodyPr wrap="square" lIns="91436" tIns="45718" rIns="91436" bIns="45718">
@@ -15645,6 +14353,13 @@
               </a:rPr>
               <a:t>集合相关算法</a:t>
             </a:r>
+            <a:endParaRPr lang="zh-CN" altLang="en-US" b="1" dirty="0">
+              <a:solidFill>
+                <a:srgbClr val="002060"/>
+              </a:solidFill>
+              <a:latin typeface="微软雅黑" panose="020B0503020204020204" pitchFamily="34" charset="-122"/>
+              <a:ea typeface="微软雅黑" panose="020B0503020204020204" pitchFamily="34" charset="-122"/>
+            </a:endParaRPr>
           </a:p>
         </p:txBody>
       </p:sp>
@@ -15664,25 +14379,6 @@
             <a:ext cx="2133600" cy="365125"/>
           </a:xfrm>
           <a:noFill/>
-          <a:extLst>
-            <a:ext uri="{909E8E84-426E-40dd-AFC4-6F175D3DCCD1}">
-              <a14:hiddenFill xmlns:a14="http://schemas.microsoft.com/office/drawing/2010/main" xmlns="">
-                <a:solidFill>
-                  <a:srgbClr val="FFFFFF"/>
-                </a:solidFill>
-              </a14:hiddenFill>
-            </a:ext>
-            <a:ext uri="{91240B29-F687-4f45-9708-019B960494DF}">
-              <a14:hiddenLine xmlns:a14="http://schemas.microsoft.com/office/drawing/2010/main" xmlns="" w="9525">
-                <a:solidFill>
-                  <a:srgbClr val="000000"/>
-                </a:solidFill>
-                <a:miter lim="800000"/>
-                <a:headEnd/>
-                <a:tailEnd/>
-              </a14:hiddenLine>
-            </a:ext>
-          </a:extLst>
         </p:spPr>
         <p:txBody>
           <a:bodyPr/>
@@ -15701,7 +14397,7 @@
                 <a:ea typeface="宋体" panose="02010600030101010101" pitchFamily="2" charset="-122"/>
               </a:defRPr>
             </a:lvl1pPr>
-            <a:lvl2pPr marL="742920" indent="-285738">
+            <a:lvl2pPr marL="742950" indent="-285750">
               <a:spcBef>
                 <a:spcPct val="20000"/>
               </a:spcBef>
@@ -15715,7 +14411,7 @@
                 <a:ea typeface="宋体" panose="02010600030101010101" pitchFamily="2" charset="-122"/>
               </a:defRPr>
             </a:lvl2pPr>
-            <a:lvl3pPr marL="1142953" indent="-228591">
+            <a:lvl3pPr marL="1143000" indent="-228600">
               <a:spcBef>
                 <a:spcPct val="20000"/>
               </a:spcBef>
@@ -15729,7 +14425,7 @@
                 <a:ea typeface="宋体" panose="02010600030101010101" pitchFamily="2" charset="-122"/>
               </a:defRPr>
             </a:lvl3pPr>
-            <a:lvl4pPr marL="1600135" indent="-228591">
+            <a:lvl4pPr marL="1600200" indent="-228600">
               <a:spcBef>
                 <a:spcPct val="20000"/>
               </a:spcBef>
@@ -15743,7 +14439,7 @@
                 <a:ea typeface="宋体" panose="02010600030101010101" pitchFamily="2" charset="-122"/>
               </a:defRPr>
             </a:lvl4pPr>
-            <a:lvl5pPr marL="2057315" indent="-228591">
+            <a:lvl5pPr marL="2057400" indent="-228600">
               <a:spcBef>
                 <a:spcPct val="20000"/>
               </a:spcBef>
@@ -15757,7 +14453,7 @@
                 <a:ea typeface="宋体" panose="02010600030101010101" pitchFamily="2" charset="-122"/>
               </a:defRPr>
             </a:lvl5pPr>
-            <a:lvl6pPr marL="2514497" indent="-228591" eaLnBrk="0" fontAlgn="base" hangingPunct="0">
+            <a:lvl6pPr marL="2514600" indent="-228600" eaLnBrk="0" fontAlgn="base" hangingPunct="0">
               <a:spcBef>
                 <a:spcPct val="20000"/>
               </a:spcBef>
@@ -15774,7 +14470,7 @@
                 <a:ea typeface="宋体" panose="02010600030101010101" pitchFamily="2" charset="-122"/>
               </a:defRPr>
             </a:lvl6pPr>
-            <a:lvl7pPr marL="2971678" indent="-228591" eaLnBrk="0" fontAlgn="base" hangingPunct="0">
+            <a:lvl7pPr marL="2971800" indent="-228600" eaLnBrk="0" fontAlgn="base" hangingPunct="0">
               <a:spcBef>
                 <a:spcPct val="20000"/>
               </a:spcBef>
@@ -15791,7 +14487,7 @@
                 <a:ea typeface="宋体" panose="02010600030101010101" pitchFamily="2" charset="-122"/>
               </a:defRPr>
             </a:lvl7pPr>
-            <a:lvl8pPr marL="3428859" indent="-228591" eaLnBrk="0" fontAlgn="base" hangingPunct="0">
+            <a:lvl8pPr marL="3429000" indent="-228600" eaLnBrk="0" fontAlgn="base" hangingPunct="0">
               <a:spcBef>
                 <a:spcPct val="20000"/>
               </a:spcBef>
@@ -15808,7 +14504,7 @@
                 <a:ea typeface="宋体" panose="02010600030101010101" pitchFamily="2" charset="-122"/>
               </a:defRPr>
             </a:lvl8pPr>
-            <a:lvl9pPr marL="3886041" indent="-228591" eaLnBrk="0" fontAlgn="base" hangingPunct="0">
+            <a:lvl9pPr marL="3886200" indent="-228600" eaLnBrk="0" fontAlgn="base" hangingPunct="0">
               <a:spcBef>
                 <a:spcPct val="20000"/>
               </a:spcBef>
@@ -15840,14 +14536,6 @@
                   <a:srgbClr val="898989"/>
                 </a:solidFill>
               </a:rPr>
-              <a:pPr>
-                <a:spcBef>
-                  <a:spcPct val="0"/>
-                </a:spcBef>
-                <a:buFontTx/>
-                <a:buNone/>
-              </a:pPr>
-              <a:t>16</a:t>
             </a:fld>
             <a:endParaRPr lang="zh-CN" altLang="en-US" sz="1200" dirty="0">
               <a:solidFill>
@@ -15866,7 +14554,7 @@
           <p:nvPr/>
         </p:nvPicPr>
         <p:blipFill>
-          <a:blip r:embed="rId3" cstate="print">
+          <a:blip r:embed="rId1" cstate="print">
             <a:extLst>
               <a:ext uri="{28A0092B-C50C-407E-A947-70E740481C1C}">
                 <a14:useLocalDpi xmlns:a14="http://schemas.microsoft.com/office/drawing/2010/main" val="0"/>
@@ -15890,39 +14578,12 @@
           <a:ln>
             <a:noFill/>
           </a:ln>
-          <a:extLst>
-            <a:ext uri="{909E8E84-426E-40dd-AFC4-6F175D3DCCD1}">
-              <a14:hiddenFill xmlns:a14="http://schemas.microsoft.com/office/drawing/2010/main" xmlns="">
-                <a:solidFill>
-                  <a:srgbClr val="FFFFFF"/>
-                </a:solidFill>
-              </a14:hiddenFill>
-            </a:ext>
-            <a:ext uri="{91240B29-F687-4f45-9708-019B960494DF}">
-              <a14:hiddenLine xmlns:a14="http://schemas.microsoft.com/office/drawing/2010/main" xmlns="" w="9525">
-                <a:solidFill>
-                  <a:srgbClr val="000000"/>
-                </a:solidFill>
-                <a:miter lim="800000"/>
-                <a:headEnd/>
-                <a:tailEnd/>
-              </a14:hiddenLine>
-            </a:ext>
-          </a:extLst>
         </p:spPr>
       </p:pic>
       <p:sp>
         <p:nvSpPr>
-          <p:cNvPr id="6" name="Subtitle 2">
-            <a:extLst>
-              <a:ext uri="{FF2B5EF4-FFF2-40B4-BE49-F238E27FC236}">
-                <a16:creationId xmlns:a16="http://schemas.microsoft.com/office/drawing/2014/main" id="{5B72932F-F3D6-46BF-9A61-0930A2E33BD6}"/>
-              </a:ext>
-            </a:extLst>
-          </p:cNvPr>
-          <p:cNvSpPr txBox="1">
-            <a:spLocks/>
-          </p:cNvSpPr>
+          <p:cNvPr id="6" name="Subtitle 2"/>
+          <p:cNvSpPr txBox="1"/>
           <p:nvPr/>
         </p:nvSpPr>
         <p:spPr bwMode="auto">
@@ -15958,11 +14619,7 @@
           </a:extLst>
         </p:spPr>
         <p:txBody>
-          <a:bodyPr vert="horz" wrap="square" lIns="91440" tIns="45720" rIns="91440" bIns="45720" numCol="1" anchor="t" anchorCtr="0" compatLnSpc="1">
-            <a:prstTxWarp prst="textNoShape">
-              <a:avLst/>
-            </a:prstTxWarp>
-          </a:bodyPr>
+          <a:bodyPr vert="horz" wrap="square" lIns="91440" tIns="45720" rIns="91440" bIns="45720" numCol="1" anchor="t" anchorCtr="0" compatLnSpc="1"/>
           <a:lstStyle>
             <a:lvl1pPr marL="342900" indent="-342900" algn="l" rtl="0" eaLnBrk="0" fontAlgn="base" hangingPunct="0">
               <a:spcBef>
@@ -16081,7 +14738,7 @@
                 <a:schemeClr val="tx2"/>
               </a:buClr>
               <a:buSzPct val="70000"/>
-              <a:buFont typeface="Wingdings" pitchFamily="2" charset="2"/>
+              <a:buFont typeface="Wingdings" panose="05000000000000000000" pitchFamily="2" charset="2"/>
               <a:buChar char="¡"/>
               <a:defRPr sz="1600">
                 <a:solidFill>
@@ -16102,7 +14759,7 @@
                 <a:schemeClr val="tx2"/>
               </a:buClr>
               <a:buSzPct val="70000"/>
-              <a:buFont typeface="Wingdings" pitchFamily="2" charset="2"/>
+              <a:buFont typeface="Wingdings" panose="05000000000000000000" pitchFamily="2" charset="2"/>
               <a:buChar char="¡"/>
               <a:defRPr sz="1600">
                 <a:solidFill>
@@ -16123,7 +14780,7 @@
                 <a:schemeClr val="tx2"/>
               </a:buClr>
               <a:buSzPct val="70000"/>
-              <a:buFont typeface="Wingdings" pitchFamily="2" charset="2"/>
+              <a:buFont typeface="Wingdings" panose="05000000000000000000" pitchFamily="2" charset="2"/>
               <a:buChar char="¡"/>
               <a:defRPr sz="1600">
                 <a:solidFill>
@@ -16144,7 +14801,7 @@
                 <a:schemeClr val="tx2"/>
               </a:buClr>
               <a:buSzPct val="70000"/>
-              <a:buFont typeface="Wingdings" pitchFamily="2" charset="2"/>
+              <a:buFont typeface="Wingdings" panose="05000000000000000000" pitchFamily="2" charset="2"/>
               <a:buChar char="¡"/>
               <a:defRPr sz="1600">
                 <a:solidFill>
@@ -16172,7 +14829,6 @@
               <a:buSzPct val="70000"/>
               <a:buFont typeface="Wingdings" panose="05000000000000000000" pitchFamily="2" charset="2"/>
               <a:buChar char="n"/>
-              <a:tabLst/>
               <a:defRPr/>
             </a:pPr>
             <a:r>
@@ -16186,8 +14842,8 @@
                 <a:effectLst/>
                 <a:uLnTx/>
                 <a:uFillTx/>
-                <a:latin typeface="Arial"/>
-                <a:ea typeface="宋体"/>
+                <a:latin typeface="Arial" panose="020B0604020202020204"/>
+                <a:ea typeface="宋体" panose="02010600030101010101" pitchFamily="2" charset="-122"/>
                 <a:cs typeface="+mn-cs"/>
               </a:rPr>
               <a:t>主要内容</a:t>
@@ -16202,8 +14858,8 @@
               <a:effectLst/>
               <a:uLnTx/>
               <a:uFillTx/>
-              <a:latin typeface="Arial"/>
-              <a:ea typeface="宋体"/>
+              <a:latin typeface="Arial" panose="020B0604020202020204"/>
+              <a:ea typeface="宋体" panose="02010600030101010101" pitchFamily="2" charset="-122"/>
               <a:cs typeface="+mn-cs"/>
             </a:endParaRPr>
           </a:p>
@@ -16352,11 +15008,6 @@
         </p:txBody>
       </p:sp>
     </p:spTree>
-    <p:extLst>
-      <p:ext uri="{BB962C8B-B14F-4D97-AF65-F5344CB8AC3E}">
-        <p14:creationId xmlns:p14="http://schemas.microsoft.com/office/powerpoint/2010/main" val="1409534160"/>
-      </p:ext>
-    </p:extLst>
   </p:cSld>
   <p:clrMapOvr>
     <a:masterClrMapping/>
@@ -16401,25 +15052,6 @@
           <a:ln>
             <a:noFill/>
           </a:ln>
-          <a:extLst>
-            <a:ext uri="{909E8E84-426E-40dd-AFC4-6F175D3DCCD1}">
-              <a14:hiddenFill xmlns="" xmlns:a14="http://schemas.microsoft.com/office/drawing/2010/main">
-                <a:solidFill>
-                  <a:srgbClr val="FFFFFF"/>
-                </a:solidFill>
-              </a14:hiddenFill>
-            </a:ext>
-            <a:ext uri="{91240B29-F687-4f45-9708-019B960494DF}">
-              <a14:hiddenLine xmlns="" xmlns:a14="http://schemas.microsoft.com/office/drawing/2010/main" w="9525">
-                <a:solidFill>
-                  <a:srgbClr val="000000"/>
-                </a:solidFill>
-                <a:miter lim="800000"/>
-                <a:headEnd/>
-                <a:tailEnd/>
-              </a14:hiddenLine>
-            </a:ext>
-          </a:extLst>
         </p:spPr>
         <p:txBody>
           <a:bodyPr wrap="square" lIns="91436" tIns="45718" rIns="91436" bIns="45718">
@@ -16583,6 +15215,13 @@
               </a:rPr>
               <a:t>同步算法异步化</a:t>
             </a:r>
+            <a:endParaRPr lang="zh-CN" altLang="en-US" b="1" dirty="0">
+              <a:solidFill>
+                <a:srgbClr val="002060"/>
+              </a:solidFill>
+              <a:latin typeface="微软雅黑" panose="020B0503020204020204" pitchFamily="34" charset="-122"/>
+              <a:ea typeface="微软雅黑" panose="020B0503020204020204" pitchFamily="34" charset="-122"/>
+            </a:endParaRPr>
           </a:p>
         </p:txBody>
       </p:sp>
@@ -16602,25 +15241,6 @@
             <a:ext cx="2133600" cy="365125"/>
           </a:xfrm>
           <a:noFill/>
-          <a:extLst>
-            <a:ext uri="{909E8E84-426E-40dd-AFC4-6F175D3DCCD1}">
-              <a14:hiddenFill xmlns="" xmlns:a14="http://schemas.microsoft.com/office/drawing/2010/main">
-                <a:solidFill>
-                  <a:srgbClr val="FFFFFF"/>
-                </a:solidFill>
-              </a14:hiddenFill>
-            </a:ext>
-            <a:ext uri="{91240B29-F687-4f45-9708-019B960494DF}">
-              <a14:hiddenLine xmlns="" xmlns:a14="http://schemas.microsoft.com/office/drawing/2010/main" w="9525">
-                <a:solidFill>
-                  <a:srgbClr val="000000"/>
-                </a:solidFill>
-                <a:miter lim="800000"/>
-                <a:headEnd/>
-                <a:tailEnd/>
-              </a14:hiddenLine>
-            </a:ext>
-          </a:extLst>
         </p:spPr>
         <p:txBody>
           <a:bodyPr/>
@@ -16639,7 +15259,7 @@
                 <a:ea typeface="宋体" panose="02010600030101010101" pitchFamily="2" charset="-122"/>
               </a:defRPr>
             </a:lvl1pPr>
-            <a:lvl2pPr marL="742920" indent="-285738">
+            <a:lvl2pPr marL="742950" indent="-285750">
               <a:spcBef>
                 <a:spcPct val="20000"/>
               </a:spcBef>
@@ -16653,7 +15273,7 @@
                 <a:ea typeface="宋体" panose="02010600030101010101" pitchFamily="2" charset="-122"/>
               </a:defRPr>
             </a:lvl2pPr>
-            <a:lvl3pPr marL="1142953" indent="-228591">
+            <a:lvl3pPr marL="1143000" indent="-228600">
               <a:spcBef>
                 <a:spcPct val="20000"/>
               </a:spcBef>
@@ -16667,7 +15287,7 @@
                 <a:ea typeface="宋体" panose="02010600030101010101" pitchFamily="2" charset="-122"/>
               </a:defRPr>
             </a:lvl3pPr>
-            <a:lvl4pPr marL="1600135" indent="-228591">
+            <a:lvl4pPr marL="1600200" indent="-228600">
               <a:spcBef>
                 <a:spcPct val="20000"/>
               </a:spcBef>
@@ -16681,7 +15301,7 @@
                 <a:ea typeface="宋体" panose="02010600030101010101" pitchFamily="2" charset="-122"/>
               </a:defRPr>
             </a:lvl4pPr>
-            <a:lvl5pPr marL="2057315" indent="-228591">
+            <a:lvl5pPr marL="2057400" indent="-228600">
               <a:spcBef>
                 <a:spcPct val="20000"/>
               </a:spcBef>
@@ -16695,7 +15315,7 @@
                 <a:ea typeface="宋体" panose="02010600030101010101" pitchFamily="2" charset="-122"/>
               </a:defRPr>
             </a:lvl5pPr>
-            <a:lvl6pPr marL="2514497" indent="-228591" eaLnBrk="0" fontAlgn="base" hangingPunct="0">
+            <a:lvl6pPr marL="2514600" indent="-228600" eaLnBrk="0" fontAlgn="base" hangingPunct="0">
               <a:spcBef>
                 <a:spcPct val="20000"/>
               </a:spcBef>
@@ -16712,7 +15332,7 @@
                 <a:ea typeface="宋体" panose="02010600030101010101" pitchFamily="2" charset="-122"/>
               </a:defRPr>
             </a:lvl6pPr>
-            <a:lvl7pPr marL="2971678" indent="-228591" eaLnBrk="0" fontAlgn="base" hangingPunct="0">
+            <a:lvl7pPr marL="2971800" indent="-228600" eaLnBrk="0" fontAlgn="base" hangingPunct="0">
               <a:spcBef>
                 <a:spcPct val="20000"/>
               </a:spcBef>
@@ -16729,7 +15349,7 @@
                 <a:ea typeface="宋体" panose="02010600030101010101" pitchFamily="2" charset="-122"/>
               </a:defRPr>
             </a:lvl7pPr>
-            <a:lvl8pPr marL="3428859" indent="-228591" eaLnBrk="0" fontAlgn="base" hangingPunct="0">
+            <a:lvl8pPr marL="3429000" indent="-228600" eaLnBrk="0" fontAlgn="base" hangingPunct="0">
               <a:spcBef>
                 <a:spcPct val="20000"/>
               </a:spcBef>
@@ -16746,7 +15366,7 @@
                 <a:ea typeface="宋体" panose="02010600030101010101" pitchFamily="2" charset="-122"/>
               </a:defRPr>
             </a:lvl8pPr>
-            <a:lvl9pPr marL="3886041" indent="-228591" eaLnBrk="0" fontAlgn="base" hangingPunct="0">
+            <a:lvl9pPr marL="3886200" indent="-228600" eaLnBrk="0" fontAlgn="base" hangingPunct="0">
               <a:spcBef>
                 <a:spcPct val="20000"/>
               </a:spcBef>
@@ -16778,14 +15398,6 @@
                   <a:srgbClr val="898989"/>
                 </a:solidFill>
               </a:rPr>
-              <a:pPr>
-                <a:spcBef>
-                  <a:spcPct val="0"/>
-                </a:spcBef>
-                <a:buFontTx/>
-                <a:buNone/>
-              </a:pPr>
-              <a:t>17</a:t>
             </a:fld>
             <a:endParaRPr lang="zh-CN" altLang="en-US" sz="1200" dirty="0">
               <a:solidFill>
@@ -16804,7 +15416,7 @@
           <p:nvPr/>
         </p:nvPicPr>
         <p:blipFill>
-          <a:blip r:embed="rId3" cstate="print">
+          <a:blip r:embed="rId1" cstate="print">
             <a:extLst>
               <a:ext uri="{28A0092B-C50C-407E-A947-70E740481C1C}">
                 <a14:useLocalDpi xmlns:a14="http://schemas.microsoft.com/office/drawing/2010/main" val="0"/>
@@ -16828,35 +15440,16 @@
           <a:ln>
             <a:noFill/>
           </a:ln>
-          <a:extLst>
-            <a:ext uri="{909E8E84-426E-40dd-AFC4-6F175D3DCCD1}">
-              <a14:hiddenFill xmlns="" xmlns:a14="http://schemas.microsoft.com/office/drawing/2010/main">
-                <a:solidFill>
-                  <a:srgbClr val="FFFFFF"/>
-                </a:solidFill>
-              </a14:hiddenFill>
-            </a:ext>
-            <a:ext uri="{91240B29-F687-4f45-9708-019B960494DF}">
-              <a14:hiddenLine xmlns="" xmlns:a14="http://schemas.microsoft.com/office/drawing/2010/main" w="9525">
-                <a:solidFill>
-                  <a:srgbClr val="000000"/>
-                </a:solidFill>
-                <a:miter lim="800000"/>
-                <a:headEnd/>
-                <a:tailEnd/>
-              </a14:hiddenLine>
-            </a:ext>
-          </a:extLst>
         </p:spPr>
       </p:pic>
-      <mc:AlternateContent xmlns:mc="http://schemas.openxmlformats.org/markup-compatibility/2006" xmlns:a14="http://schemas.microsoft.com/office/drawing/2010/main">
-        <mc:Choice Requires="a14">
+      <mc:AlternateContent xmlns:mc="http://schemas.openxmlformats.org/markup-compatibility/2006">
+        <mc:Choice xmlns:a14="http://schemas.microsoft.com/office/drawing/2010/main" Requires="a14">
           <p:sp>
             <p:nvSpPr>
               <p:cNvPr id="6" name="Subtitle 2">
                 <a:extLst>
                   <a:ext uri="{FF2B5EF4-FFF2-40B4-BE49-F238E27FC236}">
-                    <a16:creationId xmlns:a16="http://schemas.microsoft.com/office/drawing/2014/main" id="{5B72932F-F3D6-46BF-9A61-0930A2E33BD6}"/>
+                    <ele attr="{5B72932F-F3D6-46BF-9A61-0930A2E33BD6}"/>
                   </a:ext>
                 </a:extLst>
               </p:cNvPr>
@@ -17416,16 +16009,10 @@
             </p:txBody>
           </p:sp>
         </mc:Choice>
-        <mc:Fallback xmlns="">
+        <mc:Fallback>
           <p:sp>
             <p:nvSpPr>
-              <p:cNvPr id="6" name="Subtitle 2">
-                <a:extLst>
-                  <a:ext uri="{FF2B5EF4-FFF2-40B4-BE49-F238E27FC236}">
-                    <a16:creationId xmlns:a16="http://schemas.microsoft.com/office/drawing/2014/main" id="{5B72932F-F3D6-46BF-9A61-0930A2E33BD6}"/>
-                  </a:ext>
-                </a:extLst>
-              </p:cNvPr>
+              <p:cNvPr id="6" name="Subtitle 2"/>
               <p:cNvSpPr txBox="1">
                 <a:spLocks noRot="1" noChangeAspect="1" noMove="1" noResize="1" noEditPoints="1" noAdjustHandles="1" noChangeArrowheads="1" noChangeShapeType="1" noTextEdit="1"/>
               </p:cNvSpPr>
@@ -17439,8 +16026,8 @@
               <a:prstGeom prst="rect">
                 <a:avLst/>
               </a:prstGeom>
-              <a:blipFill>
-                <a:blip r:embed="rId4"/>
+              <a:blipFill rotWithShape="1">
+                <a:blip r:embed="rId2"/>
                 <a:stretch>
                   <a:fillRect l="-608" t="-1141" r="-743"/>
                 </a:stretch>
@@ -17478,17 +16065,15 @@
                   </a:rPr>
                   <a:t> </a:t>
                 </a:r>
+                <a:endParaRPr lang="zh-CN" altLang="en-US">
+                  <a:noFill/>
+                </a:endParaRPr>
               </a:p>
             </p:txBody>
           </p:sp>
         </mc:Fallback>
       </mc:AlternateContent>
     </p:spTree>
-    <p:extLst>
-      <p:ext uri="{BB962C8B-B14F-4D97-AF65-F5344CB8AC3E}">
-        <p14:creationId xmlns:p14="http://schemas.microsoft.com/office/powerpoint/2010/main" val="1678599957"/>
-      </p:ext>
-    </p:extLst>
   </p:cSld>
   <p:clrMapOvr>
     <a:masterClrMapping/>
@@ -17533,25 +16118,6 @@
           <a:ln>
             <a:noFill/>
           </a:ln>
-          <a:extLst>
-            <a:ext uri="{909E8E84-426E-40dd-AFC4-6F175D3DCCD1}">
-              <a14:hiddenFill xmlns="" xmlns:a14="http://schemas.microsoft.com/office/drawing/2010/main">
-                <a:solidFill>
-                  <a:srgbClr val="FFFFFF"/>
-                </a:solidFill>
-              </a14:hiddenFill>
-            </a:ext>
-            <a:ext uri="{91240B29-F687-4f45-9708-019B960494DF}">
-              <a14:hiddenLine xmlns="" xmlns:a14="http://schemas.microsoft.com/office/drawing/2010/main" w="9525">
-                <a:solidFill>
-                  <a:srgbClr val="000000"/>
-                </a:solidFill>
-                <a:miter lim="800000"/>
-                <a:headEnd/>
-                <a:tailEnd/>
-              </a14:hiddenLine>
-            </a:ext>
-          </a:extLst>
         </p:spPr>
         <p:txBody>
           <a:bodyPr wrap="square" lIns="91436" tIns="45718" rIns="91436" bIns="45718">
@@ -17715,6 +16281,13 @@
               </a:rPr>
               <a:t>同步算法异步化</a:t>
             </a:r>
+            <a:endParaRPr lang="zh-CN" altLang="en-US" b="1" dirty="0">
+              <a:solidFill>
+                <a:srgbClr val="002060"/>
+              </a:solidFill>
+              <a:latin typeface="微软雅黑" panose="020B0503020204020204" pitchFamily="34" charset="-122"/>
+              <a:ea typeface="微软雅黑" panose="020B0503020204020204" pitchFamily="34" charset="-122"/>
+            </a:endParaRPr>
           </a:p>
         </p:txBody>
       </p:sp>
@@ -17734,25 +16307,6 @@
             <a:ext cx="2133600" cy="365125"/>
           </a:xfrm>
           <a:noFill/>
-          <a:extLst>
-            <a:ext uri="{909E8E84-426E-40dd-AFC4-6F175D3DCCD1}">
-              <a14:hiddenFill xmlns="" xmlns:a14="http://schemas.microsoft.com/office/drawing/2010/main">
-                <a:solidFill>
-                  <a:srgbClr val="FFFFFF"/>
-                </a:solidFill>
-              </a14:hiddenFill>
-            </a:ext>
-            <a:ext uri="{91240B29-F687-4f45-9708-019B960494DF}">
-              <a14:hiddenLine xmlns="" xmlns:a14="http://schemas.microsoft.com/office/drawing/2010/main" w="9525">
-                <a:solidFill>
-                  <a:srgbClr val="000000"/>
-                </a:solidFill>
-                <a:miter lim="800000"/>
-                <a:headEnd/>
-                <a:tailEnd/>
-              </a14:hiddenLine>
-            </a:ext>
-          </a:extLst>
         </p:spPr>
         <p:txBody>
           <a:bodyPr/>
@@ -17771,7 +16325,7 @@
                 <a:ea typeface="宋体" panose="02010600030101010101" pitchFamily="2" charset="-122"/>
               </a:defRPr>
             </a:lvl1pPr>
-            <a:lvl2pPr marL="742920" indent="-285738">
+            <a:lvl2pPr marL="742950" indent="-285750">
               <a:spcBef>
                 <a:spcPct val="20000"/>
               </a:spcBef>
@@ -17785,7 +16339,7 @@
                 <a:ea typeface="宋体" panose="02010600030101010101" pitchFamily="2" charset="-122"/>
               </a:defRPr>
             </a:lvl2pPr>
-            <a:lvl3pPr marL="1142953" indent="-228591">
+            <a:lvl3pPr marL="1143000" indent="-228600">
               <a:spcBef>
                 <a:spcPct val="20000"/>
               </a:spcBef>
@@ -17799,7 +16353,7 @@
                 <a:ea typeface="宋体" panose="02010600030101010101" pitchFamily="2" charset="-122"/>
               </a:defRPr>
             </a:lvl3pPr>
-            <a:lvl4pPr marL="1600135" indent="-228591">
+            <a:lvl4pPr marL="1600200" indent="-228600">
               <a:spcBef>
                 <a:spcPct val="20000"/>
               </a:spcBef>
@@ -17813,7 +16367,7 @@
                 <a:ea typeface="宋体" panose="02010600030101010101" pitchFamily="2" charset="-122"/>
               </a:defRPr>
             </a:lvl4pPr>
-            <a:lvl5pPr marL="2057315" indent="-228591">
+            <a:lvl5pPr marL="2057400" indent="-228600">
               <a:spcBef>
                 <a:spcPct val="20000"/>
               </a:spcBef>
@@ -17827,7 +16381,7 @@
                 <a:ea typeface="宋体" panose="02010600030101010101" pitchFamily="2" charset="-122"/>
               </a:defRPr>
             </a:lvl5pPr>
-            <a:lvl6pPr marL="2514497" indent="-228591" eaLnBrk="0" fontAlgn="base" hangingPunct="0">
+            <a:lvl6pPr marL="2514600" indent="-228600" eaLnBrk="0" fontAlgn="base" hangingPunct="0">
               <a:spcBef>
                 <a:spcPct val="20000"/>
               </a:spcBef>
@@ -17844,7 +16398,7 @@
                 <a:ea typeface="宋体" panose="02010600030101010101" pitchFamily="2" charset="-122"/>
               </a:defRPr>
             </a:lvl6pPr>
-            <a:lvl7pPr marL="2971678" indent="-228591" eaLnBrk="0" fontAlgn="base" hangingPunct="0">
+            <a:lvl7pPr marL="2971800" indent="-228600" eaLnBrk="0" fontAlgn="base" hangingPunct="0">
               <a:spcBef>
                 <a:spcPct val="20000"/>
               </a:spcBef>
@@ -17861,7 +16415,7 @@
                 <a:ea typeface="宋体" panose="02010600030101010101" pitchFamily="2" charset="-122"/>
               </a:defRPr>
             </a:lvl7pPr>
-            <a:lvl8pPr marL="3428859" indent="-228591" eaLnBrk="0" fontAlgn="base" hangingPunct="0">
+            <a:lvl8pPr marL="3429000" indent="-228600" eaLnBrk="0" fontAlgn="base" hangingPunct="0">
               <a:spcBef>
                 <a:spcPct val="20000"/>
               </a:spcBef>
@@ -17878,7 +16432,7 @@
                 <a:ea typeface="宋体" panose="02010600030101010101" pitchFamily="2" charset="-122"/>
               </a:defRPr>
             </a:lvl8pPr>
-            <a:lvl9pPr marL="3886041" indent="-228591" eaLnBrk="0" fontAlgn="base" hangingPunct="0">
+            <a:lvl9pPr marL="3886200" indent="-228600" eaLnBrk="0" fontAlgn="base" hangingPunct="0">
               <a:spcBef>
                 <a:spcPct val="20000"/>
               </a:spcBef>
@@ -17910,14 +16464,6 @@
                   <a:srgbClr val="898989"/>
                 </a:solidFill>
               </a:rPr>
-              <a:pPr>
-                <a:spcBef>
-                  <a:spcPct val="0"/>
-                </a:spcBef>
-                <a:buFontTx/>
-                <a:buNone/>
-              </a:pPr>
-              <a:t>18</a:t>
             </a:fld>
             <a:endParaRPr lang="zh-CN" altLang="en-US" sz="1200" dirty="0">
               <a:solidFill>
@@ -17936,7 +16482,7 @@
           <p:nvPr/>
         </p:nvPicPr>
         <p:blipFill>
-          <a:blip r:embed="rId3" cstate="print">
+          <a:blip r:embed="rId1" cstate="print">
             <a:extLst>
               <a:ext uri="{28A0092B-C50C-407E-A947-70E740481C1C}">
                 <a14:useLocalDpi xmlns:a14="http://schemas.microsoft.com/office/drawing/2010/main" val="0"/>
@@ -17960,35 +16506,16 @@
           <a:ln>
             <a:noFill/>
           </a:ln>
-          <a:extLst>
-            <a:ext uri="{909E8E84-426E-40dd-AFC4-6F175D3DCCD1}">
-              <a14:hiddenFill xmlns="" xmlns:a14="http://schemas.microsoft.com/office/drawing/2010/main">
-                <a:solidFill>
-                  <a:srgbClr val="FFFFFF"/>
-                </a:solidFill>
-              </a14:hiddenFill>
-            </a:ext>
-            <a:ext uri="{91240B29-F687-4f45-9708-019B960494DF}">
-              <a14:hiddenLine xmlns="" xmlns:a14="http://schemas.microsoft.com/office/drawing/2010/main" w="9525">
-                <a:solidFill>
-                  <a:srgbClr val="000000"/>
-                </a:solidFill>
-                <a:miter lim="800000"/>
-                <a:headEnd/>
-                <a:tailEnd/>
-              </a14:hiddenLine>
-            </a:ext>
-          </a:extLst>
         </p:spPr>
       </p:pic>
-      <mc:AlternateContent xmlns:mc="http://schemas.openxmlformats.org/markup-compatibility/2006" xmlns:a14="http://schemas.microsoft.com/office/drawing/2010/main">
-        <mc:Choice Requires="a14">
+      <mc:AlternateContent xmlns:mc="http://schemas.openxmlformats.org/markup-compatibility/2006">
+        <mc:Choice xmlns:a14="http://schemas.microsoft.com/office/drawing/2010/main" Requires="a14">
           <p:sp>
             <p:nvSpPr>
               <p:cNvPr id="6" name="Subtitle 2">
                 <a:extLst>
                   <a:ext uri="{FF2B5EF4-FFF2-40B4-BE49-F238E27FC236}">
-                    <a16:creationId xmlns:a16="http://schemas.microsoft.com/office/drawing/2014/main" id="{5B72932F-F3D6-46BF-9A61-0930A2E33BD6}"/>
+                    <ele attr="{5B72932F-F3D6-46BF-9A61-0930A2E33BD6}"/>
                   </a:ext>
                 </a:extLst>
               </p:cNvPr>
@@ -18546,16 +17073,10 @@
             </p:txBody>
           </p:sp>
         </mc:Choice>
-        <mc:Fallback xmlns="">
+        <mc:Fallback>
           <p:sp>
             <p:nvSpPr>
-              <p:cNvPr id="6" name="Subtitle 2">
-                <a:extLst>
-                  <a:ext uri="{FF2B5EF4-FFF2-40B4-BE49-F238E27FC236}">
-                    <a16:creationId xmlns:a16="http://schemas.microsoft.com/office/drawing/2014/main" id="{5B72932F-F3D6-46BF-9A61-0930A2E33BD6}"/>
-                  </a:ext>
-                </a:extLst>
-              </p:cNvPr>
+              <p:cNvPr id="6" name="Subtitle 2"/>
               <p:cNvSpPr txBox="1">
                 <a:spLocks noRot="1" noChangeAspect="1" noMove="1" noResize="1" noEditPoints="1" noAdjustHandles="1" noChangeArrowheads="1" noChangeShapeType="1" noTextEdit="1"/>
               </p:cNvSpPr>
@@ -18569,8 +17090,8 @@
               <a:prstGeom prst="rect">
                 <a:avLst/>
               </a:prstGeom>
-              <a:blipFill>
-                <a:blip r:embed="rId4"/>
+              <a:blipFill rotWithShape="1">
+                <a:blip r:embed="rId2"/>
                 <a:stretch>
                   <a:fillRect l="-608" t="-1141" r="-743"/>
                 </a:stretch>
@@ -18608,17 +17129,15 @@
                   </a:rPr>
                   <a:t> </a:t>
                 </a:r>
+                <a:endParaRPr lang="zh-CN" altLang="en-US">
+                  <a:noFill/>
+                </a:endParaRPr>
               </a:p>
             </p:txBody>
           </p:sp>
         </mc:Fallback>
       </mc:AlternateContent>
     </p:spTree>
-    <p:extLst>
-      <p:ext uri="{BB962C8B-B14F-4D97-AF65-F5344CB8AC3E}">
-        <p14:creationId xmlns:p14="http://schemas.microsoft.com/office/powerpoint/2010/main" val="1002933886"/>
-      </p:ext>
-    </p:extLst>
   </p:cSld>
   <p:clrMapOvr>
     <a:masterClrMapping/>
@@ -18663,25 +17182,6 @@
           <a:ln>
             <a:noFill/>
           </a:ln>
-          <a:extLst>
-            <a:ext uri="{909E8E84-426E-40dd-AFC4-6F175D3DCCD1}">
-              <a14:hiddenFill xmlns="" xmlns:a14="http://schemas.microsoft.com/office/drawing/2010/main">
-                <a:solidFill>
-                  <a:srgbClr val="FFFFFF"/>
-                </a:solidFill>
-              </a14:hiddenFill>
-            </a:ext>
-            <a:ext uri="{91240B29-F687-4f45-9708-019B960494DF}">
-              <a14:hiddenLine xmlns="" xmlns:a14="http://schemas.microsoft.com/office/drawing/2010/main" w="9525">
-                <a:solidFill>
-                  <a:srgbClr val="000000"/>
-                </a:solidFill>
-                <a:miter lim="800000"/>
-                <a:headEnd/>
-                <a:tailEnd/>
-              </a14:hiddenLine>
-            </a:ext>
-          </a:extLst>
         </p:spPr>
         <p:txBody>
           <a:bodyPr wrap="square" lIns="91436" tIns="45718" rIns="91436" bIns="45718">
@@ -18845,6 +17345,13 @@
               </a:rPr>
               <a:t>同步算法异步化</a:t>
             </a:r>
+            <a:endParaRPr lang="zh-CN" altLang="en-US" b="1" dirty="0">
+              <a:solidFill>
+                <a:srgbClr val="002060"/>
+              </a:solidFill>
+              <a:latin typeface="微软雅黑" panose="020B0503020204020204" pitchFamily="34" charset="-122"/>
+              <a:ea typeface="微软雅黑" panose="020B0503020204020204" pitchFamily="34" charset="-122"/>
+            </a:endParaRPr>
           </a:p>
         </p:txBody>
       </p:sp>
@@ -18864,25 +17371,6 @@
             <a:ext cx="2133600" cy="365125"/>
           </a:xfrm>
           <a:noFill/>
-          <a:extLst>
-            <a:ext uri="{909E8E84-426E-40dd-AFC4-6F175D3DCCD1}">
-              <a14:hiddenFill xmlns="" xmlns:a14="http://schemas.microsoft.com/office/drawing/2010/main">
-                <a:solidFill>
-                  <a:srgbClr val="FFFFFF"/>
-                </a:solidFill>
-              </a14:hiddenFill>
-            </a:ext>
-            <a:ext uri="{91240B29-F687-4f45-9708-019B960494DF}">
-              <a14:hiddenLine xmlns="" xmlns:a14="http://schemas.microsoft.com/office/drawing/2010/main" w="9525">
-                <a:solidFill>
-                  <a:srgbClr val="000000"/>
-                </a:solidFill>
-                <a:miter lim="800000"/>
-                <a:headEnd/>
-                <a:tailEnd/>
-              </a14:hiddenLine>
-            </a:ext>
-          </a:extLst>
         </p:spPr>
         <p:txBody>
           <a:bodyPr/>
@@ -18901,7 +17389,7 @@
                 <a:ea typeface="宋体" panose="02010600030101010101" pitchFamily="2" charset="-122"/>
               </a:defRPr>
             </a:lvl1pPr>
-            <a:lvl2pPr marL="742920" indent="-285738">
+            <a:lvl2pPr marL="742950" indent="-285750">
               <a:spcBef>
                 <a:spcPct val="20000"/>
               </a:spcBef>
@@ -18915,7 +17403,7 @@
                 <a:ea typeface="宋体" panose="02010600030101010101" pitchFamily="2" charset="-122"/>
               </a:defRPr>
             </a:lvl2pPr>
-            <a:lvl3pPr marL="1142953" indent="-228591">
+            <a:lvl3pPr marL="1143000" indent="-228600">
               <a:spcBef>
                 <a:spcPct val="20000"/>
               </a:spcBef>
@@ -18929,7 +17417,7 @@
                 <a:ea typeface="宋体" panose="02010600030101010101" pitchFamily="2" charset="-122"/>
               </a:defRPr>
             </a:lvl3pPr>
-            <a:lvl4pPr marL="1600135" indent="-228591">
+            <a:lvl4pPr marL="1600200" indent="-228600">
               <a:spcBef>
                 <a:spcPct val="20000"/>
               </a:spcBef>
@@ -18943,7 +17431,7 @@
                 <a:ea typeface="宋体" panose="02010600030101010101" pitchFamily="2" charset="-122"/>
               </a:defRPr>
             </a:lvl4pPr>
-            <a:lvl5pPr marL="2057315" indent="-228591">
+            <a:lvl5pPr marL="2057400" indent="-228600">
               <a:spcBef>
                 <a:spcPct val="20000"/>
               </a:spcBef>
@@ -18957,7 +17445,7 @@
                 <a:ea typeface="宋体" panose="02010600030101010101" pitchFamily="2" charset="-122"/>
               </a:defRPr>
             </a:lvl5pPr>
-            <a:lvl6pPr marL="2514497" indent="-228591" eaLnBrk="0" fontAlgn="base" hangingPunct="0">
+            <a:lvl6pPr marL="2514600" indent="-228600" eaLnBrk="0" fontAlgn="base" hangingPunct="0">
               <a:spcBef>
                 <a:spcPct val="20000"/>
               </a:spcBef>
@@ -18974,7 +17462,7 @@
                 <a:ea typeface="宋体" panose="02010600030101010101" pitchFamily="2" charset="-122"/>
               </a:defRPr>
             </a:lvl6pPr>
-            <a:lvl7pPr marL="2971678" indent="-228591" eaLnBrk="0" fontAlgn="base" hangingPunct="0">
+            <a:lvl7pPr marL="2971800" indent="-228600" eaLnBrk="0" fontAlgn="base" hangingPunct="0">
               <a:spcBef>
                 <a:spcPct val="20000"/>
               </a:spcBef>
@@ -18991,7 +17479,7 @@
                 <a:ea typeface="宋体" panose="02010600030101010101" pitchFamily="2" charset="-122"/>
               </a:defRPr>
             </a:lvl7pPr>
-            <a:lvl8pPr marL="3428859" indent="-228591" eaLnBrk="0" fontAlgn="base" hangingPunct="0">
+            <a:lvl8pPr marL="3429000" indent="-228600" eaLnBrk="0" fontAlgn="base" hangingPunct="0">
               <a:spcBef>
                 <a:spcPct val="20000"/>
               </a:spcBef>
@@ -19008,7 +17496,7 @@
                 <a:ea typeface="宋体" panose="02010600030101010101" pitchFamily="2" charset="-122"/>
               </a:defRPr>
             </a:lvl8pPr>
-            <a:lvl9pPr marL="3886041" indent="-228591" eaLnBrk="0" fontAlgn="base" hangingPunct="0">
+            <a:lvl9pPr marL="3886200" indent="-228600" eaLnBrk="0" fontAlgn="base" hangingPunct="0">
               <a:spcBef>
                 <a:spcPct val="20000"/>
               </a:spcBef>
@@ -19040,14 +17528,6 @@
                   <a:srgbClr val="898989"/>
                 </a:solidFill>
               </a:rPr>
-              <a:pPr>
-                <a:spcBef>
-                  <a:spcPct val="0"/>
-                </a:spcBef>
-                <a:buFontTx/>
-                <a:buNone/>
-              </a:pPr>
-              <a:t>19</a:t>
             </a:fld>
             <a:endParaRPr lang="zh-CN" altLang="en-US" sz="1200" dirty="0">
               <a:solidFill>
@@ -19066,7 +17546,7 @@
           <p:nvPr/>
         </p:nvPicPr>
         <p:blipFill>
-          <a:blip r:embed="rId3" cstate="print">
+          <a:blip r:embed="rId1" cstate="print">
             <a:extLst>
               <a:ext uri="{28A0092B-C50C-407E-A947-70E740481C1C}">
                 <a14:useLocalDpi xmlns:a14="http://schemas.microsoft.com/office/drawing/2010/main" val="0"/>
@@ -19090,39 +17570,12 @@
           <a:ln>
             <a:noFill/>
           </a:ln>
-          <a:extLst>
-            <a:ext uri="{909E8E84-426E-40dd-AFC4-6F175D3DCCD1}">
-              <a14:hiddenFill xmlns="" xmlns:a14="http://schemas.microsoft.com/office/drawing/2010/main">
-                <a:solidFill>
-                  <a:srgbClr val="FFFFFF"/>
-                </a:solidFill>
-              </a14:hiddenFill>
-            </a:ext>
-            <a:ext uri="{91240B29-F687-4f45-9708-019B960494DF}">
-              <a14:hiddenLine xmlns="" xmlns:a14="http://schemas.microsoft.com/office/drawing/2010/main" w="9525">
-                <a:solidFill>
-                  <a:srgbClr val="000000"/>
-                </a:solidFill>
-                <a:miter lim="800000"/>
-                <a:headEnd/>
-                <a:tailEnd/>
-              </a14:hiddenLine>
-            </a:ext>
-          </a:extLst>
         </p:spPr>
       </p:pic>
       <p:sp>
         <p:nvSpPr>
-          <p:cNvPr id="6" name="Subtitle 2">
-            <a:extLst>
-              <a:ext uri="{FF2B5EF4-FFF2-40B4-BE49-F238E27FC236}">
-                <a16:creationId xmlns:a16="http://schemas.microsoft.com/office/drawing/2014/main" id="{5B72932F-F3D6-46BF-9A61-0930A2E33BD6}"/>
-              </a:ext>
-            </a:extLst>
-          </p:cNvPr>
-          <p:cNvSpPr txBox="1">
-            <a:spLocks/>
-          </p:cNvSpPr>
+          <p:cNvPr id="6" name="Subtitle 2"/>
+          <p:cNvSpPr txBox="1"/>
           <p:nvPr/>
         </p:nvSpPr>
         <p:spPr bwMode="auto">
@@ -19158,11 +17611,7 @@
           </a:extLst>
         </p:spPr>
         <p:txBody>
-          <a:bodyPr vert="horz" wrap="square" lIns="91440" tIns="45720" rIns="91440" bIns="45720" numCol="1" anchor="t" anchorCtr="0" compatLnSpc="1">
-            <a:prstTxWarp prst="textNoShape">
-              <a:avLst/>
-            </a:prstTxWarp>
-          </a:bodyPr>
+          <a:bodyPr vert="horz" wrap="square" lIns="91440" tIns="45720" rIns="91440" bIns="45720" numCol="1" anchor="t" anchorCtr="0" compatLnSpc="1"/>
           <a:lstStyle>
             <a:lvl1pPr marL="342900" indent="-342900" algn="l" rtl="0" eaLnBrk="0" fontAlgn="base" hangingPunct="0">
               <a:spcBef>
@@ -19281,7 +17730,7 @@
                 <a:schemeClr val="tx2"/>
               </a:buClr>
               <a:buSzPct val="70000"/>
-              <a:buFont typeface="Wingdings" pitchFamily="2" charset="2"/>
+              <a:buFont typeface="Wingdings" panose="05000000000000000000" pitchFamily="2" charset="2"/>
               <a:buChar char="¡"/>
               <a:defRPr sz="1600">
                 <a:solidFill>
@@ -19302,7 +17751,7 @@
                 <a:schemeClr val="tx2"/>
               </a:buClr>
               <a:buSzPct val="70000"/>
-              <a:buFont typeface="Wingdings" pitchFamily="2" charset="2"/>
+              <a:buFont typeface="Wingdings" panose="05000000000000000000" pitchFamily="2" charset="2"/>
               <a:buChar char="¡"/>
               <a:defRPr sz="1600">
                 <a:solidFill>
@@ -19323,7 +17772,7 @@
                 <a:schemeClr val="tx2"/>
               </a:buClr>
               <a:buSzPct val="70000"/>
-              <a:buFont typeface="Wingdings" pitchFamily="2" charset="2"/>
+              <a:buFont typeface="Wingdings" panose="05000000000000000000" pitchFamily="2" charset="2"/>
               <a:buChar char="¡"/>
               <a:defRPr sz="1600">
                 <a:solidFill>
@@ -19344,7 +17793,7 @@
                 <a:schemeClr val="tx2"/>
               </a:buClr>
               <a:buSzPct val="70000"/>
-              <a:buFont typeface="Wingdings" pitchFamily="2" charset="2"/>
+              <a:buFont typeface="Wingdings" panose="05000000000000000000" pitchFamily="2" charset="2"/>
               <a:buChar char="¡"/>
               <a:defRPr sz="1600">
                 <a:solidFill>
@@ -19373,6 +17822,12 @@
               </a:rPr>
               <a:t>𝛽同步工具</a:t>
             </a:r>
+            <a:endParaRPr lang="zh-CN" altLang="en-US" kern="0" dirty="0">
+              <a:solidFill>
+                <a:srgbClr val="003366"/>
+              </a:solidFill>
+              <a:latin typeface="+mn-ea"/>
+            </a:endParaRPr>
           </a:p>
           <a:p>
             <a:pPr lvl="1" eaLnBrk="1" hangingPunct="1">
@@ -19473,6 +17928,12 @@
               </a:rPr>
               <a:t>𝛾同步工具</a:t>
             </a:r>
+            <a:endParaRPr lang="zh-CN" altLang="en-US" kern="0" dirty="0">
+              <a:solidFill>
+                <a:srgbClr val="003366"/>
+              </a:solidFill>
+              <a:latin typeface="+mn-ea"/>
+            </a:endParaRPr>
           </a:p>
           <a:p>
             <a:pPr marR="0" lvl="1" defTabSz="914400" eaLnBrk="1" latinLnBrk="0" hangingPunct="1">
@@ -19484,7 +17945,6 @@
               </a:buClr>
               <a:buFont typeface="Wingdings" panose="05000000000000000000" pitchFamily="2" charset="2"/>
               <a:buChar char="ü"/>
-              <a:tabLst/>
               <a:defRPr/>
             </a:pPr>
             <a:r>
@@ -19524,6 +17984,13 @@
               </a:rPr>
               <a:t>簇内采用𝛽同步工具</a:t>
             </a:r>
+            <a:endParaRPr lang="zh-CN" altLang="en-US" kern="0" dirty="0">
+              <a:solidFill>
+                <a:srgbClr val="003366"/>
+              </a:solidFill>
+              <a:latin typeface="仿宋" panose="02010609060101010101" pitchFamily="49" charset="-122"/>
+              <a:ea typeface="仿宋" panose="02010609060101010101" pitchFamily="49" charset="-122"/>
+            </a:endParaRPr>
           </a:p>
           <a:p>
             <a:pPr lvl="1" eaLnBrk="1" hangingPunct="1">
@@ -19562,7 +18029,6 @@
               </a:buClr>
               <a:buFont typeface="Wingdings" panose="05000000000000000000" pitchFamily="2" charset="2"/>
               <a:buChar char="ü"/>
-              <a:tabLst/>
               <a:defRPr/>
             </a:pPr>
             <a:endParaRPr lang="en-US" altLang="zh-CN" kern="0" dirty="0">
@@ -19577,20 +18043,14 @@
       </p:sp>
       <p:pic>
         <p:nvPicPr>
-          <p:cNvPr id="2" name="图片 1">
-            <a:extLst>
-              <a:ext uri="{FF2B5EF4-FFF2-40B4-BE49-F238E27FC236}">
-                <a16:creationId xmlns:a16="http://schemas.microsoft.com/office/drawing/2014/main" id="{DBE6885B-AC36-4E43-95BD-F5F321EC1CB7}"/>
-              </a:ext>
-            </a:extLst>
-          </p:cNvPr>
+          <p:cNvPr id="2" name="图片 1"/>
           <p:cNvPicPr>
             <a:picLocks noChangeAspect="1"/>
           </p:cNvPicPr>
           <p:nvPr/>
         </p:nvPicPr>
         <p:blipFill>
-          <a:blip r:embed="rId4"/>
+          <a:blip r:embed="rId2"/>
           <a:stretch>
             <a:fillRect/>
           </a:stretch>
@@ -19606,11 +18066,6 @@
         </p:spPr>
       </p:pic>
     </p:spTree>
-    <p:extLst>
-      <p:ext uri="{BB962C8B-B14F-4D97-AF65-F5344CB8AC3E}">
-        <p14:creationId xmlns:p14="http://schemas.microsoft.com/office/powerpoint/2010/main" val="3508635449"/>
-      </p:ext>
-    </p:extLst>
   </p:cSld>
   <p:clrMapOvr>
     <a:masterClrMapping/>
@@ -19655,25 +18110,6 @@
           <a:ln>
             <a:noFill/>
           </a:ln>
-          <a:extLst>
-            <a:ext uri="{909E8E84-426E-40dd-AFC4-6F175D3DCCD1}">
-              <a14:hiddenFill xmlns:a14="http://schemas.microsoft.com/office/drawing/2010/main" xmlns="">
-                <a:solidFill>
-                  <a:srgbClr val="FFFFFF"/>
-                </a:solidFill>
-              </a14:hiddenFill>
-            </a:ext>
-            <a:ext uri="{91240B29-F687-4f45-9708-019B960494DF}">
-              <a14:hiddenLine xmlns:a14="http://schemas.microsoft.com/office/drawing/2010/main" xmlns="" w="9525">
-                <a:solidFill>
-                  <a:srgbClr val="000000"/>
-                </a:solidFill>
-                <a:miter lim="800000"/>
-                <a:headEnd/>
-                <a:tailEnd/>
-              </a14:hiddenLine>
-            </a:ext>
-          </a:extLst>
         </p:spPr>
         <p:txBody>
           <a:bodyPr wrap="square" lIns="91436" tIns="45718" rIns="91436" bIns="45718">
@@ -19837,6 +18273,13 @@
               </a:rPr>
               <a:t>集合相关算法</a:t>
             </a:r>
+            <a:endParaRPr lang="zh-CN" altLang="en-US" b="1" dirty="0">
+              <a:solidFill>
+                <a:srgbClr val="002060"/>
+              </a:solidFill>
+              <a:latin typeface="微软雅黑" panose="020B0503020204020204" pitchFamily="34" charset="-122"/>
+              <a:ea typeface="微软雅黑" panose="020B0503020204020204" pitchFamily="34" charset="-122"/>
+            </a:endParaRPr>
           </a:p>
         </p:txBody>
       </p:sp>
@@ -19856,25 +18299,6 @@
             <a:ext cx="2133600" cy="365125"/>
           </a:xfrm>
           <a:noFill/>
-          <a:extLst>
-            <a:ext uri="{909E8E84-426E-40dd-AFC4-6F175D3DCCD1}">
-              <a14:hiddenFill xmlns:a14="http://schemas.microsoft.com/office/drawing/2010/main" xmlns="">
-                <a:solidFill>
-                  <a:srgbClr val="FFFFFF"/>
-                </a:solidFill>
-              </a14:hiddenFill>
-            </a:ext>
-            <a:ext uri="{91240B29-F687-4f45-9708-019B960494DF}">
-              <a14:hiddenLine xmlns:a14="http://schemas.microsoft.com/office/drawing/2010/main" xmlns="" w="9525">
-                <a:solidFill>
-                  <a:srgbClr val="000000"/>
-                </a:solidFill>
-                <a:miter lim="800000"/>
-                <a:headEnd/>
-                <a:tailEnd/>
-              </a14:hiddenLine>
-            </a:ext>
-          </a:extLst>
         </p:spPr>
         <p:txBody>
           <a:bodyPr/>
@@ -19893,7 +18317,7 @@
                 <a:ea typeface="宋体" panose="02010600030101010101" pitchFamily="2" charset="-122"/>
               </a:defRPr>
             </a:lvl1pPr>
-            <a:lvl2pPr marL="742920" indent="-285738">
+            <a:lvl2pPr marL="742950" indent="-285750">
               <a:spcBef>
                 <a:spcPct val="20000"/>
               </a:spcBef>
@@ -19907,7 +18331,7 @@
                 <a:ea typeface="宋体" panose="02010600030101010101" pitchFamily="2" charset="-122"/>
               </a:defRPr>
             </a:lvl2pPr>
-            <a:lvl3pPr marL="1142953" indent="-228591">
+            <a:lvl3pPr marL="1143000" indent="-228600">
               <a:spcBef>
                 <a:spcPct val="20000"/>
               </a:spcBef>
@@ -19921,7 +18345,7 @@
                 <a:ea typeface="宋体" panose="02010600030101010101" pitchFamily="2" charset="-122"/>
               </a:defRPr>
             </a:lvl3pPr>
-            <a:lvl4pPr marL="1600135" indent="-228591">
+            <a:lvl4pPr marL="1600200" indent="-228600">
               <a:spcBef>
                 <a:spcPct val="20000"/>
               </a:spcBef>
@@ -19935,7 +18359,7 @@
                 <a:ea typeface="宋体" panose="02010600030101010101" pitchFamily="2" charset="-122"/>
               </a:defRPr>
             </a:lvl4pPr>
-            <a:lvl5pPr marL="2057315" indent="-228591">
+            <a:lvl5pPr marL="2057400" indent="-228600">
               <a:spcBef>
                 <a:spcPct val="20000"/>
               </a:spcBef>
@@ -19949,7 +18373,7 @@
                 <a:ea typeface="宋体" panose="02010600030101010101" pitchFamily="2" charset="-122"/>
               </a:defRPr>
             </a:lvl5pPr>
-            <a:lvl6pPr marL="2514497" indent="-228591" eaLnBrk="0" fontAlgn="base" hangingPunct="0">
+            <a:lvl6pPr marL="2514600" indent="-228600" eaLnBrk="0" fontAlgn="base" hangingPunct="0">
               <a:spcBef>
                 <a:spcPct val="20000"/>
               </a:spcBef>
@@ -19966,7 +18390,7 @@
                 <a:ea typeface="宋体" panose="02010600030101010101" pitchFamily="2" charset="-122"/>
               </a:defRPr>
             </a:lvl6pPr>
-            <a:lvl7pPr marL="2971678" indent="-228591" eaLnBrk="0" fontAlgn="base" hangingPunct="0">
+            <a:lvl7pPr marL="2971800" indent="-228600" eaLnBrk="0" fontAlgn="base" hangingPunct="0">
               <a:spcBef>
                 <a:spcPct val="20000"/>
               </a:spcBef>
@@ -19983,7 +18407,7 @@
                 <a:ea typeface="宋体" panose="02010600030101010101" pitchFamily="2" charset="-122"/>
               </a:defRPr>
             </a:lvl7pPr>
-            <a:lvl8pPr marL="3428859" indent="-228591" eaLnBrk="0" fontAlgn="base" hangingPunct="0">
+            <a:lvl8pPr marL="3429000" indent="-228600" eaLnBrk="0" fontAlgn="base" hangingPunct="0">
               <a:spcBef>
                 <a:spcPct val="20000"/>
               </a:spcBef>
@@ -20000,7 +18424,7 @@
                 <a:ea typeface="宋体" panose="02010600030101010101" pitchFamily="2" charset="-122"/>
               </a:defRPr>
             </a:lvl8pPr>
-            <a:lvl9pPr marL="3886041" indent="-228591" eaLnBrk="0" fontAlgn="base" hangingPunct="0">
+            <a:lvl9pPr marL="3886200" indent="-228600" eaLnBrk="0" fontAlgn="base" hangingPunct="0">
               <a:spcBef>
                 <a:spcPct val="20000"/>
               </a:spcBef>
@@ -20032,14 +18456,6 @@
                   <a:srgbClr val="898989"/>
                 </a:solidFill>
               </a:rPr>
-              <a:pPr>
-                <a:spcBef>
-                  <a:spcPct val="0"/>
-                </a:spcBef>
-                <a:buFontTx/>
-                <a:buNone/>
-              </a:pPr>
-              <a:t>2</a:t>
             </a:fld>
             <a:endParaRPr lang="zh-CN" altLang="en-US" sz="1200" dirty="0">
               <a:solidFill>
@@ -20058,7 +18474,7 @@
           <p:nvPr/>
         </p:nvPicPr>
         <p:blipFill>
-          <a:blip r:embed="rId3" cstate="print">
+          <a:blip r:embed="rId1" cstate="print">
             <a:extLst>
               <a:ext uri="{28A0092B-C50C-407E-A947-70E740481C1C}">
                 <a14:useLocalDpi xmlns:a14="http://schemas.microsoft.com/office/drawing/2010/main" val="0"/>
@@ -20082,39 +18498,12 @@
           <a:ln>
             <a:noFill/>
           </a:ln>
-          <a:extLst>
-            <a:ext uri="{909E8E84-426E-40dd-AFC4-6F175D3DCCD1}">
-              <a14:hiddenFill xmlns:a14="http://schemas.microsoft.com/office/drawing/2010/main" xmlns="">
-                <a:solidFill>
-                  <a:srgbClr val="FFFFFF"/>
-                </a:solidFill>
-              </a14:hiddenFill>
-            </a:ext>
-            <a:ext uri="{91240B29-F687-4f45-9708-019B960494DF}">
-              <a14:hiddenLine xmlns:a14="http://schemas.microsoft.com/office/drawing/2010/main" xmlns="" w="9525">
-                <a:solidFill>
-                  <a:srgbClr val="000000"/>
-                </a:solidFill>
-                <a:miter lim="800000"/>
-                <a:headEnd/>
-                <a:tailEnd/>
-              </a14:hiddenLine>
-            </a:ext>
-          </a:extLst>
         </p:spPr>
       </p:pic>
       <p:sp>
         <p:nvSpPr>
-          <p:cNvPr id="6" name="Subtitle 2">
-            <a:extLst>
-              <a:ext uri="{FF2B5EF4-FFF2-40B4-BE49-F238E27FC236}">
-                <a16:creationId xmlns:a16="http://schemas.microsoft.com/office/drawing/2014/main" id="{5B72932F-F3D6-46BF-9A61-0930A2E33BD6}"/>
-              </a:ext>
-            </a:extLst>
-          </p:cNvPr>
-          <p:cNvSpPr txBox="1">
-            <a:spLocks/>
-          </p:cNvSpPr>
+          <p:cNvPr id="6" name="Subtitle 2"/>
+          <p:cNvSpPr txBox="1"/>
           <p:nvPr/>
         </p:nvSpPr>
         <p:spPr bwMode="auto">
@@ -20150,11 +18539,7 @@
           </a:extLst>
         </p:spPr>
         <p:txBody>
-          <a:bodyPr vert="horz" wrap="square" lIns="91440" tIns="45720" rIns="91440" bIns="45720" numCol="1" anchor="t" anchorCtr="0" compatLnSpc="1">
-            <a:prstTxWarp prst="textNoShape">
-              <a:avLst/>
-            </a:prstTxWarp>
-          </a:bodyPr>
+          <a:bodyPr vert="horz" wrap="square" lIns="91440" tIns="45720" rIns="91440" bIns="45720" numCol="1" anchor="t" anchorCtr="0" compatLnSpc="1"/>
           <a:lstStyle>
             <a:lvl1pPr marL="342900" indent="-342900" algn="l" rtl="0" eaLnBrk="0" fontAlgn="base" hangingPunct="0">
               <a:spcBef>
@@ -20273,7 +18658,7 @@
                 <a:schemeClr val="tx2"/>
               </a:buClr>
               <a:buSzPct val="70000"/>
-              <a:buFont typeface="Wingdings" pitchFamily="2" charset="2"/>
+              <a:buFont typeface="Wingdings" panose="05000000000000000000" pitchFamily="2" charset="2"/>
               <a:buChar char="¡"/>
               <a:defRPr sz="1600">
                 <a:solidFill>
@@ -20294,7 +18679,7 @@
                 <a:schemeClr val="tx2"/>
               </a:buClr>
               <a:buSzPct val="70000"/>
-              <a:buFont typeface="Wingdings" pitchFamily="2" charset="2"/>
+              <a:buFont typeface="Wingdings" panose="05000000000000000000" pitchFamily="2" charset="2"/>
               <a:buChar char="¡"/>
               <a:defRPr sz="1600">
                 <a:solidFill>
@@ -20315,7 +18700,7 @@
                 <a:schemeClr val="tx2"/>
               </a:buClr>
               <a:buSzPct val="70000"/>
-              <a:buFont typeface="Wingdings" pitchFamily="2" charset="2"/>
+              <a:buFont typeface="Wingdings" panose="05000000000000000000" pitchFamily="2" charset="2"/>
               <a:buChar char="¡"/>
               <a:defRPr sz="1600">
                 <a:solidFill>
@@ -20336,7 +18721,7 @@
                 <a:schemeClr val="tx2"/>
               </a:buClr>
               <a:buSzPct val="70000"/>
-              <a:buFont typeface="Wingdings" pitchFamily="2" charset="2"/>
+              <a:buFont typeface="Wingdings" panose="05000000000000000000" pitchFamily="2" charset="2"/>
               <a:buChar char="¡"/>
               <a:defRPr sz="1600">
                 <a:solidFill>
@@ -20364,7 +18749,6 @@
               <a:buSzPct val="70000"/>
               <a:buFont typeface="Wingdings" panose="05000000000000000000" pitchFamily="2" charset="2"/>
               <a:buChar char="n"/>
-              <a:tabLst/>
               <a:defRPr/>
             </a:pPr>
             <a:r>
@@ -20378,8 +18762,8 @@
                 <a:effectLst/>
                 <a:uLnTx/>
                 <a:uFillTx/>
-                <a:latin typeface="Arial"/>
-                <a:ea typeface="宋体"/>
+                <a:latin typeface="Arial" panose="020B0604020202020204"/>
+                <a:ea typeface="宋体" panose="02010600030101010101" pitchFamily="2" charset="-122"/>
                 <a:cs typeface="+mn-cs"/>
               </a:rPr>
               <a:t>主要内容</a:t>
@@ -20394,8 +18778,8 @@
               <a:effectLst/>
               <a:uLnTx/>
               <a:uFillTx/>
-              <a:latin typeface="Arial"/>
-              <a:ea typeface="宋体"/>
+              <a:latin typeface="Arial" panose="020B0604020202020204"/>
+              <a:ea typeface="宋体" panose="02010600030101010101" pitchFamily="2" charset="-122"/>
               <a:cs typeface="+mn-cs"/>
             </a:endParaRPr>
           </a:p>
@@ -20544,11 +18928,6 @@
         </p:txBody>
       </p:sp>
     </p:spTree>
-    <p:extLst>
-      <p:ext uri="{BB962C8B-B14F-4D97-AF65-F5344CB8AC3E}">
-        <p14:creationId xmlns:p14="http://schemas.microsoft.com/office/powerpoint/2010/main" val="971337701"/>
-      </p:ext>
-    </p:extLst>
   </p:cSld>
   <p:clrMapOvr>
     <a:masterClrMapping/>
@@ -20593,25 +18972,6 @@
           <a:ln>
             <a:noFill/>
           </a:ln>
-          <a:extLst>
-            <a:ext uri="{909E8E84-426E-40dd-AFC4-6F175D3DCCD1}">
-              <a14:hiddenFill xmlns:a14="http://schemas.microsoft.com/office/drawing/2010/main" xmlns="">
-                <a:solidFill>
-                  <a:srgbClr val="FFFFFF"/>
-                </a:solidFill>
-              </a14:hiddenFill>
-            </a:ext>
-            <a:ext uri="{91240B29-F687-4f45-9708-019B960494DF}">
-              <a14:hiddenLine xmlns:a14="http://schemas.microsoft.com/office/drawing/2010/main" xmlns="" w="9525">
-                <a:solidFill>
-                  <a:srgbClr val="000000"/>
-                </a:solidFill>
-                <a:miter lim="800000"/>
-                <a:headEnd/>
-                <a:tailEnd/>
-              </a14:hiddenLine>
-            </a:ext>
-          </a:extLst>
         </p:spPr>
         <p:txBody>
           <a:bodyPr wrap="square" lIns="91436" tIns="45718" rIns="91436" bIns="45718">
@@ -20775,6 +19135,13 @@
               </a:rPr>
               <a:t>集合相关算法</a:t>
             </a:r>
+            <a:endParaRPr lang="zh-CN" altLang="en-US" b="1" dirty="0">
+              <a:solidFill>
+                <a:srgbClr val="002060"/>
+              </a:solidFill>
+              <a:latin typeface="微软雅黑" panose="020B0503020204020204" pitchFamily="34" charset="-122"/>
+              <a:ea typeface="微软雅黑" panose="020B0503020204020204" pitchFamily="34" charset="-122"/>
+            </a:endParaRPr>
           </a:p>
         </p:txBody>
       </p:sp>
@@ -20794,25 +19161,6 @@
             <a:ext cx="2133600" cy="365125"/>
           </a:xfrm>
           <a:noFill/>
-          <a:extLst>
-            <a:ext uri="{909E8E84-426E-40dd-AFC4-6F175D3DCCD1}">
-              <a14:hiddenFill xmlns:a14="http://schemas.microsoft.com/office/drawing/2010/main" xmlns="">
-                <a:solidFill>
-                  <a:srgbClr val="FFFFFF"/>
-                </a:solidFill>
-              </a14:hiddenFill>
-            </a:ext>
-            <a:ext uri="{91240B29-F687-4f45-9708-019B960494DF}">
-              <a14:hiddenLine xmlns:a14="http://schemas.microsoft.com/office/drawing/2010/main" xmlns="" w="9525">
-                <a:solidFill>
-                  <a:srgbClr val="000000"/>
-                </a:solidFill>
-                <a:miter lim="800000"/>
-                <a:headEnd/>
-                <a:tailEnd/>
-              </a14:hiddenLine>
-            </a:ext>
-          </a:extLst>
         </p:spPr>
         <p:txBody>
           <a:bodyPr/>
@@ -20831,7 +19179,7 @@
                 <a:ea typeface="宋体" panose="02010600030101010101" pitchFamily="2" charset="-122"/>
               </a:defRPr>
             </a:lvl1pPr>
-            <a:lvl2pPr marL="742920" indent="-285738">
+            <a:lvl2pPr marL="742950" indent="-285750">
               <a:spcBef>
                 <a:spcPct val="20000"/>
               </a:spcBef>
@@ -20845,7 +19193,7 @@
                 <a:ea typeface="宋体" panose="02010600030101010101" pitchFamily="2" charset="-122"/>
               </a:defRPr>
             </a:lvl2pPr>
-            <a:lvl3pPr marL="1142953" indent="-228591">
+            <a:lvl3pPr marL="1143000" indent="-228600">
               <a:spcBef>
                 <a:spcPct val="20000"/>
               </a:spcBef>
@@ -20859,7 +19207,7 @@
                 <a:ea typeface="宋体" panose="02010600030101010101" pitchFamily="2" charset="-122"/>
               </a:defRPr>
             </a:lvl3pPr>
-            <a:lvl4pPr marL="1600135" indent="-228591">
+            <a:lvl4pPr marL="1600200" indent="-228600">
               <a:spcBef>
                 <a:spcPct val="20000"/>
               </a:spcBef>
@@ -20873,7 +19221,7 @@
                 <a:ea typeface="宋体" panose="02010600030101010101" pitchFamily="2" charset="-122"/>
               </a:defRPr>
             </a:lvl4pPr>
-            <a:lvl5pPr marL="2057315" indent="-228591">
+            <a:lvl5pPr marL="2057400" indent="-228600">
               <a:spcBef>
                 <a:spcPct val="20000"/>
               </a:spcBef>
@@ -20887,7 +19235,7 @@
                 <a:ea typeface="宋体" panose="02010600030101010101" pitchFamily="2" charset="-122"/>
               </a:defRPr>
             </a:lvl5pPr>
-            <a:lvl6pPr marL="2514497" indent="-228591" eaLnBrk="0" fontAlgn="base" hangingPunct="0">
+            <a:lvl6pPr marL="2514600" indent="-228600" eaLnBrk="0" fontAlgn="base" hangingPunct="0">
               <a:spcBef>
                 <a:spcPct val="20000"/>
               </a:spcBef>
@@ -20904,7 +19252,7 @@
                 <a:ea typeface="宋体" panose="02010600030101010101" pitchFamily="2" charset="-122"/>
               </a:defRPr>
             </a:lvl6pPr>
-            <a:lvl7pPr marL="2971678" indent="-228591" eaLnBrk="0" fontAlgn="base" hangingPunct="0">
+            <a:lvl7pPr marL="2971800" indent="-228600" eaLnBrk="0" fontAlgn="base" hangingPunct="0">
               <a:spcBef>
                 <a:spcPct val="20000"/>
               </a:spcBef>
@@ -20921,7 +19269,7 @@
                 <a:ea typeface="宋体" panose="02010600030101010101" pitchFamily="2" charset="-122"/>
               </a:defRPr>
             </a:lvl7pPr>
-            <a:lvl8pPr marL="3428859" indent="-228591" eaLnBrk="0" fontAlgn="base" hangingPunct="0">
+            <a:lvl8pPr marL="3429000" indent="-228600" eaLnBrk="0" fontAlgn="base" hangingPunct="0">
               <a:spcBef>
                 <a:spcPct val="20000"/>
               </a:spcBef>
@@ -20938,7 +19286,7 @@
                 <a:ea typeface="宋体" panose="02010600030101010101" pitchFamily="2" charset="-122"/>
               </a:defRPr>
             </a:lvl8pPr>
-            <a:lvl9pPr marL="3886041" indent="-228591" eaLnBrk="0" fontAlgn="base" hangingPunct="0">
+            <a:lvl9pPr marL="3886200" indent="-228600" eaLnBrk="0" fontAlgn="base" hangingPunct="0">
               <a:spcBef>
                 <a:spcPct val="20000"/>
               </a:spcBef>
@@ -20970,14 +19318,6 @@
                   <a:srgbClr val="898989"/>
                 </a:solidFill>
               </a:rPr>
-              <a:pPr>
-                <a:spcBef>
-                  <a:spcPct val="0"/>
-                </a:spcBef>
-                <a:buFontTx/>
-                <a:buNone/>
-              </a:pPr>
-              <a:t>20</a:t>
             </a:fld>
             <a:endParaRPr lang="zh-CN" altLang="en-US" sz="1200" dirty="0">
               <a:solidFill>
@@ -20996,7 +19336,7 @@
           <p:nvPr/>
         </p:nvPicPr>
         <p:blipFill>
-          <a:blip r:embed="rId3" cstate="print">
+          <a:blip r:embed="rId1" cstate="print">
             <a:extLst>
               <a:ext uri="{28A0092B-C50C-407E-A947-70E740481C1C}">
                 <a14:useLocalDpi xmlns:a14="http://schemas.microsoft.com/office/drawing/2010/main" val="0"/>
@@ -21020,39 +19360,12 @@
           <a:ln>
             <a:noFill/>
           </a:ln>
-          <a:extLst>
-            <a:ext uri="{909E8E84-426E-40dd-AFC4-6F175D3DCCD1}">
-              <a14:hiddenFill xmlns:a14="http://schemas.microsoft.com/office/drawing/2010/main" xmlns="">
-                <a:solidFill>
-                  <a:srgbClr val="FFFFFF"/>
-                </a:solidFill>
-              </a14:hiddenFill>
-            </a:ext>
-            <a:ext uri="{91240B29-F687-4f45-9708-019B960494DF}">
-              <a14:hiddenLine xmlns:a14="http://schemas.microsoft.com/office/drawing/2010/main" xmlns="" w="9525">
-                <a:solidFill>
-                  <a:srgbClr val="000000"/>
-                </a:solidFill>
-                <a:miter lim="800000"/>
-                <a:headEnd/>
-                <a:tailEnd/>
-              </a14:hiddenLine>
-            </a:ext>
-          </a:extLst>
         </p:spPr>
       </p:pic>
       <p:sp>
         <p:nvSpPr>
-          <p:cNvPr id="6" name="Subtitle 2">
-            <a:extLst>
-              <a:ext uri="{FF2B5EF4-FFF2-40B4-BE49-F238E27FC236}">
-                <a16:creationId xmlns:a16="http://schemas.microsoft.com/office/drawing/2014/main" id="{5B72932F-F3D6-46BF-9A61-0930A2E33BD6}"/>
-              </a:ext>
-            </a:extLst>
-          </p:cNvPr>
-          <p:cNvSpPr txBox="1">
-            <a:spLocks/>
-          </p:cNvSpPr>
+          <p:cNvPr id="6" name="Subtitle 2"/>
+          <p:cNvSpPr txBox="1"/>
           <p:nvPr/>
         </p:nvSpPr>
         <p:spPr bwMode="auto">
@@ -21088,11 +19401,7 @@
           </a:extLst>
         </p:spPr>
         <p:txBody>
-          <a:bodyPr vert="horz" wrap="square" lIns="91440" tIns="45720" rIns="91440" bIns="45720" numCol="1" anchor="t" anchorCtr="0" compatLnSpc="1">
-            <a:prstTxWarp prst="textNoShape">
-              <a:avLst/>
-            </a:prstTxWarp>
-          </a:bodyPr>
+          <a:bodyPr vert="horz" wrap="square" lIns="91440" tIns="45720" rIns="91440" bIns="45720" numCol="1" anchor="t" anchorCtr="0" compatLnSpc="1"/>
           <a:lstStyle>
             <a:lvl1pPr marL="342900" indent="-342900" algn="l" rtl="0" eaLnBrk="0" fontAlgn="base" hangingPunct="0">
               <a:spcBef>
@@ -21211,7 +19520,7 @@
                 <a:schemeClr val="tx2"/>
               </a:buClr>
               <a:buSzPct val="70000"/>
-              <a:buFont typeface="Wingdings" pitchFamily="2" charset="2"/>
+              <a:buFont typeface="Wingdings" panose="05000000000000000000" pitchFamily="2" charset="2"/>
               <a:buChar char="¡"/>
               <a:defRPr sz="1600">
                 <a:solidFill>
@@ -21232,7 +19541,7 @@
                 <a:schemeClr val="tx2"/>
               </a:buClr>
               <a:buSzPct val="70000"/>
-              <a:buFont typeface="Wingdings" pitchFamily="2" charset="2"/>
+              <a:buFont typeface="Wingdings" panose="05000000000000000000" pitchFamily="2" charset="2"/>
               <a:buChar char="¡"/>
               <a:defRPr sz="1600">
                 <a:solidFill>
@@ -21253,7 +19562,7 @@
                 <a:schemeClr val="tx2"/>
               </a:buClr>
               <a:buSzPct val="70000"/>
-              <a:buFont typeface="Wingdings" pitchFamily="2" charset="2"/>
+              <a:buFont typeface="Wingdings" panose="05000000000000000000" pitchFamily="2" charset="2"/>
               <a:buChar char="¡"/>
               <a:defRPr sz="1600">
                 <a:solidFill>
@@ -21274,7 +19583,7 @@
                 <a:schemeClr val="tx2"/>
               </a:buClr>
               <a:buSzPct val="70000"/>
-              <a:buFont typeface="Wingdings" pitchFamily="2" charset="2"/>
+              <a:buFont typeface="Wingdings" panose="05000000000000000000" pitchFamily="2" charset="2"/>
               <a:buChar char="¡"/>
               <a:defRPr sz="1600">
                 <a:solidFill>
@@ -21302,7 +19611,6 @@
               <a:buSzPct val="70000"/>
               <a:buFont typeface="Wingdings" panose="05000000000000000000" pitchFamily="2" charset="2"/>
               <a:buChar char="n"/>
-              <a:tabLst/>
               <a:defRPr/>
             </a:pPr>
             <a:r>
@@ -21316,8 +19624,8 @@
                 <a:effectLst/>
                 <a:uLnTx/>
                 <a:uFillTx/>
-                <a:latin typeface="Arial"/>
-                <a:ea typeface="宋体"/>
+                <a:latin typeface="Arial" panose="020B0604020202020204"/>
+                <a:ea typeface="宋体" panose="02010600030101010101" pitchFamily="2" charset="-122"/>
                 <a:cs typeface="+mn-cs"/>
               </a:rPr>
               <a:t>主要内容</a:t>
@@ -21332,8 +19640,8 @@
               <a:effectLst/>
               <a:uLnTx/>
               <a:uFillTx/>
-              <a:latin typeface="Arial"/>
-              <a:ea typeface="宋体"/>
+              <a:latin typeface="Arial" panose="020B0604020202020204"/>
+              <a:ea typeface="宋体" panose="02010600030101010101" pitchFamily="2" charset="-122"/>
               <a:cs typeface="+mn-cs"/>
             </a:endParaRPr>
           </a:p>
@@ -21482,11 +19790,6 @@
         </p:txBody>
       </p:sp>
     </p:spTree>
-    <p:extLst>
-      <p:ext uri="{BB962C8B-B14F-4D97-AF65-F5344CB8AC3E}">
-        <p14:creationId xmlns:p14="http://schemas.microsoft.com/office/powerpoint/2010/main" val="2130459909"/>
-      </p:ext>
-    </p:extLst>
   </p:cSld>
   <p:clrMapOvr>
     <a:masterClrMapping/>
@@ -21531,25 +19834,6 @@
           <a:ln>
             <a:noFill/>
           </a:ln>
-          <a:extLst>
-            <a:ext uri="{909E8E84-426E-40dd-AFC4-6F175D3DCCD1}">
-              <a14:hiddenFill xmlns="" xmlns:a14="http://schemas.microsoft.com/office/drawing/2010/main">
-                <a:solidFill>
-                  <a:srgbClr val="FFFFFF"/>
-                </a:solidFill>
-              </a14:hiddenFill>
-            </a:ext>
-            <a:ext uri="{91240B29-F687-4f45-9708-019B960494DF}">
-              <a14:hiddenLine xmlns="" xmlns:a14="http://schemas.microsoft.com/office/drawing/2010/main" w="9525">
-                <a:solidFill>
-                  <a:srgbClr val="000000"/>
-                </a:solidFill>
-                <a:miter lim="800000"/>
-                <a:headEnd/>
-                <a:tailEnd/>
-              </a14:hiddenLine>
-            </a:ext>
-          </a:extLst>
         </p:spPr>
         <p:txBody>
           <a:bodyPr wrap="square" lIns="91436" tIns="45718" rIns="91436" bIns="45718">
@@ -21713,6 +19997,13 @@
               </a:rPr>
               <a:t>最大独立集</a:t>
             </a:r>
+            <a:endParaRPr lang="zh-CN" altLang="en-US" b="1" dirty="0">
+              <a:solidFill>
+                <a:srgbClr val="002060"/>
+              </a:solidFill>
+              <a:latin typeface="微软雅黑" panose="020B0503020204020204" pitchFamily="34" charset="-122"/>
+              <a:ea typeface="微软雅黑" panose="020B0503020204020204" pitchFamily="34" charset="-122"/>
+            </a:endParaRPr>
           </a:p>
         </p:txBody>
       </p:sp>
@@ -21732,25 +20023,6 @@
             <a:ext cx="2133600" cy="365125"/>
           </a:xfrm>
           <a:noFill/>
-          <a:extLst>
-            <a:ext uri="{909E8E84-426E-40dd-AFC4-6F175D3DCCD1}">
-              <a14:hiddenFill xmlns="" xmlns:a14="http://schemas.microsoft.com/office/drawing/2010/main">
-                <a:solidFill>
-                  <a:srgbClr val="FFFFFF"/>
-                </a:solidFill>
-              </a14:hiddenFill>
-            </a:ext>
-            <a:ext uri="{91240B29-F687-4f45-9708-019B960494DF}">
-              <a14:hiddenLine xmlns="" xmlns:a14="http://schemas.microsoft.com/office/drawing/2010/main" w="9525">
-                <a:solidFill>
-                  <a:srgbClr val="000000"/>
-                </a:solidFill>
-                <a:miter lim="800000"/>
-                <a:headEnd/>
-                <a:tailEnd/>
-              </a14:hiddenLine>
-            </a:ext>
-          </a:extLst>
         </p:spPr>
         <p:txBody>
           <a:bodyPr/>
@@ -21769,7 +20041,7 @@
                 <a:ea typeface="宋体" panose="02010600030101010101" pitchFamily="2" charset="-122"/>
               </a:defRPr>
             </a:lvl1pPr>
-            <a:lvl2pPr marL="742920" indent="-285738">
+            <a:lvl2pPr marL="742950" indent="-285750">
               <a:spcBef>
                 <a:spcPct val="20000"/>
               </a:spcBef>
@@ -21783,7 +20055,7 @@
                 <a:ea typeface="宋体" panose="02010600030101010101" pitchFamily="2" charset="-122"/>
               </a:defRPr>
             </a:lvl2pPr>
-            <a:lvl3pPr marL="1142953" indent="-228591">
+            <a:lvl3pPr marL="1143000" indent="-228600">
               <a:spcBef>
                 <a:spcPct val="20000"/>
               </a:spcBef>
@@ -21797,7 +20069,7 @@
                 <a:ea typeface="宋体" panose="02010600030101010101" pitchFamily="2" charset="-122"/>
               </a:defRPr>
             </a:lvl3pPr>
-            <a:lvl4pPr marL="1600135" indent="-228591">
+            <a:lvl4pPr marL="1600200" indent="-228600">
               <a:spcBef>
                 <a:spcPct val="20000"/>
               </a:spcBef>
@@ -21811,7 +20083,7 @@
                 <a:ea typeface="宋体" panose="02010600030101010101" pitchFamily="2" charset="-122"/>
               </a:defRPr>
             </a:lvl4pPr>
-            <a:lvl5pPr marL="2057315" indent="-228591">
+            <a:lvl5pPr marL="2057400" indent="-228600">
               <a:spcBef>
                 <a:spcPct val="20000"/>
               </a:spcBef>
@@ -21825,7 +20097,7 @@
                 <a:ea typeface="宋体" panose="02010600030101010101" pitchFamily="2" charset="-122"/>
               </a:defRPr>
             </a:lvl5pPr>
-            <a:lvl6pPr marL="2514497" indent="-228591" eaLnBrk="0" fontAlgn="base" hangingPunct="0">
+            <a:lvl6pPr marL="2514600" indent="-228600" eaLnBrk="0" fontAlgn="base" hangingPunct="0">
               <a:spcBef>
                 <a:spcPct val="20000"/>
               </a:spcBef>
@@ -21842,7 +20114,7 @@
                 <a:ea typeface="宋体" panose="02010600030101010101" pitchFamily="2" charset="-122"/>
               </a:defRPr>
             </a:lvl6pPr>
-            <a:lvl7pPr marL="2971678" indent="-228591" eaLnBrk="0" fontAlgn="base" hangingPunct="0">
+            <a:lvl7pPr marL="2971800" indent="-228600" eaLnBrk="0" fontAlgn="base" hangingPunct="0">
               <a:spcBef>
                 <a:spcPct val="20000"/>
               </a:spcBef>
@@ -21859,7 +20131,7 @@
                 <a:ea typeface="宋体" panose="02010600030101010101" pitchFamily="2" charset="-122"/>
               </a:defRPr>
             </a:lvl7pPr>
-            <a:lvl8pPr marL="3428859" indent="-228591" eaLnBrk="0" fontAlgn="base" hangingPunct="0">
+            <a:lvl8pPr marL="3429000" indent="-228600" eaLnBrk="0" fontAlgn="base" hangingPunct="0">
               <a:spcBef>
                 <a:spcPct val="20000"/>
               </a:spcBef>
@@ -21876,7 +20148,7 @@
                 <a:ea typeface="宋体" panose="02010600030101010101" pitchFamily="2" charset="-122"/>
               </a:defRPr>
             </a:lvl8pPr>
-            <a:lvl9pPr marL="3886041" indent="-228591" eaLnBrk="0" fontAlgn="base" hangingPunct="0">
+            <a:lvl9pPr marL="3886200" indent="-228600" eaLnBrk="0" fontAlgn="base" hangingPunct="0">
               <a:spcBef>
                 <a:spcPct val="20000"/>
               </a:spcBef>
@@ -21908,14 +20180,6 @@
                   <a:srgbClr val="898989"/>
                 </a:solidFill>
               </a:rPr>
-              <a:pPr>
-                <a:spcBef>
-                  <a:spcPct val="0"/>
-                </a:spcBef>
-                <a:buFontTx/>
-                <a:buNone/>
-              </a:pPr>
-              <a:t>3</a:t>
             </a:fld>
             <a:endParaRPr lang="zh-CN" altLang="en-US" sz="1200" dirty="0">
               <a:solidFill>
@@ -21934,7 +20198,7 @@
           <p:nvPr/>
         </p:nvPicPr>
         <p:blipFill>
-          <a:blip r:embed="rId3" cstate="print">
+          <a:blip r:embed="rId1" cstate="print">
             <a:extLst>
               <a:ext uri="{28A0092B-C50C-407E-A947-70E740481C1C}">
                 <a14:useLocalDpi xmlns:a14="http://schemas.microsoft.com/office/drawing/2010/main" val="0"/>
@@ -21958,35 +20222,16 @@
           <a:ln>
             <a:noFill/>
           </a:ln>
-          <a:extLst>
-            <a:ext uri="{909E8E84-426E-40dd-AFC4-6F175D3DCCD1}">
-              <a14:hiddenFill xmlns="" xmlns:a14="http://schemas.microsoft.com/office/drawing/2010/main">
-                <a:solidFill>
-                  <a:srgbClr val="FFFFFF"/>
-                </a:solidFill>
-              </a14:hiddenFill>
-            </a:ext>
-            <a:ext uri="{91240B29-F687-4f45-9708-019B960494DF}">
-              <a14:hiddenLine xmlns="" xmlns:a14="http://schemas.microsoft.com/office/drawing/2010/main" w="9525">
-                <a:solidFill>
-                  <a:srgbClr val="000000"/>
-                </a:solidFill>
-                <a:miter lim="800000"/>
-                <a:headEnd/>
-                <a:tailEnd/>
-              </a14:hiddenLine>
-            </a:ext>
-          </a:extLst>
         </p:spPr>
       </p:pic>
-      <mc:AlternateContent xmlns:mc="http://schemas.openxmlformats.org/markup-compatibility/2006" xmlns:a14="http://schemas.microsoft.com/office/drawing/2010/main">
-        <mc:Choice Requires="a14">
+      <mc:AlternateContent xmlns:mc="http://schemas.openxmlformats.org/markup-compatibility/2006">
+        <mc:Choice xmlns:a14="http://schemas.microsoft.com/office/drawing/2010/main" Requires="a14">
           <p:sp>
             <p:nvSpPr>
               <p:cNvPr id="6" name="Subtitle 2">
                 <a:extLst>
                   <a:ext uri="{FF2B5EF4-FFF2-40B4-BE49-F238E27FC236}">
-                    <a16:creationId xmlns:a16="http://schemas.microsoft.com/office/drawing/2014/main" id="{5B72932F-F3D6-46BF-9A61-0930A2E33BD6}"/>
+                    <ele attr="{5B72932F-F3D6-46BF-9A61-0930A2E33BD6}"/>
                   </a:ext>
                 </a:extLst>
               </p:cNvPr>
@@ -23245,16 +21490,10 @@
             </p:txBody>
           </p:sp>
         </mc:Choice>
-        <mc:Fallback xmlns="">
+        <mc:Fallback>
           <p:sp>
             <p:nvSpPr>
-              <p:cNvPr id="6" name="Subtitle 2">
-                <a:extLst>
-                  <a:ext uri="{FF2B5EF4-FFF2-40B4-BE49-F238E27FC236}">
-                    <a16:creationId xmlns:a16="http://schemas.microsoft.com/office/drawing/2014/main" id="{5B72932F-F3D6-46BF-9A61-0930A2E33BD6}"/>
-                  </a:ext>
-                </a:extLst>
-              </p:cNvPr>
+              <p:cNvPr id="6" name="Subtitle 2"/>
               <p:cNvSpPr txBox="1">
                 <a:spLocks noRot="1" noChangeAspect="1" noMove="1" noResize="1" noEditPoints="1" noAdjustHandles="1" noChangeArrowheads="1" noChangeShapeType="1" noTextEdit="1"/>
               </p:cNvSpPr>
@@ -23268,8 +21507,8 @@
               <a:prstGeom prst="rect">
                 <a:avLst/>
               </a:prstGeom>
-              <a:blipFill>
-                <a:blip r:embed="rId4"/>
+              <a:blipFill rotWithShape="1">
+                <a:blip r:embed="rId2"/>
                 <a:stretch>
                   <a:fillRect l="-608" t="-1141" r="-2431" b="-311"/>
                 </a:stretch>
@@ -23307,17 +21546,15 @@
                   </a:rPr>
                   <a:t> </a:t>
                 </a:r>
+                <a:endParaRPr lang="zh-CN" altLang="en-US">
+                  <a:noFill/>
+                </a:endParaRPr>
               </a:p>
             </p:txBody>
           </p:sp>
         </mc:Fallback>
       </mc:AlternateContent>
     </p:spTree>
-    <p:extLst>
-      <p:ext uri="{BB962C8B-B14F-4D97-AF65-F5344CB8AC3E}">
-        <p14:creationId xmlns:p14="http://schemas.microsoft.com/office/powerpoint/2010/main" val="1146124884"/>
-      </p:ext>
-    </p:extLst>
   </p:cSld>
   <p:clrMapOvr>
     <a:masterClrMapping/>
@@ -23362,25 +21599,6 @@
           <a:ln>
             <a:noFill/>
           </a:ln>
-          <a:extLst>
-            <a:ext uri="{909E8E84-426E-40dd-AFC4-6F175D3DCCD1}">
-              <a14:hiddenFill xmlns="" xmlns:a14="http://schemas.microsoft.com/office/drawing/2010/main">
-                <a:solidFill>
-                  <a:srgbClr val="FFFFFF"/>
-                </a:solidFill>
-              </a14:hiddenFill>
-            </a:ext>
-            <a:ext uri="{91240B29-F687-4f45-9708-019B960494DF}">
-              <a14:hiddenLine xmlns="" xmlns:a14="http://schemas.microsoft.com/office/drawing/2010/main" w="9525">
-                <a:solidFill>
-                  <a:srgbClr val="000000"/>
-                </a:solidFill>
-                <a:miter lim="800000"/>
-                <a:headEnd/>
-                <a:tailEnd/>
-              </a14:hiddenLine>
-            </a:ext>
-          </a:extLst>
         </p:spPr>
         <p:txBody>
           <a:bodyPr wrap="square" lIns="91436" tIns="45718" rIns="91436" bIns="45718">
@@ -23544,6 +21762,13 @@
               </a:rPr>
               <a:t>最大独立集</a:t>
             </a:r>
+            <a:endParaRPr lang="zh-CN" altLang="en-US" b="1" dirty="0">
+              <a:solidFill>
+                <a:srgbClr val="002060"/>
+              </a:solidFill>
+              <a:latin typeface="微软雅黑" panose="020B0503020204020204" pitchFamily="34" charset="-122"/>
+              <a:ea typeface="微软雅黑" panose="020B0503020204020204" pitchFamily="34" charset="-122"/>
+            </a:endParaRPr>
           </a:p>
         </p:txBody>
       </p:sp>
@@ -23563,25 +21788,6 @@
             <a:ext cx="2133600" cy="365125"/>
           </a:xfrm>
           <a:noFill/>
-          <a:extLst>
-            <a:ext uri="{909E8E84-426E-40dd-AFC4-6F175D3DCCD1}">
-              <a14:hiddenFill xmlns="" xmlns:a14="http://schemas.microsoft.com/office/drawing/2010/main">
-                <a:solidFill>
-                  <a:srgbClr val="FFFFFF"/>
-                </a:solidFill>
-              </a14:hiddenFill>
-            </a:ext>
-            <a:ext uri="{91240B29-F687-4f45-9708-019B960494DF}">
-              <a14:hiddenLine xmlns="" xmlns:a14="http://schemas.microsoft.com/office/drawing/2010/main" w="9525">
-                <a:solidFill>
-                  <a:srgbClr val="000000"/>
-                </a:solidFill>
-                <a:miter lim="800000"/>
-                <a:headEnd/>
-                <a:tailEnd/>
-              </a14:hiddenLine>
-            </a:ext>
-          </a:extLst>
         </p:spPr>
         <p:txBody>
           <a:bodyPr/>
@@ -23600,7 +21806,7 @@
                 <a:ea typeface="宋体" panose="02010600030101010101" pitchFamily="2" charset="-122"/>
               </a:defRPr>
             </a:lvl1pPr>
-            <a:lvl2pPr marL="742920" indent="-285738">
+            <a:lvl2pPr marL="742950" indent="-285750">
               <a:spcBef>
                 <a:spcPct val="20000"/>
               </a:spcBef>
@@ -23614,7 +21820,7 @@
                 <a:ea typeface="宋体" panose="02010600030101010101" pitchFamily="2" charset="-122"/>
               </a:defRPr>
             </a:lvl2pPr>
-            <a:lvl3pPr marL="1142953" indent="-228591">
+            <a:lvl3pPr marL="1143000" indent="-228600">
               <a:spcBef>
                 <a:spcPct val="20000"/>
               </a:spcBef>
@@ -23628,7 +21834,7 @@
                 <a:ea typeface="宋体" panose="02010600030101010101" pitchFamily="2" charset="-122"/>
               </a:defRPr>
             </a:lvl3pPr>
-            <a:lvl4pPr marL="1600135" indent="-228591">
+            <a:lvl4pPr marL="1600200" indent="-228600">
               <a:spcBef>
                 <a:spcPct val="20000"/>
               </a:spcBef>
@@ -23642,7 +21848,7 @@
                 <a:ea typeface="宋体" panose="02010600030101010101" pitchFamily="2" charset="-122"/>
               </a:defRPr>
             </a:lvl4pPr>
-            <a:lvl5pPr marL="2057315" indent="-228591">
+            <a:lvl5pPr marL="2057400" indent="-228600">
               <a:spcBef>
                 <a:spcPct val="20000"/>
               </a:spcBef>
@@ -23656,7 +21862,7 @@
                 <a:ea typeface="宋体" panose="02010600030101010101" pitchFamily="2" charset="-122"/>
               </a:defRPr>
             </a:lvl5pPr>
-            <a:lvl6pPr marL="2514497" indent="-228591" eaLnBrk="0" fontAlgn="base" hangingPunct="0">
+            <a:lvl6pPr marL="2514600" indent="-228600" eaLnBrk="0" fontAlgn="base" hangingPunct="0">
               <a:spcBef>
                 <a:spcPct val="20000"/>
               </a:spcBef>
@@ -23673,7 +21879,7 @@
                 <a:ea typeface="宋体" panose="02010600030101010101" pitchFamily="2" charset="-122"/>
               </a:defRPr>
             </a:lvl6pPr>
-            <a:lvl7pPr marL="2971678" indent="-228591" eaLnBrk="0" fontAlgn="base" hangingPunct="0">
+            <a:lvl7pPr marL="2971800" indent="-228600" eaLnBrk="0" fontAlgn="base" hangingPunct="0">
               <a:spcBef>
                 <a:spcPct val="20000"/>
               </a:spcBef>
@@ -23690,7 +21896,7 @@
                 <a:ea typeface="宋体" panose="02010600030101010101" pitchFamily="2" charset="-122"/>
               </a:defRPr>
             </a:lvl7pPr>
-            <a:lvl8pPr marL="3428859" indent="-228591" eaLnBrk="0" fontAlgn="base" hangingPunct="0">
+            <a:lvl8pPr marL="3429000" indent="-228600" eaLnBrk="0" fontAlgn="base" hangingPunct="0">
               <a:spcBef>
                 <a:spcPct val="20000"/>
               </a:spcBef>
@@ -23707,7 +21913,7 @@
                 <a:ea typeface="宋体" panose="02010600030101010101" pitchFamily="2" charset="-122"/>
               </a:defRPr>
             </a:lvl8pPr>
-            <a:lvl9pPr marL="3886041" indent="-228591" eaLnBrk="0" fontAlgn="base" hangingPunct="0">
+            <a:lvl9pPr marL="3886200" indent="-228600" eaLnBrk="0" fontAlgn="base" hangingPunct="0">
               <a:spcBef>
                 <a:spcPct val="20000"/>
               </a:spcBef>
@@ -23739,14 +21945,6 @@
                   <a:srgbClr val="898989"/>
                 </a:solidFill>
               </a:rPr>
-              <a:pPr>
-                <a:spcBef>
-                  <a:spcPct val="0"/>
-                </a:spcBef>
-                <a:buFontTx/>
-                <a:buNone/>
-              </a:pPr>
-              <a:t>4</a:t>
             </a:fld>
             <a:endParaRPr lang="zh-CN" altLang="en-US" sz="1200" dirty="0">
               <a:solidFill>
@@ -23765,7 +21963,7 @@
           <p:nvPr/>
         </p:nvPicPr>
         <p:blipFill>
-          <a:blip r:embed="rId3" cstate="print">
+          <a:blip r:embed="rId1" cstate="print">
             <a:extLst>
               <a:ext uri="{28A0092B-C50C-407E-A947-70E740481C1C}">
                 <a14:useLocalDpi xmlns:a14="http://schemas.microsoft.com/office/drawing/2010/main" val="0"/>
@@ -23789,39 +21987,12 @@
           <a:ln>
             <a:noFill/>
           </a:ln>
-          <a:extLst>
-            <a:ext uri="{909E8E84-426E-40dd-AFC4-6F175D3DCCD1}">
-              <a14:hiddenFill xmlns="" xmlns:a14="http://schemas.microsoft.com/office/drawing/2010/main">
-                <a:solidFill>
-                  <a:srgbClr val="FFFFFF"/>
-                </a:solidFill>
-              </a14:hiddenFill>
-            </a:ext>
-            <a:ext uri="{91240B29-F687-4f45-9708-019B960494DF}">
-              <a14:hiddenLine xmlns="" xmlns:a14="http://schemas.microsoft.com/office/drawing/2010/main" w="9525">
-                <a:solidFill>
-                  <a:srgbClr val="000000"/>
-                </a:solidFill>
-                <a:miter lim="800000"/>
-                <a:headEnd/>
-                <a:tailEnd/>
-              </a14:hiddenLine>
-            </a:ext>
-          </a:extLst>
         </p:spPr>
       </p:pic>
       <p:sp>
         <p:nvSpPr>
-          <p:cNvPr id="6" name="Subtitle 2">
-            <a:extLst>
-              <a:ext uri="{FF2B5EF4-FFF2-40B4-BE49-F238E27FC236}">
-                <a16:creationId xmlns:a16="http://schemas.microsoft.com/office/drawing/2014/main" id="{5B72932F-F3D6-46BF-9A61-0930A2E33BD6}"/>
-              </a:ext>
-            </a:extLst>
-          </p:cNvPr>
-          <p:cNvSpPr txBox="1">
-            <a:spLocks/>
-          </p:cNvSpPr>
+          <p:cNvPr id="6" name="Subtitle 2"/>
+          <p:cNvSpPr txBox="1"/>
           <p:nvPr/>
         </p:nvSpPr>
         <p:spPr bwMode="auto">
@@ -23857,11 +22028,7 @@
           </a:extLst>
         </p:spPr>
         <p:txBody>
-          <a:bodyPr vert="horz" wrap="square" lIns="91440" tIns="45720" rIns="91440" bIns="45720" numCol="1" anchor="t" anchorCtr="0" compatLnSpc="1">
-            <a:prstTxWarp prst="textNoShape">
-              <a:avLst/>
-            </a:prstTxWarp>
-          </a:bodyPr>
+          <a:bodyPr vert="horz" wrap="square" lIns="91440" tIns="45720" rIns="91440" bIns="45720" numCol="1" anchor="t" anchorCtr="0" compatLnSpc="1"/>
           <a:lstStyle>
             <a:lvl1pPr marL="342900" indent="-342900" algn="l" rtl="0" eaLnBrk="0" fontAlgn="base" hangingPunct="0">
               <a:spcBef>
@@ -23980,7 +22147,7 @@
                 <a:schemeClr val="tx2"/>
               </a:buClr>
               <a:buSzPct val="70000"/>
-              <a:buFont typeface="Wingdings" pitchFamily="2" charset="2"/>
+              <a:buFont typeface="Wingdings" panose="05000000000000000000" pitchFamily="2" charset="2"/>
               <a:buChar char="¡"/>
               <a:defRPr sz="1600">
                 <a:solidFill>
@@ -24001,7 +22168,7 @@
                 <a:schemeClr val="tx2"/>
               </a:buClr>
               <a:buSzPct val="70000"/>
-              <a:buFont typeface="Wingdings" pitchFamily="2" charset="2"/>
+              <a:buFont typeface="Wingdings" panose="05000000000000000000" pitchFamily="2" charset="2"/>
               <a:buChar char="¡"/>
               <a:defRPr sz="1600">
                 <a:solidFill>
@@ -24022,7 +22189,7 @@
                 <a:schemeClr val="tx2"/>
               </a:buClr>
               <a:buSzPct val="70000"/>
-              <a:buFont typeface="Wingdings" pitchFamily="2" charset="2"/>
+              <a:buFont typeface="Wingdings" panose="05000000000000000000" pitchFamily="2" charset="2"/>
               <a:buChar char="¡"/>
               <a:defRPr sz="1600">
                 <a:solidFill>
@@ -24043,7 +22210,7 @@
                 <a:schemeClr val="tx2"/>
               </a:buClr>
               <a:buSzPct val="70000"/>
-              <a:buFont typeface="Wingdings" pitchFamily="2" charset="2"/>
+              <a:buFont typeface="Wingdings" panose="05000000000000000000" pitchFamily="2" charset="2"/>
               <a:buChar char="¡"/>
               <a:defRPr sz="1600">
                 <a:solidFill>
@@ -24071,7 +22238,6 @@
               <a:buSzPct val="70000"/>
               <a:buFont typeface="Wingdings" panose="05000000000000000000" pitchFamily="2" charset="2"/>
               <a:buChar char="n"/>
-              <a:tabLst/>
               <a:defRPr/>
             </a:pPr>
             <a:r>
@@ -24100,18 +22266,18 @@
               <a:defRPr/>
             </a:pPr>
             <a:r>
-              <a:rPr lang="zh-CN" altLang="en-US" kern="0" dirty="0">
-                <a:solidFill>
-                  <a:srgbClr val="003366"/>
+              <a:rPr lang="zh-CN" altLang="en-US" b="1" kern="0" dirty="0">
+                <a:solidFill>
+                  <a:srgbClr val="0070C0"/>
                 </a:solidFill>
                 <a:latin typeface="仿宋" panose="02010609060101010101" pitchFamily="49" charset="-122"/>
                 <a:ea typeface="仿宋" panose="02010609060101010101" pitchFamily="49" charset="-122"/>
               </a:rPr>
               <a:t>采用贪心算法，每当一个节点纳入最大独立集中时，将其邻居节点从原图中删除，因为这些节点不会再纳入最大独立集</a:t>
             </a:r>
-            <a:endParaRPr lang="en-US" altLang="zh-CN" kern="0" dirty="0">
+            <a:endParaRPr lang="en-US" altLang="zh-CN" b="1" kern="0" dirty="0">
               <a:solidFill>
-                <a:srgbClr val="003366"/>
+                <a:srgbClr val="0070C0"/>
               </a:solidFill>
               <a:latin typeface="仿宋" panose="02010609060101010101" pitchFamily="49" charset="-122"/>
               <a:ea typeface="仿宋" panose="02010609060101010101" pitchFamily="49" charset="-122"/>
@@ -24127,18 +22293,18 @@
               <a:defRPr/>
             </a:pPr>
             <a:r>
-              <a:rPr lang="zh-CN" altLang="en-US" kern="0" dirty="0">
-                <a:solidFill>
-                  <a:srgbClr val="003366"/>
+              <a:rPr lang="zh-CN" altLang="en-US" b="1" kern="0" dirty="0">
+                <a:solidFill>
+                  <a:srgbClr val="0070C0"/>
                 </a:solidFill>
                 <a:latin typeface="仿宋" panose="02010609060101010101" pitchFamily="49" charset="-122"/>
                 <a:ea typeface="仿宋" panose="02010609060101010101" pitchFamily="49" charset="-122"/>
               </a:rPr>
               <a:t>重复以上过程，直到图中的顶点要么纳入最大独立集，要么被删除</a:t>
             </a:r>
-            <a:endParaRPr lang="en-US" altLang="zh-CN" kern="0" dirty="0">
+            <a:endParaRPr lang="en-US" altLang="zh-CN" b="1" kern="0" dirty="0">
               <a:solidFill>
-                <a:srgbClr val="003366"/>
+                <a:srgbClr val="0070C0"/>
               </a:solidFill>
               <a:latin typeface="仿宋" panose="02010609060101010101" pitchFamily="49" charset="-122"/>
               <a:ea typeface="仿宋" panose="02010609060101010101" pitchFamily="49" charset="-122"/>
@@ -24200,20 +22366,14 @@
       </p:sp>
       <p:pic>
         <p:nvPicPr>
-          <p:cNvPr id="2" name="图片 1">
-            <a:extLst>
-              <a:ext uri="{FF2B5EF4-FFF2-40B4-BE49-F238E27FC236}">
-                <a16:creationId xmlns:a16="http://schemas.microsoft.com/office/drawing/2014/main" id="{36D4C0BF-E396-4DB0-B135-E21A1DA2E5E8}"/>
-              </a:ext>
-            </a:extLst>
-          </p:cNvPr>
+          <p:cNvPr id="2" name="图片 1"/>
           <p:cNvPicPr>
             <a:picLocks noChangeAspect="1"/>
           </p:cNvPicPr>
           <p:nvPr/>
         </p:nvPicPr>
         <p:blipFill>
-          <a:blip r:embed="rId4"/>
+          <a:blip r:embed="rId2"/>
           <a:stretch>
             <a:fillRect/>
           </a:stretch>
@@ -24229,11 +22389,6 @@
         </p:spPr>
       </p:pic>
     </p:spTree>
-    <p:extLst>
-      <p:ext uri="{BB962C8B-B14F-4D97-AF65-F5344CB8AC3E}">
-        <p14:creationId xmlns:p14="http://schemas.microsoft.com/office/powerpoint/2010/main" val="2188156900"/>
-      </p:ext>
-    </p:extLst>
   </p:cSld>
   <p:clrMapOvr>
     <a:masterClrMapping/>
@@ -24278,25 +22433,6 @@
           <a:ln>
             <a:noFill/>
           </a:ln>
-          <a:extLst>
-            <a:ext uri="{909E8E84-426E-40dd-AFC4-6F175D3DCCD1}">
-              <a14:hiddenFill xmlns="" xmlns:a14="http://schemas.microsoft.com/office/drawing/2010/main">
-                <a:solidFill>
-                  <a:srgbClr val="FFFFFF"/>
-                </a:solidFill>
-              </a14:hiddenFill>
-            </a:ext>
-            <a:ext uri="{91240B29-F687-4f45-9708-019B960494DF}">
-              <a14:hiddenLine xmlns="" xmlns:a14="http://schemas.microsoft.com/office/drawing/2010/main" w="9525">
-                <a:solidFill>
-                  <a:srgbClr val="000000"/>
-                </a:solidFill>
-                <a:miter lim="800000"/>
-                <a:headEnd/>
-                <a:tailEnd/>
-              </a14:hiddenLine>
-            </a:ext>
-          </a:extLst>
         </p:spPr>
         <p:txBody>
           <a:bodyPr wrap="square" lIns="91436" tIns="45718" rIns="91436" bIns="45718">
@@ -24460,6 +22596,13 @@
               </a:rPr>
               <a:t>最大独立集</a:t>
             </a:r>
+            <a:endParaRPr lang="zh-CN" altLang="en-US" b="1" dirty="0">
+              <a:solidFill>
+                <a:srgbClr val="002060"/>
+              </a:solidFill>
+              <a:latin typeface="微软雅黑" panose="020B0503020204020204" pitchFamily="34" charset="-122"/>
+              <a:ea typeface="微软雅黑" panose="020B0503020204020204" pitchFamily="34" charset="-122"/>
+            </a:endParaRPr>
           </a:p>
         </p:txBody>
       </p:sp>
@@ -24479,25 +22622,6 @@
             <a:ext cx="2133600" cy="365125"/>
           </a:xfrm>
           <a:noFill/>
-          <a:extLst>
-            <a:ext uri="{909E8E84-426E-40dd-AFC4-6F175D3DCCD1}">
-              <a14:hiddenFill xmlns="" xmlns:a14="http://schemas.microsoft.com/office/drawing/2010/main">
-                <a:solidFill>
-                  <a:srgbClr val="FFFFFF"/>
-                </a:solidFill>
-              </a14:hiddenFill>
-            </a:ext>
-            <a:ext uri="{91240B29-F687-4f45-9708-019B960494DF}">
-              <a14:hiddenLine xmlns="" xmlns:a14="http://schemas.microsoft.com/office/drawing/2010/main" w="9525">
-                <a:solidFill>
-                  <a:srgbClr val="000000"/>
-                </a:solidFill>
-                <a:miter lim="800000"/>
-                <a:headEnd/>
-                <a:tailEnd/>
-              </a14:hiddenLine>
-            </a:ext>
-          </a:extLst>
         </p:spPr>
         <p:txBody>
           <a:bodyPr/>
@@ -24516,7 +22640,7 @@
                 <a:ea typeface="宋体" panose="02010600030101010101" pitchFamily="2" charset="-122"/>
               </a:defRPr>
             </a:lvl1pPr>
-            <a:lvl2pPr marL="742920" indent="-285738">
+            <a:lvl2pPr marL="742950" indent="-285750">
               <a:spcBef>
                 <a:spcPct val="20000"/>
               </a:spcBef>
@@ -24530,7 +22654,7 @@
                 <a:ea typeface="宋体" panose="02010600030101010101" pitchFamily="2" charset="-122"/>
               </a:defRPr>
             </a:lvl2pPr>
-            <a:lvl3pPr marL="1142953" indent="-228591">
+            <a:lvl3pPr marL="1143000" indent="-228600">
               <a:spcBef>
                 <a:spcPct val="20000"/>
               </a:spcBef>
@@ -24544,7 +22668,7 @@
                 <a:ea typeface="宋体" panose="02010600030101010101" pitchFamily="2" charset="-122"/>
               </a:defRPr>
             </a:lvl3pPr>
-            <a:lvl4pPr marL="1600135" indent="-228591">
+            <a:lvl4pPr marL="1600200" indent="-228600">
               <a:spcBef>
                 <a:spcPct val="20000"/>
               </a:spcBef>
@@ -24558,7 +22682,7 @@
                 <a:ea typeface="宋体" panose="02010600030101010101" pitchFamily="2" charset="-122"/>
               </a:defRPr>
             </a:lvl4pPr>
-            <a:lvl5pPr marL="2057315" indent="-228591">
+            <a:lvl5pPr marL="2057400" indent="-228600">
               <a:spcBef>
                 <a:spcPct val="20000"/>
               </a:spcBef>
@@ -24572,7 +22696,7 @@
                 <a:ea typeface="宋体" panose="02010600030101010101" pitchFamily="2" charset="-122"/>
               </a:defRPr>
             </a:lvl5pPr>
-            <a:lvl6pPr marL="2514497" indent="-228591" eaLnBrk="0" fontAlgn="base" hangingPunct="0">
+            <a:lvl6pPr marL="2514600" indent="-228600" eaLnBrk="0" fontAlgn="base" hangingPunct="0">
               <a:spcBef>
                 <a:spcPct val="20000"/>
               </a:spcBef>
@@ -24589,7 +22713,7 @@
                 <a:ea typeface="宋体" panose="02010600030101010101" pitchFamily="2" charset="-122"/>
               </a:defRPr>
             </a:lvl6pPr>
-            <a:lvl7pPr marL="2971678" indent="-228591" eaLnBrk="0" fontAlgn="base" hangingPunct="0">
+            <a:lvl7pPr marL="2971800" indent="-228600" eaLnBrk="0" fontAlgn="base" hangingPunct="0">
               <a:spcBef>
                 <a:spcPct val="20000"/>
               </a:spcBef>
@@ -24606,7 +22730,7 @@
                 <a:ea typeface="宋体" panose="02010600030101010101" pitchFamily="2" charset="-122"/>
               </a:defRPr>
             </a:lvl7pPr>
-            <a:lvl8pPr marL="3428859" indent="-228591" eaLnBrk="0" fontAlgn="base" hangingPunct="0">
+            <a:lvl8pPr marL="3429000" indent="-228600" eaLnBrk="0" fontAlgn="base" hangingPunct="0">
               <a:spcBef>
                 <a:spcPct val="20000"/>
               </a:spcBef>
@@ -24623,7 +22747,7 @@
                 <a:ea typeface="宋体" panose="02010600030101010101" pitchFamily="2" charset="-122"/>
               </a:defRPr>
             </a:lvl8pPr>
-            <a:lvl9pPr marL="3886041" indent="-228591" eaLnBrk="0" fontAlgn="base" hangingPunct="0">
+            <a:lvl9pPr marL="3886200" indent="-228600" eaLnBrk="0" fontAlgn="base" hangingPunct="0">
               <a:spcBef>
                 <a:spcPct val="20000"/>
               </a:spcBef>
@@ -24655,14 +22779,6 @@
                   <a:srgbClr val="898989"/>
                 </a:solidFill>
               </a:rPr>
-              <a:pPr>
-                <a:spcBef>
-                  <a:spcPct val="0"/>
-                </a:spcBef>
-                <a:buFontTx/>
-                <a:buNone/>
-              </a:pPr>
-              <a:t>5</a:t>
             </a:fld>
             <a:endParaRPr lang="zh-CN" altLang="en-US" sz="1200" dirty="0">
               <a:solidFill>
@@ -24681,7 +22797,7 @@
           <p:nvPr/>
         </p:nvPicPr>
         <p:blipFill>
-          <a:blip r:embed="rId3" cstate="print">
+          <a:blip r:embed="rId1" cstate="print">
             <a:extLst>
               <a:ext uri="{28A0092B-C50C-407E-A947-70E740481C1C}">
                 <a14:useLocalDpi xmlns:a14="http://schemas.microsoft.com/office/drawing/2010/main" val="0"/>
@@ -24705,39 +22821,12 @@
           <a:ln>
             <a:noFill/>
           </a:ln>
-          <a:extLst>
-            <a:ext uri="{909E8E84-426E-40dd-AFC4-6F175D3DCCD1}">
-              <a14:hiddenFill xmlns="" xmlns:a14="http://schemas.microsoft.com/office/drawing/2010/main">
-                <a:solidFill>
-                  <a:srgbClr val="FFFFFF"/>
-                </a:solidFill>
-              </a14:hiddenFill>
-            </a:ext>
-            <a:ext uri="{91240B29-F687-4f45-9708-019B960494DF}">
-              <a14:hiddenLine xmlns="" xmlns:a14="http://schemas.microsoft.com/office/drawing/2010/main" w="9525">
-                <a:solidFill>
-                  <a:srgbClr val="000000"/>
-                </a:solidFill>
-                <a:miter lim="800000"/>
-                <a:headEnd/>
-                <a:tailEnd/>
-              </a14:hiddenLine>
-            </a:ext>
-          </a:extLst>
         </p:spPr>
       </p:pic>
       <p:sp>
         <p:nvSpPr>
-          <p:cNvPr id="6" name="Subtitle 2">
-            <a:extLst>
-              <a:ext uri="{FF2B5EF4-FFF2-40B4-BE49-F238E27FC236}">
-                <a16:creationId xmlns:a16="http://schemas.microsoft.com/office/drawing/2014/main" id="{5B72932F-F3D6-46BF-9A61-0930A2E33BD6}"/>
-              </a:ext>
-            </a:extLst>
-          </p:cNvPr>
-          <p:cNvSpPr txBox="1">
-            <a:spLocks/>
-          </p:cNvSpPr>
+          <p:cNvPr id="6" name="Subtitle 2"/>
+          <p:cNvSpPr txBox="1"/>
           <p:nvPr/>
         </p:nvSpPr>
         <p:spPr bwMode="auto">
@@ -24773,11 +22862,7 @@
           </a:extLst>
         </p:spPr>
         <p:txBody>
-          <a:bodyPr vert="horz" wrap="square" lIns="91440" tIns="45720" rIns="91440" bIns="45720" numCol="1" anchor="t" anchorCtr="0" compatLnSpc="1">
-            <a:prstTxWarp prst="textNoShape">
-              <a:avLst/>
-            </a:prstTxWarp>
-          </a:bodyPr>
+          <a:bodyPr vert="horz" wrap="square" lIns="91440" tIns="45720" rIns="91440" bIns="45720" numCol="1" anchor="t" anchorCtr="0" compatLnSpc="1"/>
           <a:lstStyle>
             <a:lvl1pPr marL="342900" indent="-342900" algn="l" rtl="0" eaLnBrk="0" fontAlgn="base" hangingPunct="0">
               <a:spcBef>
@@ -24896,7 +22981,7 @@
                 <a:schemeClr val="tx2"/>
               </a:buClr>
               <a:buSzPct val="70000"/>
-              <a:buFont typeface="Wingdings" pitchFamily="2" charset="2"/>
+              <a:buFont typeface="Wingdings" panose="05000000000000000000" pitchFamily="2" charset="2"/>
               <a:buChar char="¡"/>
               <a:defRPr sz="1600">
                 <a:solidFill>
@@ -24917,7 +23002,7 @@
                 <a:schemeClr val="tx2"/>
               </a:buClr>
               <a:buSzPct val="70000"/>
-              <a:buFont typeface="Wingdings" pitchFamily="2" charset="2"/>
+              <a:buFont typeface="Wingdings" panose="05000000000000000000" pitchFamily="2" charset="2"/>
               <a:buChar char="¡"/>
               <a:defRPr sz="1600">
                 <a:solidFill>
@@ -24938,7 +23023,7 @@
                 <a:schemeClr val="tx2"/>
               </a:buClr>
               <a:buSzPct val="70000"/>
-              <a:buFont typeface="Wingdings" pitchFamily="2" charset="2"/>
+              <a:buFont typeface="Wingdings" panose="05000000000000000000" pitchFamily="2" charset="2"/>
               <a:buChar char="¡"/>
               <a:defRPr sz="1600">
                 <a:solidFill>
@@ -24959,7 +23044,7 @@
                 <a:schemeClr val="tx2"/>
               </a:buClr>
               <a:buSzPct val="70000"/>
-              <a:buFont typeface="Wingdings" pitchFamily="2" charset="2"/>
+              <a:buFont typeface="Wingdings" panose="05000000000000000000" pitchFamily="2" charset="2"/>
               <a:buChar char="¡"/>
               <a:defRPr sz="1600">
                 <a:solidFill>
@@ -24999,20 +23084,14 @@
       </p:sp>
       <p:pic>
         <p:nvPicPr>
-          <p:cNvPr id="3" name="图片 2">
-            <a:extLst>
-              <a:ext uri="{FF2B5EF4-FFF2-40B4-BE49-F238E27FC236}">
-                <a16:creationId xmlns:a16="http://schemas.microsoft.com/office/drawing/2014/main" id="{BF9F3B0D-9B38-4CC0-B952-A4589DBB327B}"/>
-              </a:ext>
-            </a:extLst>
-          </p:cNvPr>
+          <p:cNvPr id="3" name="图片 2"/>
           <p:cNvPicPr>
             <a:picLocks noChangeAspect="1"/>
           </p:cNvPicPr>
           <p:nvPr/>
         </p:nvPicPr>
         <p:blipFill>
-          <a:blip r:embed="rId4"/>
+          <a:blip r:embed="rId2"/>
           <a:stretch>
             <a:fillRect/>
           </a:stretch>
@@ -25029,13 +23108,7 @@
       </p:pic>
       <p:sp>
         <p:nvSpPr>
-          <p:cNvPr id="8" name="对话气泡: 矩形 7">
-            <a:extLst>
-              <a:ext uri="{FF2B5EF4-FFF2-40B4-BE49-F238E27FC236}">
-                <a16:creationId xmlns:a16="http://schemas.microsoft.com/office/drawing/2014/main" id="{FD86A1C4-819C-4331-9F23-327543E0EDC4}"/>
-              </a:ext>
-            </a:extLst>
-          </p:cNvPr>
+          <p:cNvPr id="8" name="对话气泡: 矩形 7"/>
           <p:cNvSpPr/>
           <p:nvPr/>
         </p:nvSpPr>
@@ -25089,18 +23162,21 @@
               </a:rPr>
               <a:t>没有邻居节点，自己就是独立的</a:t>
             </a:r>
+            <a:endParaRPr lang="zh-CN" altLang="en-US" dirty="0">
+              <a:solidFill>
+                <a:schemeClr val="accent5">
+                  <a:lumMod val="50000"/>
+                </a:schemeClr>
+              </a:solidFill>
+              <a:latin typeface="仿宋" panose="02010609060101010101" pitchFamily="49" charset="-122"/>
+              <a:ea typeface="仿宋" panose="02010609060101010101" pitchFamily="49" charset="-122"/>
+            </a:endParaRPr>
           </a:p>
         </p:txBody>
       </p:sp>
       <p:sp>
         <p:nvSpPr>
-          <p:cNvPr id="9" name="对话气泡: 矩形 8">
-            <a:extLst>
-              <a:ext uri="{FF2B5EF4-FFF2-40B4-BE49-F238E27FC236}">
-                <a16:creationId xmlns:a16="http://schemas.microsoft.com/office/drawing/2014/main" id="{B7492E43-2C33-4983-93A6-3006AAECDE1E}"/>
-              </a:ext>
-            </a:extLst>
-          </p:cNvPr>
+          <p:cNvPr id="9" name="对话气泡: 矩形 8"/>
           <p:cNvSpPr/>
           <p:nvPr/>
         </p:nvSpPr>
@@ -25154,18 +23230,21 @@
               </a:rPr>
               <a:t>每个节点生成一个随机数</a:t>
             </a:r>
+            <a:endParaRPr lang="zh-CN" altLang="en-US" dirty="0">
+              <a:solidFill>
+                <a:schemeClr val="accent5">
+                  <a:lumMod val="50000"/>
+                </a:schemeClr>
+              </a:solidFill>
+              <a:latin typeface="仿宋" panose="02010609060101010101" pitchFamily="49" charset="-122"/>
+              <a:ea typeface="仿宋" panose="02010609060101010101" pitchFamily="49" charset="-122"/>
+            </a:endParaRPr>
           </a:p>
         </p:txBody>
       </p:sp>
       <p:sp>
         <p:nvSpPr>
-          <p:cNvPr id="10" name="对话气泡: 矩形 9">
-            <a:extLst>
-              <a:ext uri="{FF2B5EF4-FFF2-40B4-BE49-F238E27FC236}">
-                <a16:creationId xmlns:a16="http://schemas.microsoft.com/office/drawing/2014/main" id="{89C47F76-A2B7-412B-9A10-FD64383DA255}"/>
-              </a:ext>
-            </a:extLst>
-          </p:cNvPr>
+          <p:cNvPr id="10" name="对话气泡: 矩形 9"/>
           <p:cNvSpPr/>
           <p:nvPr/>
         </p:nvSpPr>
@@ -25219,15 +23298,19 @@
               </a:rPr>
               <a:t>当自己生成的随机数小于所有邻居的随机数时，可以无二义性地将自己纳入独立集</a:t>
             </a:r>
+            <a:endParaRPr lang="zh-CN" altLang="en-US" dirty="0">
+              <a:solidFill>
+                <a:schemeClr val="accent5">
+                  <a:lumMod val="50000"/>
+                </a:schemeClr>
+              </a:solidFill>
+              <a:latin typeface="仿宋" panose="02010609060101010101" pitchFamily="49" charset="-122"/>
+              <a:ea typeface="仿宋" panose="02010609060101010101" pitchFamily="49" charset="-122"/>
+            </a:endParaRPr>
           </a:p>
         </p:txBody>
       </p:sp>
     </p:spTree>
-    <p:extLst>
-      <p:ext uri="{BB962C8B-B14F-4D97-AF65-F5344CB8AC3E}">
-        <p14:creationId xmlns:p14="http://schemas.microsoft.com/office/powerpoint/2010/main" val="2403544050"/>
-      </p:ext>
-    </p:extLst>
   </p:cSld>
   <p:clrMapOvr>
     <a:masterClrMapping/>
@@ -25424,20 +23507,14 @@
       </p:grpSpPr>
       <p:pic>
         <p:nvPicPr>
-          <p:cNvPr id="4" name="图片 3">
-            <a:extLst>
-              <a:ext uri="{FF2B5EF4-FFF2-40B4-BE49-F238E27FC236}">
-                <a16:creationId xmlns:a16="http://schemas.microsoft.com/office/drawing/2014/main" id="{30932044-855A-4B0A-92DB-18B9C378E422}"/>
-              </a:ext>
-            </a:extLst>
-          </p:cNvPr>
+          <p:cNvPr id="4" name="图片 3"/>
           <p:cNvPicPr>
             <a:picLocks noChangeAspect="1"/>
           </p:cNvPicPr>
           <p:nvPr/>
         </p:nvPicPr>
         <p:blipFill>
-          <a:blip r:embed="rId3"/>
+          <a:blip r:embed="rId1"/>
           <a:stretch>
             <a:fillRect/>
           </a:stretch>
@@ -25472,25 +23549,6 @@
           <a:ln>
             <a:noFill/>
           </a:ln>
-          <a:extLst>
-            <a:ext uri="{909E8E84-426E-40dd-AFC4-6F175D3DCCD1}">
-              <a14:hiddenFill xmlns="" xmlns:a14="http://schemas.microsoft.com/office/drawing/2010/main">
-                <a:solidFill>
-                  <a:srgbClr val="FFFFFF"/>
-                </a:solidFill>
-              </a14:hiddenFill>
-            </a:ext>
-            <a:ext uri="{91240B29-F687-4f45-9708-019B960494DF}">
-              <a14:hiddenLine xmlns="" xmlns:a14="http://schemas.microsoft.com/office/drawing/2010/main" w="9525">
-                <a:solidFill>
-                  <a:srgbClr val="000000"/>
-                </a:solidFill>
-                <a:miter lim="800000"/>
-                <a:headEnd/>
-                <a:tailEnd/>
-              </a14:hiddenLine>
-            </a:ext>
-          </a:extLst>
         </p:spPr>
         <p:txBody>
           <a:bodyPr wrap="square" lIns="91436" tIns="45718" rIns="91436" bIns="45718">
@@ -25654,6 +23712,13 @@
               </a:rPr>
               <a:t>最大独立集</a:t>
             </a:r>
+            <a:endParaRPr lang="zh-CN" altLang="en-US" b="1" dirty="0">
+              <a:solidFill>
+                <a:srgbClr val="002060"/>
+              </a:solidFill>
+              <a:latin typeface="微软雅黑" panose="020B0503020204020204" pitchFamily="34" charset="-122"/>
+              <a:ea typeface="微软雅黑" panose="020B0503020204020204" pitchFamily="34" charset="-122"/>
+            </a:endParaRPr>
           </a:p>
         </p:txBody>
       </p:sp>
@@ -25673,25 +23738,6 @@
             <a:ext cx="2133600" cy="365125"/>
           </a:xfrm>
           <a:noFill/>
-          <a:extLst>
-            <a:ext uri="{909E8E84-426E-40dd-AFC4-6F175D3DCCD1}">
-              <a14:hiddenFill xmlns="" xmlns:a14="http://schemas.microsoft.com/office/drawing/2010/main">
-                <a:solidFill>
-                  <a:srgbClr val="FFFFFF"/>
-                </a:solidFill>
-              </a14:hiddenFill>
-            </a:ext>
-            <a:ext uri="{91240B29-F687-4f45-9708-019B960494DF}">
-              <a14:hiddenLine xmlns="" xmlns:a14="http://schemas.microsoft.com/office/drawing/2010/main" w="9525">
-                <a:solidFill>
-                  <a:srgbClr val="000000"/>
-                </a:solidFill>
-                <a:miter lim="800000"/>
-                <a:headEnd/>
-                <a:tailEnd/>
-              </a14:hiddenLine>
-            </a:ext>
-          </a:extLst>
         </p:spPr>
         <p:txBody>
           <a:bodyPr/>
@@ -25710,7 +23756,7 @@
                 <a:ea typeface="宋体" panose="02010600030101010101" pitchFamily="2" charset="-122"/>
               </a:defRPr>
             </a:lvl1pPr>
-            <a:lvl2pPr marL="742920" indent="-285738">
+            <a:lvl2pPr marL="742950" indent="-285750">
               <a:spcBef>
                 <a:spcPct val="20000"/>
               </a:spcBef>
@@ -25724,7 +23770,7 @@
                 <a:ea typeface="宋体" panose="02010600030101010101" pitchFamily="2" charset="-122"/>
               </a:defRPr>
             </a:lvl2pPr>
-            <a:lvl3pPr marL="1142953" indent="-228591">
+            <a:lvl3pPr marL="1143000" indent="-228600">
               <a:spcBef>
                 <a:spcPct val="20000"/>
               </a:spcBef>
@@ -25738,7 +23784,7 @@
                 <a:ea typeface="宋体" panose="02010600030101010101" pitchFamily="2" charset="-122"/>
               </a:defRPr>
             </a:lvl3pPr>
-            <a:lvl4pPr marL="1600135" indent="-228591">
+            <a:lvl4pPr marL="1600200" indent="-228600">
               <a:spcBef>
                 <a:spcPct val="20000"/>
               </a:spcBef>
@@ -25752,7 +23798,7 @@
                 <a:ea typeface="宋体" panose="02010600030101010101" pitchFamily="2" charset="-122"/>
               </a:defRPr>
             </a:lvl4pPr>
-            <a:lvl5pPr marL="2057315" indent="-228591">
+            <a:lvl5pPr marL="2057400" indent="-228600">
               <a:spcBef>
                 <a:spcPct val="20000"/>
               </a:spcBef>
@@ -25766,7 +23812,7 @@
                 <a:ea typeface="宋体" panose="02010600030101010101" pitchFamily="2" charset="-122"/>
               </a:defRPr>
             </a:lvl5pPr>
-            <a:lvl6pPr marL="2514497" indent="-228591" eaLnBrk="0" fontAlgn="base" hangingPunct="0">
+            <a:lvl6pPr marL="2514600" indent="-228600" eaLnBrk="0" fontAlgn="base" hangingPunct="0">
               <a:spcBef>
                 <a:spcPct val="20000"/>
               </a:spcBef>
@@ -25783,7 +23829,7 @@
                 <a:ea typeface="宋体" panose="02010600030101010101" pitchFamily="2" charset="-122"/>
               </a:defRPr>
             </a:lvl6pPr>
-            <a:lvl7pPr marL="2971678" indent="-228591" eaLnBrk="0" fontAlgn="base" hangingPunct="0">
+            <a:lvl7pPr marL="2971800" indent="-228600" eaLnBrk="0" fontAlgn="base" hangingPunct="0">
               <a:spcBef>
                 <a:spcPct val="20000"/>
               </a:spcBef>
@@ -25800,7 +23846,7 @@
                 <a:ea typeface="宋体" panose="02010600030101010101" pitchFamily="2" charset="-122"/>
               </a:defRPr>
             </a:lvl7pPr>
-            <a:lvl8pPr marL="3428859" indent="-228591" eaLnBrk="0" fontAlgn="base" hangingPunct="0">
+            <a:lvl8pPr marL="3429000" indent="-228600" eaLnBrk="0" fontAlgn="base" hangingPunct="0">
               <a:spcBef>
                 <a:spcPct val="20000"/>
               </a:spcBef>
@@ -25817,7 +23863,7 @@
                 <a:ea typeface="宋体" panose="02010600030101010101" pitchFamily="2" charset="-122"/>
               </a:defRPr>
             </a:lvl8pPr>
-            <a:lvl9pPr marL="3886041" indent="-228591" eaLnBrk="0" fontAlgn="base" hangingPunct="0">
+            <a:lvl9pPr marL="3886200" indent="-228600" eaLnBrk="0" fontAlgn="base" hangingPunct="0">
               <a:spcBef>
                 <a:spcPct val="20000"/>
               </a:spcBef>
@@ -25849,14 +23895,6 @@
                   <a:srgbClr val="898989"/>
                 </a:solidFill>
               </a:rPr>
-              <a:pPr>
-                <a:spcBef>
-                  <a:spcPct val="0"/>
-                </a:spcBef>
-                <a:buFontTx/>
-                <a:buNone/>
-              </a:pPr>
-              <a:t>6</a:t>
             </a:fld>
             <a:endParaRPr lang="zh-CN" altLang="en-US" sz="1200" dirty="0">
               <a:solidFill>
@@ -25875,7 +23913,7 @@
           <p:nvPr/>
         </p:nvPicPr>
         <p:blipFill>
-          <a:blip r:embed="rId4" cstate="print">
+          <a:blip r:embed="rId2" cstate="print">
             <a:extLst>
               <a:ext uri="{28A0092B-C50C-407E-A947-70E740481C1C}">
                 <a14:useLocalDpi xmlns:a14="http://schemas.microsoft.com/office/drawing/2010/main" val="0"/>
@@ -25899,36 +23937,11 @@
           <a:ln>
             <a:noFill/>
           </a:ln>
-          <a:extLst>
-            <a:ext uri="{909E8E84-426E-40dd-AFC4-6F175D3DCCD1}">
-              <a14:hiddenFill xmlns="" xmlns:a14="http://schemas.microsoft.com/office/drawing/2010/main">
-                <a:solidFill>
-                  <a:srgbClr val="FFFFFF"/>
-                </a:solidFill>
-              </a14:hiddenFill>
-            </a:ext>
-            <a:ext uri="{91240B29-F687-4f45-9708-019B960494DF}">
-              <a14:hiddenLine xmlns="" xmlns:a14="http://schemas.microsoft.com/office/drawing/2010/main" w="9525">
-                <a:solidFill>
-                  <a:srgbClr val="000000"/>
-                </a:solidFill>
-                <a:miter lim="800000"/>
-                <a:headEnd/>
-                <a:tailEnd/>
-              </a14:hiddenLine>
-            </a:ext>
-          </a:extLst>
         </p:spPr>
       </p:pic>
       <p:sp>
         <p:nvSpPr>
-          <p:cNvPr id="8" name="对话气泡: 矩形 7">
-            <a:extLst>
-              <a:ext uri="{FF2B5EF4-FFF2-40B4-BE49-F238E27FC236}">
-                <a16:creationId xmlns:a16="http://schemas.microsoft.com/office/drawing/2014/main" id="{FD86A1C4-819C-4331-9F23-327543E0EDC4}"/>
-              </a:ext>
-            </a:extLst>
-          </p:cNvPr>
+          <p:cNvPr id="8" name="对话气泡: 矩形 7"/>
           <p:cNvSpPr/>
           <p:nvPr/>
         </p:nvSpPr>
@@ -25982,18 +23995,21 @@
               </a:rPr>
               <a:t>通知邻居节点，自己没有纳入独立集</a:t>
             </a:r>
+            <a:endParaRPr lang="zh-CN" altLang="en-US" dirty="0">
+              <a:solidFill>
+                <a:schemeClr val="accent5">
+                  <a:lumMod val="50000"/>
+                </a:schemeClr>
+              </a:solidFill>
+              <a:latin typeface="仿宋" panose="02010609060101010101" pitchFamily="49" charset="-122"/>
+              <a:ea typeface="仿宋" panose="02010609060101010101" pitchFamily="49" charset="-122"/>
+            </a:endParaRPr>
           </a:p>
         </p:txBody>
       </p:sp>
       <p:sp>
         <p:nvSpPr>
-          <p:cNvPr id="12" name="对话气泡: 矩形 11">
-            <a:extLst>
-              <a:ext uri="{FF2B5EF4-FFF2-40B4-BE49-F238E27FC236}">
-                <a16:creationId xmlns:a16="http://schemas.microsoft.com/office/drawing/2014/main" id="{1038CE42-FCF4-4EB3-AA87-78EC3723DAB2}"/>
-              </a:ext>
-            </a:extLst>
-          </p:cNvPr>
+          <p:cNvPr id="12" name="对话气泡: 矩形 11"/>
           <p:cNvSpPr/>
           <p:nvPr/>
         </p:nvSpPr>
@@ -26047,18 +24063,21 @@
               </a:rPr>
               <a:t>一个邻居纳入独立集，自己需要被删除</a:t>
             </a:r>
+            <a:endParaRPr lang="zh-CN" altLang="en-US" dirty="0">
+              <a:solidFill>
+                <a:schemeClr val="accent5">
+                  <a:lumMod val="50000"/>
+                </a:schemeClr>
+              </a:solidFill>
+              <a:latin typeface="仿宋" panose="02010609060101010101" pitchFamily="49" charset="-122"/>
+              <a:ea typeface="仿宋" panose="02010609060101010101" pitchFamily="49" charset="-122"/>
+            </a:endParaRPr>
           </a:p>
         </p:txBody>
       </p:sp>
       <p:sp>
         <p:nvSpPr>
-          <p:cNvPr id="13" name="对话气泡: 矩形 12">
-            <a:extLst>
-              <a:ext uri="{FF2B5EF4-FFF2-40B4-BE49-F238E27FC236}">
-                <a16:creationId xmlns:a16="http://schemas.microsoft.com/office/drawing/2014/main" id="{4D17940F-DD74-4D06-96D9-1D207E9241B4}"/>
-              </a:ext>
-            </a:extLst>
-          </p:cNvPr>
+          <p:cNvPr id="13" name="对话气泡: 矩形 12"/>
           <p:cNvSpPr/>
           <p:nvPr/>
         </p:nvSpPr>
@@ -26112,18 +24131,21 @@
               </a:rPr>
               <a:t>通知其他邻居自己被删除了</a:t>
             </a:r>
+            <a:endParaRPr lang="zh-CN" altLang="en-US" dirty="0">
+              <a:solidFill>
+                <a:schemeClr val="accent5">
+                  <a:lumMod val="50000"/>
+                </a:schemeClr>
+              </a:solidFill>
+              <a:latin typeface="仿宋" panose="02010609060101010101" pitchFamily="49" charset="-122"/>
+              <a:ea typeface="仿宋" panose="02010609060101010101" pitchFamily="49" charset="-122"/>
+            </a:endParaRPr>
           </a:p>
         </p:txBody>
       </p:sp>
       <p:sp>
         <p:nvSpPr>
-          <p:cNvPr id="14" name="对话气泡: 矩形 13">
-            <a:extLst>
-              <a:ext uri="{FF2B5EF4-FFF2-40B4-BE49-F238E27FC236}">
-                <a16:creationId xmlns:a16="http://schemas.microsoft.com/office/drawing/2014/main" id="{900F42EB-D620-4526-9D1A-D3D43AD34B0D}"/>
-              </a:ext>
-            </a:extLst>
-          </p:cNvPr>
+          <p:cNvPr id="14" name="对话气泡: 矩形 13"/>
           <p:cNvSpPr/>
           <p:nvPr/>
         </p:nvSpPr>
@@ -26177,15 +24199,19 @@
               </a:rPr>
               <a:t>因为可能有邻居节点被删除，需要更新邻居节点</a:t>
             </a:r>
+            <a:endParaRPr lang="zh-CN" altLang="en-US" dirty="0">
+              <a:solidFill>
+                <a:schemeClr val="accent5">
+                  <a:lumMod val="50000"/>
+                </a:schemeClr>
+              </a:solidFill>
+              <a:latin typeface="仿宋" panose="02010609060101010101" pitchFamily="49" charset="-122"/>
+              <a:ea typeface="仿宋" panose="02010609060101010101" pitchFamily="49" charset="-122"/>
+            </a:endParaRPr>
           </a:p>
         </p:txBody>
       </p:sp>
     </p:spTree>
-    <p:extLst>
-      <p:ext uri="{BB962C8B-B14F-4D97-AF65-F5344CB8AC3E}">
-        <p14:creationId xmlns:p14="http://schemas.microsoft.com/office/powerpoint/2010/main" val="2029617354"/>
-      </p:ext>
-    </p:extLst>
   </p:cSld>
   <p:clrMapOvr>
     <a:masterClrMapping/>
@@ -26446,25 +24472,6 @@
           <a:ln>
             <a:noFill/>
           </a:ln>
-          <a:extLst>
-            <a:ext uri="{909E8E84-426E-40dd-AFC4-6F175D3DCCD1}">
-              <a14:hiddenFill xmlns="" xmlns:a14="http://schemas.microsoft.com/office/drawing/2010/main">
-                <a:solidFill>
-                  <a:srgbClr val="FFFFFF"/>
-                </a:solidFill>
-              </a14:hiddenFill>
-            </a:ext>
-            <a:ext uri="{91240B29-F687-4f45-9708-019B960494DF}">
-              <a14:hiddenLine xmlns="" xmlns:a14="http://schemas.microsoft.com/office/drawing/2010/main" w="9525">
-                <a:solidFill>
-                  <a:srgbClr val="000000"/>
-                </a:solidFill>
-                <a:miter lim="800000"/>
-                <a:headEnd/>
-                <a:tailEnd/>
-              </a14:hiddenLine>
-            </a:ext>
-          </a:extLst>
         </p:spPr>
         <p:txBody>
           <a:bodyPr wrap="square" lIns="91436" tIns="45718" rIns="91436" bIns="45718">
@@ -26628,6 +24635,13 @@
               </a:rPr>
               <a:t>最大独立集</a:t>
             </a:r>
+            <a:endParaRPr lang="zh-CN" altLang="en-US" b="1" dirty="0">
+              <a:solidFill>
+                <a:srgbClr val="002060"/>
+              </a:solidFill>
+              <a:latin typeface="微软雅黑" panose="020B0503020204020204" pitchFamily="34" charset="-122"/>
+              <a:ea typeface="微软雅黑" panose="020B0503020204020204" pitchFamily="34" charset="-122"/>
+            </a:endParaRPr>
           </a:p>
         </p:txBody>
       </p:sp>
@@ -26647,25 +24661,6 @@
             <a:ext cx="2133600" cy="365125"/>
           </a:xfrm>
           <a:noFill/>
-          <a:extLst>
-            <a:ext uri="{909E8E84-426E-40dd-AFC4-6F175D3DCCD1}">
-              <a14:hiddenFill xmlns="" xmlns:a14="http://schemas.microsoft.com/office/drawing/2010/main">
-                <a:solidFill>
-                  <a:srgbClr val="FFFFFF"/>
-                </a:solidFill>
-              </a14:hiddenFill>
-            </a:ext>
-            <a:ext uri="{91240B29-F687-4f45-9708-019B960494DF}">
-              <a14:hiddenLine xmlns="" xmlns:a14="http://schemas.microsoft.com/office/drawing/2010/main" w="9525">
-                <a:solidFill>
-                  <a:srgbClr val="000000"/>
-                </a:solidFill>
-                <a:miter lim="800000"/>
-                <a:headEnd/>
-                <a:tailEnd/>
-              </a14:hiddenLine>
-            </a:ext>
-          </a:extLst>
         </p:spPr>
         <p:txBody>
           <a:bodyPr/>
@@ -26684,7 +24679,7 @@
                 <a:ea typeface="宋体" panose="02010600030101010101" pitchFamily="2" charset="-122"/>
               </a:defRPr>
             </a:lvl1pPr>
-            <a:lvl2pPr marL="742920" indent="-285738">
+            <a:lvl2pPr marL="742950" indent="-285750">
               <a:spcBef>
                 <a:spcPct val="20000"/>
               </a:spcBef>
@@ -26698,7 +24693,7 @@
                 <a:ea typeface="宋体" panose="02010600030101010101" pitchFamily="2" charset="-122"/>
               </a:defRPr>
             </a:lvl2pPr>
-            <a:lvl3pPr marL="1142953" indent="-228591">
+            <a:lvl3pPr marL="1143000" indent="-228600">
               <a:spcBef>
                 <a:spcPct val="20000"/>
               </a:spcBef>
@@ -26712,7 +24707,7 @@
                 <a:ea typeface="宋体" panose="02010600030101010101" pitchFamily="2" charset="-122"/>
               </a:defRPr>
             </a:lvl3pPr>
-            <a:lvl4pPr marL="1600135" indent="-228591">
+            <a:lvl4pPr marL="1600200" indent="-228600">
               <a:spcBef>
                 <a:spcPct val="20000"/>
               </a:spcBef>
@@ -26726,7 +24721,7 @@
                 <a:ea typeface="宋体" panose="02010600030101010101" pitchFamily="2" charset="-122"/>
               </a:defRPr>
             </a:lvl4pPr>
-            <a:lvl5pPr marL="2057315" indent="-228591">
+            <a:lvl5pPr marL="2057400" indent="-228600">
               <a:spcBef>
                 <a:spcPct val="20000"/>
               </a:spcBef>
@@ -26740,7 +24735,7 @@
                 <a:ea typeface="宋体" panose="02010600030101010101" pitchFamily="2" charset="-122"/>
               </a:defRPr>
             </a:lvl5pPr>
-            <a:lvl6pPr marL="2514497" indent="-228591" eaLnBrk="0" fontAlgn="base" hangingPunct="0">
+            <a:lvl6pPr marL="2514600" indent="-228600" eaLnBrk="0" fontAlgn="base" hangingPunct="0">
               <a:spcBef>
                 <a:spcPct val="20000"/>
               </a:spcBef>
@@ -26757,7 +24752,7 @@
                 <a:ea typeface="宋体" panose="02010600030101010101" pitchFamily="2" charset="-122"/>
               </a:defRPr>
             </a:lvl6pPr>
-            <a:lvl7pPr marL="2971678" indent="-228591" eaLnBrk="0" fontAlgn="base" hangingPunct="0">
+            <a:lvl7pPr marL="2971800" indent="-228600" eaLnBrk="0" fontAlgn="base" hangingPunct="0">
               <a:spcBef>
                 <a:spcPct val="20000"/>
               </a:spcBef>
@@ -26774,7 +24769,7 @@
                 <a:ea typeface="宋体" panose="02010600030101010101" pitchFamily="2" charset="-122"/>
               </a:defRPr>
             </a:lvl7pPr>
-            <a:lvl8pPr marL="3428859" indent="-228591" eaLnBrk="0" fontAlgn="base" hangingPunct="0">
+            <a:lvl8pPr marL="3429000" indent="-228600" eaLnBrk="0" fontAlgn="base" hangingPunct="0">
               <a:spcBef>
                 <a:spcPct val="20000"/>
               </a:spcBef>
@@ -26791,7 +24786,7 @@
                 <a:ea typeface="宋体" panose="02010600030101010101" pitchFamily="2" charset="-122"/>
               </a:defRPr>
             </a:lvl8pPr>
-            <a:lvl9pPr marL="3886041" indent="-228591" eaLnBrk="0" fontAlgn="base" hangingPunct="0">
+            <a:lvl9pPr marL="3886200" indent="-228600" eaLnBrk="0" fontAlgn="base" hangingPunct="0">
               <a:spcBef>
                 <a:spcPct val="20000"/>
               </a:spcBef>
@@ -26823,14 +24818,6 @@
                   <a:srgbClr val="898989"/>
                 </a:solidFill>
               </a:rPr>
-              <a:pPr>
-                <a:spcBef>
-                  <a:spcPct val="0"/>
-                </a:spcBef>
-                <a:buFontTx/>
-                <a:buNone/>
-              </a:pPr>
-              <a:t>7</a:t>
             </a:fld>
             <a:endParaRPr lang="zh-CN" altLang="en-US" sz="1200" dirty="0">
               <a:solidFill>
@@ -26849,7 +24836,7 @@
           <p:nvPr/>
         </p:nvPicPr>
         <p:blipFill>
-          <a:blip r:embed="rId3" cstate="print">
+          <a:blip r:embed="rId1" cstate="print">
             <a:extLst>
               <a:ext uri="{28A0092B-C50C-407E-A947-70E740481C1C}">
                 <a14:useLocalDpi xmlns:a14="http://schemas.microsoft.com/office/drawing/2010/main" val="0"/>
@@ -26873,35 +24860,16 @@
           <a:ln>
             <a:noFill/>
           </a:ln>
-          <a:extLst>
-            <a:ext uri="{909E8E84-426E-40dd-AFC4-6F175D3DCCD1}">
-              <a14:hiddenFill xmlns="" xmlns:a14="http://schemas.microsoft.com/office/drawing/2010/main">
-                <a:solidFill>
-                  <a:srgbClr val="FFFFFF"/>
-                </a:solidFill>
-              </a14:hiddenFill>
-            </a:ext>
-            <a:ext uri="{91240B29-F687-4f45-9708-019B960494DF}">
-              <a14:hiddenLine xmlns="" xmlns:a14="http://schemas.microsoft.com/office/drawing/2010/main" w="9525">
-                <a:solidFill>
-                  <a:srgbClr val="000000"/>
-                </a:solidFill>
-                <a:miter lim="800000"/>
-                <a:headEnd/>
-                <a:tailEnd/>
-              </a14:hiddenLine>
-            </a:ext>
-          </a:extLst>
         </p:spPr>
       </p:pic>
-      <mc:AlternateContent xmlns:mc="http://schemas.openxmlformats.org/markup-compatibility/2006" xmlns:a14="http://schemas.microsoft.com/office/drawing/2010/main">
-        <mc:Choice Requires="a14">
+      <mc:AlternateContent xmlns:mc="http://schemas.openxmlformats.org/markup-compatibility/2006">
+        <mc:Choice xmlns:a14="http://schemas.microsoft.com/office/drawing/2010/main" Requires="a14">
           <p:sp>
             <p:nvSpPr>
               <p:cNvPr id="6" name="Subtitle 2">
                 <a:extLst>
                   <a:ext uri="{FF2B5EF4-FFF2-40B4-BE49-F238E27FC236}">
-                    <a16:creationId xmlns:a16="http://schemas.microsoft.com/office/drawing/2014/main" id="{5B72932F-F3D6-46BF-9A61-0930A2E33BD6}"/>
+                    <ele attr="{5B72932F-F3D6-46BF-9A61-0930A2E33BD6}"/>
                   </a:ext>
                 </a:extLst>
               </p:cNvPr>
@@ -27457,16 +25425,10 @@
             </p:txBody>
           </p:sp>
         </mc:Choice>
-        <mc:Fallback xmlns="">
+        <mc:Fallback>
           <p:sp>
             <p:nvSpPr>
-              <p:cNvPr id="6" name="Subtitle 2">
-                <a:extLst>
-                  <a:ext uri="{FF2B5EF4-FFF2-40B4-BE49-F238E27FC236}">
-                    <a16:creationId xmlns:a16="http://schemas.microsoft.com/office/drawing/2014/main" id="{5B72932F-F3D6-46BF-9A61-0930A2E33BD6}"/>
-                  </a:ext>
-                </a:extLst>
-              </p:cNvPr>
+              <p:cNvPr id="6" name="Subtitle 2"/>
               <p:cNvSpPr txBox="1">
                 <a:spLocks noRot="1" noChangeAspect="1" noMove="1" noResize="1" noEditPoints="1" noAdjustHandles="1" noChangeArrowheads="1" noChangeShapeType="1" noTextEdit="1"/>
               </p:cNvSpPr>
@@ -27480,8 +25442,8 @@
               <a:prstGeom prst="rect">
                 <a:avLst/>
               </a:prstGeom>
-              <a:blipFill>
-                <a:blip r:embed="rId4"/>
+              <a:blipFill rotWithShape="1">
+                <a:blip r:embed="rId2"/>
                 <a:stretch>
                   <a:fillRect l="-608" t="-1036" b="-1658"/>
                 </a:stretch>
@@ -27519,6 +25481,9 @@
                   </a:rPr>
                   <a:t> </a:t>
                 </a:r>
+                <a:endParaRPr lang="zh-CN" altLang="en-US">
+                  <a:noFill/>
+                </a:endParaRPr>
               </a:p>
             </p:txBody>
           </p:sp>
@@ -27526,20 +25491,14 @@
       </mc:AlternateContent>
       <p:pic>
         <p:nvPicPr>
-          <p:cNvPr id="2" name="图片 1">
-            <a:extLst>
-              <a:ext uri="{FF2B5EF4-FFF2-40B4-BE49-F238E27FC236}">
-                <a16:creationId xmlns:a16="http://schemas.microsoft.com/office/drawing/2014/main" id="{0B7CB6E3-4ADD-4B62-BA6F-BAFAE663B8C9}"/>
-              </a:ext>
-            </a:extLst>
-          </p:cNvPr>
+          <p:cNvPr id="2" name="图片 1"/>
           <p:cNvPicPr>
             <a:picLocks noChangeAspect="1"/>
           </p:cNvPicPr>
           <p:nvPr/>
         </p:nvPicPr>
         <p:blipFill>
-          <a:blip r:embed="rId5"/>
+          <a:blip r:embed="rId3"/>
           <a:stretch>
             <a:fillRect/>
           </a:stretch>
@@ -27556,13 +25515,7 @@
       </p:pic>
       <p:sp>
         <p:nvSpPr>
-          <p:cNvPr id="4" name="矩形 3">
-            <a:extLst>
-              <a:ext uri="{FF2B5EF4-FFF2-40B4-BE49-F238E27FC236}">
-                <a16:creationId xmlns:a16="http://schemas.microsoft.com/office/drawing/2014/main" id="{54331ACD-7DBC-4B2E-ADD7-06EA4DAFD3DD}"/>
-              </a:ext>
-            </a:extLst>
-          </p:cNvPr>
+          <p:cNvPr id="4" name="矩形 3"/>
           <p:cNvSpPr/>
           <p:nvPr/>
         </p:nvSpPr>
@@ -27585,18 +25538,13 @@
               <a:rPr lang="zh-CN" altLang="en-US" dirty="0"/>
               <a:t>第一轮</a:t>
             </a:r>
+            <a:endParaRPr lang="zh-CN" altLang="en-US" dirty="0"/>
           </a:p>
         </p:txBody>
       </p:sp>
       <p:sp>
         <p:nvSpPr>
-          <p:cNvPr id="12" name="矩形 11">
-            <a:extLst>
-              <a:ext uri="{FF2B5EF4-FFF2-40B4-BE49-F238E27FC236}">
-                <a16:creationId xmlns:a16="http://schemas.microsoft.com/office/drawing/2014/main" id="{A7B28AF3-CBDF-46E6-8015-FF5B530E17AC}"/>
-              </a:ext>
-            </a:extLst>
-          </p:cNvPr>
+          <p:cNvPr id="12" name="矩形 11"/>
           <p:cNvSpPr/>
           <p:nvPr/>
         </p:nvSpPr>
@@ -27619,15 +25567,11 @@
               <a:rPr lang="zh-CN" altLang="en-US" dirty="0"/>
               <a:t>第二轮</a:t>
             </a:r>
+            <a:endParaRPr lang="zh-CN" altLang="en-US" dirty="0"/>
           </a:p>
         </p:txBody>
       </p:sp>
     </p:spTree>
-    <p:extLst>
-      <p:ext uri="{BB962C8B-B14F-4D97-AF65-F5344CB8AC3E}">
-        <p14:creationId xmlns:p14="http://schemas.microsoft.com/office/powerpoint/2010/main" val="2178517220"/>
-      </p:ext>
-    </p:extLst>
   </p:cSld>
   <p:clrMapOvr>
     <a:masterClrMapping/>
@@ -27672,25 +25616,6 @@
           <a:ln>
             <a:noFill/>
           </a:ln>
-          <a:extLst>
-            <a:ext uri="{909E8E84-426E-40dd-AFC4-6F175D3DCCD1}">
-              <a14:hiddenFill xmlns:a14="http://schemas.microsoft.com/office/drawing/2010/main" xmlns="">
-                <a:solidFill>
-                  <a:srgbClr val="FFFFFF"/>
-                </a:solidFill>
-              </a14:hiddenFill>
-            </a:ext>
-            <a:ext uri="{91240B29-F687-4f45-9708-019B960494DF}">
-              <a14:hiddenLine xmlns:a14="http://schemas.microsoft.com/office/drawing/2010/main" xmlns="" w="9525">
-                <a:solidFill>
-                  <a:srgbClr val="000000"/>
-                </a:solidFill>
-                <a:miter lim="800000"/>
-                <a:headEnd/>
-                <a:tailEnd/>
-              </a14:hiddenLine>
-            </a:ext>
-          </a:extLst>
         </p:spPr>
         <p:txBody>
           <a:bodyPr wrap="square" lIns="91436" tIns="45718" rIns="91436" bIns="45718">
@@ -27854,6 +25779,13 @@
               </a:rPr>
               <a:t>集合相关算法</a:t>
             </a:r>
+            <a:endParaRPr lang="zh-CN" altLang="en-US" b="1" dirty="0">
+              <a:solidFill>
+                <a:srgbClr val="002060"/>
+              </a:solidFill>
+              <a:latin typeface="微软雅黑" panose="020B0503020204020204" pitchFamily="34" charset="-122"/>
+              <a:ea typeface="微软雅黑" panose="020B0503020204020204" pitchFamily="34" charset="-122"/>
+            </a:endParaRPr>
           </a:p>
         </p:txBody>
       </p:sp>
@@ -27873,25 +25805,6 @@
             <a:ext cx="2133600" cy="365125"/>
           </a:xfrm>
           <a:noFill/>
-          <a:extLst>
-            <a:ext uri="{909E8E84-426E-40dd-AFC4-6F175D3DCCD1}">
-              <a14:hiddenFill xmlns:a14="http://schemas.microsoft.com/office/drawing/2010/main" xmlns="">
-                <a:solidFill>
-                  <a:srgbClr val="FFFFFF"/>
-                </a:solidFill>
-              </a14:hiddenFill>
-            </a:ext>
-            <a:ext uri="{91240B29-F687-4f45-9708-019B960494DF}">
-              <a14:hiddenLine xmlns:a14="http://schemas.microsoft.com/office/drawing/2010/main" xmlns="" w="9525">
-                <a:solidFill>
-                  <a:srgbClr val="000000"/>
-                </a:solidFill>
-                <a:miter lim="800000"/>
-                <a:headEnd/>
-                <a:tailEnd/>
-              </a14:hiddenLine>
-            </a:ext>
-          </a:extLst>
         </p:spPr>
         <p:txBody>
           <a:bodyPr/>
@@ -27910,7 +25823,7 @@
                 <a:ea typeface="宋体" panose="02010600030101010101" pitchFamily="2" charset="-122"/>
               </a:defRPr>
             </a:lvl1pPr>
-            <a:lvl2pPr marL="742920" indent="-285738">
+            <a:lvl2pPr marL="742950" indent="-285750">
               <a:spcBef>
                 <a:spcPct val="20000"/>
               </a:spcBef>
@@ -27924,7 +25837,7 @@
                 <a:ea typeface="宋体" panose="02010600030101010101" pitchFamily="2" charset="-122"/>
               </a:defRPr>
             </a:lvl2pPr>
-            <a:lvl3pPr marL="1142953" indent="-228591">
+            <a:lvl3pPr marL="1143000" indent="-228600">
               <a:spcBef>
                 <a:spcPct val="20000"/>
               </a:spcBef>
@@ -27938,7 +25851,7 @@
                 <a:ea typeface="宋体" panose="02010600030101010101" pitchFamily="2" charset="-122"/>
               </a:defRPr>
             </a:lvl3pPr>
-            <a:lvl4pPr marL="1600135" indent="-228591">
+            <a:lvl4pPr marL="1600200" indent="-228600">
               <a:spcBef>
                 <a:spcPct val="20000"/>
               </a:spcBef>
@@ -27952,7 +25865,7 @@
                 <a:ea typeface="宋体" panose="02010600030101010101" pitchFamily="2" charset="-122"/>
               </a:defRPr>
             </a:lvl4pPr>
-            <a:lvl5pPr marL="2057315" indent="-228591">
+            <a:lvl5pPr marL="2057400" indent="-228600">
               <a:spcBef>
                 <a:spcPct val="20000"/>
               </a:spcBef>
@@ -27966,7 +25879,7 @@
                 <a:ea typeface="宋体" panose="02010600030101010101" pitchFamily="2" charset="-122"/>
               </a:defRPr>
             </a:lvl5pPr>
-            <a:lvl6pPr marL="2514497" indent="-228591" eaLnBrk="0" fontAlgn="base" hangingPunct="0">
+            <a:lvl6pPr marL="2514600" indent="-228600" eaLnBrk="0" fontAlgn="base" hangingPunct="0">
               <a:spcBef>
                 <a:spcPct val="20000"/>
               </a:spcBef>
@@ -27983,7 +25896,7 @@
                 <a:ea typeface="宋体" panose="02010600030101010101" pitchFamily="2" charset="-122"/>
               </a:defRPr>
             </a:lvl6pPr>
-            <a:lvl7pPr marL="2971678" indent="-228591" eaLnBrk="0" fontAlgn="base" hangingPunct="0">
+            <a:lvl7pPr marL="2971800" indent="-228600" eaLnBrk="0" fontAlgn="base" hangingPunct="0">
               <a:spcBef>
                 <a:spcPct val="20000"/>
               </a:spcBef>
@@ -28000,7 +25913,7 @@
                 <a:ea typeface="宋体" panose="02010600030101010101" pitchFamily="2" charset="-122"/>
               </a:defRPr>
             </a:lvl7pPr>
-            <a:lvl8pPr marL="3428859" indent="-228591" eaLnBrk="0" fontAlgn="base" hangingPunct="0">
+            <a:lvl8pPr marL="3429000" indent="-228600" eaLnBrk="0" fontAlgn="base" hangingPunct="0">
               <a:spcBef>
                 <a:spcPct val="20000"/>
               </a:spcBef>
@@ -28017,7 +25930,7 @@
                 <a:ea typeface="宋体" panose="02010600030101010101" pitchFamily="2" charset="-122"/>
               </a:defRPr>
             </a:lvl8pPr>
-            <a:lvl9pPr marL="3886041" indent="-228591" eaLnBrk="0" fontAlgn="base" hangingPunct="0">
+            <a:lvl9pPr marL="3886200" indent="-228600" eaLnBrk="0" fontAlgn="base" hangingPunct="0">
               <a:spcBef>
                 <a:spcPct val="20000"/>
               </a:spcBef>
@@ -28049,14 +25962,6 @@
                   <a:srgbClr val="898989"/>
                 </a:solidFill>
               </a:rPr>
-              <a:pPr>
-                <a:spcBef>
-                  <a:spcPct val="0"/>
-                </a:spcBef>
-                <a:buFontTx/>
-                <a:buNone/>
-              </a:pPr>
-              <a:t>8</a:t>
             </a:fld>
             <a:endParaRPr lang="zh-CN" altLang="en-US" sz="1200" dirty="0">
               <a:solidFill>
@@ -28075,7 +25980,7 @@
           <p:nvPr/>
         </p:nvPicPr>
         <p:blipFill>
-          <a:blip r:embed="rId3" cstate="print">
+          <a:blip r:embed="rId1" cstate="print">
             <a:extLst>
               <a:ext uri="{28A0092B-C50C-407E-A947-70E740481C1C}">
                 <a14:useLocalDpi xmlns:a14="http://schemas.microsoft.com/office/drawing/2010/main" val="0"/>
@@ -28099,39 +26004,12 @@
           <a:ln>
             <a:noFill/>
           </a:ln>
-          <a:extLst>
-            <a:ext uri="{909E8E84-426E-40dd-AFC4-6F175D3DCCD1}">
-              <a14:hiddenFill xmlns:a14="http://schemas.microsoft.com/office/drawing/2010/main" xmlns="">
-                <a:solidFill>
-                  <a:srgbClr val="FFFFFF"/>
-                </a:solidFill>
-              </a14:hiddenFill>
-            </a:ext>
-            <a:ext uri="{91240B29-F687-4f45-9708-019B960494DF}">
-              <a14:hiddenLine xmlns:a14="http://schemas.microsoft.com/office/drawing/2010/main" xmlns="" w="9525">
-                <a:solidFill>
-                  <a:srgbClr val="000000"/>
-                </a:solidFill>
-                <a:miter lim="800000"/>
-                <a:headEnd/>
-                <a:tailEnd/>
-              </a14:hiddenLine>
-            </a:ext>
-          </a:extLst>
         </p:spPr>
       </p:pic>
       <p:sp>
         <p:nvSpPr>
-          <p:cNvPr id="6" name="Subtitle 2">
-            <a:extLst>
-              <a:ext uri="{FF2B5EF4-FFF2-40B4-BE49-F238E27FC236}">
-                <a16:creationId xmlns:a16="http://schemas.microsoft.com/office/drawing/2014/main" id="{5B72932F-F3D6-46BF-9A61-0930A2E33BD6}"/>
-              </a:ext>
-            </a:extLst>
-          </p:cNvPr>
-          <p:cNvSpPr txBox="1">
-            <a:spLocks/>
-          </p:cNvSpPr>
+          <p:cNvPr id="6" name="Subtitle 2"/>
+          <p:cNvSpPr txBox="1"/>
           <p:nvPr/>
         </p:nvSpPr>
         <p:spPr bwMode="auto">
@@ -28167,11 +26045,7 @@
           </a:extLst>
         </p:spPr>
         <p:txBody>
-          <a:bodyPr vert="horz" wrap="square" lIns="91440" tIns="45720" rIns="91440" bIns="45720" numCol="1" anchor="t" anchorCtr="0" compatLnSpc="1">
-            <a:prstTxWarp prst="textNoShape">
-              <a:avLst/>
-            </a:prstTxWarp>
-          </a:bodyPr>
+          <a:bodyPr vert="horz" wrap="square" lIns="91440" tIns="45720" rIns="91440" bIns="45720" numCol="1" anchor="t" anchorCtr="0" compatLnSpc="1"/>
           <a:lstStyle>
             <a:lvl1pPr marL="342900" indent="-342900" algn="l" rtl="0" eaLnBrk="0" fontAlgn="base" hangingPunct="0">
               <a:spcBef>
@@ -28290,7 +26164,7 @@
                 <a:schemeClr val="tx2"/>
               </a:buClr>
               <a:buSzPct val="70000"/>
-              <a:buFont typeface="Wingdings" pitchFamily="2" charset="2"/>
+              <a:buFont typeface="Wingdings" panose="05000000000000000000" pitchFamily="2" charset="2"/>
               <a:buChar char="¡"/>
               <a:defRPr sz="1600">
                 <a:solidFill>
@@ -28311,7 +26185,7 @@
                 <a:schemeClr val="tx2"/>
               </a:buClr>
               <a:buSzPct val="70000"/>
-              <a:buFont typeface="Wingdings" pitchFamily="2" charset="2"/>
+              <a:buFont typeface="Wingdings" panose="05000000000000000000" pitchFamily="2" charset="2"/>
               <a:buChar char="¡"/>
               <a:defRPr sz="1600">
                 <a:solidFill>
@@ -28332,7 +26206,7 @@
                 <a:schemeClr val="tx2"/>
               </a:buClr>
               <a:buSzPct val="70000"/>
-              <a:buFont typeface="Wingdings" pitchFamily="2" charset="2"/>
+              <a:buFont typeface="Wingdings" panose="05000000000000000000" pitchFamily="2" charset="2"/>
               <a:buChar char="¡"/>
               <a:defRPr sz="1600">
                 <a:solidFill>
@@ -28353,7 +26227,7 @@
                 <a:schemeClr val="tx2"/>
               </a:buClr>
               <a:buSzPct val="70000"/>
-              <a:buFont typeface="Wingdings" pitchFamily="2" charset="2"/>
+              <a:buFont typeface="Wingdings" panose="05000000000000000000" pitchFamily="2" charset="2"/>
               <a:buChar char="¡"/>
               <a:defRPr sz="1600">
                 <a:solidFill>
@@ -28381,7 +26255,6 @@
               <a:buSzPct val="70000"/>
               <a:buFont typeface="Wingdings" panose="05000000000000000000" pitchFamily="2" charset="2"/>
               <a:buChar char="n"/>
-              <a:tabLst/>
               <a:defRPr/>
             </a:pPr>
             <a:r>
@@ -28395,8 +26268,8 @@
                 <a:effectLst/>
                 <a:uLnTx/>
                 <a:uFillTx/>
-                <a:latin typeface="Arial"/>
-                <a:ea typeface="宋体"/>
+                <a:latin typeface="Arial" panose="020B0604020202020204"/>
+                <a:ea typeface="宋体" panose="02010600030101010101" pitchFamily="2" charset="-122"/>
                 <a:cs typeface="+mn-cs"/>
               </a:rPr>
               <a:t>主要内容</a:t>
@@ -28411,8 +26284,8 @@
               <a:effectLst/>
               <a:uLnTx/>
               <a:uFillTx/>
-              <a:latin typeface="Arial"/>
-              <a:ea typeface="宋体"/>
+              <a:latin typeface="Arial" panose="020B0604020202020204"/>
+              <a:ea typeface="宋体" panose="02010600030101010101" pitchFamily="2" charset="-122"/>
               <a:cs typeface="+mn-cs"/>
             </a:endParaRPr>
           </a:p>
@@ -28561,11 +26434,6 @@
         </p:txBody>
       </p:sp>
     </p:spTree>
-    <p:extLst>
-      <p:ext uri="{BB962C8B-B14F-4D97-AF65-F5344CB8AC3E}">
-        <p14:creationId xmlns:p14="http://schemas.microsoft.com/office/powerpoint/2010/main" val="2022811612"/>
-      </p:ext>
-    </p:extLst>
   </p:cSld>
   <p:clrMapOvr>
     <a:masterClrMapping/>
@@ -28610,25 +26478,6 @@
           <a:ln>
             <a:noFill/>
           </a:ln>
-          <a:extLst>
-            <a:ext uri="{909E8E84-426E-40dd-AFC4-6F175D3DCCD1}">
-              <a14:hiddenFill xmlns="" xmlns:a14="http://schemas.microsoft.com/office/drawing/2010/main">
-                <a:solidFill>
-                  <a:srgbClr val="FFFFFF"/>
-                </a:solidFill>
-              </a14:hiddenFill>
-            </a:ext>
-            <a:ext uri="{91240B29-F687-4f45-9708-019B960494DF}">
-              <a14:hiddenLine xmlns="" xmlns:a14="http://schemas.microsoft.com/office/drawing/2010/main" w="9525">
-                <a:solidFill>
-                  <a:srgbClr val="000000"/>
-                </a:solidFill>
-                <a:miter lim="800000"/>
-                <a:headEnd/>
-                <a:tailEnd/>
-              </a14:hiddenLine>
-            </a:ext>
-          </a:extLst>
         </p:spPr>
         <p:txBody>
           <a:bodyPr wrap="square" lIns="91436" tIns="45718" rIns="91436" bIns="45718">
@@ -28792,6 +26641,13 @@
               </a:rPr>
               <a:t>领导者选举算法</a:t>
             </a:r>
+            <a:endParaRPr lang="zh-CN" altLang="en-US" b="1" dirty="0">
+              <a:solidFill>
+                <a:srgbClr val="002060"/>
+              </a:solidFill>
+              <a:latin typeface="微软雅黑" panose="020B0503020204020204" pitchFamily="34" charset="-122"/>
+              <a:ea typeface="微软雅黑" panose="020B0503020204020204" pitchFamily="34" charset="-122"/>
+            </a:endParaRPr>
           </a:p>
         </p:txBody>
       </p:sp>
@@ -28811,25 +26667,6 @@
             <a:ext cx="2133600" cy="365125"/>
           </a:xfrm>
           <a:noFill/>
-          <a:extLst>
-            <a:ext uri="{909E8E84-426E-40dd-AFC4-6F175D3DCCD1}">
-              <a14:hiddenFill xmlns="" xmlns:a14="http://schemas.microsoft.com/office/drawing/2010/main">
-                <a:solidFill>
-                  <a:srgbClr val="FFFFFF"/>
-                </a:solidFill>
-              </a14:hiddenFill>
-            </a:ext>
-            <a:ext uri="{91240B29-F687-4f45-9708-019B960494DF}">
-              <a14:hiddenLine xmlns="" xmlns:a14="http://schemas.microsoft.com/office/drawing/2010/main" w="9525">
-                <a:solidFill>
-                  <a:srgbClr val="000000"/>
-                </a:solidFill>
-                <a:miter lim="800000"/>
-                <a:headEnd/>
-                <a:tailEnd/>
-              </a14:hiddenLine>
-            </a:ext>
-          </a:extLst>
         </p:spPr>
         <p:txBody>
           <a:bodyPr/>
@@ -28848,7 +26685,7 @@
                 <a:ea typeface="宋体" panose="02010600030101010101" pitchFamily="2" charset="-122"/>
               </a:defRPr>
             </a:lvl1pPr>
-            <a:lvl2pPr marL="742920" indent="-285738">
+            <a:lvl2pPr marL="742950" indent="-285750">
               <a:spcBef>
                 <a:spcPct val="20000"/>
               </a:spcBef>
@@ -28862,7 +26699,7 @@
                 <a:ea typeface="宋体" panose="02010600030101010101" pitchFamily="2" charset="-122"/>
               </a:defRPr>
             </a:lvl2pPr>
-            <a:lvl3pPr marL="1142953" indent="-228591">
+            <a:lvl3pPr marL="1143000" indent="-228600">
               <a:spcBef>
                 <a:spcPct val="20000"/>
               </a:spcBef>
@@ -28876,7 +26713,7 @@
                 <a:ea typeface="宋体" panose="02010600030101010101" pitchFamily="2" charset="-122"/>
               </a:defRPr>
             </a:lvl3pPr>
-            <a:lvl4pPr marL="1600135" indent="-228591">
+            <a:lvl4pPr marL="1600200" indent="-228600">
               <a:spcBef>
                 <a:spcPct val="20000"/>
               </a:spcBef>
@@ -28890,7 +26727,7 @@
                 <a:ea typeface="宋体" panose="02010600030101010101" pitchFamily="2" charset="-122"/>
               </a:defRPr>
             </a:lvl4pPr>
-            <a:lvl5pPr marL="2057315" indent="-228591">
+            <a:lvl5pPr marL="2057400" indent="-228600">
               <a:spcBef>
                 <a:spcPct val="20000"/>
               </a:spcBef>
@@ -28904,7 +26741,7 @@
                 <a:ea typeface="宋体" panose="02010600030101010101" pitchFamily="2" charset="-122"/>
               </a:defRPr>
             </a:lvl5pPr>
-            <a:lvl6pPr marL="2514497" indent="-228591" eaLnBrk="0" fontAlgn="base" hangingPunct="0">
+            <a:lvl6pPr marL="2514600" indent="-228600" eaLnBrk="0" fontAlgn="base" hangingPunct="0">
               <a:spcBef>
                 <a:spcPct val="20000"/>
               </a:spcBef>
@@ -28921,7 +26758,7 @@
                 <a:ea typeface="宋体" panose="02010600030101010101" pitchFamily="2" charset="-122"/>
               </a:defRPr>
             </a:lvl6pPr>
-            <a:lvl7pPr marL="2971678" indent="-228591" eaLnBrk="0" fontAlgn="base" hangingPunct="0">
+            <a:lvl7pPr marL="2971800" indent="-228600" eaLnBrk="0" fontAlgn="base" hangingPunct="0">
               <a:spcBef>
                 <a:spcPct val="20000"/>
               </a:spcBef>
@@ -28938,7 +26775,7 @@
                 <a:ea typeface="宋体" panose="02010600030101010101" pitchFamily="2" charset="-122"/>
               </a:defRPr>
             </a:lvl7pPr>
-            <a:lvl8pPr marL="3428859" indent="-228591" eaLnBrk="0" fontAlgn="base" hangingPunct="0">
+            <a:lvl8pPr marL="3429000" indent="-228600" eaLnBrk="0" fontAlgn="base" hangingPunct="0">
               <a:spcBef>
                 <a:spcPct val="20000"/>
               </a:spcBef>
@@ -28955,7 +26792,7 @@
                 <a:ea typeface="宋体" panose="02010600030101010101" pitchFamily="2" charset="-122"/>
               </a:defRPr>
             </a:lvl8pPr>
-            <a:lvl9pPr marL="3886041" indent="-228591" eaLnBrk="0" fontAlgn="base" hangingPunct="0">
+            <a:lvl9pPr marL="3886200" indent="-228600" eaLnBrk="0" fontAlgn="base" hangingPunct="0">
               <a:spcBef>
                 <a:spcPct val="20000"/>
               </a:spcBef>
@@ -28987,14 +26824,6 @@
                   <a:srgbClr val="898989"/>
                 </a:solidFill>
               </a:rPr>
-              <a:pPr>
-                <a:spcBef>
-                  <a:spcPct val="0"/>
-                </a:spcBef>
-                <a:buFontTx/>
-                <a:buNone/>
-              </a:pPr>
-              <a:t>9</a:t>
             </a:fld>
             <a:endParaRPr lang="zh-CN" altLang="en-US" sz="1200" dirty="0">
               <a:solidFill>
@@ -29013,7 +26842,7 @@
           <p:nvPr/>
         </p:nvPicPr>
         <p:blipFill>
-          <a:blip r:embed="rId3" cstate="print">
+          <a:blip r:embed="rId1" cstate="print">
             <a:extLst>
               <a:ext uri="{28A0092B-C50C-407E-A947-70E740481C1C}">
                 <a14:useLocalDpi xmlns:a14="http://schemas.microsoft.com/office/drawing/2010/main" val="0"/>
@@ -29037,35 +26866,16 @@
           <a:ln>
             <a:noFill/>
           </a:ln>
-          <a:extLst>
-            <a:ext uri="{909E8E84-426E-40dd-AFC4-6F175D3DCCD1}">
-              <a14:hiddenFill xmlns="" xmlns:a14="http://schemas.microsoft.com/office/drawing/2010/main">
-                <a:solidFill>
-                  <a:srgbClr val="FFFFFF"/>
-                </a:solidFill>
-              </a14:hiddenFill>
-            </a:ext>
-            <a:ext uri="{91240B29-F687-4f45-9708-019B960494DF}">
-              <a14:hiddenLine xmlns="" xmlns:a14="http://schemas.microsoft.com/office/drawing/2010/main" w="9525">
-                <a:solidFill>
-                  <a:srgbClr val="000000"/>
-                </a:solidFill>
-                <a:miter lim="800000"/>
-                <a:headEnd/>
-                <a:tailEnd/>
-              </a14:hiddenLine>
-            </a:ext>
-          </a:extLst>
         </p:spPr>
       </p:pic>
-      <mc:AlternateContent xmlns:mc="http://schemas.openxmlformats.org/markup-compatibility/2006" xmlns:a14="http://schemas.microsoft.com/office/drawing/2010/main">
-        <mc:Choice Requires="a14">
+      <mc:AlternateContent xmlns:mc="http://schemas.openxmlformats.org/markup-compatibility/2006">
+        <mc:Choice xmlns:a14="http://schemas.microsoft.com/office/drawing/2010/main" Requires="a14">
           <p:sp>
             <p:nvSpPr>
               <p:cNvPr id="6" name="Subtitle 2">
                 <a:extLst>
                   <a:ext uri="{FF2B5EF4-FFF2-40B4-BE49-F238E27FC236}">
-                    <a16:creationId xmlns:a16="http://schemas.microsoft.com/office/drawing/2014/main" id="{5B72932F-F3D6-46BF-9A61-0930A2E33BD6}"/>
+                    <ele attr="{5B72932F-F3D6-46BF-9A61-0930A2E33BD6}"/>
                   </a:ext>
                 </a:extLst>
               </p:cNvPr>
@@ -29863,16 +27673,10 @@
             </p:txBody>
           </p:sp>
         </mc:Choice>
-        <mc:Fallback xmlns="">
+        <mc:Fallback>
           <p:sp>
             <p:nvSpPr>
-              <p:cNvPr id="6" name="Subtitle 2">
-                <a:extLst>
-                  <a:ext uri="{FF2B5EF4-FFF2-40B4-BE49-F238E27FC236}">
-                    <a16:creationId xmlns:a16="http://schemas.microsoft.com/office/drawing/2014/main" id="{5B72932F-F3D6-46BF-9A61-0930A2E33BD6}"/>
-                  </a:ext>
-                </a:extLst>
-              </p:cNvPr>
+              <p:cNvPr id="6" name="Subtitle 2"/>
               <p:cNvSpPr txBox="1">
                 <a:spLocks noRot="1" noChangeAspect="1" noMove="1" noResize="1" noEditPoints="1" noAdjustHandles="1" noChangeArrowheads="1" noChangeShapeType="1" noTextEdit="1"/>
               </p:cNvSpPr>
@@ -29886,8 +27690,8 @@
               <a:prstGeom prst="rect">
                 <a:avLst/>
               </a:prstGeom>
-              <a:blipFill>
-                <a:blip r:embed="rId4"/>
+              <a:blipFill rotWithShape="1">
+                <a:blip r:embed="rId2"/>
                 <a:stretch>
                   <a:fillRect l="-608" t="-1141"/>
                 </a:stretch>
@@ -29925,17 +27729,15 @@
                   </a:rPr>
                   <a:t> </a:t>
                 </a:r>
+                <a:endParaRPr lang="zh-CN" altLang="en-US">
+                  <a:noFill/>
+                </a:endParaRPr>
               </a:p>
             </p:txBody>
           </p:sp>
         </mc:Fallback>
       </mc:AlternateContent>
     </p:spTree>
-    <p:extLst>
-      <p:ext uri="{BB962C8B-B14F-4D97-AF65-F5344CB8AC3E}">
-        <p14:creationId xmlns:p14="http://schemas.microsoft.com/office/powerpoint/2010/main" val="3876909841"/>
-      </p:ext>
-    </p:extLst>
   </p:cSld>
   <p:clrMapOvr>
     <a:masterClrMapping/>
@@ -30223,8 +28025,11 @@
       </a:bgFillStyleLst>
     </a:fmtScheme>
   </a:themeElements>
-  <a:objectDefaults/>
-  <a:extraClrSchemeLst/>
+  <a:extLst>
+    <a:ext uri="{05A4C25C-085E-4340-85A3-A5531E510DB2}">
+      <thm15:themeFamily xmlns:thm15="http://schemas.microsoft.com/office/thememl/2012/main" name="Office Theme" id="{62F939B6-93AF-4DB8-9C6B-D6C7DFDC589F}" vid="{4A3C46E8-61CC-4603-A589-7422A47A8E4A}"/>
+    </a:ext>
+  </a:extLst>
 </a:theme>
 </file>
 
@@ -30508,8 +28313,11 @@
       </a:bgFillStyleLst>
     </a:fmtScheme>
   </a:themeElements>
-  <a:objectDefaults/>
-  <a:extraClrSchemeLst/>
+  <a:extLst>
+    <a:ext uri="{05A4C25C-085E-4340-85A3-A5531E510DB2}">
+      <thm15:themeFamily xmlns:thm15="http://schemas.microsoft.com/office/thememl/2012/main" name="Office Theme" id="{62F939B6-93AF-4DB8-9C6B-D6C7DFDC589F}" vid="{4A3C46E8-61CC-4603-A589-7422A47A8E4A}"/>
+    </a:ext>
+  </a:extLst>
 </a:theme>
 </file>
 
@@ -30793,7 +28601,10 @@
       </a:bgFillStyleLst>
     </a:fmtScheme>
   </a:themeElements>
-  <a:objectDefaults/>
-  <a:extraClrSchemeLst/>
+  <a:extLst>
+    <a:ext uri="{05A4C25C-085E-4340-85A3-A5531E510DB2}">
+      <thm15:themeFamily xmlns:thm15="http://schemas.microsoft.com/office/thememl/2012/main" name="Office Theme" id="{62F939B6-93AF-4DB8-9C6B-D6C7DFDC589F}" vid="{4A3C46E8-61CC-4603-A589-7422A47A8E4A}"/>
+    </a:ext>
+  </a:extLst>
 </a:theme>
 </file>